--- a/REVUES/REVUE ANALYSE/RevueAnalysePPT.pptx
+++ b/REVUES/REVUE ANALYSE/RevueAnalysePPT.pptx
@@ -397,13 +397,18 @@
             <a:fld id="{CB283655-4BFB-43B1-BAF6-B56C5128041C}" type="slidenum">
               <a:rPr lang="fr-FR"/>
               <a:pPr/>
-              <a:t>‹N°›</a:t>
+              <a:t>‹#›</a:t>
             </a:fld>
             <a:endParaRPr lang="fr-FR"/>
           </a:p>
         </p:txBody>
       </p:sp>
     </p:spTree>
+    <p:extLst>
+      <p:ext uri="{BB962C8B-B14F-4D97-AF65-F5344CB8AC3E}">
+        <p14:creationId xmlns:p14="http://schemas.microsoft.com/office/powerpoint/2010/main" val="3529233460"/>
+      </p:ext>
+    </p:extLst>
   </p:cSld>
   <p:clrMap bg1="lt1" tx1="dk1" bg2="lt2" tx2="dk2" accent1="accent1" accent2="accent2" accent3="accent3" accent4="accent4" accent5="accent5" accent6="accent6" hlink="hlink" folHlink="folHlink"/>
 </p:handoutMaster>
@@ -544,7 +549,7 @@
         <p:nvSpPr>
           <p:cNvPr id="14340" name="Rectangle 4"/>
           <p:cNvSpPr>
-            <a:spLocks noRot="1" noChangeArrowheads="1" noTextEdit="1"/>
+            <a:spLocks noGrp="1" noRot="1" noChangeAspect="1" noChangeArrowheads="1" noTextEdit="1"/>
           </p:cNvSpPr>
           <p:nvPr>
             <p:ph type="sldImg" idx="2"/>
@@ -739,13 +744,18 @@
             <a:fld id="{833C8364-6B03-4B98-A245-7B0F0BD81F7E}" type="slidenum">
               <a:rPr lang="fr-FR"/>
               <a:pPr/>
-              <a:t>‹N°›</a:t>
+              <a:t>‹#›</a:t>
             </a:fld>
             <a:endParaRPr lang="fr-FR"/>
           </a:p>
         </p:txBody>
       </p:sp>
     </p:spTree>
+    <p:extLst>
+      <p:ext uri="{BB962C8B-B14F-4D97-AF65-F5344CB8AC3E}">
+        <p14:creationId xmlns:p14="http://schemas.microsoft.com/office/powerpoint/2010/main" val="2452365414"/>
+      </p:ext>
+    </p:extLst>
   </p:cSld>
   <p:clrMap bg1="lt1" tx1="dk1" bg2="lt2" tx2="dk2" accent1="accent1" accent2="accent2" accent3="accent3" accent4="accent4" accent5="accent5" accent6="accent6" hlink="hlink" folHlink="folHlink"/>
   <p:notesStyle>
@@ -920,7 +930,7 @@
         <p:nvSpPr>
           <p:cNvPr id="16386" name="Rectangle 2"/>
           <p:cNvSpPr>
-            <a:spLocks noRot="1" noChangeArrowheads="1" noTextEdit="1"/>
+            <a:spLocks noGrp="1" noRot="1" noChangeAspect="1" noChangeArrowheads="1" noTextEdit="1"/>
           </p:cNvSpPr>
           <p:nvPr>
             <p:ph type="sldImg"/>
@@ -1010,7 +1020,7 @@
         <p:nvSpPr>
           <p:cNvPr id="18434" name="Rectangle 2"/>
           <p:cNvSpPr>
-            <a:spLocks noRot="1" noChangeArrowheads="1" noTextEdit="1"/>
+            <a:spLocks noGrp="1" noRot="1" noChangeAspect="1" noChangeArrowheads="1" noTextEdit="1"/>
           </p:cNvSpPr>
           <p:nvPr>
             <p:ph type="sldImg"/>
@@ -1100,7 +1110,7 @@
         <p:nvSpPr>
           <p:cNvPr id="20482" name="Rectangle 2"/>
           <p:cNvSpPr>
-            <a:spLocks noRot="1" noChangeArrowheads="1" noTextEdit="1"/>
+            <a:spLocks noGrp="1" noRot="1" noChangeAspect="1" noChangeArrowheads="1" noTextEdit="1"/>
           </p:cNvSpPr>
           <p:nvPr>
             <p:ph type="sldImg"/>
@@ -1190,7 +1200,7 @@
         <p:nvSpPr>
           <p:cNvPr id="22530" name="Rectangle 2"/>
           <p:cNvSpPr>
-            <a:spLocks noRot="1" noChangeArrowheads="1" noTextEdit="1"/>
+            <a:spLocks noGrp="1" noRot="1" noChangeAspect="1" noChangeArrowheads="1" noTextEdit="1"/>
           </p:cNvSpPr>
           <p:nvPr>
             <p:ph type="sldImg"/>
@@ -1280,7 +1290,7 @@
         <p:nvSpPr>
           <p:cNvPr id="24578" name="Rectangle 2"/>
           <p:cNvSpPr>
-            <a:spLocks noRot="1" noChangeArrowheads="1" noTextEdit="1"/>
+            <a:spLocks noGrp="1" noRot="1" noChangeAspect="1" noChangeArrowheads="1" noTextEdit="1"/>
           </p:cNvSpPr>
           <p:nvPr>
             <p:ph type="sldImg"/>
@@ -1505,7 +1515,7 @@
             <a:fld id="{FFA7CAA4-E192-42FB-A5C2-29EE6B338226}" type="datetimeFigureOut">
               <a:rPr lang="en-US"/>
               <a:pPr/>
-              <a:t>1/30/2013</a:t>
+              <a:t>31/01/13</a:t>
             </a:fld>
             <a:endParaRPr lang="en-US"/>
           </a:p>
@@ -1563,7 +1573,7 @@
             <a:fld id="{B022ABEC-0C82-4DE7-9A23-828F0BC36F42}" type="slidenum">
               <a:rPr lang="en-US"/>
               <a:pPr/>
-              <a:t>‹N°›</a:t>
+              <a:t>‹#›</a:t>
             </a:fld>
             <a:endParaRPr lang="en-US"/>
           </a:p>
@@ -1574,7 +1584,7 @@
   <p:clrMapOvr>
     <a:overrideClrMapping bg1="dk1" tx1="lt1" bg2="dk2" tx2="lt2" accent1="accent1" accent2="accent2" accent3="accent3" accent4="accent4" accent5="accent5" accent6="accent6" hlink="hlink" folHlink="folHlink"/>
   </p:clrMapOvr>
-  <p:transition spd="med">
+  <p:transition xmlns:p14="http://schemas.microsoft.com/office/powerpoint/2010/main" spd="med">
     <p:newsflash/>
   </p:transition>
 </p:sldLayout>
@@ -1694,7 +1704,7 @@
             <a:fld id="{4A061154-22B2-4010-9DA2-5655ABCEF8F8}" type="datetimeFigureOut">
               <a:rPr lang="en-US"/>
               <a:pPr/>
-              <a:t>1/30/2013</a:t>
+              <a:t>31/01/13</a:t>
             </a:fld>
             <a:endParaRPr lang="en-US"/>
           </a:p>
@@ -1748,7 +1758,7 @@
             <a:fld id="{75C09270-A19E-4E4E-859A-B8BA672EE28D}" type="slidenum">
               <a:rPr lang="en-US"/>
               <a:pPr/>
-              <a:t>‹N°›</a:t>
+              <a:t>‹#›</a:t>
             </a:fld>
             <a:endParaRPr lang="en-US"/>
           </a:p>
@@ -1759,7 +1769,7 @@
   <p:clrMapOvr>
     <a:masterClrMapping/>
   </p:clrMapOvr>
-  <p:transition spd="med">
+  <p:transition xmlns:p14="http://schemas.microsoft.com/office/powerpoint/2010/main" spd="med">
     <p:newsflash/>
   </p:transition>
 </p:sldLayout>
@@ -1889,7 +1899,7 @@
             <a:fld id="{BE2AE80A-E551-4396-8318-DC031FB32674}" type="datetimeFigureOut">
               <a:rPr lang="en-US"/>
               <a:pPr/>
-              <a:t>1/30/2013</a:t>
+              <a:t>31/01/13</a:t>
             </a:fld>
             <a:endParaRPr lang="en-US"/>
           </a:p>
@@ -1943,7 +1953,7 @@
             <a:fld id="{564B8AF4-DF85-402E-AB52-002854EAA7AD}" type="slidenum">
               <a:rPr lang="en-US"/>
               <a:pPr/>
-              <a:t>‹N°›</a:t>
+              <a:t>‹#›</a:t>
             </a:fld>
             <a:endParaRPr lang="en-US"/>
           </a:p>
@@ -1954,7 +1964,7 @@
   <p:clrMapOvr>
     <a:masterClrMapping/>
   </p:clrMapOvr>
-  <p:transition spd="med">
+  <p:transition xmlns:p14="http://schemas.microsoft.com/office/powerpoint/2010/main" spd="med">
     <p:newsflash/>
   </p:transition>
 </p:sldLayout>
@@ -2074,7 +2084,7 @@
             <a:fld id="{3BF66540-3958-43A9-8018-4B512397F595}" type="datetimeFigureOut">
               <a:rPr lang="en-US"/>
               <a:pPr/>
-              <a:t>1/30/2013</a:t>
+              <a:t>31/01/13</a:t>
             </a:fld>
             <a:endParaRPr lang="en-US"/>
           </a:p>
@@ -2128,7 +2138,7 @@
             <a:fld id="{AFAE7D39-CAA9-4AC1-AA75-96D3F5EA852F}" type="slidenum">
               <a:rPr lang="en-US"/>
               <a:pPr/>
-              <a:t>‹N°›</a:t>
+              <a:t>‹#›</a:t>
             </a:fld>
             <a:endParaRPr lang="en-US"/>
           </a:p>
@@ -2139,7 +2149,7 @@
   <p:clrMapOvr>
     <a:masterClrMapping/>
   </p:clrMapOvr>
-  <p:transition spd="med">
+  <p:transition xmlns:p14="http://schemas.microsoft.com/office/powerpoint/2010/main" spd="med">
     <p:newsflash/>
   </p:transition>
 </p:sldLayout>
@@ -2340,7 +2350,7 @@
             <a:fld id="{6D3EE326-B164-4A4F-9829-97243102166A}" type="datetimeFigureOut">
               <a:rPr lang="en-US"/>
               <a:pPr/>
-              <a:t>1/30/2013</a:t>
+              <a:t>31/01/13</a:t>
             </a:fld>
             <a:endParaRPr lang="en-US"/>
           </a:p>
@@ -2398,7 +2408,7 @@
             <a:fld id="{C3BC941E-3B8E-4060-A1EF-6CB7ACDB9521}" type="slidenum">
               <a:rPr lang="en-US"/>
               <a:pPr/>
-              <a:t>‹N°›</a:t>
+              <a:t>‹#›</a:t>
             </a:fld>
             <a:endParaRPr lang="en-US"/>
           </a:p>
@@ -2409,7 +2419,7 @@
   <p:clrMapOvr>
     <a:overrideClrMapping bg1="dk1" tx1="lt1" bg2="dk2" tx2="lt2" accent1="accent1" accent2="accent2" accent3="accent3" accent4="accent4" accent5="accent5" accent6="accent6" hlink="hlink" folHlink="folHlink"/>
   </p:clrMapOvr>
-  <p:transition spd="med">
+  <p:transition xmlns:p14="http://schemas.microsoft.com/office/powerpoint/2010/main" spd="med">
     <p:newsflash/>
   </p:transition>
 </p:sldLayout>
@@ -2628,7 +2638,7 @@
             <a:fld id="{175A9C87-D47A-4418-AB09-19695570CFDD}" type="datetimeFigureOut">
               <a:rPr lang="en-US"/>
               <a:pPr/>
-              <a:t>1/30/2013</a:t>
+              <a:t>31/01/13</a:t>
             </a:fld>
             <a:endParaRPr lang="en-US"/>
           </a:p>
@@ -2682,7 +2692,7 @@
             <a:fld id="{5F149E4C-DB7C-4EAB-8380-53089229E982}" type="slidenum">
               <a:rPr lang="en-US"/>
               <a:pPr/>
-              <a:t>‹N°›</a:t>
+              <a:t>‹#›</a:t>
             </a:fld>
             <a:endParaRPr lang="en-US"/>
           </a:p>
@@ -2693,7 +2703,7 @@
   <p:clrMapOvr>
     <a:masterClrMapping/>
   </p:clrMapOvr>
-  <p:transition spd="med">
+  <p:transition xmlns:p14="http://schemas.microsoft.com/office/powerpoint/2010/main" spd="med">
     <p:newsflash/>
   </p:transition>
 </p:sldLayout>
@@ -3026,7 +3036,7 @@
             <a:fld id="{F83D2B49-170F-466A-9FEC-6BD4CF3066F4}" type="datetimeFigureOut">
               <a:rPr lang="en-US"/>
               <a:pPr/>
-              <a:t>1/30/2013</a:t>
+              <a:t>31/01/13</a:t>
             </a:fld>
             <a:endParaRPr lang="en-US"/>
           </a:p>
@@ -3080,7 +3090,7 @@
             <a:fld id="{2D81E788-8B99-47B2-A962-4F70A8426A1E}" type="slidenum">
               <a:rPr lang="en-US"/>
               <a:pPr/>
-              <a:t>‹N°›</a:t>
+              <a:t>‹#›</a:t>
             </a:fld>
             <a:endParaRPr lang="en-US"/>
           </a:p>
@@ -3091,7 +3101,7 @@
   <p:clrMapOvr>
     <a:masterClrMapping/>
   </p:clrMapOvr>
-  <p:transition spd="med">
+  <p:transition xmlns:p14="http://schemas.microsoft.com/office/powerpoint/2010/main" spd="med">
     <p:newsflash/>
   </p:transition>
 </p:sldLayout>
@@ -3196,7 +3206,7 @@
             <a:fld id="{D582C179-A61B-4FA7-B28B-08EC0CA48063}" type="datetimeFigureOut">
               <a:rPr lang="en-US"/>
               <a:pPr/>
-              <a:t>1/30/2013</a:t>
+              <a:t>31/01/13</a:t>
             </a:fld>
             <a:endParaRPr lang="en-US"/>
           </a:p>
@@ -3250,7 +3260,7 @@
             <a:fld id="{088FE702-924A-439B-BC23-588BE5F29100}" type="slidenum">
               <a:rPr lang="en-US"/>
               <a:pPr/>
-              <a:t>‹N°›</a:t>
+              <a:t>‹#›</a:t>
             </a:fld>
             <a:endParaRPr lang="en-US"/>
           </a:p>
@@ -3261,7 +3271,7 @@
   <p:clrMapOvr>
     <a:masterClrMapping/>
   </p:clrMapOvr>
-  <p:transition spd="med">
+  <p:transition xmlns:p14="http://schemas.microsoft.com/office/powerpoint/2010/main" spd="med">
     <p:newsflash/>
   </p:transition>
 </p:sldLayout>
@@ -3306,7 +3316,7 @@
             <a:fld id="{861AE197-3547-4946-B9D6-B5B1982B8D5E}" type="datetimeFigureOut">
               <a:rPr lang="en-US"/>
               <a:pPr/>
-              <a:t>1/30/2013</a:t>
+              <a:t>31/01/13</a:t>
             </a:fld>
             <a:endParaRPr lang="en-US"/>
           </a:p>
@@ -3360,7 +3370,7 @@
             <a:fld id="{841EDCD5-CBA4-4362-BE32-99E8E687F1E4}" type="slidenum">
               <a:rPr lang="en-US"/>
               <a:pPr/>
-              <a:t>‹N°›</a:t>
+              <a:t>‹#›</a:t>
             </a:fld>
             <a:endParaRPr lang="en-US"/>
           </a:p>
@@ -3371,7 +3381,7 @@
   <p:clrMapOvr>
     <a:masterClrMapping/>
   </p:clrMapOvr>
-  <p:transition spd="med">
+  <p:transition xmlns:p14="http://schemas.microsoft.com/office/powerpoint/2010/main" spd="med">
     <p:newsflash/>
   </p:transition>
 </p:sldLayout>
@@ -3587,7 +3597,7 @@
             <a:fld id="{63B32C57-7746-419C-AE2D-4912AD7467C0}" type="datetimeFigureOut">
               <a:rPr lang="en-US"/>
               <a:pPr/>
-              <a:t>1/30/2013</a:t>
+              <a:t>31/01/13</a:t>
             </a:fld>
             <a:endParaRPr lang="en-US"/>
           </a:p>
@@ -3641,7 +3651,7 @@
             <a:fld id="{5BDD0DBA-6DB8-4CE9-9647-2CBC9978C3E3}" type="slidenum">
               <a:rPr lang="en-US"/>
               <a:pPr/>
-              <a:t>‹N°›</a:t>
+              <a:t>‹#›</a:t>
             </a:fld>
             <a:endParaRPr lang="en-US"/>
           </a:p>
@@ -3652,7 +3662,7 @@
   <p:clrMapOvr>
     <a:masterClrMapping/>
   </p:clrMapOvr>
-  <p:transition spd="med">
+  <p:transition xmlns:p14="http://schemas.microsoft.com/office/powerpoint/2010/main" spd="med">
     <p:newsflash/>
   </p:transition>
 </p:sldLayout>
@@ -4243,7 +4253,7 @@
             <a:fld id="{9A2FB173-2AE9-438D-A2F2-F3D57ABDED44}" type="datetimeFigureOut">
               <a:rPr lang="en-US"/>
               <a:pPr/>
-              <a:t>1/30/2013</a:t>
+              <a:t>31/01/13</a:t>
             </a:fld>
             <a:endParaRPr lang="en-US"/>
           </a:p>
@@ -4302,7 +4312,7 @@
             <a:fld id="{93F3B13F-8335-4EFB-A221-FCE3A06A8754}" type="slidenum">
               <a:rPr lang="en-US"/>
               <a:pPr/>
-              <a:t>‹N°›</a:t>
+              <a:t>‹#›</a:t>
             </a:fld>
             <a:endParaRPr lang="en-US"/>
           </a:p>
@@ -4313,7 +4323,7 @@
   <p:clrMapOvr>
     <a:masterClrMapping/>
   </p:clrMapOvr>
-  <p:transition spd="med">
+  <p:transition xmlns:p14="http://schemas.microsoft.com/office/powerpoint/2010/main" spd="med">
     <p:newsflash/>
   </p:transition>
 </p:sldLayout>
@@ -4751,7 +4761,7 @@
             <a:fld id="{D5031E26-2A0E-4854-95F7-5A492F6CE347}" type="datetimeFigureOut">
               <a:rPr lang="en-US"/>
               <a:pPr/>
-              <a:t>1/30/2013</a:t>
+              <a:t>31/01/13</a:t>
             </a:fld>
             <a:endParaRPr lang="en-US"/>
           </a:p>
@@ -4838,7 +4848,7 @@
             <a:fld id="{AB7F9582-8535-4D18-A835-3B5665864C67}" type="slidenum">
               <a:rPr lang="en-US"/>
               <a:pPr/>
-              <a:t>‹N°›</a:t>
+              <a:t>‹#›</a:t>
             </a:fld>
             <a:endParaRPr lang="en-US"/>
           </a:p>
@@ -5118,13 +5128,13 @@
     <p:sldLayoutId id="2147483733" r:id="rId10"/>
     <p:sldLayoutId id="2147483734" r:id="rId11"/>
   </p:sldLayoutIdLst>
-  <p:transition spd="med">
+  <p:transition xmlns:p14="http://schemas.microsoft.com/office/powerpoint/2010/main" spd="med">
     <p:newsflash/>
   </p:transition>
   <p:timing>
     <p:tnLst>
       <p:par>
-        <p:cTn id="1" dur="indefinite" restart="never" nodeType="tmRoot"/>
+        <p:cTn xmlns:p14="http://schemas.microsoft.com/office/powerpoint/2010/main" id="1" dur="indefinite" restart="never" nodeType="tmRoot"/>
       </p:par>
     </p:tnLst>
   </p:timing>
@@ -5775,13 +5785,13 @@
   <p:clrMapOvr>
     <a:masterClrMapping/>
   </p:clrMapOvr>
-  <p:transition spd="med">
+  <p:transition xmlns:p14="http://schemas.microsoft.com/office/powerpoint/2010/main" spd="med">
     <p:newsflash/>
   </p:transition>
   <p:timing>
     <p:tnLst>
       <p:par>
-        <p:cTn id="1" dur="indefinite" restart="never" nodeType="tmRoot">
+        <p:cTn xmlns:p14="http://schemas.microsoft.com/office/powerpoint/2010/main" id="1" dur="indefinite" restart="never" nodeType="tmRoot">
           <p:childTnLst>
             <p:seq concurrent="1" nextAc="seek">
               <p:cTn id="2" dur="indefinite" nodeType="mainSeq">
@@ -6067,17 +6077,7 @@
                 <a:latin typeface="Calibri" pitchFamily="34" charset="0"/>
                 <a:ea typeface="ＭＳ Ｐゴシック" pitchFamily="-84" charset="-128"/>
               </a:rPr>
-              <a:t>Différents </a:t>
-            </a:r>
-            <a:r>
-              <a:rPr lang="fr-FR" sz="2400" b="1" dirty="0" smtClean="0">
-                <a:solidFill>
-                  <a:srgbClr val="004A99"/>
-                </a:solidFill>
-                <a:latin typeface="Calibri" pitchFamily="34" charset="0"/>
-                <a:ea typeface="ＭＳ Ｐゴシック" pitchFamily="-84" charset="-128"/>
-              </a:rPr>
-              <a:t>paramètres</a:t>
+              <a:t>Différents paramètres</a:t>
             </a:r>
           </a:p>
           <a:p>
@@ -6260,13 +6260,13 @@
   <p:clrMapOvr>
     <a:masterClrMapping/>
   </p:clrMapOvr>
-  <p:transition spd="med">
+  <p:transition xmlns:p14="http://schemas.microsoft.com/office/powerpoint/2010/main" spd="med">
     <p:newsflash/>
   </p:transition>
   <p:timing>
     <p:tnLst>
       <p:par>
-        <p:cTn id="1" dur="indefinite" restart="never" nodeType="tmRoot">
+        <p:cTn xmlns:p14="http://schemas.microsoft.com/office/powerpoint/2010/main" id="1" dur="indefinite" restart="never" nodeType="tmRoot">
           <p:childTnLst>
             <p:seq concurrent="1" nextAc="seek">
               <p:cTn id="2" dur="indefinite" nodeType="mainSeq">
@@ -7049,13 +7049,13 @@
   <p:clrMapOvr>
     <a:masterClrMapping/>
   </p:clrMapOvr>
-  <p:transition spd="med">
+  <p:transition xmlns:p14="http://schemas.microsoft.com/office/powerpoint/2010/main" spd="med">
     <p:newsflash/>
   </p:transition>
   <p:timing>
     <p:tnLst>
       <p:par>
-        <p:cTn id="1" dur="indefinite" restart="never" nodeType="tmRoot">
+        <p:cTn xmlns:p14="http://schemas.microsoft.com/office/powerpoint/2010/main" id="1" dur="indefinite" restart="never" nodeType="tmRoot">
           <p:childTnLst>
             <p:seq concurrent="1" nextAc="seek">
               <p:cTn id="2" dur="indefinite" nodeType="mainSeq">
@@ -7613,14 +7613,14 @@
           </a:ln>
           <a:extLst>
             <a:ext uri="{909E8E84-426E-40dd-AFC4-6F175D3DCCD1}">
-              <a14:hiddenFill xmlns:a14="http://schemas.microsoft.com/office/drawing/2010/main" xmlns="">
+              <a14:hiddenFill xmlns:a14="http://schemas.microsoft.com/office/drawing/2010/main">
                 <a:solidFill>
                   <a:srgbClr val="FFFFFF"/>
                 </a:solidFill>
               </a14:hiddenFill>
             </a:ext>
             <a:ext uri="{91240B29-F687-4f45-9708-019B960494DF}">
-              <a14:hiddenLine xmlns:a14="http://schemas.microsoft.com/office/drawing/2010/main" xmlns="" w="9525">
+              <a14:hiddenLine xmlns:a14="http://schemas.microsoft.com/office/drawing/2010/main" w="9525">
                 <a:solidFill>
                   <a:srgbClr val="000000"/>
                 </a:solidFill>
@@ -7630,7 +7630,7 @@
               </a14:hiddenLine>
             </a:ext>
             <a:ext uri="{FAA26D3D-D897-4be2-8F04-BA451C77F1D7}">
-              <ma14:placeholderFlag xmlns:ma14="http://schemas.microsoft.com/office/mac/drawingml/2011/main" xmlns="" val="1"/>
+              <ma14:placeholderFlag xmlns:ma14="http://schemas.microsoft.com/office/mac/drawingml/2011/main" val="1"/>
             </a:ext>
           </a:extLst>
         </p:spPr>
@@ -7980,13 +7980,13 @@
   <p:clrMapOvr>
     <a:masterClrMapping/>
   </p:clrMapOvr>
-  <p:transition spd="med">
+  <p:transition xmlns:p14="http://schemas.microsoft.com/office/powerpoint/2010/main" spd="med">
     <p:newsflash/>
   </p:transition>
   <p:timing>
     <p:tnLst>
       <p:par>
-        <p:cTn id="1" dur="indefinite" restart="never" nodeType="tmRoot">
+        <p:cTn xmlns:p14="http://schemas.microsoft.com/office/powerpoint/2010/main" id="1" dur="indefinite" restart="never" nodeType="tmRoot">
           <p:childTnLst>
             <p:seq concurrent="1" nextAc="seek">
               <p:cTn id="2" dur="indefinite" nodeType="mainSeq">
@@ -8586,14 +8586,14 @@
           </a:ln>
           <a:extLst>
             <a:ext uri="{909E8E84-426E-40dd-AFC4-6F175D3DCCD1}">
-              <a14:hiddenFill xmlns:a14="http://schemas.microsoft.com/office/drawing/2010/main" xmlns="">
+              <a14:hiddenFill xmlns:a14="http://schemas.microsoft.com/office/drawing/2010/main">
                 <a:solidFill>
                   <a:srgbClr val="FFFFFF"/>
                 </a:solidFill>
               </a14:hiddenFill>
             </a:ext>
             <a:ext uri="{91240B29-F687-4f45-9708-019B960494DF}">
-              <a14:hiddenLine xmlns:a14="http://schemas.microsoft.com/office/drawing/2010/main" xmlns="" w="9525">
+              <a14:hiddenLine xmlns:a14="http://schemas.microsoft.com/office/drawing/2010/main" w="9525">
                 <a:solidFill>
                   <a:srgbClr val="000000"/>
                 </a:solidFill>
@@ -8603,7 +8603,7 @@
               </a14:hiddenLine>
             </a:ext>
             <a:ext uri="{FAA26D3D-D897-4be2-8F04-BA451C77F1D7}">
-              <ma14:placeholderFlag xmlns:ma14="http://schemas.microsoft.com/office/mac/drawingml/2011/main" xmlns="" val="1"/>
+              <ma14:placeholderFlag xmlns:ma14="http://schemas.microsoft.com/office/mac/drawingml/2011/main" val="1"/>
             </a:ext>
           </a:extLst>
         </p:spPr>
@@ -9121,13 +9121,13 @@
   <p:clrMapOvr>
     <a:masterClrMapping/>
   </p:clrMapOvr>
-  <p:transition spd="med">
+  <p:transition xmlns:p14="http://schemas.microsoft.com/office/powerpoint/2010/main" spd="med">
     <p:newsflash/>
   </p:transition>
   <p:timing>
     <p:tnLst>
       <p:par>
-        <p:cTn id="1" dur="indefinite" restart="never" nodeType="tmRoot">
+        <p:cTn xmlns:p14="http://schemas.microsoft.com/office/powerpoint/2010/main" id="1" dur="indefinite" restart="never" nodeType="tmRoot">
           <p:childTnLst>
             <p:seq concurrent="1" nextAc="seek">
               <p:cTn id="2" dur="indefinite" nodeType="mainSeq">
@@ -9922,14 +9922,14 @@
           </a:ln>
           <a:extLst>
             <a:ext uri="{909E8E84-426E-40dd-AFC4-6F175D3DCCD1}">
-              <a14:hiddenFill xmlns:a14="http://schemas.microsoft.com/office/drawing/2010/main" xmlns="">
+              <a14:hiddenFill xmlns:a14="http://schemas.microsoft.com/office/drawing/2010/main">
                 <a:solidFill>
                   <a:srgbClr val="FFFFFF"/>
                 </a:solidFill>
               </a14:hiddenFill>
             </a:ext>
             <a:ext uri="{91240B29-F687-4f45-9708-019B960494DF}">
-              <a14:hiddenLine xmlns:a14="http://schemas.microsoft.com/office/drawing/2010/main" xmlns="" w="9525">
+              <a14:hiddenLine xmlns:a14="http://schemas.microsoft.com/office/drawing/2010/main" w="9525">
                 <a:solidFill>
                   <a:srgbClr val="000000"/>
                 </a:solidFill>
@@ -9939,7 +9939,7 @@
               </a14:hiddenLine>
             </a:ext>
             <a:ext uri="{FAA26D3D-D897-4be2-8F04-BA451C77F1D7}">
-              <ma14:placeholderFlag xmlns:ma14="http://schemas.microsoft.com/office/mac/drawingml/2011/main" xmlns="" val="1"/>
+              <ma14:placeholderFlag xmlns:ma14="http://schemas.microsoft.com/office/mac/drawingml/2011/main" val="1"/>
             </a:ext>
           </a:extLst>
         </p:spPr>
@@ -10197,17 +10197,7 @@
                 <a:latin typeface="Calibri" charset="0"/>
                 <a:cs typeface="Calibri" charset="0"/>
               </a:rPr>
-              <a:t>													</a:t>
-            </a:r>
-            <a:r>
-              <a:rPr lang="fr-FR" sz="1800" b="1" dirty="0" smtClean="0">
-                <a:solidFill>
-                  <a:srgbClr val="00B050"/>
-                </a:solidFill>
-                <a:latin typeface="Calibri" charset="0"/>
-                <a:cs typeface="Calibri" charset="0"/>
-              </a:rPr>
-              <a:t>						</a:t>
+              <a:t>																			</a:t>
             </a:r>
             <a:endParaRPr lang="fr-FR" sz="2200" b="1" dirty="0" smtClean="0">
               <a:solidFill>
@@ -10304,17 +10294,7 @@
                 <a:latin typeface="Calibri" charset="0"/>
                 <a:cs typeface="Calibri" charset="0"/>
               </a:rPr>
-              <a:t>				Protocole </a:t>
-            </a:r>
-            <a:r>
-              <a:rPr lang="fr-FR" sz="2200" b="1" dirty="0" smtClean="0">
-                <a:solidFill>
-                  <a:srgbClr val="004A99"/>
-                </a:solidFill>
-                <a:latin typeface="Calibri" charset="0"/>
-                <a:cs typeface="Calibri" charset="0"/>
-              </a:rPr>
-              <a:t>d’arrêt</a:t>
+              <a:t>				Protocole d’arrêt</a:t>
             </a:r>
           </a:p>
           <a:p>
@@ -10333,27 +10313,7 @@
                 <a:latin typeface="Calibri" charset="0"/>
                 <a:cs typeface="Calibri" charset="0"/>
               </a:rPr>
-              <a:t>	</a:t>
-            </a:r>
-            <a:r>
-              <a:rPr lang="fr-FR" sz="2200" b="1" dirty="0" smtClean="0">
-                <a:solidFill>
-                  <a:srgbClr val="004A99"/>
-                </a:solidFill>
-                <a:latin typeface="Calibri" charset="0"/>
-                <a:cs typeface="Calibri" charset="0"/>
-              </a:rPr>
-              <a:t>				Différents </a:t>
-            </a:r>
-            <a:r>
-              <a:rPr lang="fr-FR" sz="2200" b="1" dirty="0" smtClean="0">
-                <a:solidFill>
-                  <a:srgbClr val="004A99"/>
-                </a:solidFill>
-                <a:latin typeface="Calibri" charset="0"/>
-                <a:cs typeface="Calibri" charset="0"/>
-              </a:rPr>
-              <a:t>capteurs</a:t>
+              <a:t>					Différents capteurs</a:t>
             </a:r>
           </a:p>
           <a:p>
@@ -10665,13 +10625,13 @@
   <p:clrMapOvr>
     <a:masterClrMapping/>
   </p:clrMapOvr>
-  <p:transition spd="med">
+  <p:transition xmlns:p14="http://schemas.microsoft.com/office/powerpoint/2010/main" spd="med">
     <p:newsflash/>
   </p:transition>
   <p:timing>
     <p:tnLst>
       <p:par>
-        <p:cTn id="1" dur="indefinite" restart="never" nodeType="tmRoot">
+        <p:cTn xmlns:p14="http://schemas.microsoft.com/office/powerpoint/2010/main" id="1" dur="indefinite" restart="never" nodeType="tmRoot">
           <p:childTnLst>
             <p:seq concurrent="1" nextAc="seek">
               <p:cTn id="2" dur="indefinite" nodeType="mainSeq">
@@ -11290,14 +11250,14 @@
           </a:ln>
           <a:extLst>
             <a:ext uri="{909E8E84-426E-40dd-AFC4-6F175D3DCCD1}">
-              <a14:hiddenFill xmlns:a14="http://schemas.microsoft.com/office/drawing/2010/main" xmlns="">
+              <a14:hiddenFill xmlns:a14="http://schemas.microsoft.com/office/drawing/2010/main">
                 <a:solidFill>
                   <a:srgbClr val="FFFFFF"/>
                 </a:solidFill>
               </a14:hiddenFill>
             </a:ext>
             <a:ext uri="{91240B29-F687-4f45-9708-019B960494DF}">
-              <a14:hiddenLine xmlns:a14="http://schemas.microsoft.com/office/drawing/2010/main" xmlns="" w="9525">
+              <a14:hiddenLine xmlns:a14="http://schemas.microsoft.com/office/drawing/2010/main" w="9525">
                 <a:solidFill>
                   <a:srgbClr val="000000"/>
                 </a:solidFill>
@@ -11307,7 +11267,7 @@
               </a14:hiddenLine>
             </a:ext>
             <a:ext uri="{FAA26D3D-D897-4be2-8F04-BA451C77F1D7}">
-              <ma14:placeholderFlag xmlns:ma14="http://schemas.microsoft.com/office/mac/drawingml/2011/main" xmlns="" val="1"/>
+              <ma14:placeholderFlag xmlns:ma14="http://schemas.microsoft.com/office/mac/drawingml/2011/main" val="1"/>
             </a:ext>
           </a:extLst>
         </p:spPr>
@@ -11782,13 +11742,13 @@
   <p:clrMapOvr>
     <a:masterClrMapping/>
   </p:clrMapOvr>
-  <p:transition spd="med">
+  <p:transition xmlns:p14="http://schemas.microsoft.com/office/powerpoint/2010/main" spd="med">
     <p:newsflash/>
   </p:transition>
   <p:timing>
     <p:tnLst>
       <p:par>
-        <p:cTn id="1" dur="indefinite" restart="never" nodeType="tmRoot">
+        <p:cTn xmlns:p14="http://schemas.microsoft.com/office/powerpoint/2010/main" id="1" dur="indefinite" restart="never" nodeType="tmRoot">
           <p:childTnLst>
             <p:seq concurrent="1" nextAc="seek">
               <p:cTn id="2" dur="indefinite" nodeType="mainSeq">
@@ -12285,14 +12245,14 @@
           </a:ln>
           <a:extLst>
             <a:ext uri="{909E8E84-426E-40dd-AFC4-6F175D3DCCD1}">
-              <a14:hiddenFill xmlns:a14="http://schemas.microsoft.com/office/drawing/2010/main" xmlns="">
+              <a14:hiddenFill xmlns:a14="http://schemas.microsoft.com/office/drawing/2010/main">
                 <a:solidFill>
                   <a:srgbClr val="FFFFFF"/>
                 </a:solidFill>
               </a14:hiddenFill>
             </a:ext>
             <a:ext uri="{91240B29-F687-4f45-9708-019B960494DF}">
-              <a14:hiddenLine xmlns:a14="http://schemas.microsoft.com/office/drawing/2010/main" xmlns="" w="9525">
+              <a14:hiddenLine xmlns:a14="http://schemas.microsoft.com/office/drawing/2010/main" w="9525">
                 <a:solidFill>
                   <a:srgbClr val="000000"/>
                 </a:solidFill>
@@ -12302,7 +12262,7 @@
               </a14:hiddenLine>
             </a:ext>
             <a:ext uri="{FAA26D3D-D897-4be2-8F04-BA451C77F1D7}">
-              <ma14:placeholderFlag xmlns:ma14="http://schemas.microsoft.com/office/mac/drawingml/2011/main" xmlns="" val="1"/>
+              <ma14:placeholderFlag xmlns:ma14="http://schemas.microsoft.com/office/mac/drawingml/2011/main" val="1"/>
             </a:ext>
           </a:extLst>
         </p:spPr>
@@ -12871,13 +12831,13 @@
   <p:clrMapOvr>
     <a:masterClrMapping/>
   </p:clrMapOvr>
-  <p:transition spd="med">
+  <p:transition xmlns:p14="http://schemas.microsoft.com/office/powerpoint/2010/main" spd="med">
     <p:newsflash/>
   </p:transition>
   <p:timing>
     <p:tnLst>
       <p:par>
-        <p:cTn id="1" dur="indefinite" restart="never" nodeType="tmRoot">
+        <p:cTn xmlns:p14="http://schemas.microsoft.com/office/powerpoint/2010/main" id="1" dur="indefinite" restart="never" nodeType="tmRoot">
           <p:childTnLst>
             <p:seq concurrent="1" nextAc="seek">
               <p:cTn id="2" dur="indefinite" nodeType="mainSeq">
@@ -13374,14 +13334,14 @@
           </a:ln>
           <a:extLst>
             <a:ext uri="{909E8E84-426E-40dd-AFC4-6F175D3DCCD1}">
-              <a14:hiddenFill xmlns:a14="http://schemas.microsoft.com/office/drawing/2010/main" xmlns="">
+              <a14:hiddenFill xmlns:a14="http://schemas.microsoft.com/office/drawing/2010/main">
                 <a:solidFill>
                   <a:srgbClr val="FFFFFF"/>
                 </a:solidFill>
               </a14:hiddenFill>
             </a:ext>
             <a:ext uri="{91240B29-F687-4f45-9708-019B960494DF}">
-              <a14:hiddenLine xmlns:a14="http://schemas.microsoft.com/office/drawing/2010/main" xmlns="" w="9525">
+              <a14:hiddenLine xmlns:a14="http://schemas.microsoft.com/office/drawing/2010/main" w="9525">
                 <a:solidFill>
                   <a:srgbClr val="000000"/>
                 </a:solidFill>
@@ -13391,7 +13351,7 @@
               </a14:hiddenLine>
             </a:ext>
             <a:ext uri="{FAA26D3D-D897-4be2-8F04-BA451C77F1D7}">
-              <ma14:placeholderFlag xmlns:ma14="http://schemas.microsoft.com/office/mac/drawingml/2011/main" xmlns="" val="1"/>
+              <ma14:placeholderFlag xmlns:ma14="http://schemas.microsoft.com/office/mac/drawingml/2011/main" val="1"/>
             </a:ext>
           </a:extLst>
         </p:spPr>
@@ -13659,25 +13619,8 @@
                 <a:latin typeface="Calibri" charset="0"/>
                 <a:cs typeface="Calibri" charset="0"/>
               </a:rPr>
-              <a:t>						</a:t>
-            </a:r>
-            <a:r>
-              <a:rPr lang="fr-FR" sz="2200" b="1" dirty="0" smtClean="0">
-                <a:solidFill>
-                  <a:srgbClr val="004A99"/>
-                </a:solidFill>
-                <a:latin typeface="Calibri" charset="0"/>
-                <a:cs typeface="Calibri" charset="0"/>
-              </a:rPr>
-              <a:t>Contrôle manuel</a:t>
-            </a:r>
-            <a:endParaRPr lang="fr-FR" sz="2200" b="1" dirty="0" smtClean="0">
-              <a:solidFill>
-                <a:srgbClr val="004A99"/>
-              </a:solidFill>
-              <a:latin typeface="Calibri" charset="0"/>
-              <a:cs typeface="Calibri" charset="0"/>
-            </a:endParaRPr>
+              <a:t>						Contrôle manuel</a:t>
+            </a:r>
           </a:p>
           <a:p>
             <a:pPr marL="2286000" lvl="8" indent="0" defTabSz="457200">
@@ -13706,27 +13649,7 @@
                 <a:latin typeface="Calibri" charset="0"/>
                 <a:cs typeface="Calibri" charset="0"/>
               </a:rPr>
-              <a:t>						</a:t>
-            </a:r>
-            <a:r>
-              <a:rPr lang="fr-FR" sz="2200" b="1" dirty="0" smtClean="0">
-                <a:solidFill>
-                  <a:srgbClr val="004A99"/>
-                </a:solidFill>
-                <a:latin typeface="Calibri" charset="0"/>
-                <a:cs typeface="Calibri" charset="0"/>
-              </a:rPr>
-              <a:t>Différents </a:t>
-            </a:r>
-            <a:r>
-              <a:rPr lang="fr-FR" sz="2200" b="1" dirty="0" smtClean="0">
-                <a:solidFill>
-                  <a:srgbClr val="004A99"/>
-                </a:solidFill>
-                <a:latin typeface="Calibri" charset="0"/>
-                <a:cs typeface="Calibri" charset="0"/>
-              </a:rPr>
-              <a:t>appareillages							Différents tests.</a:t>
+              <a:t>						Différents appareillages							Différents tests.</a:t>
             </a:r>
             <a:r>
               <a:rPr lang="fr-FR" sz="2200" b="1" dirty="0">
@@ -13949,13 +13872,13 @@
   <p:clrMapOvr>
     <a:masterClrMapping/>
   </p:clrMapOvr>
-  <p:transition spd="med">
+  <p:transition xmlns:p14="http://schemas.microsoft.com/office/powerpoint/2010/main" spd="med">
     <p:newsflash/>
   </p:transition>
   <p:timing>
     <p:tnLst>
       <p:par>
-        <p:cTn id="1" dur="indefinite" restart="never" nodeType="tmRoot">
+        <p:cTn xmlns:p14="http://schemas.microsoft.com/office/powerpoint/2010/main" id="1" dur="indefinite" restart="never" nodeType="tmRoot">
           <p:childTnLst>
             <p:seq concurrent="1" nextAc="seek">
               <p:cTn id="2" dur="indefinite" nodeType="mainSeq">
@@ -14513,14 +14436,14 @@
           </a:ln>
           <a:extLst>
             <a:ext uri="{909E8E84-426E-40dd-AFC4-6F175D3DCCD1}">
-              <a14:hiddenFill xmlns:a14="http://schemas.microsoft.com/office/drawing/2010/main" xmlns="">
+              <a14:hiddenFill xmlns:a14="http://schemas.microsoft.com/office/drawing/2010/main">
                 <a:solidFill>
                   <a:srgbClr val="FFFFFF"/>
                 </a:solidFill>
               </a14:hiddenFill>
             </a:ext>
             <a:ext uri="{91240B29-F687-4f45-9708-019B960494DF}">
-              <a14:hiddenLine xmlns:a14="http://schemas.microsoft.com/office/drawing/2010/main" xmlns="" w="9525">
+              <a14:hiddenLine xmlns:a14="http://schemas.microsoft.com/office/drawing/2010/main" w="9525">
                 <a:solidFill>
                   <a:srgbClr val="000000"/>
                 </a:solidFill>
@@ -14530,7 +14453,7 @@
               </a14:hiddenLine>
             </a:ext>
             <a:ext uri="{FAA26D3D-D897-4be2-8F04-BA451C77F1D7}">
-              <ma14:placeholderFlag xmlns:ma14="http://schemas.microsoft.com/office/mac/drawingml/2011/main" xmlns="" val="1"/>
+              <ma14:placeholderFlag xmlns:ma14="http://schemas.microsoft.com/office/mac/drawingml/2011/main" val="1"/>
             </a:ext>
           </a:extLst>
         </p:spPr>
@@ -15138,13 +15061,13 @@
   <p:clrMapOvr>
     <a:masterClrMapping/>
   </p:clrMapOvr>
-  <p:transition spd="med">
+  <p:transition xmlns:p14="http://schemas.microsoft.com/office/powerpoint/2010/main" spd="med">
     <p:newsflash/>
   </p:transition>
   <p:timing>
     <p:tnLst>
       <p:par>
-        <p:cTn id="1" dur="indefinite" restart="never" nodeType="tmRoot">
+        <p:cTn xmlns:p14="http://schemas.microsoft.com/office/powerpoint/2010/main" id="1" dur="indefinite" restart="never" nodeType="tmRoot">
           <p:childTnLst>
             <p:seq concurrent="1" nextAc="seek">
               <p:cTn id="2" dur="indefinite" nodeType="mainSeq">
@@ -15866,14 +15789,14 @@
           </a:ln>
           <a:extLst>
             <a:ext uri="{909E8E84-426E-40dd-AFC4-6F175D3DCCD1}">
-              <a14:hiddenFill xmlns:a14="http://schemas.microsoft.com/office/drawing/2010/main" xmlns="">
+              <a14:hiddenFill xmlns:a14="http://schemas.microsoft.com/office/drawing/2010/main">
                 <a:solidFill>
                   <a:srgbClr val="FFFFFF"/>
                 </a:solidFill>
               </a14:hiddenFill>
             </a:ext>
             <a:ext uri="{91240B29-F687-4f45-9708-019B960494DF}">
-              <a14:hiddenLine xmlns:a14="http://schemas.microsoft.com/office/drawing/2010/main" xmlns="" w="9525">
+              <a14:hiddenLine xmlns:a14="http://schemas.microsoft.com/office/drawing/2010/main" w="9525">
                 <a:solidFill>
                   <a:srgbClr val="000000"/>
                 </a:solidFill>
@@ -15883,7 +15806,7 @@
               </a14:hiddenLine>
             </a:ext>
             <a:ext uri="{FAA26D3D-D897-4be2-8F04-BA451C77F1D7}">
-              <ma14:placeholderFlag xmlns:ma14="http://schemas.microsoft.com/office/mac/drawingml/2011/main" xmlns="" val="1"/>
+              <ma14:placeholderFlag xmlns:ma14="http://schemas.microsoft.com/office/mac/drawingml/2011/main" val="1"/>
             </a:ext>
           </a:extLst>
         </p:spPr>
@@ -16157,17 +16080,7 @@
                 <a:latin typeface="Calibri" charset="0"/>
                 <a:cs typeface="Calibri" charset="0"/>
               </a:rPr>
-              <a:t>	</a:t>
-            </a:r>
-            <a:r>
-              <a:rPr lang="fr-FR" sz="1000" b="1" dirty="0" smtClean="0">
-                <a:solidFill>
-                  <a:srgbClr val="00B050"/>
-                </a:solidFill>
-                <a:latin typeface="Calibri" charset="0"/>
-                <a:cs typeface="Calibri" charset="0"/>
-              </a:rPr>
-              <a:t>					</a:t>
+              <a:t>						</a:t>
             </a:r>
             <a:r>
               <a:rPr lang="fr-FR" sz="1000" b="1" dirty="0">
@@ -16443,13 +16356,13 @@
   <p:clrMapOvr>
     <a:masterClrMapping/>
   </p:clrMapOvr>
-  <p:transition spd="med">
+  <p:transition xmlns:p14="http://schemas.microsoft.com/office/powerpoint/2010/main" spd="med">
     <p:newsflash/>
   </p:transition>
   <p:timing>
     <p:tnLst>
       <p:par>
-        <p:cTn id="1" dur="indefinite" restart="never" nodeType="tmRoot">
+        <p:cTn xmlns:p14="http://schemas.microsoft.com/office/powerpoint/2010/main" id="1" dur="indefinite" restart="never" nodeType="tmRoot">
           <p:childTnLst>
             <p:seq concurrent="1" nextAc="seek">
               <p:cTn id="2" dur="indefinite" nodeType="mainSeq">
@@ -17067,27 +16980,7 @@
                 <a:latin typeface="Calibri" pitchFamily="34" charset="0"/>
                 <a:ea typeface="ＭＳ Ｐゴシック" pitchFamily="-84" charset="-128"/>
               </a:rPr>
-              <a:t>	           </a:t>
-            </a:r>
-            <a:r>
-              <a:rPr lang="fr-FR" sz="1200" b="1" dirty="0" smtClean="0">
-                <a:solidFill>
-                  <a:srgbClr val="55A839"/>
-                </a:solidFill>
-                <a:latin typeface="Calibri" pitchFamily="34" charset="0"/>
-                <a:ea typeface="ＭＳ Ｐゴシック" pitchFamily="-84" charset="-128"/>
-              </a:rPr>
-              <a:t> Présentation </a:t>
-            </a:r>
-            <a:r>
-              <a:rPr lang="fr-FR" sz="1200" b="1" dirty="0" smtClean="0">
-                <a:solidFill>
-                  <a:srgbClr val="55A839"/>
-                </a:solidFill>
-                <a:latin typeface="Calibri" pitchFamily="34" charset="0"/>
-                <a:ea typeface="ＭＳ Ｐゴシック" pitchFamily="-84" charset="-128"/>
-              </a:rPr>
-              <a:t>du projet</a:t>
+              <a:t>	            Présentation du projet</a:t>
             </a:r>
           </a:p>
           <a:p>
@@ -17919,13 +17812,13 @@
   <p:clrMapOvr>
     <a:masterClrMapping/>
   </p:clrMapOvr>
-  <p:transition spd="med">
+  <p:transition xmlns:p14="http://schemas.microsoft.com/office/powerpoint/2010/main" spd="med">
     <p:newsflash/>
   </p:transition>
   <p:timing>
     <p:tnLst>
       <p:par>
-        <p:cTn id="1" dur="indefinite" restart="never" nodeType="tmRoot">
+        <p:cTn xmlns:p14="http://schemas.microsoft.com/office/powerpoint/2010/main" id="1" dur="indefinite" restart="never" nodeType="tmRoot">
           <p:childTnLst>
             <p:seq concurrent="1" nextAc="seek">
               <p:cTn id="2" dur="indefinite" nodeType="mainSeq">
@@ -19968,14 +19861,14 @@
           </a:ln>
           <a:extLst>
             <a:ext uri="{909E8E84-426E-40dd-AFC4-6F175D3DCCD1}">
-              <a14:hiddenFill xmlns:a14="http://schemas.microsoft.com/office/drawing/2010/main" xmlns="">
+              <a14:hiddenFill xmlns:a14="http://schemas.microsoft.com/office/drawing/2010/main">
                 <a:solidFill>
                   <a:srgbClr val="FFFFFF"/>
                 </a:solidFill>
               </a14:hiddenFill>
             </a:ext>
             <a:ext uri="{91240B29-F687-4f45-9708-019B960494DF}">
-              <a14:hiddenLine xmlns:a14="http://schemas.microsoft.com/office/drawing/2010/main" xmlns="" w="9525">
+              <a14:hiddenLine xmlns:a14="http://schemas.microsoft.com/office/drawing/2010/main" w="9525">
                 <a:solidFill>
                   <a:srgbClr val="000000"/>
                 </a:solidFill>
@@ -19985,7 +19878,7 @@
               </a14:hiddenLine>
             </a:ext>
             <a:ext uri="{FAA26D3D-D897-4be2-8F04-BA451C77F1D7}">
-              <ma14:placeholderFlag xmlns:ma14="http://schemas.microsoft.com/office/mac/drawingml/2011/main" xmlns="" val="1"/>
+              <ma14:placeholderFlag xmlns:ma14="http://schemas.microsoft.com/office/mac/drawingml/2011/main" val="1"/>
             </a:ext>
           </a:extLst>
         </p:spPr>
@@ -20547,13 +20440,13 @@
   <p:clrMapOvr>
     <a:masterClrMapping/>
   </p:clrMapOvr>
-  <p:transition spd="med">
+  <p:transition xmlns:p14="http://schemas.microsoft.com/office/powerpoint/2010/main" spd="med">
     <p:newsflash/>
   </p:transition>
   <p:timing>
     <p:tnLst>
       <p:par>
-        <p:cTn id="1" dur="indefinite" restart="never" nodeType="tmRoot">
+        <p:cTn xmlns:p14="http://schemas.microsoft.com/office/powerpoint/2010/main" id="1" dur="indefinite" restart="never" nodeType="tmRoot">
           <p:childTnLst>
             <p:seq concurrent="1" nextAc="seek">
               <p:cTn id="2" dur="indefinite" nodeType="mainSeq">
@@ -21092,14 +20985,14 @@
           </a:ln>
           <a:extLst>
             <a:ext uri="{909E8E84-426E-40dd-AFC4-6F175D3DCCD1}">
-              <a14:hiddenFill xmlns:a14="http://schemas.microsoft.com/office/drawing/2010/main" xmlns="">
+              <a14:hiddenFill xmlns:a14="http://schemas.microsoft.com/office/drawing/2010/main">
                 <a:solidFill>
                   <a:srgbClr val="FFFFFF"/>
                 </a:solidFill>
               </a14:hiddenFill>
             </a:ext>
             <a:ext uri="{91240B29-F687-4f45-9708-019B960494DF}">
-              <a14:hiddenLine xmlns:a14="http://schemas.microsoft.com/office/drawing/2010/main" xmlns="" w="9525">
+              <a14:hiddenLine xmlns:a14="http://schemas.microsoft.com/office/drawing/2010/main" w="9525">
                 <a:solidFill>
                   <a:srgbClr val="000000"/>
                 </a:solidFill>
@@ -21109,7 +21002,7 @@
               </a14:hiddenLine>
             </a:ext>
             <a:ext uri="{FAA26D3D-D897-4be2-8F04-BA451C77F1D7}">
-              <ma14:placeholderFlag xmlns:ma14="http://schemas.microsoft.com/office/mac/drawingml/2011/main" xmlns="" val="1"/>
+              <ma14:placeholderFlag xmlns:ma14="http://schemas.microsoft.com/office/mac/drawingml/2011/main" val="1"/>
             </a:ext>
           </a:extLst>
         </p:spPr>
@@ -21368,13 +21261,6 @@
               </a:rPr>
               <a:t>								Statut</a:t>
             </a:r>
-            <a:endParaRPr lang="fr-FR" sz="2200" b="1" dirty="0" smtClean="0">
-              <a:solidFill>
-                <a:srgbClr val="004A99"/>
-              </a:solidFill>
-              <a:latin typeface="Calibri" charset="0"/>
-              <a:cs typeface="Calibri" charset="0"/>
-            </a:endParaRPr>
           </a:p>
           <a:p>
             <a:pPr marL="2286000" lvl="8" indent="0" defTabSz="457200">
@@ -21490,17 +21376,7 @@
                 <a:latin typeface="Calibri" charset="0"/>
                 <a:cs typeface="Calibri" charset="0"/>
               </a:rPr>
-              <a:t>						Niveau </a:t>
-            </a:r>
-            <a:r>
-              <a:rPr lang="fr-FR" sz="2200" b="1" dirty="0" smtClean="0">
-                <a:solidFill>
-                  <a:srgbClr val="004A99"/>
-                </a:solidFill>
-                <a:latin typeface="Calibri" charset="0"/>
-                <a:cs typeface="Calibri" charset="0"/>
-              </a:rPr>
-              <a:t>gravité</a:t>
+              <a:t>						Niveau gravité</a:t>
             </a:r>
           </a:p>
           <a:p>
@@ -21519,17 +21395,7 @@
                 <a:latin typeface="Calibri" charset="0"/>
                 <a:cs typeface="Calibri" charset="0"/>
               </a:rPr>
-              <a:t>	</a:t>
-            </a:r>
-            <a:r>
-              <a:rPr lang="fr-FR" sz="2200" b="1" dirty="0" smtClean="0">
-                <a:solidFill>
-                  <a:srgbClr val="004A99"/>
-                </a:solidFill>
-                <a:latin typeface="Calibri" charset="0"/>
-                <a:cs typeface="Calibri" charset="0"/>
-              </a:rPr>
-              <a:t>						</a:t>
+              <a:t>							</a:t>
             </a:r>
             <a:r>
               <a:rPr lang="fr-FR" sz="1800" b="1" dirty="0" smtClean="0">
@@ -21762,13 +21628,13 @@
   <p:clrMapOvr>
     <a:masterClrMapping/>
   </p:clrMapOvr>
-  <p:transition spd="med">
+  <p:transition xmlns:p14="http://schemas.microsoft.com/office/powerpoint/2010/main" spd="med">
     <p:newsflash/>
   </p:transition>
   <p:timing>
     <p:tnLst>
       <p:par>
-        <p:cTn id="1" dur="indefinite" restart="never" nodeType="tmRoot">
+        <p:cTn xmlns:p14="http://schemas.microsoft.com/office/powerpoint/2010/main" id="1" dur="indefinite" restart="never" nodeType="tmRoot">
           <p:childTnLst>
             <p:seq concurrent="1" nextAc="seek">
               <p:cTn id="2" dur="indefinite" nodeType="mainSeq">
@@ -22551,14 +22417,14 @@
           </a:ln>
           <a:extLst>
             <a:ext uri="{909E8E84-426E-40dd-AFC4-6F175D3DCCD1}">
-              <a14:hiddenFill xmlns:a14="http://schemas.microsoft.com/office/drawing/2010/main" xmlns="">
+              <a14:hiddenFill xmlns:a14="http://schemas.microsoft.com/office/drawing/2010/main">
                 <a:solidFill>
                   <a:srgbClr val="FFFFFF"/>
                 </a:solidFill>
               </a14:hiddenFill>
             </a:ext>
             <a:ext uri="{91240B29-F687-4f45-9708-019B960494DF}">
-              <a14:hiddenLine xmlns:a14="http://schemas.microsoft.com/office/drawing/2010/main" xmlns="" w="9525">
+              <a14:hiddenLine xmlns:a14="http://schemas.microsoft.com/office/drawing/2010/main" w="9525">
                 <a:solidFill>
                   <a:srgbClr val="000000"/>
                 </a:solidFill>
@@ -22568,7 +22434,7 @@
               </a14:hiddenLine>
             </a:ext>
             <a:ext uri="{FAA26D3D-D897-4be2-8F04-BA451C77F1D7}">
-              <ma14:placeholderFlag xmlns:ma14="http://schemas.microsoft.com/office/mac/drawingml/2011/main" xmlns="" val="1"/>
+              <ma14:placeholderFlag xmlns:ma14="http://schemas.microsoft.com/office/mac/drawingml/2011/main" val="1"/>
             </a:ext>
           </a:extLst>
         </p:spPr>
@@ -22904,13 +22770,13 @@
   <p:clrMapOvr>
     <a:masterClrMapping/>
   </p:clrMapOvr>
-  <p:transition spd="med">
+  <p:transition xmlns:p14="http://schemas.microsoft.com/office/powerpoint/2010/main" spd="med">
     <p:newsflash/>
   </p:transition>
   <p:timing>
     <p:tnLst>
       <p:par>
-        <p:cTn id="1" dur="indefinite" restart="never" nodeType="tmRoot">
+        <p:cTn xmlns:p14="http://schemas.microsoft.com/office/powerpoint/2010/main" id="1" dur="indefinite" restart="never" nodeType="tmRoot">
           <p:childTnLst>
             <p:seq concurrent="1" nextAc="seek">
               <p:cTn id="2" dur="indefinite" nodeType="mainSeq">
@@ -23415,14 +23281,14 @@
           </a:ln>
           <a:extLst>
             <a:ext uri="{909E8E84-426E-40dd-AFC4-6F175D3DCCD1}">
-              <a14:hiddenFill xmlns:a14="http://schemas.microsoft.com/office/drawing/2010/main" xmlns="">
+              <a14:hiddenFill xmlns:a14="http://schemas.microsoft.com/office/drawing/2010/main">
                 <a:solidFill>
                   <a:srgbClr val="FFFFFF"/>
                 </a:solidFill>
               </a14:hiddenFill>
             </a:ext>
             <a:ext uri="{91240B29-F687-4f45-9708-019B960494DF}">
-              <a14:hiddenLine xmlns:a14="http://schemas.microsoft.com/office/drawing/2010/main" xmlns="" w="9525">
+              <a14:hiddenLine xmlns:a14="http://schemas.microsoft.com/office/drawing/2010/main" w="9525">
                 <a:solidFill>
                   <a:srgbClr val="000000"/>
                 </a:solidFill>
@@ -23432,7 +23298,7 @@
               </a14:hiddenLine>
             </a:ext>
             <a:ext uri="{FAA26D3D-D897-4be2-8F04-BA451C77F1D7}">
-              <ma14:placeholderFlag xmlns:ma14="http://schemas.microsoft.com/office/mac/drawingml/2011/main" xmlns="" val="1"/>
+              <ma14:placeholderFlag xmlns:ma14="http://schemas.microsoft.com/office/mac/drawingml/2011/main" val="1"/>
             </a:ext>
           </a:extLst>
         </p:spPr>
@@ -23841,13 +23707,13 @@
   <p:clrMapOvr>
     <a:masterClrMapping/>
   </p:clrMapOvr>
-  <p:transition spd="med">
+  <p:transition xmlns:p14="http://schemas.microsoft.com/office/powerpoint/2010/main" spd="med">
     <p:newsflash/>
   </p:transition>
   <p:timing>
     <p:tnLst>
       <p:par>
-        <p:cTn id="1" dur="indefinite" restart="never" nodeType="tmRoot">
+        <p:cTn xmlns:p14="http://schemas.microsoft.com/office/powerpoint/2010/main" id="1" dur="indefinite" restart="never" nodeType="tmRoot">
           <p:childTnLst>
             <p:seq concurrent="1" nextAc="seek">
               <p:cTn id="2" dur="indefinite" nodeType="mainSeq">
@@ -24577,13 +24443,13 @@
   <p:clrMapOvr>
     <a:masterClrMapping/>
   </p:clrMapOvr>
-  <p:transition spd="med">
+  <p:transition xmlns:p14="http://schemas.microsoft.com/office/powerpoint/2010/main" spd="med">
     <p:newsflash/>
   </p:transition>
   <p:timing>
     <p:tnLst>
       <p:par>
-        <p:cTn id="1" dur="indefinite" restart="never" nodeType="tmRoot">
+        <p:cTn xmlns:p14="http://schemas.microsoft.com/office/powerpoint/2010/main" id="1" dur="indefinite" restart="never" nodeType="tmRoot">
           <p:childTnLst>
             <p:seq concurrent="1" nextAc="seek">
               <p:cTn id="2" dur="indefinite" nodeType="mainSeq">
@@ -24981,13 +24847,13 @@
   <p:clrMapOvr>
     <a:masterClrMapping/>
   </p:clrMapOvr>
-  <p:transition spd="med">
+  <p:transition xmlns:p14="http://schemas.microsoft.com/office/powerpoint/2010/main" spd="med">
     <p:newsflash/>
   </p:transition>
   <p:timing>
     <p:tnLst>
       <p:par>
-        <p:cTn id="1" dur="indefinite" restart="never" nodeType="tmRoot">
+        <p:cTn xmlns:p14="http://schemas.microsoft.com/office/powerpoint/2010/main" id="1" dur="indefinite" restart="never" nodeType="tmRoot">
           <p:childTnLst>
             <p:seq concurrent="1" nextAc="seek">
               <p:cTn id="2" dur="indefinite" nodeType="mainSeq">
@@ -25313,13 +25179,13 @@
   <p:clrMapOvr>
     <a:masterClrMapping/>
   </p:clrMapOvr>
-  <p:transition spd="med">
+  <p:transition xmlns:p14="http://schemas.microsoft.com/office/powerpoint/2010/main" spd="med">
     <p:newsflash/>
   </p:transition>
   <p:timing>
     <p:tnLst>
       <p:par>
-        <p:cTn id="1" dur="indefinite" restart="never" nodeType="tmRoot">
+        <p:cTn xmlns:p14="http://schemas.microsoft.com/office/powerpoint/2010/main" id="1" dur="indefinite" restart="never" nodeType="tmRoot">
           <p:childTnLst>
             <p:seq concurrent="1" nextAc="seek">
               <p:cTn id="2" dur="indefinite" nodeType="mainSeq">
@@ -25814,13 +25680,13 @@
   <p:clrMapOvr>
     <a:masterClrMapping/>
   </p:clrMapOvr>
-  <p:transition spd="med">
+  <p:transition xmlns:p14="http://schemas.microsoft.com/office/powerpoint/2010/main" spd="med">
     <p:newsflash/>
   </p:transition>
   <p:timing>
     <p:tnLst>
       <p:par>
-        <p:cTn id="1" dur="indefinite" restart="never" nodeType="tmRoot">
+        <p:cTn xmlns:p14="http://schemas.microsoft.com/office/powerpoint/2010/main" id="1" dur="indefinite" restart="never" nodeType="tmRoot">
           <p:childTnLst>
             <p:seq concurrent="1" nextAc="seek">
               <p:cTn id="2" dur="indefinite" nodeType="mainSeq">
@@ -26408,13 +26274,13 @@
   <p:clrMapOvr>
     <a:masterClrMapping/>
   </p:clrMapOvr>
-  <p:transition spd="med">
+  <p:transition xmlns:p14="http://schemas.microsoft.com/office/powerpoint/2010/main" spd="med">
     <p:newsflash/>
   </p:transition>
   <p:timing>
     <p:tnLst>
       <p:par>
-        <p:cTn id="1" dur="indefinite" restart="never" nodeType="tmRoot">
+        <p:cTn xmlns:p14="http://schemas.microsoft.com/office/powerpoint/2010/main" id="1" dur="indefinite" restart="never" nodeType="tmRoot">
           <p:childTnLst>
             <p:seq concurrent="1" nextAc="seek">
               <p:cTn id="2" dur="indefinite" nodeType="mainSeq">
@@ -26976,13 +26842,13 @@
   <p:clrMapOvr>
     <a:masterClrMapping/>
   </p:clrMapOvr>
-  <p:transition spd="med">
+  <p:transition xmlns:p14="http://schemas.microsoft.com/office/powerpoint/2010/main" spd="med">
     <p:newsflash/>
   </p:transition>
   <p:timing>
     <p:tnLst>
       <p:par>
-        <p:cTn id="1" dur="indefinite" restart="never" nodeType="tmRoot">
+        <p:cTn xmlns:p14="http://schemas.microsoft.com/office/powerpoint/2010/main" id="1" dur="indefinite" restart="never" nodeType="tmRoot">
           <p:childTnLst>
             <p:seq concurrent="1" nextAc="seek">
               <p:cTn id="2" dur="indefinite" nodeType="mainSeq">
@@ -27551,7 +27417,7 @@
               <a:buChar char="q"/>
             </a:pPr>
             <a:r>
-              <a:rPr lang="fr-FR" b="1" smtClean="0">
+              <a:rPr lang="fr-FR" b="1" dirty="0" smtClean="0">
                 <a:solidFill>
                   <a:srgbClr val="00B050"/>
                 </a:solidFill>
@@ -27566,7 +27432,7 @@
               <a:buFont typeface="Wingdings" pitchFamily="2" charset="2"/>
               <a:buChar char="q"/>
             </a:pPr>
-            <a:endParaRPr lang="fr-FR" sz="2200" b="1" smtClean="0">
+            <a:endParaRPr lang="fr-FR" sz="2200" b="1" dirty="0" smtClean="0">
               <a:solidFill>
                 <a:srgbClr val="004A99"/>
               </a:solidFill>
@@ -27580,7 +27446,7 @@
               <a:buChar char="-"/>
             </a:pPr>
             <a:r>
-              <a:rPr lang="fr-FR" sz="2200" b="1" smtClean="0">
+              <a:rPr lang="fr-FR" sz="2200" b="1" dirty="0" smtClean="0">
                 <a:solidFill>
                   <a:srgbClr val="004A99"/>
                 </a:solidFill>
@@ -27590,7 +27456,7 @@
               <a:t>Respect d</a:t>
             </a:r>
             <a:r>
-              <a:rPr lang="fr-FR" altLang="fr-FR" sz="2200" b="1" smtClean="0">
+              <a:rPr lang="fr-FR" altLang="fr-FR" sz="2200" b="1" dirty="0" smtClean="0">
                 <a:solidFill>
                   <a:srgbClr val="004A99"/>
                 </a:solidFill>
@@ -27600,7 +27466,7 @@
               <a:t>’</a:t>
             </a:r>
             <a:r>
-              <a:rPr lang="fr-FR" sz="2200" b="1" smtClean="0">
+              <a:rPr lang="fr-FR" sz="2200" b="1" dirty="0" smtClean="0">
                 <a:solidFill>
                   <a:srgbClr val="004A99"/>
                 </a:solidFill>
@@ -27615,7 +27481,7 @@
               <a:buFontTx/>
               <a:buChar char="-"/>
             </a:pPr>
-            <a:endParaRPr lang="fr-FR" sz="2200" b="1" smtClean="0">
+            <a:endParaRPr lang="fr-FR" sz="2200" b="1" dirty="0" smtClean="0">
               <a:solidFill>
                 <a:srgbClr val="004A99"/>
               </a:solidFill>
@@ -27629,14 +27495,24 @@
               <a:buChar char="-"/>
             </a:pPr>
             <a:r>
-              <a:rPr lang="fr-FR" sz="2200" b="1" smtClean="0">
+              <a:rPr lang="fr-FR" sz="2200" b="1" dirty="0" smtClean="0">
                 <a:solidFill>
                   <a:srgbClr val="004A99"/>
                 </a:solidFill>
                 <a:latin typeface="Calibri" pitchFamily="34" charset="0"/>
                 <a:ea typeface="ＭＳ Ｐゴシック" pitchFamily="-84" charset="-128"/>
               </a:rPr>
-              <a:t>Incrément en cycle en V.</a:t>
+              <a:t>Incrément en cycle en V</a:t>
+            </a:r>
+            <a:r>
+              <a:rPr lang="fr-FR" sz="2200" b="1" dirty="0" smtClean="0">
+                <a:solidFill>
+                  <a:srgbClr val="004A99"/>
+                </a:solidFill>
+                <a:latin typeface="Calibri" pitchFamily="34" charset="0"/>
+                <a:ea typeface="ＭＳ Ｐゴシック" pitchFamily="-84" charset="-128"/>
+              </a:rPr>
+              <a:t>.</a:t>
             </a:r>
           </a:p>
           <a:p>
@@ -27644,7 +27520,7 @@
               <a:buFontTx/>
               <a:buChar char="-"/>
             </a:pPr>
-            <a:endParaRPr lang="fr-FR" sz="2200" b="1" smtClean="0">
+            <a:endParaRPr lang="fr-FR" sz="2200" b="1" dirty="0" smtClean="0">
               <a:solidFill>
                 <a:srgbClr val="004A99"/>
               </a:solidFill>
@@ -27657,23 +27533,7 @@
               <a:buFontTx/>
               <a:buChar char="-"/>
             </a:pPr>
-            <a:r>
-              <a:rPr lang="fr-FR" sz="2200" b="1" smtClean="0">
-                <a:solidFill>
-                  <a:srgbClr val="004A99"/>
-                </a:solidFill>
-                <a:latin typeface="Calibri" pitchFamily="34" charset="0"/>
-                <a:ea typeface="ＭＳ Ｐゴシック" pitchFamily="-84" charset="-128"/>
-              </a:rPr>
-              <a:t>Contraintes logicielles et de développement. </a:t>
-            </a:r>
-          </a:p>
-          <a:p>
-            <a:pPr marL="514350" indent="-514350" eaLnBrk="1" hangingPunct="1">
-              <a:buFont typeface="Wingdings 2" pitchFamily="18" charset="2"/>
-              <a:buNone/>
-            </a:pPr>
-            <a:endParaRPr lang="fr-FR" sz="2200" b="1" smtClean="0">
+            <a:endParaRPr lang="fr-FR" sz="2200" b="1" dirty="0" smtClean="0">
               <a:solidFill>
                 <a:srgbClr val="004A99"/>
               </a:solidFill>
@@ -27687,22 +27547,22 @@
               <a:buChar char="-"/>
             </a:pPr>
             <a:r>
-              <a:rPr lang="fr-FR" sz="2200" b="1" smtClean="0">
+              <a:rPr lang="fr-FR" sz="2200" b="1" dirty="0" smtClean="0">
                 <a:solidFill>
                   <a:srgbClr val="004A99"/>
                 </a:solidFill>
                 <a:latin typeface="Calibri" pitchFamily="34" charset="0"/>
                 <a:ea typeface="ＭＳ Ｐゴシック" pitchFamily="-84" charset="-128"/>
               </a:rPr>
-              <a:t>Respect du protocole CAN / CAN Open.</a:t>
+              <a:t>Contraintes logicielles et de développement. </a:t>
             </a:r>
           </a:p>
           <a:p>
             <a:pPr marL="514350" indent="-514350" eaLnBrk="1" hangingPunct="1">
-              <a:buFontTx/>
-              <a:buChar char="-"/>
-            </a:pPr>
-            <a:endParaRPr lang="fr-FR" sz="2200" b="1" smtClean="0">
+              <a:buFont typeface="Wingdings 2" pitchFamily="18" charset="2"/>
+              <a:buNone/>
+            </a:pPr>
+            <a:endParaRPr lang="fr-FR" sz="2200" b="1" dirty="0" smtClean="0">
               <a:solidFill>
                 <a:srgbClr val="004A99"/>
               </a:solidFill>
@@ -27716,7 +27576,36 @@
               <a:buChar char="-"/>
             </a:pPr>
             <a:r>
-              <a:rPr lang="fr-FR" sz="2200" b="1" smtClean="0">
+              <a:rPr lang="fr-FR" sz="2200" b="1" dirty="0" smtClean="0">
+                <a:solidFill>
+                  <a:srgbClr val="004A99"/>
+                </a:solidFill>
+                <a:latin typeface="Calibri" pitchFamily="34" charset="0"/>
+                <a:ea typeface="ＭＳ Ｐゴシック" pitchFamily="-84" charset="-128"/>
+              </a:rPr>
+              <a:t>Respect du protocole CAN / CAN Open.</a:t>
+            </a:r>
+          </a:p>
+          <a:p>
+            <a:pPr marL="514350" indent="-514350" eaLnBrk="1" hangingPunct="1">
+              <a:buFontTx/>
+              <a:buChar char="-"/>
+            </a:pPr>
+            <a:endParaRPr lang="fr-FR" sz="2200" b="1" dirty="0" smtClean="0">
+              <a:solidFill>
+                <a:srgbClr val="004A99"/>
+              </a:solidFill>
+              <a:latin typeface="Calibri" pitchFamily="34" charset="0"/>
+              <a:ea typeface="ＭＳ Ｐゴシック" pitchFamily="-84" charset="-128"/>
+            </a:endParaRPr>
+          </a:p>
+          <a:p>
+            <a:pPr marL="514350" indent="-514350" eaLnBrk="1" hangingPunct="1">
+              <a:buFontTx/>
+              <a:buChar char="-"/>
+            </a:pPr>
+            <a:r>
+              <a:rPr lang="fr-FR" sz="2200" b="1" dirty="0" smtClean="0">
                 <a:solidFill>
                   <a:srgbClr val="004A99"/>
                 </a:solidFill>
@@ -27731,7 +27620,7 @@
               <a:buFontTx/>
               <a:buChar char="-"/>
             </a:pPr>
-            <a:endParaRPr lang="fr-FR" sz="1800" b="1" smtClean="0">
+            <a:endParaRPr lang="fr-FR" sz="1800" b="1" dirty="0" smtClean="0">
               <a:solidFill>
                 <a:srgbClr val="0070C0"/>
               </a:solidFill>
@@ -27744,7 +27633,7 @@
               <a:buFont typeface="Wingdings 2" pitchFamily="18" charset="2"/>
               <a:buNone/>
             </a:pPr>
-            <a:endParaRPr lang="fr-FR" b="1" smtClean="0">
+            <a:endParaRPr lang="fr-FR" b="1" dirty="0" smtClean="0">
               <a:solidFill>
                 <a:srgbClr val="00B050"/>
               </a:solidFill>
@@ -27754,18 +27643,57 @@
           </a:p>
         </p:txBody>
       </p:sp>
+      <p:pic>
+        <p:nvPicPr>
+          <p:cNvPr id="4" name="Image 3" descr="cycleenV.png"/>
+          <p:cNvPicPr>
+            <a:picLocks noChangeAspect="1"/>
+          </p:cNvPicPr>
+          <p:nvPr/>
+        </p:nvPicPr>
+        <p:blipFill>
+          <a:blip r:embed="rId2">
+            <a:extLst>
+              <a:ext uri="{28A0092B-C50C-407E-A947-70E740481C1C}">
+                <a14:useLocalDpi xmlns:a14="http://schemas.microsoft.com/office/drawing/2010/main" val="0"/>
+              </a:ext>
+            </a:extLst>
+          </a:blip>
+          <a:stretch>
+            <a:fillRect/>
+          </a:stretch>
+        </p:blipFill>
+        <p:spPr>
+          <a:xfrm>
+            <a:off x="5004048" y="2204864"/>
+            <a:ext cx="3964676" cy="2304256"/>
+          </a:xfrm>
+          <a:prstGeom prst="rect">
+            <a:avLst/>
+          </a:prstGeom>
+        </p:spPr>
+      </p:pic>
     </p:spTree>
   </p:cSld>
   <p:clrMapOvr>
     <a:masterClrMapping/>
   </p:clrMapOvr>
-  <p:transition spd="med">
-    <p:newsflash/>
-  </p:transition>
+  <mc:AlternateContent xmlns:mc="http://schemas.openxmlformats.org/markup-compatibility/2006">
+    <mc:Choice xmlns:p14="http://schemas.microsoft.com/office/powerpoint/2010/main" Requires="p14">
+      <p:transition spd="slow">
+        <p14:flash/>
+      </p:transition>
+    </mc:Choice>
+    <mc:Fallback>
+      <p:transition xmlns:p14="http://schemas.microsoft.com/office/powerpoint/2010/main" spd="slow">
+        <p:fade/>
+      </p:transition>
+    </mc:Fallback>
+  </mc:AlternateContent>
   <p:timing>
     <p:tnLst>
       <p:par>
-        <p:cTn id="1" dur="indefinite" restart="never" nodeType="tmRoot">
+        <p:cTn xmlns:p14="http://schemas.microsoft.com/office/powerpoint/2010/main" id="1" dur="indefinite" restart="never" nodeType="tmRoot">
           <p:childTnLst>
             <p:seq concurrent="1" nextAc="seek">
               <p:cTn id="2" dur="indefinite" nodeType="mainSeq">
@@ -28045,19 +27973,19 @@
                     </p:cTn>
                   </p:par>
                   <p:par>
-                    <p:cTn id="24" fill="hold" nodeType="clickPar">
+                    <p:cTn id="24" fill="hold">
                       <p:stCondLst>
                         <p:cond delay="indefinite"/>
                       </p:stCondLst>
                       <p:childTnLst>
                         <p:par>
-                          <p:cTn id="25" fill="hold" nodeType="withGroup">
+                          <p:cTn id="25" fill="hold">
                             <p:stCondLst>
                               <p:cond delay="0"/>
                             </p:stCondLst>
                             <p:childTnLst>
                               <p:par>
-                                <p:cTn id="26" presetID="12" presetClass="entr" presetSubtype="4" fill="hold" nodeType="clickEffect">
+                                <p:cTn id="26" presetID="21" presetClass="entr" presetSubtype="1" fill="hold" nodeType="clickEffect">
                                   <p:stCondLst>
                                     <p:cond delay="0"/>
                                   </p:stCondLst>
@@ -28070,11 +27998,7 @@
                                           </p:stCondLst>
                                         </p:cTn>
                                         <p:tgtEl>
-                                          <p:spTgt spid="3">
-                                            <p:txEl>
-                                              <p:pRg st="6" end="6"/>
-                                            </p:txEl>
-                                          </p:spTgt>
+                                          <p:spTgt spid="4"/>
                                         </p:tgtEl>
                                         <p:attrNameLst>
                                           <p:attrName>style.visibility</p:attrName>
@@ -28084,15 +28008,11 @@
                                         <p:strVal val="visible"/>
                                       </p:to>
                                     </p:set>
-                                    <p:animEffect transition="in" filter="slide(fromBottom)">
-                                      <p:cBhvr>
-                                        <p:cTn id="28" dur="500"/>
-                                        <p:tgtEl>
-                                          <p:spTgt spid="3">
-                                            <p:txEl>
-                                              <p:pRg st="6" end="6"/>
-                                            </p:txEl>
-                                          </p:spTgt>
+                                    <p:animEffect transition="in" filter="wheel(1)">
+                                      <p:cBhvr>
+                                        <p:cTn id="28" dur="2000"/>
+                                        <p:tgtEl>
+                                          <p:spTgt spid="4"/>
                                         </p:tgtEl>
                                       </p:cBhvr>
                                     </p:animEffect>
@@ -28106,13 +28026,13 @@
                     </p:cTn>
                   </p:par>
                   <p:par>
-                    <p:cTn id="29" fill="hold" nodeType="clickPar">
+                    <p:cTn id="29" fill="hold">
                       <p:stCondLst>
                         <p:cond delay="indefinite"/>
                       </p:stCondLst>
                       <p:childTnLst>
                         <p:par>
-                          <p:cTn id="30" fill="hold" nodeType="withGroup">
+                          <p:cTn id="30" fill="hold">
                             <p:stCondLst>
                               <p:cond delay="0"/>
                             </p:stCondLst>
@@ -28133,7 +28053,7 @@
                                         <p:tgtEl>
                                           <p:spTgt spid="3">
                                             <p:txEl>
-                                              <p:pRg st="8" end="8"/>
+                                              <p:pRg st="7" end="7"/>
                                             </p:txEl>
                                           </p:spTgt>
                                         </p:tgtEl>
@@ -28151,7 +28071,7 @@
                                         <p:tgtEl>
                                           <p:spTgt spid="3">
                                             <p:txEl>
-                                              <p:pRg st="8" end="8"/>
+                                              <p:pRg st="7" end="7"/>
                                             </p:txEl>
                                           </p:spTgt>
                                         </p:tgtEl>
@@ -28167,13 +28087,13 @@
                     </p:cTn>
                   </p:par>
                   <p:par>
-                    <p:cTn id="34" fill="hold" nodeType="clickPar">
+                    <p:cTn id="34" fill="hold">
                       <p:stCondLst>
                         <p:cond delay="indefinite"/>
                       </p:stCondLst>
                       <p:childTnLst>
                         <p:par>
-                          <p:cTn id="35" fill="hold" nodeType="withGroup">
+                          <p:cTn id="35" fill="hold">
                             <p:stCondLst>
                               <p:cond delay="0"/>
                             </p:stCondLst>
@@ -28194,7 +28114,7 @@
                                         <p:tgtEl>
                                           <p:spTgt spid="3">
                                             <p:txEl>
-                                              <p:pRg st="10" end="10"/>
+                                              <p:pRg st="9" end="9"/>
                                             </p:txEl>
                                           </p:spTgt>
                                         </p:tgtEl>
@@ -28212,7 +28132,68 @@
                                         <p:tgtEl>
                                           <p:spTgt spid="3">
                                             <p:txEl>
-                                              <p:pRg st="10" end="10"/>
+                                              <p:pRg st="9" end="9"/>
+                                            </p:txEl>
+                                          </p:spTgt>
+                                        </p:tgtEl>
+                                      </p:cBhvr>
+                                    </p:animEffect>
+                                  </p:childTnLst>
+                                </p:cTn>
+                              </p:par>
+                            </p:childTnLst>
+                          </p:cTn>
+                        </p:par>
+                      </p:childTnLst>
+                    </p:cTn>
+                  </p:par>
+                  <p:par>
+                    <p:cTn id="39" fill="hold">
+                      <p:stCondLst>
+                        <p:cond delay="indefinite"/>
+                      </p:stCondLst>
+                      <p:childTnLst>
+                        <p:par>
+                          <p:cTn id="40" fill="hold">
+                            <p:stCondLst>
+                              <p:cond delay="0"/>
+                            </p:stCondLst>
+                            <p:childTnLst>
+                              <p:par>
+                                <p:cTn id="41" presetID="12" presetClass="entr" presetSubtype="4" fill="hold" nodeType="clickEffect">
+                                  <p:stCondLst>
+                                    <p:cond delay="0"/>
+                                  </p:stCondLst>
+                                  <p:childTnLst>
+                                    <p:set>
+                                      <p:cBhvr>
+                                        <p:cTn id="42" dur="1" fill="hold">
+                                          <p:stCondLst>
+                                            <p:cond delay="0"/>
+                                          </p:stCondLst>
+                                        </p:cTn>
+                                        <p:tgtEl>
+                                          <p:spTgt spid="3">
+                                            <p:txEl>
+                                              <p:pRg st="11" end="11"/>
+                                            </p:txEl>
+                                          </p:spTgt>
+                                        </p:tgtEl>
+                                        <p:attrNameLst>
+                                          <p:attrName>style.visibility</p:attrName>
+                                        </p:attrNameLst>
+                                      </p:cBhvr>
+                                      <p:to>
+                                        <p:strVal val="visible"/>
+                                      </p:to>
+                                    </p:set>
+                                    <p:animEffect transition="in" filter="slide(fromBottom)">
+                                      <p:cBhvr>
+                                        <p:cTn id="43" dur="500"/>
+                                        <p:tgtEl>
+                                          <p:spTgt spid="3">
+                                            <p:txEl>
+                                              <p:pRg st="11" end="11"/>
                                             </p:txEl>
                                           </p:spTgt>
                                         </p:tgtEl>
@@ -28524,13 +28505,13 @@
   <p:clrMapOvr>
     <a:masterClrMapping/>
   </p:clrMapOvr>
-  <p:transition spd="med">
+  <p:transition xmlns:p14="http://schemas.microsoft.com/office/powerpoint/2010/main" spd="med">
     <p:newsflash/>
   </p:transition>
   <p:timing>
     <p:tnLst>
       <p:par>
-        <p:cTn id="1" dur="indefinite" restart="never" nodeType="tmRoot">
+        <p:cTn xmlns:p14="http://schemas.microsoft.com/office/powerpoint/2010/main" id="1" dur="indefinite" restart="never" nodeType="tmRoot">
           <p:childTnLst>
             <p:seq concurrent="1" nextAc="seek">
               <p:cTn id="2" dur="indefinite" nodeType="mainSeq">
@@ -29345,25 +29326,8 @@
                 <a:latin typeface="Calibri" pitchFamily="34" charset="0"/>
                 <a:ea typeface="ＭＳ Ｐゴシック" pitchFamily="-84" charset="-128"/>
               </a:rPr>
-              <a:t>     		 Objets </a:t>
-            </a:r>
-            <a:r>
-              <a:rPr lang="fr-FR" sz="2400" b="1" dirty="0" smtClean="0">
-                <a:solidFill>
-                  <a:srgbClr val="004A99"/>
-                </a:solidFill>
-                <a:latin typeface="Calibri" pitchFamily="34" charset="0"/>
-                <a:ea typeface="ＭＳ Ｐゴシック" pitchFamily="-84" charset="-128"/>
-              </a:rPr>
-              <a:t>métiers</a:t>
-            </a:r>
-            <a:endParaRPr lang="fr-FR" sz="2400" b="1" dirty="0" smtClean="0">
-              <a:solidFill>
-                <a:srgbClr val="004A99"/>
-              </a:solidFill>
-              <a:latin typeface="Calibri" pitchFamily="34" charset="0"/>
-              <a:ea typeface="ＭＳ Ｐゴシック" pitchFamily="-84" charset="-128"/>
-            </a:endParaRPr>
+              <a:t>     		 Objets métiers</a:t>
+            </a:r>
           </a:p>
           <a:p>
             <a:pPr algn="r" eaLnBrk="1" hangingPunct="1">
@@ -29443,13 +29407,13 @@
   <p:clrMapOvr>
     <a:masterClrMapping/>
   </p:clrMapOvr>
-  <p:transition spd="med">
+  <p:transition xmlns:p14="http://schemas.microsoft.com/office/powerpoint/2010/main" spd="med">
     <p:newsflash/>
   </p:transition>
   <p:timing>
     <p:tnLst>
       <p:par>
-        <p:cTn id="1" dur="indefinite" restart="never" nodeType="tmRoot">
+        <p:cTn xmlns:p14="http://schemas.microsoft.com/office/powerpoint/2010/main" id="1" dur="indefinite" restart="never" nodeType="tmRoot">
           <p:childTnLst>
             <p:seq concurrent="1" nextAc="seek">
               <p:cTn id="2" dur="indefinite" nodeType="mainSeq">

--- a/REVUES/REVUE ANALYSE/RevueAnalysePPT.pptx
+++ b/REVUES/REVUE ANALYSE/RevueAnalysePPT.pptx
@@ -974,6 +974,856 @@
 </p:notes>
 </file>
 
+<file path=ppt/notesSlides/notesSlide10.xml><?xml version="1.0" encoding="utf-8"?>
+<p:notes xmlns:a="http://schemas.openxmlformats.org/drawingml/2006/main" xmlns:r="http://schemas.openxmlformats.org/officeDocument/2006/relationships" xmlns:p="http://schemas.openxmlformats.org/presentationml/2006/main">
+  <p:cSld>
+    <p:spTree>
+      <p:nvGrpSpPr>
+        <p:cNvPr id="1" name=""/>
+        <p:cNvGrpSpPr/>
+        <p:nvPr/>
+      </p:nvGrpSpPr>
+      <p:grpSpPr>
+        <a:xfrm>
+          <a:off x="0" y="0"/>
+          <a:ext cx="0" cy="0"/>
+          <a:chOff x="0" y="0"/>
+          <a:chExt cx="0" cy="0"/>
+        </a:xfrm>
+      </p:grpSpPr>
+      <p:sp>
+        <p:nvSpPr>
+          <p:cNvPr id="2" name="Espace réservé de l'image des diapositives 1"/>
+          <p:cNvSpPr>
+            <a:spLocks noGrp="1" noRot="1" noChangeAspect="1"/>
+          </p:cNvSpPr>
+          <p:nvPr>
+            <p:ph type="sldImg"/>
+          </p:nvPr>
+        </p:nvSpPr>
+        <p:spPr/>
+      </p:sp>
+      <p:sp>
+        <p:nvSpPr>
+          <p:cNvPr id="3" name="Espace réservé des commentaires 2"/>
+          <p:cNvSpPr>
+            <a:spLocks noGrp="1"/>
+          </p:cNvSpPr>
+          <p:nvPr>
+            <p:ph type="body" idx="1"/>
+          </p:nvPr>
+        </p:nvSpPr>
+        <p:spPr/>
+        <p:txBody>
+          <a:bodyPr/>
+          <a:lstStyle/>
+          <a:p>
+            <a:endParaRPr lang="fr-FR"/>
+          </a:p>
+        </p:txBody>
+      </p:sp>
+      <p:sp>
+        <p:nvSpPr>
+          <p:cNvPr id="4" name="Espace réservé du numéro de diapositive 3"/>
+          <p:cNvSpPr>
+            <a:spLocks noGrp="1"/>
+          </p:cNvSpPr>
+          <p:nvPr>
+            <p:ph type="sldNum" sz="quarter" idx="10"/>
+          </p:nvPr>
+        </p:nvSpPr>
+        <p:spPr/>
+        <p:txBody>
+          <a:bodyPr/>
+          <a:lstStyle/>
+          <a:p>
+            <a:fld id="{833C8364-6B03-4B98-A245-7B0F0BD81F7E}" type="slidenum">
+              <a:rPr lang="fr-FR" smtClean="0"/>
+              <a:pPr/>
+              <a:t>10</a:t>
+            </a:fld>
+            <a:endParaRPr lang="fr-FR"/>
+          </a:p>
+        </p:txBody>
+      </p:sp>
+    </p:spTree>
+    <p:extLst>
+      <p:ext uri="{BB962C8B-B14F-4D97-AF65-F5344CB8AC3E}">
+        <p14:creationId xmlns:p14="http://schemas.microsoft.com/office/powerpoint/2010/main" val="576243714"/>
+      </p:ext>
+    </p:extLst>
+  </p:cSld>
+  <p:clrMapOvr>
+    <a:masterClrMapping/>
+  </p:clrMapOvr>
+</p:notes>
+</file>
+
+<file path=ppt/notesSlides/notesSlide11.xml><?xml version="1.0" encoding="utf-8"?>
+<p:notes xmlns:a="http://schemas.openxmlformats.org/drawingml/2006/main" xmlns:r="http://schemas.openxmlformats.org/officeDocument/2006/relationships" xmlns:p="http://schemas.openxmlformats.org/presentationml/2006/main">
+  <p:cSld>
+    <p:spTree>
+      <p:nvGrpSpPr>
+        <p:cNvPr id="1" name=""/>
+        <p:cNvGrpSpPr/>
+        <p:nvPr/>
+      </p:nvGrpSpPr>
+      <p:grpSpPr>
+        <a:xfrm>
+          <a:off x="0" y="0"/>
+          <a:ext cx="0" cy="0"/>
+          <a:chOff x="0" y="0"/>
+          <a:chExt cx="0" cy="0"/>
+        </a:xfrm>
+      </p:grpSpPr>
+      <p:sp>
+        <p:nvSpPr>
+          <p:cNvPr id="2" name="Espace réservé de l'image des diapositives 1"/>
+          <p:cNvSpPr>
+            <a:spLocks noGrp="1" noRot="1" noChangeAspect="1"/>
+          </p:cNvSpPr>
+          <p:nvPr>
+            <p:ph type="sldImg"/>
+          </p:nvPr>
+        </p:nvSpPr>
+        <p:spPr/>
+      </p:sp>
+      <p:sp>
+        <p:nvSpPr>
+          <p:cNvPr id="3" name="Espace réservé des commentaires 2"/>
+          <p:cNvSpPr>
+            <a:spLocks noGrp="1"/>
+          </p:cNvSpPr>
+          <p:nvPr>
+            <p:ph type="body" idx="1"/>
+          </p:nvPr>
+        </p:nvSpPr>
+        <p:spPr/>
+        <p:txBody>
+          <a:bodyPr/>
+          <a:lstStyle/>
+          <a:p>
+            <a:endParaRPr lang="fr-FR"/>
+          </a:p>
+        </p:txBody>
+      </p:sp>
+      <p:sp>
+        <p:nvSpPr>
+          <p:cNvPr id="4" name="Espace réservé du numéro de diapositive 3"/>
+          <p:cNvSpPr>
+            <a:spLocks noGrp="1"/>
+          </p:cNvSpPr>
+          <p:nvPr>
+            <p:ph type="sldNum" sz="quarter" idx="10"/>
+          </p:nvPr>
+        </p:nvSpPr>
+        <p:spPr/>
+        <p:txBody>
+          <a:bodyPr/>
+          <a:lstStyle/>
+          <a:p>
+            <a:fld id="{833C8364-6B03-4B98-A245-7B0F0BD81F7E}" type="slidenum">
+              <a:rPr lang="fr-FR" smtClean="0"/>
+              <a:pPr/>
+              <a:t>11</a:t>
+            </a:fld>
+            <a:endParaRPr lang="fr-FR"/>
+          </a:p>
+        </p:txBody>
+      </p:sp>
+    </p:spTree>
+    <p:extLst>
+      <p:ext uri="{BB962C8B-B14F-4D97-AF65-F5344CB8AC3E}">
+        <p14:creationId xmlns:p14="http://schemas.microsoft.com/office/powerpoint/2010/main" val="3033833872"/>
+      </p:ext>
+    </p:extLst>
+  </p:cSld>
+  <p:clrMapOvr>
+    <a:masterClrMapping/>
+  </p:clrMapOvr>
+</p:notes>
+</file>
+
+<file path=ppt/notesSlides/notesSlide12.xml><?xml version="1.0" encoding="utf-8"?>
+<p:notes xmlns:a="http://schemas.openxmlformats.org/drawingml/2006/main" xmlns:r="http://schemas.openxmlformats.org/officeDocument/2006/relationships" xmlns:p="http://schemas.openxmlformats.org/presentationml/2006/main">
+  <p:cSld>
+    <p:spTree>
+      <p:nvGrpSpPr>
+        <p:cNvPr id="1" name=""/>
+        <p:cNvGrpSpPr/>
+        <p:nvPr/>
+      </p:nvGrpSpPr>
+      <p:grpSpPr>
+        <a:xfrm>
+          <a:off x="0" y="0"/>
+          <a:ext cx="0" cy="0"/>
+          <a:chOff x="0" y="0"/>
+          <a:chExt cx="0" cy="0"/>
+        </a:xfrm>
+      </p:grpSpPr>
+      <p:sp>
+        <p:nvSpPr>
+          <p:cNvPr id="2" name="Espace réservé de l'image des diapositives 1"/>
+          <p:cNvSpPr>
+            <a:spLocks noGrp="1" noRot="1" noChangeAspect="1"/>
+          </p:cNvSpPr>
+          <p:nvPr>
+            <p:ph type="sldImg"/>
+          </p:nvPr>
+        </p:nvSpPr>
+        <p:spPr/>
+      </p:sp>
+      <p:sp>
+        <p:nvSpPr>
+          <p:cNvPr id="3" name="Espace réservé des commentaires 2"/>
+          <p:cNvSpPr>
+            <a:spLocks noGrp="1"/>
+          </p:cNvSpPr>
+          <p:nvPr>
+            <p:ph type="body" idx="1"/>
+          </p:nvPr>
+        </p:nvSpPr>
+        <p:spPr/>
+        <p:txBody>
+          <a:bodyPr/>
+          <a:lstStyle/>
+          <a:p>
+            <a:endParaRPr lang="fr-FR"/>
+          </a:p>
+        </p:txBody>
+      </p:sp>
+      <p:sp>
+        <p:nvSpPr>
+          <p:cNvPr id="4" name="Espace réservé du numéro de diapositive 3"/>
+          <p:cNvSpPr>
+            <a:spLocks noGrp="1"/>
+          </p:cNvSpPr>
+          <p:nvPr>
+            <p:ph type="sldNum" sz="quarter" idx="10"/>
+          </p:nvPr>
+        </p:nvSpPr>
+        <p:spPr/>
+        <p:txBody>
+          <a:bodyPr/>
+          <a:lstStyle/>
+          <a:p>
+            <a:fld id="{833C8364-6B03-4B98-A245-7B0F0BD81F7E}" type="slidenum">
+              <a:rPr lang="fr-FR" smtClean="0"/>
+              <a:pPr/>
+              <a:t>12</a:t>
+            </a:fld>
+            <a:endParaRPr lang="fr-FR"/>
+          </a:p>
+        </p:txBody>
+      </p:sp>
+    </p:spTree>
+    <p:extLst>
+      <p:ext uri="{BB962C8B-B14F-4D97-AF65-F5344CB8AC3E}">
+        <p14:creationId xmlns:p14="http://schemas.microsoft.com/office/powerpoint/2010/main" val="1158730547"/>
+      </p:ext>
+    </p:extLst>
+  </p:cSld>
+  <p:clrMapOvr>
+    <a:masterClrMapping/>
+  </p:clrMapOvr>
+</p:notes>
+</file>
+
+<file path=ppt/notesSlides/notesSlide13.xml><?xml version="1.0" encoding="utf-8"?>
+<p:notes xmlns:a="http://schemas.openxmlformats.org/drawingml/2006/main" xmlns:r="http://schemas.openxmlformats.org/officeDocument/2006/relationships" xmlns:p="http://schemas.openxmlformats.org/presentationml/2006/main">
+  <p:cSld>
+    <p:spTree>
+      <p:nvGrpSpPr>
+        <p:cNvPr id="1" name=""/>
+        <p:cNvGrpSpPr/>
+        <p:nvPr/>
+      </p:nvGrpSpPr>
+      <p:grpSpPr>
+        <a:xfrm>
+          <a:off x="0" y="0"/>
+          <a:ext cx="0" cy="0"/>
+          <a:chOff x="0" y="0"/>
+          <a:chExt cx="0" cy="0"/>
+        </a:xfrm>
+      </p:grpSpPr>
+      <p:sp>
+        <p:nvSpPr>
+          <p:cNvPr id="2" name="Espace réservé de l'image des diapositives 1"/>
+          <p:cNvSpPr>
+            <a:spLocks noGrp="1" noRot="1" noChangeAspect="1"/>
+          </p:cNvSpPr>
+          <p:nvPr>
+            <p:ph type="sldImg"/>
+          </p:nvPr>
+        </p:nvSpPr>
+        <p:spPr/>
+      </p:sp>
+      <p:sp>
+        <p:nvSpPr>
+          <p:cNvPr id="3" name="Espace réservé des commentaires 2"/>
+          <p:cNvSpPr>
+            <a:spLocks noGrp="1"/>
+          </p:cNvSpPr>
+          <p:nvPr>
+            <p:ph type="body" idx="1"/>
+          </p:nvPr>
+        </p:nvSpPr>
+        <p:spPr/>
+        <p:txBody>
+          <a:bodyPr/>
+          <a:lstStyle/>
+          <a:p>
+            <a:endParaRPr lang="fr-FR"/>
+          </a:p>
+        </p:txBody>
+      </p:sp>
+      <p:sp>
+        <p:nvSpPr>
+          <p:cNvPr id="4" name="Espace réservé du numéro de diapositive 3"/>
+          <p:cNvSpPr>
+            <a:spLocks noGrp="1"/>
+          </p:cNvSpPr>
+          <p:nvPr>
+            <p:ph type="sldNum" sz="quarter" idx="10"/>
+          </p:nvPr>
+        </p:nvSpPr>
+        <p:spPr/>
+        <p:txBody>
+          <a:bodyPr/>
+          <a:lstStyle/>
+          <a:p>
+            <a:fld id="{833C8364-6B03-4B98-A245-7B0F0BD81F7E}" type="slidenum">
+              <a:rPr lang="fr-FR" smtClean="0"/>
+              <a:pPr/>
+              <a:t>13</a:t>
+            </a:fld>
+            <a:endParaRPr lang="fr-FR"/>
+          </a:p>
+        </p:txBody>
+      </p:sp>
+    </p:spTree>
+    <p:extLst>
+      <p:ext uri="{BB962C8B-B14F-4D97-AF65-F5344CB8AC3E}">
+        <p14:creationId xmlns:p14="http://schemas.microsoft.com/office/powerpoint/2010/main" val="734069342"/>
+      </p:ext>
+    </p:extLst>
+  </p:cSld>
+  <p:clrMapOvr>
+    <a:masterClrMapping/>
+  </p:clrMapOvr>
+</p:notes>
+</file>
+
+<file path=ppt/notesSlides/notesSlide14.xml><?xml version="1.0" encoding="utf-8"?>
+<p:notes xmlns:a="http://schemas.openxmlformats.org/drawingml/2006/main" xmlns:r="http://schemas.openxmlformats.org/officeDocument/2006/relationships" xmlns:p="http://schemas.openxmlformats.org/presentationml/2006/main">
+  <p:cSld>
+    <p:spTree>
+      <p:nvGrpSpPr>
+        <p:cNvPr id="1" name=""/>
+        <p:cNvGrpSpPr/>
+        <p:nvPr/>
+      </p:nvGrpSpPr>
+      <p:grpSpPr>
+        <a:xfrm>
+          <a:off x="0" y="0"/>
+          <a:ext cx="0" cy="0"/>
+          <a:chOff x="0" y="0"/>
+          <a:chExt cx="0" cy="0"/>
+        </a:xfrm>
+      </p:grpSpPr>
+      <p:sp>
+        <p:nvSpPr>
+          <p:cNvPr id="2" name="Espace réservé de l'image des diapositives 1"/>
+          <p:cNvSpPr>
+            <a:spLocks noGrp="1" noRot="1" noChangeAspect="1"/>
+          </p:cNvSpPr>
+          <p:nvPr>
+            <p:ph type="sldImg"/>
+          </p:nvPr>
+        </p:nvSpPr>
+        <p:spPr/>
+      </p:sp>
+      <p:sp>
+        <p:nvSpPr>
+          <p:cNvPr id="3" name="Espace réservé des commentaires 2"/>
+          <p:cNvSpPr>
+            <a:spLocks noGrp="1"/>
+          </p:cNvSpPr>
+          <p:nvPr>
+            <p:ph type="body" idx="1"/>
+          </p:nvPr>
+        </p:nvSpPr>
+        <p:spPr/>
+        <p:txBody>
+          <a:bodyPr/>
+          <a:lstStyle/>
+          <a:p>
+            <a:endParaRPr lang="fr-FR"/>
+          </a:p>
+        </p:txBody>
+      </p:sp>
+      <p:sp>
+        <p:nvSpPr>
+          <p:cNvPr id="4" name="Espace réservé du numéro de diapositive 3"/>
+          <p:cNvSpPr>
+            <a:spLocks noGrp="1"/>
+          </p:cNvSpPr>
+          <p:nvPr>
+            <p:ph type="sldNum" sz="quarter" idx="10"/>
+          </p:nvPr>
+        </p:nvSpPr>
+        <p:spPr/>
+        <p:txBody>
+          <a:bodyPr/>
+          <a:lstStyle/>
+          <a:p>
+            <a:fld id="{833C8364-6B03-4B98-A245-7B0F0BD81F7E}" type="slidenum">
+              <a:rPr lang="fr-FR" smtClean="0"/>
+              <a:pPr/>
+              <a:t>14</a:t>
+            </a:fld>
+            <a:endParaRPr lang="fr-FR"/>
+          </a:p>
+        </p:txBody>
+      </p:sp>
+    </p:spTree>
+    <p:extLst>
+      <p:ext uri="{BB962C8B-B14F-4D97-AF65-F5344CB8AC3E}">
+        <p14:creationId xmlns:p14="http://schemas.microsoft.com/office/powerpoint/2010/main" val="1271786306"/>
+      </p:ext>
+    </p:extLst>
+  </p:cSld>
+  <p:clrMapOvr>
+    <a:masterClrMapping/>
+  </p:clrMapOvr>
+</p:notes>
+</file>
+
+<file path=ppt/notesSlides/notesSlide15.xml><?xml version="1.0" encoding="utf-8"?>
+<p:notes xmlns:a="http://schemas.openxmlformats.org/drawingml/2006/main" xmlns:r="http://schemas.openxmlformats.org/officeDocument/2006/relationships" xmlns:p="http://schemas.openxmlformats.org/presentationml/2006/main">
+  <p:cSld>
+    <p:spTree>
+      <p:nvGrpSpPr>
+        <p:cNvPr id="1" name=""/>
+        <p:cNvGrpSpPr/>
+        <p:nvPr/>
+      </p:nvGrpSpPr>
+      <p:grpSpPr>
+        <a:xfrm>
+          <a:off x="0" y="0"/>
+          <a:ext cx="0" cy="0"/>
+          <a:chOff x="0" y="0"/>
+          <a:chExt cx="0" cy="0"/>
+        </a:xfrm>
+      </p:grpSpPr>
+      <p:sp>
+        <p:nvSpPr>
+          <p:cNvPr id="2" name="Espace réservé de l'image des diapositives 1"/>
+          <p:cNvSpPr>
+            <a:spLocks noGrp="1" noRot="1" noChangeAspect="1"/>
+          </p:cNvSpPr>
+          <p:nvPr>
+            <p:ph type="sldImg"/>
+          </p:nvPr>
+        </p:nvSpPr>
+        <p:spPr/>
+      </p:sp>
+      <p:sp>
+        <p:nvSpPr>
+          <p:cNvPr id="3" name="Espace réservé des commentaires 2"/>
+          <p:cNvSpPr>
+            <a:spLocks noGrp="1"/>
+          </p:cNvSpPr>
+          <p:nvPr>
+            <p:ph type="body" idx="1"/>
+          </p:nvPr>
+        </p:nvSpPr>
+        <p:spPr/>
+        <p:txBody>
+          <a:bodyPr/>
+          <a:lstStyle/>
+          <a:p>
+            <a:endParaRPr lang="fr-FR"/>
+          </a:p>
+        </p:txBody>
+      </p:sp>
+      <p:sp>
+        <p:nvSpPr>
+          <p:cNvPr id="4" name="Espace réservé du numéro de diapositive 3"/>
+          <p:cNvSpPr>
+            <a:spLocks noGrp="1"/>
+          </p:cNvSpPr>
+          <p:nvPr>
+            <p:ph type="sldNum" sz="quarter" idx="10"/>
+          </p:nvPr>
+        </p:nvSpPr>
+        <p:spPr/>
+        <p:txBody>
+          <a:bodyPr/>
+          <a:lstStyle/>
+          <a:p>
+            <a:fld id="{833C8364-6B03-4B98-A245-7B0F0BD81F7E}" type="slidenum">
+              <a:rPr lang="fr-FR" smtClean="0"/>
+              <a:pPr/>
+              <a:t>15</a:t>
+            </a:fld>
+            <a:endParaRPr lang="fr-FR"/>
+          </a:p>
+        </p:txBody>
+      </p:sp>
+    </p:spTree>
+    <p:extLst>
+      <p:ext uri="{BB962C8B-B14F-4D97-AF65-F5344CB8AC3E}">
+        <p14:creationId xmlns:p14="http://schemas.microsoft.com/office/powerpoint/2010/main" val="4197931035"/>
+      </p:ext>
+    </p:extLst>
+  </p:cSld>
+  <p:clrMapOvr>
+    <a:masterClrMapping/>
+  </p:clrMapOvr>
+</p:notes>
+</file>
+
+<file path=ppt/notesSlides/notesSlide16.xml><?xml version="1.0" encoding="utf-8"?>
+<p:notes xmlns:a="http://schemas.openxmlformats.org/drawingml/2006/main" xmlns:r="http://schemas.openxmlformats.org/officeDocument/2006/relationships" xmlns:p="http://schemas.openxmlformats.org/presentationml/2006/main">
+  <p:cSld>
+    <p:spTree>
+      <p:nvGrpSpPr>
+        <p:cNvPr id="1" name=""/>
+        <p:cNvGrpSpPr/>
+        <p:nvPr/>
+      </p:nvGrpSpPr>
+      <p:grpSpPr>
+        <a:xfrm>
+          <a:off x="0" y="0"/>
+          <a:ext cx="0" cy="0"/>
+          <a:chOff x="0" y="0"/>
+          <a:chExt cx="0" cy="0"/>
+        </a:xfrm>
+      </p:grpSpPr>
+      <p:sp>
+        <p:nvSpPr>
+          <p:cNvPr id="2" name="Espace réservé de l'image des diapositives 1"/>
+          <p:cNvSpPr>
+            <a:spLocks noGrp="1" noRot="1" noChangeAspect="1"/>
+          </p:cNvSpPr>
+          <p:nvPr>
+            <p:ph type="sldImg"/>
+          </p:nvPr>
+        </p:nvSpPr>
+        <p:spPr/>
+      </p:sp>
+      <p:sp>
+        <p:nvSpPr>
+          <p:cNvPr id="3" name="Espace réservé des commentaires 2"/>
+          <p:cNvSpPr>
+            <a:spLocks noGrp="1"/>
+          </p:cNvSpPr>
+          <p:nvPr>
+            <p:ph type="body" idx="1"/>
+          </p:nvPr>
+        </p:nvSpPr>
+        <p:spPr/>
+        <p:txBody>
+          <a:bodyPr/>
+          <a:lstStyle/>
+          <a:p>
+            <a:endParaRPr lang="fr-FR"/>
+          </a:p>
+        </p:txBody>
+      </p:sp>
+      <p:sp>
+        <p:nvSpPr>
+          <p:cNvPr id="4" name="Espace réservé du numéro de diapositive 3"/>
+          <p:cNvSpPr>
+            <a:spLocks noGrp="1"/>
+          </p:cNvSpPr>
+          <p:nvPr>
+            <p:ph type="sldNum" sz="quarter" idx="10"/>
+          </p:nvPr>
+        </p:nvSpPr>
+        <p:spPr/>
+        <p:txBody>
+          <a:bodyPr/>
+          <a:lstStyle/>
+          <a:p>
+            <a:fld id="{833C8364-6B03-4B98-A245-7B0F0BD81F7E}" type="slidenum">
+              <a:rPr lang="fr-FR" smtClean="0"/>
+              <a:pPr/>
+              <a:t>16</a:t>
+            </a:fld>
+            <a:endParaRPr lang="fr-FR"/>
+          </a:p>
+        </p:txBody>
+      </p:sp>
+    </p:spTree>
+    <p:extLst>
+      <p:ext uri="{BB962C8B-B14F-4D97-AF65-F5344CB8AC3E}">
+        <p14:creationId xmlns:p14="http://schemas.microsoft.com/office/powerpoint/2010/main" val="2125538633"/>
+      </p:ext>
+    </p:extLst>
+  </p:cSld>
+  <p:clrMapOvr>
+    <a:masterClrMapping/>
+  </p:clrMapOvr>
+</p:notes>
+</file>
+
+<file path=ppt/notesSlides/notesSlide17.xml><?xml version="1.0" encoding="utf-8"?>
+<p:notes xmlns:a="http://schemas.openxmlformats.org/drawingml/2006/main" xmlns:r="http://schemas.openxmlformats.org/officeDocument/2006/relationships" xmlns:p="http://schemas.openxmlformats.org/presentationml/2006/main">
+  <p:cSld>
+    <p:spTree>
+      <p:nvGrpSpPr>
+        <p:cNvPr id="1" name=""/>
+        <p:cNvGrpSpPr/>
+        <p:nvPr/>
+      </p:nvGrpSpPr>
+      <p:grpSpPr>
+        <a:xfrm>
+          <a:off x="0" y="0"/>
+          <a:ext cx="0" cy="0"/>
+          <a:chOff x="0" y="0"/>
+          <a:chExt cx="0" cy="0"/>
+        </a:xfrm>
+      </p:grpSpPr>
+      <p:sp>
+        <p:nvSpPr>
+          <p:cNvPr id="2" name="Espace réservé de l'image des diapositives 1"/>
+          <p:cNvSpPr>
+            <a:spLocks noGrp="1" noRot="1" noChangeAspect="1"/>
+          </p:cNvSpPr>
+          <p:nvPr>
+            <p:ph type="sldImg"/>
+          </p:nvPr>
+        </p:nvSpPr>
+        <p:spPr/>
+      </p:sp>
+      <p:sp>
+        <p:nvSpPr>
+          <p:cNvPr id="3" name="Espace réservé des commentaires 2"/>
+          <p:cNvSpPr>
+            <a:spLocks noGrp="1"/>
+          </p:cNvSpPr>
+          <p:nvPr>
+            <p:ph type="body" idx="1"/>
+          </p:nvPr>
+        </p:nvSpPr>
+        <p:spPr/>
+        <p:txBody>
+          <a:bodyPr/>
+          <a:lstStyle/>
+          <a:p>
+            <a:endParaRPr lang="fr-FR"/>
+          </a:p>
+        </p:txBody>
+      </p:sp>
+      <p:sp>
+        <p:nvSpPr>
+          <p:cNvPr id="4" name="Espace réservé du numéro de diapositive 3"/>
+          <p:cNvSpPr>
+            <a:spLocks noGrp="1"/>
+          </p:cNvSpPr>
+          <p:nvPr>
+            <p:ph type="sldNum" sz="quarter" idx="10"/>
+          </p:nvPr>
+        </p:nvSpPr>
+        <p:spPr/>
+        <p:txBody>
+          <a:bodyPr/>
+          <a:lstStyle/>
+          <a:p>
+            <a:fld id="{833C8364-6B03-4B98-A245-7B0F0BD81F7E}" type="slidenum">
+              <a:rPr lang="fr-FR" smtClean="0"/>
+              <a:pPr/>
+              <a:t>17</a:t>
+            </a:fld>
+            <a:endParaRPr lang="fr-FR"/>
+          </a:p>
+        </p:txBody>
+      </p:sp>
+    </p:spTree>
+    <p:extLst>
+      <p:ext uri="{BB962C8B-B14F-4D97-AF65-F5344CB8AC3E}">
+        <p14:creationId xmlns:p14="http://schemas.microsoft.com/office/powerpoint/2010/main" val="3263236550"/>
+      </p:ext>
+    </p:extLst>
+  </p:cSld>
+  <p:clrMapOvr>
+    <a:masterClrMapping/>
+  </p:clrMapOvr>
+</p:notes>
+</file>
+
+<file path=ppt/notesSlides/notesSlide18.xml><?xml version="1.0" encoding="utf-8"?>
+<p:notes xmlns:a="http://schemas.openxmlformats.org/drawingml/2006/main" xmlns:r="http://schemas.openxmlformats.org/officeDocument/2006/relationships" xmlns:p="http://schemas.openxmlformats.org/presentationml/2006/main">
+  <p:cSld>
+    <p:spTree>
+      <p:nvGrpSpPr>
+        <p:cNvPr id="1" name=""/>
+        <p:cNvGrpSpPr/>
+        <p:nvPr/>
+      </p:nvGrpSpPr>
+      <p:grpSpPr>
+        <a:xfrm>
+          <a:off x="0" y="0"/>
+          <a:ext cx="0" cy="0"/>
+          <a:chOff x="0" y="0"/>
+          <a:chExt cx="0" cy="0"/>
+        </a:xfrm>
+      </p:grpSpPr>
+      <p:sp>
+        <p:nvSpPr>
+          <p:cNvPr id="2" name="Espace réservé de l'image des diapositives 1"/>
+          <p:cNvSpPr>
+            <a:spLocks noGrp="1" noRot="1" noChangeAspect="1"/>
+          </p:cNvSpPr>
+          <p:nvPr>
+            <p:ph type="sldImg"/>
+          </p:nvPr>
+        </p:nvSpPr>
+        <p:spPr/>
+      </p:sp>
+      <p:sp>
+        <p:nvSpPr>
+          <p:cNvPr id="3" name="Espace réservé des commentaires 2"/>
+          <p:cNvSpPr>
+            <a:spLocks noGrp="1"/>
+          </p:cNvSpPr>
+          <p:nvPr>
+            <p:ph type="body" idx="1"/>
+          </p:nvPr>
+        </p:nvSpPr>
+        <p:spPr/>
+        <p:txBody>
+          <a:bodyPr/>
+          <a:lstStyle/>
+          <a:p>
+            <a:endParaRPr lang="fr-FR"/>
+          </a:p>
+        </p:txBody>
+      </p:sp>
+      <p:sp>
+        <p:nvSpPr>
+          <p:cNvPr id="4" name="Espace réservé du numéro de diapositive 3"/>
+          <p:cNvSpPr>
+            <a:spLocks noGrp="1"/>
+          </p:cNvSpPr>
+          <p:nvPr>
+            <p:ph type="sldNum" sz="quarter" idx="10"/>
+          </p:nvPr>
+        </p:nvSpPr>
+        <p:spPr/>
+        <p:txBody>
+          <a:bodyPr/>
+          <a:lstStyle/>
+          <a:p>
+            <a:fld id="{833C8364-6B03-4B98-A245-7B0F0BD81F7E}" type="slidenum">
+              <a:rPr lang="fr-FR" smtClean="0"/>
+              <a:pPr/>
+              <a:t>18</a:t>
+            </a:fld>
+            <a:endParaRPr lang="fr-FR"/>
+          </a:p>
+        </p:txBody>
+      </p:sp>
+    </p:spTree>
+    <p:extLst>
+      <p:ext uri="{BB962C8B-B14F-4D97-AF65-F5344CB8AC3E}">
+        <p14:creationId xmlns:p14="http://schemas.microsoft.com/office/powerpoint/2010/main" val="3923358207"/>
+      </p:ext>
+    </p:extLst>
+  </p:cSld>
+  <p:clrMapOvr>
+    <a:masterClrMapping/>
+  </p:clrMapOvr>
+</p:notes>
+</file>
+
+<file path=ppt/notesSlides/notesSlide19.xml><?xml version="1.0" encoding="utf-8"?>
+<p:notes xmlns:a="http://schemas.openxmlformats.org/drawingml/2006/main" xmlns:r="http://schemas.openxmlformats.org/officeDocument/2006/relationships" xmlns:p="http://schemas.openxmlformats.org/presentationml/2006/main">
+  <p:cSld>
+    <p:spTree>
+      <p:nvGrpSpPr>
+        <p:cNvPr id="1" name=""/>
+        <p:cNvGrpSpPr/>
+        <p:nvPr/>
+      </p:nvGrpSpPr>
+      <p:grpSpPr>
+        <a:xfrm>
+          <a:off x="0" y="0"/>
+          <a:ext cx="0" cy="0"/>
+          <a:chOff x="0" y="0"/>
+          <a:chExt cx="0" cy="0"/>
+        </a:xfrm>
+      </p:grpSpPr>
+      <p:sp>
+        <p:nvSpPr>
+          <p:cNvPr id="2" name="Espace réservé de l'image des diapositives 1"/>
+          <p:cNvSpPr>
+            <a:spLocks noGrp="1" noRot="1" noChangeAspect="1"/>
+          </p:cNvSpPr>
+          <p:nvPr>
+            <p:ph type="sldImg"/>
+          </p:nvPr>
+        </p:nvSpPr>
+        <p:spPr/>
+      </p:sp>
+      <p:sp>
+        <p:nvSpPr>
+          <p:cNvPr id="3" name="Espace réservé des commentaires 2"/>
+          <p:cNvSpPr>
+            <a:spLocks noGrp="1"/>
+          </p:cNvSpPr>
+          <p:nvPr>
+            <p:ph type="body" idx="1"/>
+          </p:nvPr>
+        </p:nvSpPr>
+        <p:spPr/>
+        <p:txBody>
+          <a:bodyPr/>
+          <a:lstStyle/>
+          <a:p>
+            <a:endParaRPr lang="fr-FR"/>
+          </a:p>
+        </p:txBody>
+      </p:sp>
+      <p:sp>
+        <p:nvSpPr>
+          <p:cNvPr id="4" name="Espace réservé du numéro de diapositive 3"/>
+          <p:cNvSpPr>
+            <a:spLocks noGrp="1"/>
+          </p:cNvSpPr>
+          <p:nvPr>
+            <p:ph type="sldNum" sz="quarter" idx="10"/>
+          </p:nvPr>
+        </p:nvSpPr>
+        <p:spPr/>
+        <p:txBody>
+          <a:bodyPr/>
+          <a:lstStyle/>
+          <a:p>
+            <a:fld id="{833C8364-6B03-4B98-A245-7B0F0BD81F7E}" type="slidenum">
+              <a:rPr lang="fr-FR" smtClean="0"/>
+              <a:pPr/>
+              <a:t>19</a:t>
+            </a:fld>
+            <a:endParaRPr lang="fr-FR"/>
+          </a:p>
+        </p:txBody>
+      </p:sp>
+    </p:spTree>
+    <p:extLst>
+      <p:ext uri="{BB962C8B-B14F-4D97-AF65-F5344CB8AC3E}">
+        <p14:creationId xmlns:p14="http://schemas.microsoft.com/office/powerpoint/2010/main" val="3913166965"/>
+      </p:ext>
+    </p:extLst>
+  </p:cSld>
+  <p:clrMapOvr>
+    <a:masterClrMapping/>
+  </p:clrMapOvr>
+</p:notes>
+</file>
+
 <file path=ppt/notesSlides/notesSlide2.xml><?xml version="1.0" encoding="utf-8"?>
 <p:notes xmlns:a="http://schemas.openxmlformats.org/drawingml/2006/main" xmlns:r="http://schemas.openxmlformats.org/officeDocument/2006/relationships" xmlns:p="http://schemas.openxmlformats.org/presentationml/2006/main">
   <p:cSld>
@@ -1057,6 +1907,601 @@
         </p:txBody>
       </p:sp>
     </p:spTree>
+  </p:cSld>
+  <p:clrMapOvr>
+    <a:masterClrMapping/>
+  </p:clrMapOvr>
+</p:notes>
+</file>
+
+<file path=ppt/notesSlides/notesSlide20.xml><?xml version="1.0" encoding="utf-8"?>
+<p:notes xmlns:a="http://schemas.openxmlformats.org/drawingml/2006/main" xmlns:r="http://schemas.openxmlformats.org/officeDocument/2006/relationships" xmlns:p="http://schemas.openxmlformats.org/presentationml/2006/main">
+  <p:cSld>
+    <p:spTree>
+      <p:nvGrpSpPr>
+        <p:cNvPr id="1" name=""/>
+        <p:cNvGrpSpPr/>
+        <p:nvPr/>
+      </p:nvGrpSpPr>
+      <p:grpSpPr>
+        <a:xfrm>
+          <a:off x="0" y="0"/>
+          <a:ext cx="0" cy="0"/>
+          <a:chOff x="0" y="0"/>
+          <a:chExt cx="0" cy="0"/>
+        </a:xfrm>
+      </p:grpSpPr>
+      <p:sp>
+        <p:nvSpPr>
+          <p:cNvPr id="2" name="Espace réservé de l'image des diapositives 1"/>
+          <p:cNvSpPr>
+            <a:spLocks noGrp="1" noRot="1" noChangeAspect="1"/>
+          </p:cNvSpPr>
+          <p:nvPr>
+            <p:ph type="sldImg"/>
+          </p:nvPr>
+        </p:nvSpPr>
+        <p:spPr/>
+      </p:sp>
+      <p:sp>
+        <p:nvSpPr>
+          <p:cNvPr id="3" name="Espace réservé des commentaires 2"/>
+          <p:cNvSpPr>
+            <a:spLocks noGrp="1"/>
+          </p:cNvSpPr>
+          <p:nvPr>
+            <p:ph type="body" idx="1"/>
+          </p:nvPr>
+        </p:nvSpPr>
+        <p:spPr/>
+        <p:txBody>
+          <a:bodyPr/>
+          <a:lstStyle/>
+          <a:p>
+            <a:endParaRPr lang="fr-FR"/>
+          </a:p>
+        </p:txBody>
+      </p:sp>
+      <p:sp>
+        <p:nvSpPr>
+          <p:cNvPr id="4" name="Espace réservé du numéro de diapositive 3"/>
+          <p:cNvSpPr>
+            <a:spLocks noGrp="1"/>
+          </p:cNvSpPr>
+          <p:nvPr>
+            <p:ph type="sldNum" sz="quarter" idx="10"/>
+          </p:nvPr>
+        </p:nvSpPr>
+        <p:spPr/>
+        <p:txBody>
+          <a:bodyPr/>
+          <a:lstStyle/>
+          <a:p>
+            <a:fld id="{833C8364-6B03-4B98-A245-7B0F0BD81F7E}" type="slidenum">
+              <a:rPr lang="fr-FR" smtClean="0"/>
+              <a:pPr/>
+              <a:t>20</a:t>
+            </a:fld>
+            <a:endParaRPr lang="fr-FR"/>
+          </a:p>
+        </p:txBody>
+      </p:sp>
+    </p:spTree>
+    <p:extLst>
+      <p:ext uri="{BB962C8B-B14F-4D97-AF65-F5344CB8AC3E}">
+        <p14:creationId xmlns:p14="http://schemas.microsoft.com/office/powerpoint/2010/main" val="40986106"/>
+      </p:ext>
+    </p:extLst>
+  </p:cSld>
+  <p:clrMapOvr>
+    <a:masterClrMapping/>
+  </p:clrMapOvr>
+</p:notes>
+</file>
+
+<file path=ppt/notesSlides/notesSlide21.xml><?xml version="1.0" encoding="utf-8"?>
+<p:notes xmlns:a="http://schemas.openxmlformats.org/drawingml/2006/main" xmlns:r="http://schemas.openxmlformats.org/officeDocument/2006/relationships" xmlns:p="http://schemas.openxmlformats.org/presentationml/2006/main">
+  <p:cSld>
+    <p:spTree>
+      <p:nvGrpSpPr>
+        <p:cNvPr id="1" name=""/>
+        <p:cNvGrpSpPr/>
+        <p:nvPr/>
+      </p:nvGrpSpPr>
+      <p:grpSpPr>
+        <a:xfrm>
+          <a:off x="0" y="0"/>
+          <a:ext cx="0" cy="0"/>
+          <a:chOff x="0" y="0"/>
+          <a:chExt cx="0" cy="0"/>
+        </a:xfrm>
+      </p:grpSpPr>
+      <p:sp>
+        <p:nvSpPr>
+          <p:cNvPr id="2" name="Espace réservé de l'image des diapositives 1"/>
+          <p:cNvSpPr>
+            <a:spLocks noGrp="1" noRot="1" noChangeAspect="1"/>
+          </p:cNvSpPr>
+          <p:nvPr>
+            <p:ph type="sldImg"/>
+          </p:nvPr>
+        </p:nvSpPr>
+        <p:spPr/>
+      </p:sp>
+      <p:sp>
+        <p:nvSpPr>
+          <p:cNvPr id="3" name="Espace réservé des commentaires 2"/>
+          <p:cNvSpPr>
+            <a:spLocks noGrp="1"/>
+          </p:cNvSpPr>
+          <p:nvPr>
+            <p:ph type="body" idx="1"/>
+          </p:nvPr>
+        </p:nvSpPr>
+        <p:spPr/>
+        <p:txBody>
+          <a:bodyPr/>
+          <a:lstStyle/>
+          <a:p>
+            <a:endParaRPr lang="fr-FR"/>
+          </a:p>
+        </p:txBody>
+      </p:sp>
+      <p:sp>
+        <p:nvSpPr>
+          <p:cNvPr id="4" name="Espace réservé du numéro de diapositive 3"/>
+          <p:cNvSpPr>
+            <a:spLocks noGrp="1"/>
+          </p:cNvSpPr>
+          <p:nvPr>
+            <p:ph type="sldNum" sz="quarter" idx="10"/>
+          </p:nvPr>
+        </p:nvSpPr>
+        <p:spPr/>
+        <p:txBody>
+          <a:bodyPr/>
+          <a:lstStyle/>
+          <a:p>
+            <a:fld id="{833C8364-6B03-4B98-A245-7B0F0BD81F7E}" type="slidenum">
+              <a:rPr lang="fr-FR" smtClean="0"/>
+              <a:pPr/>
+              <a:t>21</a:t>
+            </a:fld>
+            <a:endParaRPr lang="fr-FR"/>
+          </a:p>
+        </p:txBody>
+      </p:sp>
+    </p:spTree>
+    <p:extLst>
+      <p:ext uri="{BB962C8B-B14F-4D97-AF65-F5344CB8AC3E}">
+        <p14:creationId xmlns:p14="http://schemas.microsoft.com/office/powerpoint/2010/main" val="4175040620"/>
+      </p:ext>
+    </p:extLst>
+  </p:cSld>
+  <p:clrMapOvr>
+    <a:masterClrMapping/>
+  </p:clrMapOvr>
+</p:notes>
+</file>
+
+<file path=ppt/notesSlides/notesSlide22.xml><?xml version="1.0" encoding="utf-8"?>
+<p:notes xmlns:a="http://schemas.openxmlformats.org/drawingml/2006/main" xmlns:r="http://schemas.openxmlformats.org/officeDocument/2006/relationships" xmlns:p="http://schemas.openxmlformats.org/presentationml/2006/main">
+  <p:cSld>
+    <p:spTree>
+      <p:nvGrpSpPr>
+        <p:cNvPr id="1" name=""/>
+        <p:cNvGrpSpPr/>
+        <p:nvPr/>
+      </p:nvGrpSpPr>
+      <p:grpSpPr>
+        <a:xfrm>
+          <a:off x="0" y="0"/>
+          <a:ext cx="0" cy="0"/>
+          <a:chOff x="0" y="0"/>
+          <a:chExt cx="0" cy="0"/>
+        </a:xfrm>
+      </p:grpSpPr>
+      <p:sp>
+        <p:nvSpPr>
+          <p:cNvPr id="2" name="Espace réservé de l'image des diapositives 1"/>
+          <p:cNvSpPr>
+            <a:spLocks noGrp="1" noRot="1" noChangeAspect="1"/>
+          </p:cNvSpPr>
+          <p:nvPr>
+            <p:ph type="sldImg"/>
+          </p:nvPr>
+        </p:nvSpPr>
+        <p:spPr/>
+      </p:sp>
+      <p:sp>
+        <p:nvSpPr>
+          <p:cNvPr id="3" name="Espace réservé des commentaires 2"/>
+          <p:cNvSpPr>
+            <a:spLocks noGrp="1"/>
+          </p:cNvSpPr>
+          <p:nvPr>
+            <p:ph type="body" idx="1"/>
+          </p:nvPr>
+        </p:nvSpPr>
+        <p:spPr/>
+        <p:txBody>
+          <a:bodyPr/>
+          <a:lstStyle/>
+          <a:p>
+            <a:endParaRPr lang="fr-FR"/>
+          </a:p>
+        </p:txBody>
+      </p:sp>
+      <p:sp>
+        <p:nvSpPr>
+          <p:cNvPr id="4" name="Espace réservé du numéro de diapositive 3"/>
+          <p:cNvSpPr>
+            <a:spLocks noGrp="1"/>
+          </p:cNvSpPr>
+          <p:nvPr>
+            <p:ph type="sldNum" sz="quarter" idx="10"/>
+          </p:nvPr>
+        </p:nvSpPr>
+        <p:spPr/>
+        <p:txBody>
+          <a:bodyPr/>
+          <a:lstStyle/>
+          <a:p>
+            <a:fld id="{833C8364-6B03-4B98-A245-7B0F0BD81F7E}" type="slidenum">
+              <a:rPr lang="fr-FR" smtClean="0"/>
+              <a:pPr/>
+              <a:t>22</a:t>
+            </a:fld>
+            <a:endParaRPr lang="fr-FR"/>
+          </a:p>
+        </p:txBody>
+      </p:sp>
+    </p:spTree>
+    <p:extLst>
+      <p:ext uri="{BB962C8B-B14F-4D97-AF65-F5344CB8AC3E}">
+        <p14:creationId xmlns:p14="http://schemas.microsoft.com/office/powerpoint/2010/main" val="158272300"/>
+      </p:ext>
+    </p:extLst>
+  </p:cSld>
+  <p:clrMapOvr>
+    <a:masterClrMapping/>
+  </p:clrMapOvr>
+</p:notes>
+</file>
+
+<file path=ppt/notesSlides/notesSlide23.xml><?xml version="1.0" encoding="utf-8"?>
+<p:notes xmlns:a="http://schemas.openxmlformats.org/drawingml/2006/main" xmlns:r="http://schemas.openxmlformats.org/officeDocument/2006/relationships" xmlns:p="http://schemas.openxmlformats.org/presentationml/2006/main">
+  <p:cSld>
+    <p:spTree>
+      <p:nvGrpSpPr>
+        <p:cNvPr id="1" name=""/>
+        <p:cNvGrpSpPr/>
+        <p:nvPr/>
+      </p:nvGrpSpPr>
+      <p:grpSpPr>
+        <a:xfrm>
+          <a:off x="0" y="0"/>
+          <a:ext cx="0" cy="0"/>
+          <a:chOff x="0" y="0"/>
+          <a:chExt cx="0" cy="0"/>
+        </a:xfrm>
+      </p:grpSpPr>
+      <p:sp>
+        <p:nvSpPr>
+          <p:cNvPr id="2" name="Espace réservé de l'image des diapositives 1"/>
+          <p:cNvSpPr>
+            <a:spLocks noGrp="1" noRot="1" noChangeAspect="1"/>
+          </p:cNvSpPr>
+          <p:nvPr>
+            <p:ph type="sldImg"/>
+          </p:nvPr>
+        </p:nvSpPr>
+        <p:spPr/>
+      </p:sp>
+      <p:sp>
+        <p:nvSpPr>
+          <p:cNvPr id="3" name="Espace réservé des commentaires 2"/>
+          <p:cNvSpPr>
+            <a:spLocks noGrp="1"/>
+          </p:cNvSpPr>
+          <p:nvPr>
+            <p:ph type="body" idx="1"/>
+          </p:nvPr>
+        </p:nvSpPr>
+        <p:spPr/>
+        <p:txBody>
+          <a:bodyPr/>
+          <a:lstStyle/>
+          <a:p>
+            <a:endParaRPr lang="fr-FR"/>
+          </a:p>
+        </p:txBody>
+      </p:sp>
+      <p:sp>
+        <p:nvSpPr>
+          <p:cNvPr id="4" name="Espace réservé du numéro de diapositive 3"/>
+          <p:cNvSpPr>
+            <a:spLocks noGrp="1"/>
+          </p:cNvSpPr>
+          <p:nvPr>
+            <p:ph type="sldNum" sz="quarter" idx="10"/>
+          </p:nvPr>
+        </p:nvSpPr>
+        <p:spPr/>
+        <p:txBody>
+          <a:bodyPr/>
+          <a:lstStyle/>
+          <a:p>
+            <a:fld id="{833C8364-6B03-4B98-A245-7B0F0BD81F7E}" type="slidenum">
+              <a:rPr lang="fr-FR" smtClean="0"/>
+              <a:pPr/>
+              <a:t>23</a:t>
+            </a:fld>
+            <a:endParaRPr lang="fr-FR"/>
+          </a:p>
+        </p:txBody>
+      </p:sp>
+    </p:spTree>
+    <p:extLst>
+      <p:ext uri="{BB962C8B-B14F-4D97-AF65-F5344CB8AC3E}">
+        <p14:creationId xmlns:p14="http://schemas.microsoft.com/office/powerpoint/2010/main" val="672701900"/>
+      </p:ext>
+    </p:extLst>
+  </p:cSld>
+  <p:clrMapOvr>
+    <a:masterClrMapping/>
+  </p:clrMapOvr>
+</p:notes>
+</file>
+
+<file path=ppt/notesSlides/notesSlide24.xml><?xml version="1.0" encoding="utf-8"?>
+<p:notes xmlns:a="http://schemas.openxmlformats.org/drawingml/2006/main" xmlns:r="http://schemas.openxmlformats.org/officeDocument/2006/relationships" xmlns:p="http://schemas.openxmlformats.org/presentationml/2006/main">
+  <p:cSld>
+    <p:spTree>
+      <p:nvGrpSpPr>
+        <p:cNvPr id="1" name=""/>
+        <p:cNvGrpSpPr/>
+        <p:nvPr/>
+      </p:nvGrpSpPr>
+      <p:grpSpPr>
+        <a:xfrm>
+          <a:off x="0" y="0"/>
+          <a:ext cx="0" cy="0"/>
+          <a:chOff x="0" y="0"/>
+          <a:chExt cx="0" cy="0"/>
+        </a:xfrm>
+      </p:grpSpPr>
+      <p:sp>
+        <p:nvSpPr>
+          <p:cNvPr id="2" name="Espace réservé de l'image des diapositives 1"/>
+          <p:cNvSpPr>
+            <a:spLocks noGrp="1" noRot="1" noChangeAspect="1"/>
+          </p:cNvSpPr>
+          <p:nvPr>
+            <p:ph type="sldImg"/>
+          </p:nvPr>
+        </p:nvSpPr>
+        <p:spPr/>
+      </p:sp>
+      <p:sp>
+        <p:nvSpPr>
+          <p:cNvPr id="3" name="Espace réservé des commentaires 2"/>
+          <p:cNvSpPr>
+            <a:spLocks noGrp="1"/>
+          </p:cNvSpPr>
+          <p:nvPr>
+            <p:ph type="body" idx="1"/>
+          </p:nvPr>
+        </p:nvSpPr>
+        <p:spPr/>
+        <p:txBody>
+          <a:bodyPr/>
+          <a:lstStyle/>
+          <a:p>
+            <a:endParaRPr lang="fr-FR"/>
+          </a:p>
+        </p:txBody>
+      </p:sp>
+      <p:sp>
+        <p:nvSpPr>
+          <p:cNvPr id="4" name="Espace réservé du numéro de diapositive 3"/>
+          <p:cNvSpPr>
+            <a:spLocks noGrp="1"/>
+          </p:cNvSpPr>
+          <p:nvPr>
+            <p:ph type="sldNum" sz="quarter" idx="10"/>
+          </p:nvPr>
+        </p:nvSpPr>
+        <p:spPr/>
+        <p:txBody>
+          <a:bodyPr/>
+          <a:lstStyle/>
+          <a:p>
+            <a:fld id="{833C8364-6B03-4B98-A245-7B0F0BD81F7E}" type="slidenum">
+              <a:rPr lang="fr-FR" smtClean="0"/>
+              <a:pPr/>
+              <a:t>24</a:t>
+            </a:fld>
+            <a:endParaRPr lang="fr-FR"/>
+          </a:p>
+        </p:txBody>
+      </p:sp>
+    </p:spTree>
+    <p:extLst>
+      <p:ext uri="{BB962C8B-B14F-4D97-AF65-F5344CB8AC3E}">
+        <p14:creationId xmlns:p14="http://schemas.microsoft.com/office/powerpoint/2010/main" val="2564217693"/>
+      </p:ext>
+    </p:extLst>
+  </p:cSld>
+  <p:clrMapOvr>
+    <a:masterClrMapping/>
+  </p:clrMapOvr>
+</p:notes>
+</file>
+
+<file path=ppt/notesSlides/notesSlide25.xml><?xml version="1.0" encoding="utf-8"?>
+<p:notes xmlns:a="http://schemas.openxmlformats.org/drawingml/2006/main" xmlns:r="http://schemas.openxmlformats.org/officeDocument/2006/relationships" xmlns:p="http://schemas.openxmlformats.org/presentationml/2006/main">
+  <p:cSld>
+    <p:spTree>
+      <p:nvGrpSpPr>
+        <p:cNvPr id="1" name=""/>
+        <p:cNvGrpSpPr/>
+        <p:nvPr/>
+      </p:nvGrpSpPr>
+      <p:grpSpPr>
+        <a:xfrm>
+          <a:off x="0" y="0"/>
+          <a:ext cx="0" cy="0"/>
+          <a:chOff x="0" y="0"/>
+          <a:chExt cx="0" cy="0"/>
+        </a:xfrm>
+      </p:grpSpPr>
+      <p:sp>
+        <p:nvSpPr>
+          <p:cNvPr id="2" name="Espace réservé de l'image des diapositives 1"/>
+          <p:cNvSpPr>
+            <a:spLocks noGrp="1" noRot="1" noChangeAspect="1"/>
+          </p:cNvSpPr>
+          <p:nvPr>
+            <p:ph type="sldImg"/>
+          </p:nvPr>
+        </p:nvSpPr>
+        <p:spPr/>
+      </p:sp>
+      <p:sp>
+        <p:nvSpPr>
+          <p:cNvPr id="3" name="Espace réservé des commentaires 2"/>
+          <p:cNvSpPr>
+            <a:spLocks noGrp="1"/>
+          </p:cNvSpPr>
+          <p:nvPr>
+            <p:ph type="body" idx="1"/>
+          </p:nvPr>
+        </p:nvSpPr>
+        <p:spPr/>
+        <p:txBody>
+          <a:bodyPr/>
+          <a:lstStyle/>
+          <a:p>
+            <a:endParaRPr lang="fr-FR"/>
+          </a:p>
+        </p:txBody>
+      </p:sp>
+      <p:sp>
+        <p:nvSpPr>
+          <p:cNvPr id="4" name="Espace réservé du numéro de diapositive 3"/>
+          <p:cNvSpPr>
+            <a:spLocks noGrp="1"/>
+          </p:cNvSpPr>
+          <p:nvPr>
+            <p:ph type="sldNum" sz="quarter" idx="10"/>
+          </p:nvPr>
+        </p:nvSpPr>
+        <p:spPr/>
+        <p:txBody>
+          <a:bodyPr/>
+          <a:lstStyle/>
+          <a:p>
+            <a:fld id="{833C8364-6B03-4B98-A245-7B0F0BD81F7E}" type="slidenum">
+              <a:rPr lang="fr-FR" smtClean="0"/>
+              <a:pPr/>
+              <a:t>25</a:t>
+            </a:fld>
+            <a:endParaRPr lang="fr-FR"/>
+          </a:p>
+        </p:txBody>
+      </p:sp>
+    </p:spTree>
+    <p:extLst>
+      <p:ext uri="{BB962C8B-B14F-4D97-AF65-F5344CB8AC3E}">
+        <p14:creationId xmlns:p14="http://schemas.microsoft.com/office/powerpoint/2010/main" val="3960360460"/>
+      </p:ext>
+    </p:extLst>
+  </p:cSld>
+  <p:clrMapOvr>
+    <a:masterClrMapping/>
+  </p:clrMapOvr>
+</p:notes>
+</file>
+
+<file path=ppt/notesSlides/notesSlide26.xml><?xml version="1.0" encoding="utf-8"?>
+<p:notes xmlns:a="http://schemas.openxmlformats.org/drawingml/2006/main" xmlns:r="http://schemas.openxmlformats.org/officeDocument/2006/relationships" xmlns:p="http://schemas.openxmlformats.org/presentationml/2006/main">
+  <p:cSld>
+    <p:spTree>
+      <p:nvGrpSpPr>
+        <p:cNvPr id="1" name=""/>
+        <p:cNvGrpSpPr/>
+        <p:nvPr/>
+      </p:nvGrpSpPr>
+      <p:grpSpPr>
+        <a:xfrm>
+          <a:off x="0" y="0"/>
+          <a:ext cx="0" cy="0"/>
+          <a:chOff x="0" y="0"/>
+          <a:chExt cx="0" cy="0"/>
+        </a:xfrm>
+      </p:grpSpPr>
+      <p:sp>
+        <p:nvSpPr>
+          <p:cNvPr id="2" name="Espace réservé de l'image des diapositives 1"/>
+          <p:cNvSpPr>
+            <a:spLocks noGrp="1" noRot="1" noChangeAspect="1"/>
+          </p:cNvSpPr>
+          <p:nvPr>
+            <p:ph type="sldImg"/>
+          </p:nvPr>
+        </p:nvSpPr>
+        <p:spPr/>
+      </p:sp>
+      <p:sp>
+        <p:nvSpPr>
+          <p:cNvPr id="3" name="Espace réservé des commentaires 2"/>
+          <p:cNvSpPr>
+            <a:spLocks noGrp="1"/>
+          </p:cNvSpPr>
+          <p:nvPr>
+            <p:ph type="body" idx="1"/>
+          </p:nvPr>
+        </p:nvSpPr>
+        <p:spPr/>
+        <p:txBody>
+          <a:bodyPr/>
+          <a:lstStyle/>
+          <a:p>
+            <a:endParaRPr lang="fr-FR"/>
+          </a:p>
+        </p:txBody>
+      </p:sp>
+      <p:sp>
+        <p:nvSpPr>
+          <p:cNvPr id="4" name="Espace réservé du numéro de diapositive 3"/>
+          <p:cNvSpPr>
+            <a:spLocks noGrp="1"/>
+          </p:cNvSpPr>
+          <p:nvPr>
+            <p:ph type="sldNum" sz="quarter" idx="10"/>
+          </p:nvPr>
+        </p:nvSpPr>
+        <p:spPr/>
+        <p:txBody>
+          <a:bodyPr/>
+          <a:lstStyle/>
+          <a:p>
+            <a:fld id="{833C8364-6B03-4B98-A245-7B0F0BD81F7E}" type="slidenum">
+              <a:rPr lang="fr-FR" smtClean="0"/>
+              <a:pPr/>
+              <a:t>26</a:t>
+            </a:fld>
+            <a:endParaRPr lang="fr-FR"/>
+          </a:p>
+        </p:txBody>
+      </p:sp>
+    </p:spTree>
+    <p:extLst>
+      <p:ext uri="{BB962C8B-B14F-4D97-AF65-F5344CB8AC3E}">
+        <p14:creationId xmlns:p14="http://schemas.microsoft.com/office/powerpoint/2010/main" val="2530492112"/>
+      </p:ext>
+    </p:extLst>
   </p:cSld>
   <p:clrMapOvr>
     <a:masterClrMapping/>
@@ -1417,6 +2862,261 @@
         </p:txBody>
       </p:sp>
     </p:spTree>
+  </p:cSld>
+  <p:clrMapOvr>
+    <a:masterClrMapping/>
+  </p:clrMapOvr>
+</p:notes>
+</file>
+
+<file path=ppt/notesSlides/notesSlide7.xml><?xml version="1.0" encoding="utf-8"?>
+<p:notes xmlns:a="http://schemas.openxmlformats.org/drawingml/2006/main" xmlns:r="http://schemas.openxmlformats.org/officeDocument/2006/relationships" xmlns:p="http://schemas.openxmlformats.org/presentationml/2006/main">
+  <p:cSld>
+    <p:spTree>
+      <p:nvGrpSpPr>
+        <p:cNvPr id="1" name=""/>
+        <p:cNvGrpSpPr/>
+        <p:nvPr/>
+      </p:nvGrpSpPr>
+      <p:grpSpPr>
+        <a:xfrm>
+          <a:off x="0" y="0"/>
+          <a:ext cx="0" cy="0"/>
+          <a:chOff x="0" y="0"/>
+          <a:chExt cx="0" cy="0"/>
+        </a:xfrm>
+      </p:grpSpPr>
+      <p:sp>
+        <p:nvSpPr>
+          <p:cNvPr id="2" name="Espace réservé de l'image des diapositives 1"/>
+          <p:cNvSpPr>
+            <a:spLocks noGrp="1" noRot="1" noChangeAspect="1"/>
+          </p:cNvSpPr>
+          <p:nvPr>
+            <p:ph type="sldImg"/>
+          </p:nvPr>
+        </p:nvSpPr>
+        <p:spPr/>
+      </p:sp>
+      <p:sp>
+        <p:nvSpPr>
+          <p:cNvPr id="3" name="Espace réservé des commentaires 2"/>
+          <p:cNvSpPr>
+            <a:spLocks noGrp="1"/>
+          </p:cNvSpPr>
+          <p:nvPr>
+            <p:ph type="body" idx="1"/>
+          </p:nvPr>
+        </p:nvSpPr>
+        <p:spPr/>
+        <p:txBody>
+          <a:bodyPr/>
+          <a:lstStyle/>
+          <a:p>
+            <a:endParaRPr lang="fr-FR"/>
+          </a:p>
+        </p:txBody>
+      </p:sp>
+      <p:sp>
+        <p:nvSpPr>
+          <p:cNvPr id="4" name="Espace réservé du numéro de diapositive 3"/>
+          <p:cNvSpPr>
+            <a:spLocks noGrp="1"/>
+          </p:cNvSpPr>
+          <p:nvPr>
+            <p:ph type="sldNum" sz="quarter" idx="10"/>
+          </p:nvPr>
+        </p:nvSpPr>
+        <p:spPr/>
+        <p:txBody>
+          <a:bodyPr/>
+          <a:lstStyle/>
+          <a:p>
+            <a:fld id="{833C8364-6B03-4B98-A245-7B0F0BD81F7E}" type="slidenum">
+              <a:rPr lang="fr-FR" smtClean="0"/>
+              <a:pPr/>
+              <a:t>7</a:t>
+            </a:fld>
+            <a:endParaRPr lang="fr-FR"/>
+          </a:p>
+        </p:txBody>
+      </p:sp>
+    </p:spTree>
+    <p:extLst>
+      <p:ext uri="{BB962C8B-B14F-4D97-AF65-F5344CB8AC3E}">
+        <p14:creationId xmlns:p14="http://schemas.microsoft.com/office/powerpoint/2010/main" val="4025064412"/>
+      </p:ext>
+    </p:extLst>
+  </p:cSld>
+  <p:clrMapOvr>
+    <a:masterClrMapping/>
+  </p:clrMapOvr>
+</p:notes>
+</file>
+
+<file path=ppt/notesSlides/notesSlide8.xml><?xml version="1.0" encoding="utf-8"?>
+<p:notes xmlns:a="http://schemas.openxmlformats.org/drawingml/2006/main" xmlns:r="http://schemas.openxmlformats.org/officeDocument/2006/relationships" xmlns:p="http://schemas.openxmlformats.org/presentationml/2006/main">
+  <p:cSld>
+    <p:spTree>
+      <p:nvGrpSpPr>
+        <p:cNvPr id="1" name=""/>
+        <p:cNvGrpSpPr/>
+        <p:nvPr/>
+      </p:nvGrpSpPr>
+      <p:grpSpPr>
+        <a:xfrm>
+          <a:off x="0" y="0"/>
+          <a:ext cx="0" cy="0"/>
+          <a:chOff x="0" y="0"/>
+          <a:chExt cx="0" cy="0"/>
+        </a:xfrm>
+      </p:grpSpPr>
+      <p:sp>
+        <p:nvSpPr>
+          <p:cNvPr id="2" name="Espace réservé de l'image des diapositives 1"/>
+          <p:cNvSpPr>
+            <a:spLocks noGrp="1" noRot="1" noChangeAspect="1"/>
+          </p:cNvSpPr>
+          <p:nvPr>
+            <p:ph type="sldImg"/>
+          </p:nvPr>
+        </p:nvSpPr>
+        <p:spPr/>
+      </p:sp>
+      <p:sp>
+        <p:nvSpPr>
+          <p:cNvPr id="3" name="Espace réservé des commentaires 2"/>
+          <p:cNvSpPr>
+            <a:spLocks noGrp="1"/>
+          </p:cNvSpPr>
+          <p:nvPr>
+            <p:ph type="body" idx="1"/>
+          </p:nvPr>
+        </p:nvSpPr>
+        <p:spPr/>
+        <p:txBody>
+          <a:bodyPr/>
+          <a:lstStyle/>
+          <a:p>
+            <a:endParaRPr lang="fr-FR"/>
+          </a:p>
+        </p:txBody>
+      </p:sp>
+      <p:sp>
+        <p:nvSpPr>
+          <p:cNvPr id="4" name="Espace réservé du numéro de diapositive 3"/>
+          <p:cNvSpPr>
+            <a:spLocks noGrp="1"/>
+          </p:cNvSpPr>
+          <p:nvPr>
+            <p:ph type="sldNum" sz="quarter" idx="10"/>
+          </p:nvPr>
+        </p:nvSpPr>
+        <p:spPr/>
+        <p:txBody>
+          <a:bodyPr/>
+          <a:lstStyle/>
+          <a:p>
+            <a:fld id="{833C8364-6B03-4B98-A245-7B0F0BD81F7E}" type="slidenum">
+              <a:rPr lang="fr-FR" smtClean="0"/>
+              <a:pPr/>
+              <a:t>8</a:t>
+            </a:fld>
+            <a:endParaRPr lang="fr-FR"/>
+          </a:p>
+        </p:txBody>
+      </p:sp>
+    </p:spTree>
+    <p:extLst>
+      <p:ext uri="{BB962C8B-B14F-4D97-AF65-F5344CB8AC3E}">
+        <p14:creationId xmlns:p14="http://schemas.microsoft.com/office/powerpoint/2010/main" val="3316128829"/>
+      </p:ext>
+    </p:extLst>
+  </p:cSld>
+  <p:clrMapOvr>
+    <a:masterClrMapping/>
+  </p:clrMapOvr>
+</p:notes>
+</file>
+
+<file path=ppt/notesSlides/notesSlide9.xml><?xml version="1.0" encoding="utf-8"?>
+<p:notes xmlns:a="http://schemas.openxmlformats.org/drawingml/2006/main" xmlns:r="http://schemas.openxmlformats.org/officeDocument/2006/relationships" xmlns:p="http://schemas.openxmlformats.org/presentationml/2006/main">
+  <p:cSld>
+    <p:spTree>
+      <p:nvGrpSpPr>
+        <p:cNvPr id="1" name=""/>
+        <p:cNvGrpSpPr/>
+        <p:nvPr/>
+      </p:nvGrpSpPr>
+      <p:grpSpPr>
+        <a:xfrm>
+          <a:off x="0" y="0"/>
+          <a:ext cx="0" cy="0"/>
+          <a:chOff x="0" y="0"/>
+          <a:chExt cx="0" cy="0"/>
+        </a:xfrm>
+      </p:grpSpPr>
+      <p:sp>
+        <p:nvSpPr>
+          <p:cNvPr id="2" name="Espace réservé de l'image des diapositives 1"/>
+          <p:cNvSpPr>
+            <a:spLocks noGrp="1" noRot="1" noChangeAspect="1"/>
+          </p:cNvSpPr>
+          <p:nvPr>
+            <p:ph type="sldImg"/>
+          </p:nvPr>
+        </p:nvSpPr>
+        <p:spPr/>
+      </p:sp>
+      <p:sp>
+        <p:nvSpPr>
+          <p:cNvPr id="3" name="Espace réservé des commentaires 2"/>
+          <p:cNvSpPr>
+            <a:spLocks noGrp="1"/>
+          </p:cNvSpPr>
+          <p:nvPr>
+            <p:ph type="body" idx="1"/>
+          </p:nvPr>
+        </p:nvSpPr>
+        <p:spPr/>
+        <p:txBody>
+          <a:bodyPr/>
+          <a:lstStyle/>
+          <a:p>
+            <a:endParaRPr lang="fr-FR"/>
+          </a:p>
+        </p:txBody>
+      </p:sp>
+      <p:sp>
+        <p:nvSpPr>
+          <p:cNvPr id="4" name="Espace réservé du numéro de diapositive 3"/>
+          <p:cNvSpPr>
+            <a:spLocks noGrp="1"/>
+          </p:cNvSpPr>
+          <p:nvPr>
+            <p:ph type="sldNum" sz="quarter" idx="10"/>
+          </p:nvPr>
+        </p:nvSpPr>
+        <p:spPr/>
+        <p:txBody>
+          <a:bodyPr/>
+          <a:lstStyle/>
+          <a:p>
+            <a:fld id="{833C8364-6B03-4B98-A245-7B0F0BD81F7E}" type="slidenum">
+              <a:rPr lang="fr-FR" smtClean="0"/>
+              <a:pPr/>
+              <a:t>9</a:t>
+            </a:fld>
+            <a:endParaRPr lang="fr-FR"/>
+          </a:p>
+        </p:txBody>
+      </p:sp>
+    </p:spTree>
+    <p:extLst>
+      <p:ext uri="{BB962C8B-B14F-4D97-AF65-F5344CB8AC3E}">
+        <p14:creationId xmlns:p14="http://schemas.microsoft.com/office/powerpoint/2010/main" val="2352562692"/>
+      </p:ext>
+    </p:extLst>
   </p:cSld>
   <p:clrMapOvr>
     <a:masterClrMapping/>
@@ -1606,7 +3306,7 @@
             <a:fld id="{FFA7CAA4-E192-42FB-A5C2-29EE6B338226}" type="datetimeFigureOut">
               <a:rPr lang="en-US"/>
               <a:pPr/>
-              <a:t>2/5/2013</a:t>
+              <a:t>2/7/2013</a:t>
             </a:fld>
             <a:endParaRPr lang="en-US"/>
           </a:p>
@@ -1795,7 +3495,7 @@
             <a:fld id="{4A061154-22B2-4010-9DA2-5655ABCEF8F8}" type="datetimeFigureOut">
               <a:rPr lang="en-US"/>
               <a:pPr/>
-              <a:t>2/5/2013</a:t>
+              <a:t>2/7/2013</a:t>
             </a:fld>
             <a:endParaRPr lang="en-US"/>
           </a:p>
@@ -1990,7 +3690,7 @@
             <a:fld id="{BE2AE80A-E551-4396-8318-DC031FB32674}" type="datetimeFigureOut">
               <a:rPr lang="en-US"/>
               <a:pPr/>
-              <a:t>2/5/2013</a:t>
+              <a:t>2/7/2013</a:t>
             </a:fld>
             <a:endParaRPr lang="en-US"/>
           </a:p>
@@ -2175,7 +3875,7 @@
             <a:fld id="{3BF66540-3958-43A9-8018-4B512397F595}" type="datetimeFigureOut">
               <a:rPr lang="en-US"/>
               <a:pPr/>
-              <a:t>2/5/2013</a:t>
+              <a:t>2/7/2013</a:t>
             </a:fld>
             <a:endParaRPr lang="en-US"/>
           </a:p>
@@ -2441,7 +4141,7 @@
             <a:fld id="{6D3EE326-B164-4A4F-9829-97243102166A}" type="datetimeFigureOut">
               <a:rPr lang="en-US"/>
               <a:pPr/>
-              <a:t>2/5/2013</a:t>
+              <a:t>2/7/2013</a:t>
             </a:fld>
             <a:endParaRPr lang="en-US"/>
           </a:p>
@@ -2729,7 +4429,7 @@
             <a:fld id="{175A9C87-D47A-4418-AB09-19695570CFDD}" type="datetimeFigureOut">
               <a:rPr lang="en-US"/>
               <a:pPr/>
-              <a:t>2/5/2013</a:t>
+              <a:t>2/7/2013</a:t>
             </a:fld>
             <a:endParaRPr lang="en-US"/>
           </a:p>
@@ -3127,7 +4827,7 @@
             <a:fld id="{F83D2B49-170F-466A-9FEC-6BD4CF3066F4}" type="datetimeFigureOut">
               <a:rPr lang="en-US"/>
               <a:pPr/>
-              <a:t>2/5/2013</a:t>
+              <a:t>2/7/2013</a:t>
             </a:fld>
             <a:endParaRPr lang="en-US"/>
           </a:p>
@@ -3297,7 +4997,7 @@
             <a:fld id="{D582C179-A61B-4FA7-B28B-08EC0CA48063}" type="datetimeFigureOut">
               <a:rPr lang="en-US"/>
               <a:pPr/>
-              <a:t>2/5/2013</a:t>
+              <a:t>2/7/2013</a:t>
             </a:fld>
             <a:endParaRPr lang="en-US"/>
           </a:p>
@@ -3407,7 +5107,7 @@
             <a:fld id="{861AE197-3547-4946-B9D6-B5B1982B8D5E}" type="datetimeFigureOut">
               <a:rPr lang="en-US"/>
               <a:pPr/>
-              <a:t>2/5/2013</a:t>
+              <a:t>2/7/2013</a:t>
             </a:fld>
             <a:endParaRPr lang="en-US"/>
           </a:p>
@@ -3688,7 +5388,7 @@
             <a:fld id="{63B32C57-7746-419C-AE2D-4912AD7467C0}" type="datetimeFigureOut">
               <a:rPr lang="en-US"/>
               <a:pPr/>
-              <a:t>2/5/2013</a:t>
+              <a:t>2/7/2013</a:t>
             </a:fld>
             <a:endParaRPr lang="en-US"/>
           </a:p>
@@ -4344,7 +6044,7 @@
             <a:fld id="{9A2FB173-2AE9-438D-A2F2-F3D57ABDED44}" type="datetimeFigureOut">
               <a:rPr lang="en-US"/>
               <a:pPr/>
-              <a:t>2/5/2013</a:t>
+              <a:t>2/7/2013</a:t>
             </a:fld>
             <a:endParaRPr lang="en-US"/>
           </a:p>
@@ -4852,7 +6552,7 @@
             <a:fld id="{D5031E26-2A0E-4854-95F7-5A492F6CE347}" type="datetimeFigureOut">
               <a:rPr lang="en-US"/>
               <a:pPr/>
-              <a:t>2/5/2013</a:t>
+              <a:t>2/7/2013</a:t>
             </a:fld>
             <a:endParaRPr lang="en-US"/>
           </a:p>
@@ -6205,7 +7905,7 @@
           <p:nvPr/>
         </p:nvPicPr>
         <p:blipFill>
-          <a:blip r:embed="rId2" cstate="print"/>
+          <a:blip r:embed="rId3" cstate="print"/>
           <a:srcRect/>
           <a:stretch>
             <a:fillRect/>
@@ -6900,7 +8600,7 @@
           <p:nvPr/>
         </p:nvPicPr>
         <p:blipFill>
-          <a:blip r:embed="rId2" cstate="print"/>
+          <a:blip r:embed="rId3" cstate="print"/>
           <a:srcRect/>
           <a:stretch>
             <a:fillRect/>
@@ -7689,7 +9389,7 @@
           <p:nvPr/>
         </p:nvPicPr>
         <p:blipFill>
-          <a:blip r:embed="rId2" cstate="print"/>
+          <a:blip r:embed="rId3" cstate="print"/>
           <a:srcRect/>
           <a:stretch>
             <a:fillRect/>
@@ -8298,7 +9998,7 @@
               </a14:hiddenLine>
             </a:ext>
             <a:ext uri="{FAA26D3D-D897-4be2-8F04-BA451C77F1D7}">
-              <ma14:placeholderFlag xmlns:ma14="http://schemas.microsoft.com/office/mac/drawingml/2011/main" xmlns="" val="1"/>
+              <ma14:placeholderFlag xmlns="" xmlns:ma14="http://schemas.microsoft.com/office/mac/drawingml/2011/main" val="1"/>
             </a:ext>
           </a:extLst>
         </p:spPr>
@@ -8620,7 +10320,7 @@
           <p:nvPr/>
         </p:nvPicPr>
         <p:blipFill>
-          <a:blip r:embed="rId2" cstate="print"/>
+          <a:blip r:embed="rId3" cstate="print"/>
           <a:srcRect/>
           <a:stretch>
             <a:fillRect/>
@@ -9271,7 +10971,7 @@
               </a14:hiddenLine>
             </a:ext>
             <a:ext uri="{FAA26D3D-D897-4be2-8F04-BA451C77F1D7}">
-              <ma14:placeholderFlag xmlns:ma14="http://schemas.microsoft.com/office/mac/drawingml/2011/main" xmlns="" val="1"/>
+              <ma14:placeholderFlag xmlns="" xmlns:ma14="http://schemas.microsoft.com/office/mac/drawingml/2011/main" val="1"/>
             </a:ext>
           </a:extLst>
         </p:spPr>
@@ -9715,7 +11415,7 @@
           <p:nvPr/>
         </p:nvPicPr>
         <p:blipFill>
-          <a:blip r:embed="rId2" cstate="print"/>
+          <a:blip r:embed="rId3" cstate="print"/>
           <a:srcRect/>
           <a:stretch>
             <a:fillRect/>
@@ -10607,7 +12307,7 @@
               </a14:hiddenLine>
             </a:ext>
             <a:ext uri="{FAA26D3D-D897-4be2-8F04-BA451C77F1D7}">
-              <ma14:placeholderFlag xmlns:ma14="http://schemas.microsoft.com/office/mac/drawingml/2011/main" xmlns="" val="1"/>
+              <ma14:placeholderFlag xmlns="" xmlns:ma14="http://schemas.microsoft.com/office/mac/drawingml/2011/main" val="1"/>
             </a:ext>
           </a:extLst>
         </p:spPr>
@@ -11265,7 +12965,7 @@
           <p:nvPr/>
         </p:nvPicPr>
         <p:blipFill>
-          <a:blip r:embed="rId2" cstate="print"/>
+          <a:blip r:embed="rId3" cstate="print"/>
           <a:srcRect/>
           <a:stretch>
             <a:fillRect/>
@@ -11935,7 +13635,7 @@
               </a14:hiddenLine>
             </a:ext>
             <a:ext uri="{FAA26D3D-D897-4be2-8F04-BA451C77F1D7}">
-              <ma14:placeholderFlag xmlns:ma14="http://schemas.microsoft.com/office/mac/drawingml/2011/main" xmlns="" val="1"/>
+              <ma14:placeholderFlag xmlns="" xmlns:ma14="http://schemas.microsoft.com/office/mac/drawingml/2011/main" val="1"/>
             </a:ext>
           </a:extLst>
         </p:spPr>
@@ -12382,7 +14082,7 @@
           <p:nvPr/>
         </p:nvPicPr>
         <p:blipFill>
-          <a:blip r:embed="rId2" cstate="print"/>
+          <a:blip r:embed="rId3" cstate="print"/>
           <a:srcRect/>
           <a:stretch>
             <a:fillRect/>
@@ -12390,7 +14090,7 @@
         </p:blipFill>
         <p:spPr bwMode="auto">
           <a:xfrm>
-            <a:off x="0" y="2060848"/>
+            <a:off x="0" y="2060847"/>
             <a:ext cx="6012160" cy="3960813"/>
           </a:xfrm>
           <a:prstGeom prst="rect">
@@ -12930,7 +14630,7 @@
               </a14:hiddenLine>
             </a:ext>
             <a:ext uri="{FAA26D3D-D897-4be2-8F04-BA451C77F1D7}">
-              <ma14:placeholderFlag xmlns:ma14="http://schemas.microsoft.com/office/mac/drawingml/2011/main" xmlns="" val="1"/>
+              <ma14:placeholderFlag xmlns="" xmlns:ma14="http://schemas.microsoft.com/office/mac/drawingml/2011/main" val="1"/>
             </a:ext>
           </a:extLst>
         </p:spPr>
@@ -13471,7 +15171,7 @@
           <p:nvPr/>
         </p:nvPicPr>
         <p:blipFill>
-          <a:blip r:embed="rId2" cstate="print"/>
+          <a:blip r:embed="rId3" cstate="print"/>
           <a:srcRect/>
           <a:stretch>
             <a:fillRect/>
@@ -14019,7 +15719,7 @@
               </a14:hiddenLine>
             </a:ext>
             <a:ext uri="{FAA26D3D-D897-4be2-8F04-BA451C77F1D7}">
-              <ma14:placeholderFlag xmlns:ma14="http://schemas.microsoft.com/office/mac/drawingml/2011/main" xmlns="" val="1"/>
+              <ma14:placeholderFlag xmlns="" xmlns:ma14="http://schemas.microsoft.com/office/mac/drawingml/2011/main" val="1"/>
             </a:ext>
           </a:extLst>
         </p:spPr>
@@ -14512,7 +16212,7 @@
           <p:nvPr/>
         </p:nvPicPr>
         <p:blipFill>
-          <a:blip r:embed="rId2" cstate="print"/>
+          <a:blip r:embed="rId3" cstate="print"/>
           <a:srcRect/>
           <a:stretch>
             <a:fillRect/>
@@ -15121,7 +16821,7 @@
               </a14:hiddenLine>
             </a:ext>
             <a:ext uri="{FAA26D3D-D897-4be2-8F04-BA451C77F1D7}">
-              <ma14:placeholderFlag xmlns:ma14="http://schemas.microsoft.com/office/mac/drawingml/2011/main" xmlns="" val="1"/>
+              <ma14:placeholderFlag xmlns="" xmlns:ma14="http://schemas.microsoft.com/office/mac/drawingml/2011/main" val="1"/>
             </a:ext>
           </a:extLst>
         </p:spPr>
@@ -15701,7 +17401,7 @@
           <p:nvPr/>
         </p:nvPicPr>
         <p:blipFill>
-          <a:blip r:embed="rId2" cstate="print"/>
+          <a:blip r:embed="rId3" cstate="print"/>
           <a:srcRect/>
           <a:stretch>
             <a:fillRect/>
@@ -16444,8 +18144,8 @@
         </p:nvSpPr>
         <p:spPr>
           <a:xfrm>
-            <a:off x="468313" y="1557338"/>
-            <a:ext cx="8229600" cy="4679950"/>
+            <a:off x="468313" y="1556792"/>
+            <a:ext cx="8229600" cy="5301208"/>
           </a:xfrm>
         </p:spPr>
         <p:txBody>
@@ -16472,7 +18172,7 @@
               <a:t>		</a:t>
             </a:r>
             <a:r>
-              <a:rPr lang="fr-FR" sz="1600" b="1" i="1" dirty="0" smtClean="0">
+              <a:rPr lang="fr-FR" sz="1400" b="1" i="1" dirty="0" smtClean="0">
                 <a:solidFill>
                   <a:srgbClr val="0070C0"/>
                 </a:solidFill>
@@ -16517,8 +18217,119 @@
                 <a:latin typeface="Calibri" pitchFamily="34" charset="0"/>
                 <a:ea typeface="ＭＳ Ｐゴシック" pitchFamily="-84" charset="-128"/>
               </a:rPr>
-              <a:t>	            Présentation du projet</a:t>
+              <a:t>	           </a:t>
             </a:r>
+            <a:r>
+              <a:rPr lang="fr-FR" sz="1200" b="1" dirty="0" smtClean="0">
+                <a:solidFill>
+                  <a:srgbClr val="55A839"/>
+                </a:solidFill>
+                <a:latin typeface="Calibri" pitchFamily="34" charset="0"/>
+                <a:ea typeface="ＭＳ Ｐゴシック" pitchFamily="-84" charset="-128"/>
+              </a:rPr>
+              <a:t>C</a:t>
+            </a:r>
+            <a:r>
+              <a:rPr lang="fr-FR" sz="1200" b="1" dirty="0" smtClean="0">
+                <a:solidFill>
+                  <a:srgbClr val="55A839"/>
+                </a:solidFill>
+                <a:latin typeface="Calibri" pitchFamily="34" charset="0"/>
+                <a:ea typeface="ＭＳ Ｐゴシック" pitchFamily="-84" charset="-128"/>
+              </a:rPr>
+              <a:t>ontexte du projet</a:t>
+            </a:r>
+          </a:p>
+          <a:p>
+            <a:pPr eaLnBrk="1" hangingPunct="1">
+              <a:lnSpc>
+                <a:spcPct val="40000"/>
+              </a:lnSpc>
+              <a:buFont typeface="Wingdings 2" pitchFamily="18" charset="2"/>
+              <a:buNone/>
+            </a:pPr>
+            <a:endParaRPr lang="fr-FR" sz="1200" b="1" dirty="0" smtClean="0">
+              <a:solidFill>
+                <a:srgbClr val="55A839"/>
+              </a:solidFill>
+              <a:latin typeface="Calibri" pitchFamily="34" charset="0"/>
+              <a:ea typeface="ＭＳ Ｐゴシック" pitchFamily="-84" charset="-128"/>
+            </a:endParaRPr>
+          </a:p>
+          <a:p>
+            <a:pPr marL="273050" lvl="2" indent="-273050" eaLnBrk="1" hangingPunct="1">
+              <a:lnSpc>
+                <a:spcPct val="40000"/>
+              </a:lnSpc>
+              <a:buClr>
+                <a:srgbClr val="0BD0D9"/>
+              </a:buClr>
+              <a:buSzPct val="95000"/>
+              <a:buNone/>
+            </a:pPr>
+            <a:r>
+              <a:rPr lang="fr-FR" sz="1200" b="1" dirty="0">
+                <a:solidFill>
+                  <a:srgbClr val="55A839"/>
+                </a:solidFill>
+                <a:latin typeface="Calibri" pitchFamily="34" charset="0"/>
+                <a:ea typeface="ＭＳ Ｐゴシック" pitchFamily="-84" charset="-128"/>
+              </a:rPr>
+              <a:t> </a:t>
+            </a:r>
+            <a:r>
+              <a:rPr lang="fr-FR" sz="1200" b="1" dirty="0" smtClean="0">
+                <a:solidFill>
+                  <a:srgbClr val="55A839"/>
+                </a:solidFill>
+                <a:latin typeface="Calibri" pitchFamily="34" charset="0"/>
+                <a:ea typeface="ＭＳ Ｐゴシック" pitchFamily="-84" charset="-128"/>
+              </a:rPr>
+              <a:t>                  </a:t>
+            </a:r>
+            <a:r>
+              <a:rPr lang="fr-FR" sz="1300" b="1" i="1" dirty="0">
+                <a:solidFill>
+                  <a:srgbClr val="FF6600"/>
+                </a:solidFill>
+                <a:latin typeface="Calibri" pitchFamily="34" charset="0"/>
+                <a:ea typeface="ＭＳ Ｐゴシック" pitchFamily="-84" charset="-128"/>
+              </a:rPr>
+              <a:t>a) </a:t>
+            </a:r>
+            <a:r>
+              <a:rPr lang="fr-FR" sz="1300" b="1" i="1" dirty="0" smtClean="0">
+                <a:solidFill>
+                  <a:srgbClr val="FF6600"/>
+                </a:solidFill>
+                <a:latin typeface="Calibri" pitchFamily="34" charset="0"/>
+                <a:ea typeface="ＭＳ Ｐゴシック" pitchFamily="-84" charset="-128"/>
+              </a:rPr>
+              <a:t>Le système actuel</a:t>
+            </a:r>
+            <a:endParaRPr lang="fr-FR" sz="1300" b="1" i="1" dirty="0">
+              <a:solidFill>
+                <a:srgbClr val="FF6600"/>
+              </a:solidFill>
+              <a:latin typeface="Calibri" pitchFamily="34" charset="0"/>
+              <a:ea typeface="ＭＳ Ｐゴシック" pitchFamily="-84" charset="-128"/>
+            </a:endParaRPr>
+          </a:p>
+          <a:p>
+            <a:pPr eaLnBrk="1" hangingPunct="1">
+              <a:lnSpc>
+                <a:spcPct val="40000"/>
+              </a:lnSpc>
+              <a:buFont typeface="Wingdings 2" pitchFamily="18" charset="2"/>
+              <a:buNone/>
+            </a:pPr>
+            <a:endParaRPr lang="fr-FR" sz="1200" b="1" dirty="0" smtClean="0">
+              <a:solidFill>
+                <a:srgbClr val="55A839"/>
+              </a:solidFill>
+              <a:latin typeface="Calibri" pitchFamily="34" charset="0"/>
+              <a:ea typeface="ＭＳ Ｐゴシック" pitchFamily="-84" charset="-128"/>
+            </a:endParaRPr>
           </a:p>
           <a:p>
             <a:pPr lvl="2" eaLnBrk="1" hangingPunct="1">
@@ -16536,7 +18347,7 @@
                 <a:latin typeface="Calibri" pitchFamily="34" charset="0"/>
                 <a:ea typeface="ＭＳ Ｐゴシック" pitchFamily="-84" charset="-128"/>
               </a:rPr>
-              <a:t>Objectif du projet</a:t>
+              <a:t>Descriptif du système</a:t>
             </a:r>
           </a:p>
           <a:p>
@@ -16555,7 +18366,27 @@
                 <a:latin typeface="Calibri" pitchFamily="34" charset="0"/>
                 <a:ea typeface="ＭＳ Ｐゴシック" pitchFamily="-84" charset="-128"/>
               </a:rPr>
-              <a:t>Fonctionnement du système</a:t>
+              <a:t>Fonctionnement </a:t>
+            </a:r>
+            <a:r>
+              <a:rPr lang="fr-FR" sz="1200" b="1" dirty="0" smtClean="0">
+                <a:solidFill>
+                  <a:srgbClr val="55A839"/>
+                </a:solidFill>
+                <a:latin typeface="Calibri" pitchFamily="34" charset="0"/>
+                <a:ea typeface="ＭＳ Ｐゴシック" pitchFamily="-84" charset="-128"/>
+              </a:rPr>
+              <a:t>du </a:t>
+            </a:r>
+            <a:r>
+              <a:rPr lang="fr-FR" sz="1200" b="1" dirty="0" smtClean="0">
+                <a:solidFill>
+                  <a:srgbClr val="55A839"/>
+                </a:solidFill>
+                <a:latin typeface="Calibri" pitchFamily="34" charset="0"/>
+                <a:ea typeface="ＭＳ Ｐゴシック" pitchFamily="-84" charset="-128"/>
+              </a:rPr>
+              <a:t>système</a:t>
             </a:r>
           </a:p>
           <a:p>
@@ -16574,7 +18405,7 @@
                 <a:latin typeface="Calibri" pitchFamily="34" charset="0"/>
                 <a:ea typeface="ＭＳ Ｐゴシック" pitchFamily="-84" charset="-128"/>
               </a:rPr>
-              <a:t>Démarches de développement</a:t>
+              <a:t>Architecture matériel du système</a:t>
             </a:r>
           </a:p>
           <a:p>
@@ -16585,16 +18416,48 @@
               <a:buFont typeface="Wingdings 2" pitchFamily="18" charset="2"/>
               <a:buNone/>
             </a:pPr>
+            <a:endParaRPr lang="fr-FR" sz="1200" b="1" dirty="0">
+              <a:solidFill>
+                <a:srgbClr val="55A839"/>
+              </a:solidFill>
+              <a:latin typeface="Calibri" pitchFamily="34" charset="0"/>
+              <a:ea typeface="ＭＳ Ｐゴシック" pitchFamily="-84" charset="-128"/>
+            </a:endParaRPr>
+          </a:p>
+          <a:p>
+            <a:pPr lvl="2" eaLnBrk="1" hangingPunct="1">
+              <a:lnSpc>
+                <a:spcPct val="40000"/>
+              </a:lnSpc>
+              <a:buNone/>
+            </a:pPr>
             <a:r>
-              <a:rPr lang="fr-FR" sz="1200" b="1" dirty="0" smtClean="0">
-                <a:solidFill>
-                  <a:srgbClr val="55A839"/>
+              <a:rPr lang="fr-FR" sz="1400" b="1" i="1" dirty="0" smtClean="0">
+                <a:solidFill>
+                  <a:srgbClr val="FF6600"/>
                 </a:solidFill>
                 <a:latin typeface="Calibri" pitchFamily="34" charset="0"/>
                 <a:ea typeface="ＭＳ Ｐゴシック" pitchFamily="-84" charset="-128"/>
               </a:rPr>
-              <a:t>Contraintes</a:t>
+              <a:t>b) </a:t>
             </a:r>
+            <a:r>
+              <a:rPr lang="fr-FR" sz="1300" b="1" i="1" dirty="0" smtClean="0">
+                <a:solidFill>
+                  <a:srgbClr val="FF6600"/>
+                </a:solidFill>
+                <a:latin typeface="Calibri" pitchFamily="34" charset="0"/>
+                <a:ea typeface="ＭＳ Ｐゴシック" pitchFamily="-84" charset="-128"/>
+              </a:rPr>
+              <a:t>Analyse du besoin</a:t>
+            </a:r>
+            <a:endParaRPr lang="fr-FR" sz="1300" b="1" dirty="0" smtClean="0">
+              <a:solidFill>
+                <a:srgbClr val="55A839"/>
+              </a:solidFill>
+              <a:latin typeface="Calibri" pitchFamily="34" charset="0"/>
+              <a:ea typeface="ＭＳ Ｐゴシック" pitchFamily="-84" charset="-128"/>
+            </a:endParaRPr>
           </a:p>
           <a:p>
             <a:pPr lvl="2" eaLnBrk="1" hangingPunct="1">
@@ -16604,6 +18467,22 @@
               <a:buFont typeface="Wingdings 2" pitchFamily="18" charset="2"/>
               <a:buNone/>
             </a:pPr>
+            <a:endParaRPr lang="fr-FR" sz="1200" b="1" dirty="0" smtClean="0">
+              <a:solidFill>
+                <a:srgbClr val="55A839"/>
+              </a:solidFill>
+              <a:latin typeface="Calibri" pitchFamily="34" charset="0"/>
+              <a:ea typeface="ＭＳ Ｐゴシック" pitchFamily="-84" charset="-128"/>
+            </a:endParaRPr>
+          </a:p>
+          <a:p>
+            <a:pPr lvl="2" eaLnBrk="1" hangingPunct="1">
+              <a:lnSpc>
+                <a:spcPct val="40000"/>
+              </a:lnSpc>
+              <a:buFont typeface="Wingdings 2" pitchFamily="18" charset="2"/>
+              <a:buNone/>
+            </a:pPr>
             <a:r>
               <a:rPr lang="fr-FR" sz="1200" b="1" dirty="0" smtClean="0">
                 <a:solidFill>
@@ -16612,7 +18491,100 @@
                 <a:latin typeface="Calibri" pitchFamily="34" charset="0"/>
                 <a:ea typeface="ＭＳ Ｐゴシック" pitchFamily="-84" charset="-128"/>
               </a:rPr>
-              <a:t>Cas d</a:t>
+              <a:t>Architecture matériel</a:t>
+            </a:r>
+            <a:endParaRPr lang="fr-FR" sz="1200" b="1" dirty="0" smtClean="0">
+              <a:solidFill>
+                <a:srgbClr val="55A839"/>
+              </a:solidFill>
+              <a:latin typeface="Calibri" pitchFamily="34" charset="0"/>
+              <a:ea typeface="ＭＳ Ｐゴシック" pitchFamily="-84" charset="-128"/>
+            </a:endParaRPr>
+          </a:p>
+          <a:p>
+            <a:pPr lvl="2" eaLnBrk="1" hangingPunct="1">
+              <a:lnSpc>
+                <a:spcPct val="40000"/>
+              </a:lnSpc>
+              <a:buFont typeface="Wingdings 2" pitchFamily="18" charset="2"/>
+              <a:buNone/>
+            </a:pPr>
+            <a:r>
+              <a:rPr lang="fr-FR" sz="1200" b="1" dirty="0" smtClean="0">
+                <a:solidFill>
+                  <a:srgbClr val="55A839"/>
+                </a:solidFill>
+                <a:latin typeface="Calibri" pitchFamily="34" charset="0"/>
+                <a:ea typeface="ＭＳ Ｐゴシック" pitchFamily="-84" charset="-128"/>
+              </a:rPr>
+              <a:t>Programmation de séances</a:t>
+            </a:r>
+          </a:p>
+          <a:p>
+            <a:pPr lvl="2" eaLnBrk="1" hangingPunct="1">
+              <a:lnSpc>
+                <a:spcPct val="40000"/>
+              </a:lnSpc>
+              <a:buFont typeface="Wingdings 2" pitchFamily="18" charset="2"/>
+              <a:buNone/>
+            </a:pPr>
+            <a:r>
+              <a:rPr lang="fr-FR" sz="1200" b="1" dirty="0" smtClean="0">
+                <a:solidFill>
+                  <a:srgbClr val="55A839"/>
+                </a:solidFill>
+                <a:latin typeface="Calibri" pitchFamily="34" charset="0"/>
+                <a:ea typeface="ＭＳ Ｐゴシック" pitchFamily="-84" charset="-128"/>
+              </a:rPr>
+              <a:t>Contraintes</a:t>
+            </a:r>
+          </a:p>
+          <a:p>
+            <a:pPr lvl="2" eaLnBrk="1" hangingPunct="1">
+              <a:lnSpc>
+                <a:spcPct val="40000"/>
+              </a:lnSpc>
+              <a:buFont typeface="Wingdings 2" pitchFamily="18" charset="2"/>
+              <a:buNone/>
+            </a:pPr>
+            <a:r>
+              <a:rPr lang="fr-FR" sz="1200" b="1" dirty="0" smtClean="0">
+                <a:solidFill>
+                  <a:srgbClr val="55A839"/>
+                </a:solidFill>
+                <a:latin typeface="Calibri" pitchFamily="34" charset="0"/>
+                <a:ea typeface="ＭＳ Ｐゴシック" pitchFamily="-84" charset="-128"/>
+              </a:rPr>
+              <a:t>Démarches de développement</a:t>
+            </a:r>
+          </a:p>
+          <a:p>
+            <a:pPr lvl="2" eaLnBrk="1" hangingPunct="1">
+              <a:lnSpc>
+                <a:spcPct val="40000"/>
+              </a:lnSpc>
+              <a:buFont typeface="Wingdings 2" pitchFamily="18" charset="2"/>
+              <a:buNone/>
+            </a:pPr>
+            <a:r>
+              <a:rPr lang="fr-FR" sz="1200" b="1" dirty="0" smtClean="0">
+                <a:solidFill>
+                  <a:srgbClr val="55A839"/>
+                </a:solidFill>
+                <a:latin typeface="Calibri" pitchFamily="34" charset="0"/>
+                <a:ea typeface="ＭＳ Ｐゴシック" pitchFamily="-84" charset="-128"/>
+              </a:rPr>
+              <a:t>Cas </a:t>
+            </a:r>
+            <a:r>
+              <a:rPr lang="fr-FR" sz="1200" b="1" dirty="0" smtClean="0">
+                <a:solidFill>
+                  <a:srgbClr val="55A839"/>
+                </a:solidFill>
+                <a:latin typeface="Calibri" pitchFamily="34" charset="0"/>
+                <a:ea typeface="ＭＳ Ｐゴシック" pitchFamily="-84" charset="-128"/>
+              </a:rPr>
+              <a:t>d</a:t>
             </a:r>
             <a:r>
               <a:rPr lang="fr-FR" altLang="fr-FR" sz="1200" b="1" dirty="0" smtClean="0">
@@ -16651,7 +18623,17 @@
                 <a:latin typeface="Calibri" pitchFamily="34" charset="0"/>
                 <a:ea typeface="ＭＳ Ｐゴシック" pitchFamily="-84" charset="-128"/>
               </a:rPr>
-              <a:t>Premier modèle objets</a:t>
+              <a:t>Premier modèle </a:t>
+            </a:r>
+            <a:r>
+              <a:rPr lang="fr-FR" sz="1200" b="1" dirty="0" smtClean="0">
+                <a:solidFill>
+                  <a:srgbClr val="55A839"/>
+                </a:solidFill>
+                <a:latin typeface="Calibri" pitchFamily="34" charset="0"/>
+                <a:ea typeface="ＭＳ Ｐゴシック" pitchFamily="-84" charset="-128"/>
+              </a:rPr>
+              <a:t>objets</a:t>
             </a:r>
             <a:endParaRPr lang="fr-FR" sz="1400" b="1" i="1" dirty="0" smtClean="0">
               <a:solidFill>
@@ -16703,10 +18685,20 @@
                 <a:latin typeface="Calibri" pitchFamily="34" charset="0"/>
                 <a:ea typeface="ＭＳ Ｐゴシック" pitchFamily="-84" charset="-128"/>
               </a:rPr>
-              <a:t>	2. </a:t>
+              <a:t>	</a:t>
             </a:r>
             <a:r>
-              <a:rPr lang="fr-FR" sz="1600" b="1" i="1" dirty="0" smtClean="0">
+              <a:rPr lang="fr-FR" sz="1200" b="1" i="1" dirty="0" smtClean="0">
+                <a:solidFill>
+                  <a:srgbClr val="0070C0"/>
+                </a:solidFill>
+                <a:latin typeface="Calibri" pitchFamily="34" charset="0"/>
+                <a:ea typeface="ＭＳ Ｐゴシック" pitchFamily="-84" charset="-128"/>
+              </a:rPr>
+              <a:t>2. </a:t>
+            </a:r>
+            <a:r>
+              <a:rPr lang="fr-FR" sz="1400" b="1" i="1" dirty="0" smtClean="0">
                 <a:solidFill>
                   <a:srgbClr val="0070C0"/>
                 </a:solidFill>
@@ -16715,6 +18707,13 @@
               </a:rPr>
               <a:t>Présentation détaillée </a:t>
             </a:r>
+            <a:endParaRPr lang="fr-FR" sz="1600" b="1" i="1" dirty="0" smtClean="0">
+              <a:solidFill>
+                <a:srgbClr val="0070C0"/>
+              </a:solidFill>
+              <a:latin typeface="Calibri" pitchFamily="34" charset="0"/>
+              <a:ea typeface="ＭＳ Ｐゴシック" pitchFamily="-84" charset="-128"/>
+            </a:endParaRPr>
           </a:p>
           <a:p>
             <a:pPr lvl="2" eaLnBrk="1" hangingPunct="1">
@@ -16921,7 +18920,7 @@
               <a:buNone/>
             </a:pPr>
             <a:r>
-              <a:rPr lang="fr-FR" sz="1400" b="1" i="1" dirty="0" smtClean="0">
+              <a:rPr lang="fr-FR" sz="1300" b="1" i="1" dirty="0" smtClean="0">
                 <a:solidFill>
                   <a:srgbClr val="FF6600"/>
                 </a:solidFill>
@@ -16931,7 +18930,7 @@
               <a:t>b) Description de l</a:t>
             </a:r>
             <a:r>
-              <a:rPr lang="fr-FR" altLang="fr-FR" sz="1400" b="1" i="1" dirty="0" smtClean="0">
+              <a:rPr lang="fr-FR" altLang="fr-FR" sz="1300" b="1" i="1" dirty="0" smtClean="0">
                 <a:solidFill>
                   <a:srgbClr val="FF6600"/>
                 </a:solidFill>
@@ -16941,7 +18940,7 @@
               <a:t>’</a:t>
             </a:r>
             <a:r>
-              <a:rPr lang="fr-FR" sz="1400" b="1" i="1" dirty="0" smtClean="0">
+              <a:rPr lang="fr-FR" sz="1300" b="1" i="1" dirty="0" smtClean="0">
                 <a:solidFill>
                   <a:srgbClr val="FF6600"/>
                 </a:solidFill>
@@ -16949,6 +18948,156 @@
                 <a:ea typeface="ＭＳ Ｐゴシック" pitchFamily="-84" charset="-128"/>
               </a:rPr>
               <a:t>interface homme machine</a:t>
+            </a:r>
+          </a:p>
+          <a:p>
+            <a:pPr lvl="2" eaLnBrk="1" hangingPunct="1">
+              <a:lnSpc>
+                <a:spcPct val="40000"/>
+              </a:lnSpc>
+              <a:buFont typeface="Wingdings 2" pitchFamily="18" charset="2"/>
+              <a:buNone/>
+            </a:pPr>
+            <a:endParaRPr lang="fr-FR" sz="1300" b="1" dirty="0" smtClean="0">
+              <a:solidFill>
+                <a:srgbClr val="55A839"/>
+              </a:solidFill>
+              <a:latin typeface="Calibri" pitchFamily="34" charset="0"/>
+              <a:ea typeface="ＭＳ Ｐゴシック" pitchFamily="-84" charset="-128"/>
+            </a:endParaRPr>
+          </a:p>
+          <a:p>
+            <a:pPr lvl="2" eaLnBrk="1" hangingPunct="1">
+              <a:lnSpc>
+                <a:spcPct val="40000"/>
+              </a:lnSpc>
+              <a:buFont typeface="Wingdings 2" pitchFamily="18" charset="2"/>
+              <a:buNone/>
+            </a:pPr>
+            <a:r>
+              <a:rPr lang="fr-FR" sz="1200" b="1" dirty="0" smtClean="0">
+                <a:solidFill>
+                  <a:srgbClr val="55A839"/>
+                </a:solidFill>
+                <a:latin typeface="Calibri" pitchFamily="34" charset="0"/>
+                <a:ea typeface="ＭＳ Ｐゴシック" pitchFamily="-84" charset="-128"/>
+              </a:rPr>
+              <a:t>Page de démarrage</a:t>
+            </a:r>
+          </a:p>
+          <a:p>
+            <a:pPr lvl="2" eaLnBrk="1" hangingPunct="1">
+              <a:lnSpc>
+                <a:spcPct val="40000"/>
+              </a:lnSpc>
+              <a:buFont typeface="Wingdings 2" pitchFamily="18" charset="2"/>
+              <a:buNone/>
+            </a:pPr>
+            <a:r>
+              <a:rPr lang="fr-FR" sz="1200" b="1" dirty="0" smtClean="0">
+                <a:solidFill>
+                  <a:srgbClr val="55A839"/>
+                </a:solidFill>
+                <a:latin typeface="Calibri" pitchFamily="34" charset="0"/>
+                <a:ea typeface="ＭＳ Ｐゴシック" pitchFamily="-84" charset="-128"/>
+              </a:rPr>
+              <a:t>Mode manuel : Tester les appareillages</a:t>
+            </a:r>
+          </a:p>
+          <a:p>
+            <a:pPr lvl="2" eaLnBrk="1" hangingPunct="1">
+              <a:lnSpc>
+                <a:spcPct val="40000"/>
+              </a:lnSpc>
+              <a:buFont typeface="Wingdings 2" pitchFamily="18" charset="2"/>
+              <a:buNone/>
+            </a:pPr>
+            <a:r>
+              <a:rPr lang="fr-FR" sz="1200" b="1" dirty="0" smtClean="0">
+                <a:solidFill>
+                  <a:srgbClr val="55A839"/>
+                </a:solidFill>
+                <a:latin typeface="Calibri" pitchFamily="34" charset="0"/>
+                <a:ea typeface="ＭＳ Ｐゴシック" pitchFamily="-84" charset="-128"/>
+              </a:rPr>
+              <a:t>Mode automatique : Programmer une séance</a:t>
+            </a:r>
+          </a:p>
+          <a:p>
+            <a:pPr lvl="2" eaLnBrk="1" hangingPunct="1">
+              <a:lnSpc>
+                <a:spcPct val="40000"/>
+              </a:lnSpc>
+              <a:buFont typeface="Wingdings 2" pitchFamily="18" charset="2"/>
+              <a:buNone/>
+            </a:pPr>
+            <a:r>
+              <a:rPr lang="fr-FR" sz="1200" b="1" dirty="0" smtClean="0">
+                <a:solidFill>
+                  <a:srgbClr val="55A839"/>
+                </a:solidFill>
+                <a:latin typeface="Calibri" pitchFamily="34" charset="0"/>
+                <a:ea typeface="ＭＳ Ｐゴシック" pitchFamily="-84" charset="-128"/>
+              </a:rPr>
+              <a:t>Page de statuts</a:t>
+            </a:r>
+          </a:p>
+          <a:p>
+            <a:pPr lvl="2" eaLnBrk="1" hangingPunct="1">
+              <a:lnSpc>
+                <a:spcPct val="40000"/>
+              </a:lnSpc>
+              <a:buFont typeface="Wingdings 2" pitchFamily="18" charset="2"/>
+              <a:buNone/>
+            </a:pPr>
+            <a:r>
+              <a:rPr lang="fr-FR" sz="1200" b="1" dirty="0" smtClean="0">
+                <a:solidFill>
+                  <a:srgbClr val="55A839"/>
+                </a:solidFill>
+                <a:latin typeface="Calibri" pitchFamily="34" charset="0"/>
+                <a:ea typeface="ＭＳ Ｐゴシック" pitchFamily="-84" charset="-128"/>
+              </a:rPr>
+              <a:t>Synoptique du système</a:t>
+            </a:r>
+          </a:p>
+          <a:p>
+            <a:pPr lvl="2" eaLnBrk="1" hangingPunct="1">
+              <a:lnSpc>
+                <a:spcPct val="40000"/>
+              </a:lnSpc>
+              <a:buFont typeface="Wingdings 2" pitchFamily="18" charset="2"/>
+              <a:buNone/>
+            </a:pPr>
+            <a:r>
+              <a:rPr lang="fr-FR" sz="1200" b="1" dirty="0" smtClean="0">
+                <a:solidFill>
+                  <a:srgbClr val="55A839"/>
+                </a:solidFill>
+                <a:latin typeface="Calibri" pitchFamily="34" charset="0"/>
+                <a:ea typeface="ＭＳ Ｐゴシック" pitchFamily="-84" charset="-128"/>
+              </a:rPr>
+              <a:t>Journal d</a:t>
+            </a:r>
+            <a:r>
+              <a:rPr lang="fr-FR" altLang="fr-FR" sz="1200" b="1" dirty="0" smtClean="0">
+                <a:solidFill>
+                  <a:srgbClr val="55A839"/>
+                </a:solidFill>
+                <a:latin typeface="Calibri" pitchFamily="34" charset="0"/>
+                <a:ea typeface="ＭＳ Ｐゴシック" pitchFamily="-84" charset="-128"/>
+              </a:rPr>
+              <a:t>’</a:t>
+            </a:r>
+            <a:r>
+              <a:rPr lang="fr-FR" sz="1200" b="1" dirty="0" smtClean="0">
+                <a:solidFill>
+                  <a:srgbClr val="55A839"/>
+                </a:solidFill>
+                <a:latin typeface="Calibri" pitchFamily="34" charset="0"/>
+                <a:ea typeface="ＭＳ Ｐゴシック" pitchFamily="-84" charset="-128"/>
+              </a:rPr>
+              <a:t>évènements</a:t>
             </a:r>
           </a:p>
           <a:p>
@@ -16976,157 +19125,7 @@
               <a:buNone/>
             </a:pPr>
             <a:r>
-              <a:rPr lang="fr-FR" sz="1200" b="1" dirty="0" smtClean="0">
-                <a:solidFill>
-                  <a:srgbClr val="55A839"/>
-                </a:solidFill>
-                <a:latin typeface="Calibri" pitchFamily="34" charset="0"/>
-                <a:ea typeface="ＭＳ Ｐゴシック" pitchFamily="-84" charset="-128"/>
-              </a:rPr>
-              <a:t>Page de démarrage</a:t>
-            </a:r>
-          </a:p>
-          <a:p>
-            <a:pPr lvl="2" eaLnBrk="1" hangingPunct="1">
-              <a:lnSpc>
-                <a:spcPct val="40000"/>
-              </a:lnSpc>
-              <a:buFont typeface="Wingdings 2" pitchFamily="18" charset="2"/>
-              <a:buNone/>
-            </a:pPr>
-            <a:r>
-              <a:rPr lang="fr-FR" sz="1200" b="1" dirty="0" smtClean="0">
-                <a:solidFill>
-                  <a:srgbClr val="55A839"/>
-                </a:solidFill>
-                <a:latin typeface="Calibri" pitchFamily="34" charset="0"/>
-                <a:ea typeface="ＭＳ Ｐゴシック" pitchFamily="-84" charset="-128"/>
-              </a:rPr>
-              <a:t>Mode manuel : Tester les appareillages</a:t>
-            </a:r>
-          </a:p>
-          <a:p>
-            <a:pPr lvl="2" eaLnBrk="1" hangingPunct="1">
-              <a:lnSpc>
-                <a:spcPct val="40000"/>
-              </a:lnSpc>
-              <a:buFont typeface="Wingdings 2" pitchFamily="18" charset="2"/>
-              <a:buNone/>
-            </a:pPr>
-            <a:r>
-              <a:rPr lang="fr-FR" sz="1200" b="1" dirty="0" smtClean="0">
-                <a:solidFill>
-                  <a:srgbClr val="55A839"/>
-                </a:solidFill>
-                <a:latin typeface="Calibri" pitchFamily="34" charset="0"/>
-                <a:ea typeface="ＭＳ Ｐゴシック" pitchFamily="-84" charset="-128"/>
-              </a:rPr>
-              <a:t>Mode automatique : Programmer une séance</a:t>
-            </a:r>
-          </a:p>
-          <a:p>
-            <a:pPr lvl="2" eaLnBrk="1" hangingPunct="1">
-              <a:lnSpc>
-                <a:spcPct val="40000"/>
-              </a:lnSpc>
-              <a:buFont typeface="Wingdings 2" pitchFamily="18" charset="2"/>
-              <a:buNone/>
-            </a:pPr>
-            <a:r>
-              <a:rPr lang="fr-FR" sz="1200" b="1" dirty="0" smtClean="0">
-                <a:solidFill>
-                  <a:srgbClr val="55A839"/>
-                </a:solidFill>
-                <a:latin typeface="Calibri" pitchFamily="34" charset="0"/>
-                <a:ea typeface="ＭＳ Ｐゴシック" pitchFamily="-84" charset="-128"/>
-              </a:rPr>
-              <a:t>Page de statuts</a:t>
-            </a:r>
-          </a:p>
-          <a:p>
-            <a:pPr lvl="2" eaLnBrk="1" hangingPunct="1">
-              <a:lnSpc>
-                <a:spcPct val="40000"/>
-              </a:lnSpc>
-              <a:buFont typeface="Wingdings 2" pitchFamily="18" charset="2"/>
-              <a:buNone/>
-            </a:pPr>
-            <a:r>
-              <a:rPr lang="fr-FR" sz="1200" b="1" dirty="0" smtClean="0">
-                <a:solidFill>
-                  <a:srgbClr val="55A839"/>
-                </a:solidFill>
-                <a:latin typeface="Calibri" pitchFamily="34" charset="0"/>
-                <a:ea typeface="ＭＳ Ｐゴシック" pitchFamily="-84" charset="-128"/>
-              </a:rPr>
-              <a:t>Synoptique du système</a:t>
-            </a:r>
-          </a:p>
-          <a:p>
-            <a:pPr lvl="2" eaLnBrk="1" hangingPunct="1">
-              <a:lnSpc>
-                <a:spcPct val="40000"/>
-              </a:lnSpc>
-              <a:buFont typeface="Wingdings 2" pitchFamily="18" charset="2"/>
-              <a:buNone/>
-            </a:pPr>
-            <a:r>
-              <a:rPr lang="fr-FR" sz="1200" b="1" dirty="0" smtClean="0">
-                <a:solidFill>
-                  <a:srgbClr val="55A839"/>
-                </a:solidFill>
-                <a:latin typeface="Calibri" pitchFamily="34" charset="0"/>
-                <a:ea typeface="ＭＳ Ｐゴシック" pitchFamily="-84" charset="-128"/>
-              </a:rPr>
-              <a:t>Journal d</a:t>
-            </a:r>
-            <a:r>
-              <a:rPr lang="fr-FR" altLang="fr-FR" sz="1200" b="1" dirty="0" smtClean="0">
-                <a:solidFill>
-                  <a:srgbClr val="55A839"/>
-                </a:solidFill>
-                <a:latin typeface="Calibri" pitchFamily="34" charset="0"/>
-                <a:ea typeface="ＭＳ Ｐゴシック" pitchFamily="-84" charset="-128"/>
-              </a:rPr>
-              <a:t>’</a:t>
-            </a:r>
-            <a:r>
-              <a:rPr lang="fr-FR" sz="1200" b="1" dirty="0" smtClean="0">
-                <a:solidFill>
-                  <a:srgbClr val="55A839"/>
-                </a:solidFill>
-                <a:latin typeface="Calibri" pitchFamily="34" charset="0"/>
-                <a:ea typeface="ＭＳ Ｐゴシック" pitchFamily="-84" charset="-128"/>
-              </a:rPr>
-              <a:t>évènements</a:t>
-            </a:r>
-          </a:p>
-          <a:p>
-            <a:pPr lvl="2" eaLnBrk="1" hangingPunct="1">
-              <a:lnSpc>
-                <a:spcPct val="40000"/>
-              </a:lnSpc>
-              <a:buFont typeface="Wingdings 2" pitchFamily="18" charset="2"/>
-              <a:buNone/>
-            </a:pPr>
-            <a:endParaRPr lang="fr-FR" sz="900" b="1" dirty="0" smtClean="0">
-              <a:solidFill>
-                <a:srgbClr val="55A839"/>
-              </a:solidFill>
-              <a:latin typeface="Calibri" pitchFamily="34" charset="0"/>
-              <a:ea typeface="ＭＳ Ｐゴシック" pitchFamily="-84" charset="-128"/>
-            </a:endParaRPr>
-          </a:p>
-          <a:p>
-            <a:pPr lvl="2" eaLnBrk="1" hangingPunct="1">
-              <a:lnSpc>
-                <a:spcPct val="40000"/>
-              </a:lnSpc>
-              <a:buFont typeface="Wingdings 2" pitchFamily="18" charset="2"/>
-              <a:buNone/>
-            </a:pPr>
-            <a:r>
-              <a:rPr lang="fr-FR" sz="1400" b="1" i="1" dirty="0" smtClean="0">
+              <a:rPr lang="fr-FR" sz="1300" b="1" i="1" dirty="0" smtClean="0">
                 <a:solidFill>
                   <a:srgbClr val="FF6600"/>
                 </a:solidFill>
@@ -17135,7 +19134,7 @@
               </a:rPr>
               <a:t>c) Plan des incréments</a:t>
             </a:r>
-            <a:endParaRPr lang="fr-FR" sz="1400" b="1" i="1" dirty="0" smtClean="0">
+            <a:endParaRPr lang="fr-FR" sz="1300" b="1" i="1" dirty="0" smtClean="0">
               <a:solidFill>
                 <a:srgbClr val="0070C0"/>
               </a:solidFill>
@@ -17183,8 +19182,35 @@
                 <a:latin typeface="Calibri" pitchFamily="34" charset="0"/>
                 <a:ea typeface="ＭＳ Ｐゴシック" pitchFamily="-84" charset="-128"/>
               </a:rPr>
-              <a:t>	3. Conclusion</a:t>
+              <a:t>	</a:t>
             </a:r>
+            <a:r>
+              <a:rPr lang="fr-FR" sz="1400" b="1" i="1" dirty="0" smtClean="0">
+                <a:solidFill>
+                  <a:srgbClr val="0070C0"/>
+                </a:solidFill>
+                <a:latin typeface="Calibri" pitchFamily="34" charset="0"/>
+                <a:ea typeface="ＭＳ Ｐゴシック" pitchFamily="-84" charset="-128"/>
+              </a:rPr>
+              <a:t>3. </a:t>
+            </a:r>
+            <a:r>
+              <a:rPr lang="fr-FR" sz="1400" b="1" i="1" dirty="0" smtClean="0">
+                <a:solidFill>
+                  <a:srgbClr val="0070C0"/>
+                </a:solidFill>
+                <a:latin typeface="Calibri" pitchFamily="34" charset="0"/>
+                <a:ea typeface="ＭＳ Ｐゴシック" pitchFamily="-84" charset="-128"/>
+              </a:rPr>
+              <a:t>Conclusion</a:t>
+            </a:r>
+            <a:endParaRPr lang="fr-FR" sz="1400" b="1" i="1" dirty="0" smtClean="0">
+              <a:solidFill>
+                <a:srgbClr val="0070C0"/>
+              </a:solidFill>
+              <a:latin typeface="Calibri" pitchFamily="34" charset="0"/>
+              <a:ea typeface="ＭＳ Ｐゴシック" pitchFamily="-84" charset="-128"/>
+            </a:endParaRPr>
           </a:p>
           <a:p>
             <a:pPr lvl="2" eaLnBrk="1" hangingPunct="1">
@@ -17198,26 +19224,6 @@
               <a:buFont typeface="Wingdings 2" pitchFamily="18" charset="2"/>
               <a:buNone/>
             </a:pPr>
-            <a:endParaRPr lang="fr-FR" sz="1400" b="1" i="1" dirty="0" smtClean="0">
-              <a:solidFill>
-                <a:srgbClr val="0070C0"/>
-              </a:solidFill>
-              <a:latin typeface="Calibri" pitchFamily="34" charset="0"/>
-              <a:ea typeface="ＭＳ Ｐゴシック" pitchFamily="-84" charset="-128"/>
-            </a:endParaRPr>
-          </a:p>
-          <a:p>
-            <a:pPr lvl="2" eaLnBrk="1" hangingPunct="1">
-              <a:lnSpc>
-                <a:spcPct val="40000"/>
-              </a:lnSpc>
-              <a:buClr>
-                <a:srgbClr val="0BD0D9"/>
-              </a:buClr>
-              <a:buSzPct val="95000"/>
-              <a:buFont typeface="Wingdings 2" pitchFamily="18" charset="2"/>
-              <a:buNone/>
-            </a:pPr>
             <a:r>
               <a:rPr lang="fr-FR" sz="1600" b="1" i="1" dirty="0" smtClean="0">
                 <a:solidFill>
@@ -17226,7 +19232,17 @@
                 <a:latin typeface="Calibri" pitchFamily="34" charset="0"/>
                 <a:ea typeface="ＭＳ Ｐゴシック" pitchFamily="-84" charset="-128"/>
               </a:rPr>
-              <a:t>	4.Questions éventuelles</a:t>
+              <a:t>	</a:t>
+            </a:r>
+            <a:r>
+              <a:rPr lang="fr-FR" sz="1400" b="1" i="1" dirty="0" smtClean="0">
+                <a:solidFill>
+                  <a:srgbClr val="0070C0"/>
+                </a:solidFill>
+                <a:latin typeface="Calibri" pitchFamily="34" charset="0"/>
+                <a:ea typeface="ＭＳ Ｐゴシック" pitchFamily="-84" charset="-128"/>
+              </a:rPr>
+              <a:t>4.Questions éventuelles</a:t>
             </a:r>
           </a:p>
           <a:p>
@@ -17567,15 +19583,33 @@
                                   </p:childTnLst>
                                 </p:cTn>
                               </p:par>
+                            </p:childTnLst>
+                          </p:cTn>
+                        </p:par>
+                      </p:childTnLst>
+                    </p:cTn>
+                  </p:par>
+                  <p:par>
+                    <p:cTn id="19" fill="hold">
+                      <p:stCondLst>
+                        <p:cond delay="indefinite"/>
+                      </p:stCondLst>
+                      <p:childTnLst>
+                        <p:par>
+                          <p:cTn id="20" fill="hold">
+                            <p:stCondLst>
+                              <p:cond delay="0"/>
+                            </p:stCondLst>
+                            <p:childTnLst>
                               <p:par>
-                                <p:cTn id="19" presetID="4" presetClass="entr" presetSubtype="16" fill="hold" nodeType="withEffect">
+                                <p:cTn id="21" presetID="4" presetClass="entr" presetSubtype="16" fill="hold" nodeType="clickEffect">
                                   <p:stCondLst>
                                     <p:cond delay="0"/>
                                   </p:stCondLst>
                                   <p:childTnLst>
                                     <p:set>
                                       <p:cBhvr>
-                                        <p:cTn id="20" dur="1" fill="hold">
+                                        <p:cTn id="22" dur="1" fill="hold">
                                           <p:stCondLst>
                                             <p:cond delay="0"/>
                                           </p:stCondLst>
@@ -17583,7 +19617,7 @@
                                         <p:tgtEl>
                                           <p:spTgt spid="3">
                                             <p:txEl>
-                                              <p:pRg st="3" end="3"/>
+                                              <p:pRg st="4" end="4"/>
                                             </p:txEl>
                                           </p:spTgt>
                                         </p:tgtEl>
@@ -17597,11 +19631,11 @@
                                     </p:set>
                                     <p:animEffect transition="in" filter="box(in)">
                                       <p:cBhvr>
-                                        <p:cTn id="21" dur="500"/>
+                                        <p:cTn id="23" dur="500"/>
                                         <p:tgtEl>
                                           <p:spTgt spid="3">
                                             <p:txEl>
-                                              <p:pRg st="3" end="3"/>
+                                              <p:pRg st="4" end="4"/>
                                             </p:txEl>
                                           </p:spTgt>
                                         </p:tgtEl>
@@ -17610,15 +19644,33 @@
                                   </p:childTnLst>
                                 </p:cTn>
                               </p:par>
+                            </p:childTnLst>
+                          </p:cTn>
+                        </p:par>
+                      </p:childTnLst>
+                    </p:cTn>
+                  </p:par>
+                  <p:par>
+                    <p:cTn id="24" fill="hold">
+                      <p:stCondLst>
+                        <p:cond delay="indefinite"/>
+                      </p:stCondLst>
+                      <p:childTnLst>
+                        <p:par>
+                          <p:cTn id="25" fill="hold">
+                            <p:stCondLst>
+                              <p:cond delay="0"/>
+                            </p:stCondLst>
+                            <p:childTnLst>
                               <p:par>
-                                <p:cTn id="22" presetID="4" presetClass="entr" presetSubtype="16" fill="hold" nodeType="withEffect">
+                                <p:cTn id="26" presetID="4" presetClass="entr" presetSubtype="16" fill="hold" nodeType="clickEffect">
                                   <p:stCondLst>
                                     <p:cond delay="0"/>
                                   </p:stCondLst>
                                   <p:childTnLst>
                                     <p:set>
                                       <p:cBhvr>
-                                        <p:cTn id="23" dur="1" fill="hold">
+                                        <p:cTn id="27" dur="1" fill="hold">
                                           <p:stCondLst>
                                             <p:cond delay="0"/>
                                           </p:stCondLst>
@@ -17626,7 +19678,7 @@
                                         <p:tgtEl>
                                           <p:spTgt spid="3">
                                             <p:txEl>
-                                              <p:pRg st="4" end="4"/>
+                                              <p:pRg st="6" end="6"/>
                                             </p:txEl>
                                           </p:spTgt>
                                         </p:tgtEl>
@@ -17640,75 +19692,7 @@
                                     </p:set>
                                     <p:animEffect transition="in" filter="box(in)">
                                       <p:cBhvr>
-                                        <p:cTn id="24" dur="500"/>
-                                        <p:tgtEl>
-                                          <p:spTgt spid="3">
-                                            <p:txEl>
-                                              <p:pRg st="4" end="4"/>
-                                            </p:txEl>
-                                          </p:spTgt>
-                                        </p:tgtEl>
-                                      </p:cBhvr>
-                                    </p:animEffect>
-                                  </p:childTnLst>
-                                </p:cTn>
-                              </p:par>
-                              <p:par>
-                                <p:cTn id="25" presetID="4" presetClass="entr" presetSubtype="16" fill="hold" nodeType="withEffect">
-                                  <p:stCondLst>
-                                    <p:cond delay="0"/>
-                                  </p:stCondLst>
-                                  <p:childTnLst>
-                                    <p:set>
-                                      <p:cBhvr>
-                                        <p:cTn id="26" dur="1" fill="hold">
-                                          <p:stCondLst>
-                                            <p:cond delay="0"/>
-                                          </p:stCondLst>
-                                        </p:cTn>
-                                        <p:tgtEl>
-                                          <p:spTgt spid="3">
-                                            <p:txEl>
-                                              <p:pRg st="5" end="5"/>
-                                            </p:txEl>
-                                          </p:spTgt>
-                                        </p:tgtEl>
-                                        <p:attrNameLst>
-                                          <p:attrName>style.visibility</p:attrName>
-                                        </p:attrNameLst>
-                                      </p:cBhvr>
-                                      <p:to>
-                                        <p:strVal val="visible"/>
-                                      </p:to>
-                                    </p:set>
-                                    <p:animEffect transition="in" filter="box(in)">
-                                      <p:cBhvr>
-                                        <p:cTn id="27" dur="500"/>
-                                        <p:tgtEl>
-                                          <p:spTgt spid="3">
-                                            <p:txEl>
-                                              <p:pRg st="5" end="5"/>
-                                            </p:txEl>
-                                          </p:spTgt>
-                                        </p:tgtEl>
-                                      </p:cBhvr>
-                                    </p:animEffect>
-                                  </p:childTnLst>
-                                </p:cTn>
-                              </p:par>
-                              <p:par>
-                                <p:cTn id="28" presetID="4" presetClass="entr" presetSubtype="16" fill="hold" nodeType="withEffect">
-                                  <p:stCondLst>
-                                    <p:cond delay="0"/>
-                                  </p:stCondLst>
-                                  <p:childTnLst>
-                                    <p:set>
-                                      <p:cBhvr>
-                                        <p:cTn id="29" dur="1" fill="hold">
-                                          <p:stCondLst>
-                                            <p:cond delay="0"/>
-                                          </p:stCondLst>
-                                        </p:cTn>
+                                        <p:cTn id="28" dur="500"/>
                                         <p:tgtEl>
                                           <p:spTgt spid="3">
                                             <p:txEl>
@@ -17716,31 +19700,31 @@
                                             </p:txEl>
                                           </p:spTgt>
                                         </p:tgtEl>
-                                        <p:attrNameLst>
-                                          <p:attrName>style.visibility</p:attrName>
-                                        </p:attrNameLst>
-                                      </p:cBhvr>
-                                      <p:to>
-                                        <p:strVal val="visible"/>
-                                      </p:to>
-                                    </p:set>
-                                    <p:animEffect transition="in" filter="box(in)">
-                                      <p:cBhvr>
-                                        <p:cTn id="30" dur="500"/>
-                                        <p:tgtEl>
-                                          <p:spTgt spid="3">
-                                            <p:txEl>
-                                              <p:pRg st="6" end="6"/>
-                                            </p:txEl>
-                                          </p:spTgt>
-                                        </p:tgtEl>
                                       </p:cBhvr>
                                     </p:animEffect>
                                   </p:childTnLst>
                                 </p:cTn>
                               </p:par>
+                            </p:childTnLst>
+                          </p:cTn>
+                        </p:par>
+                      </p:childTnLst>
+                    </p:cTn>
+                  </p:par>
+                  <p:par>
+                    <p:cTn id="29" fill="hold">
+                      <p:stCondLst>
+                        <p:cond delay="indefinite"/>
+                      </p:stCondLst>
+                      <p:childTnLst>
+                        <p:par>
+                          <p:cTn id="30" fill="hold">
+                            <p:stCondLst>
+                              <p:cond delay="0"/>
+                            </p:stCondLst>
+                            <p:childTnLst>
                               <p:par>
-                                <p:cTn id="31" presetID="4" presetClass="entr" presetSubtype="16" fill="hold" nodeType="withEffect">
+                                <p:cTn id="31" presetID="4" presetClass="entr" presetSubtype="16" fill="hold" nodeType="clickEffect">
                                   <p:stCondLst>
                                     <p:cond delay="0"/>
                                   </p:stCondLst>
@@ -17782,15 +19766,33 @@
                                   </p:childTnLst>
                                 </p:cTn>
                               </p:par>
+                            </p:childTnLst>
+                          </p:cTn>
+                        </p:par>
+                      </p:childTnLst>
+                    </p:cTn>
+                  </p:par>
+                  <p:par>
+                    <p:cTn id="34" fill="hold">
+                      <p:stCondLst>
+                        <p:cond delay="indefinite"/>
+                      </p:stCondLst>
+                      <p:childTnLst>
+                        <p:par>
+                          <p:cTn id="35" fill="hold">
+                            <p:stCondLst>
+                              <p:cond delay="0"/>
+                            </p:stCondLst>
+                            <p:childTnLst>
                               <p:par>
-                                <p:cTn id="34" presetID="4" presetClass="entr" presetSubtype="16" fill="hold" nodeType="withEffect">
+                                <p:cTn id="36" presetID="4" presetClass="entr" presetSubtype="16" fill="hold" nodeType="clickEffect">
                                   <p:stCondLst>
                                     <p:cond delay="0"/>
                                   </p:stCondLst>
                                   <p:childTnLst>
                                     <p:set>
                                       <p:cBhvr>
-                                        <p:cTn id="35" dur="1" fill="hold">
+                                        <p:cTn id="37" dur="1" fill="hold">
                                           <p:stCondLst>
                                             <p:cond delay="0"/>
                                           </p:stCondLst>
@@ -17812,7 +19814,7 @@
                                     </p:set>
                                     <p:animEffect transition="in" filter="box(in)">
                                       <p:cBhvr>
-                                        <p:cTn id="36" dur="500"/>
+                                        <p:cTn id="38" dur="500"/>
                                         <p:tgtEl>
                                           <p:spTgt spid="3">
                                             <p:txEl>
@@ -17832,26 +19834,26 @@
                     </p:cTn>
                   </p:par>
                   <p:par>
-                    <p:cTn id="37" fill="hold">
+                    <p:cTn id="39" fill="hold">
                       <p:stCondLst>
                         <p:cond delay="indefinite"/>
                       </p:stCondLst>
                       <p:childTnLst>
                         <p:par>
-                          <p:cTn id="38" fill="hold">
+                          <p:cTn id="40" fill="hold">
                             <p:stCondLst>
                               <p:cond delay="0"/>
                             </p:stCondLst>
                             <p:childTnLst>
                               <p:par>
-                                <p:cTn id="39" presetID="12" presetClass="entr" presetSubtype="4" fill="hold" nodeType="clickEffect">
+                                <p:cTn id="41" presetID="4" presetClass="entr" presetSubtype="16" fill="hold" nodeType="clickEffect">
                                   <p:stCondLst>
                                     <p:cond delay="0"/>
                                   </p:stCondLst>
                                   <p:childTnLst>
                                     <p:set>
                                       <p:cBhvr>
-                                        <p:cTn id="40" dur="1" fill="hold">
+                                        <p:cTn id="42" dur="1" fill="hold">
                                           <p:stCondLst>
                                             <p:cond delay="0"/>
                                           </p:stCondLst>
@@ -17871,9 +19873,9 @@
                                         <p:strVal val="visible"/>
                                       </p:to>
                                     </p:set>
-                                    <p:animEffect transition="in" filter="slide(fromBottom)">
+                                    <p:animEffect transition="in" filter="box(in)">
                                       <p:cBhvr>
-                                        <p:cTn id="41" dur="500"/>
+                                        <p:cTn id="43" dur="500"/>
                                         <p:tgtEl>
                                           <p:spTgt spid="3">
                                             <p:txEl>
@@ -17893,26 +19895,26 @@
                     </p:cTn>
                   </p:par>
                   <p:par>
-                    <p:cTn id="42" fill="hold">
+                    <p:cTn id="44" fill="hold">
                       <p:stCondLst>
                         <p:cond delay="indefinite"/>
                       </p:stCondLst>
                       <p:childTnLst>
                         <p:par>
-                          <p:cTn id="43" fill="hold">
+                          <p:cTn id="45" fill="hold">
                             <p:stCondLst>
                               <p:cond delay="0"/>
                             </p:stCondLst>
                             <p:childTnLst>
                               <p:par>
-                                <p:cTn id="44" presetID="16" presetClass="entr" presetSubtype="26" fill="hold" nodeType="clickEffect">
+                                <p:cTn id="46" presetID="4" presetClass="entr" presetSubtype="16" fill="hold" nodeType="clickEffect">
                                   <p:stCondLst>
                                     <p:cond delay="0"/>
                                   </p:stCondLst>
                                   <p:childTnLst>
                                     <p:set>
                                       <p:cBhvr>
-                                        <p:cTn id="45" dur="1" fill="hold">
+                                        <p:cTn id="47" dur="1" fill="hold">
                                           <p:stCondLst>
                                             <p:cond delay="0"/>
                                           </p:stCondLst>
@@ -17932,9 +19934,9 @@
                                         <p:strVal val="visible"/>
                                       </p:to>
                                     </p:set>
-                                    <p:animEffect transition="in" filter="barn(inHorizontal)">
+                                    <p:animEffect transition="in" filter="box(in)">
                                       <p:cBhvr>
-                                        <p:cTn id="46" dur="500"/>
+                                        <p:cTn id="48" dur="500"/>
                                         <p:tgtEl>
                                           <p:spTgt spid="3">
                                             <p:txEl>
@@ -17954,26 +19956,26 @@
                     </p:cTn>
                   </p:par>
                   <p:par>
-                    <p:cTn id="47" fill="hold">
+                    <p:cTn id="49" fill="hold">
                       <p:stCondLst>
                         <p:cond delay="indefinite"/>
                       </p:stCondLst>
                       <p:childTnLst>
                         <p:par>
-                          <p:cTn id="48" fill="hold">
+                          <p:cTn id="50" fill="hold">
                             <p:stCondLst>
                               <p:cond delay="0"/>
                             </p:stCondLst>
                             <p:childTnLst>
                               <p:par>
-                                <p:cTn id="49" presetID="2" presetClass="entr" presetSubtype="4" fill="hold" nodeType="clickEffect">
+                                <p:cTn id="51" presetID="4" presetClass="entr" presetSubtype="16" fill="hold" nodeType="clickEffect">
                                   <p:stCondLst>
                                     <p:cond delay="0"/>
                                   </p:stCondLst>
                                   <p:childTnLst>
                                     <p:set>
                                       <p:cBhvr>
-                                        <p:cTn id="50" dur="1" fill="hold">
+                                        <p:cTn id="52" dur="1" fill="hold">
                                           <p:stCondLst>
                                             <p:cond delay="0"/>
                                           </p:stCondLst>
@@ -17981,7 +19983,398 @@
                                         <p:tgtEl>
                                           <p:spTgt spid="3">
                                             <p:txEl>
+                                              <p:pRg st="13" end="13"/>
+                                            </p:txEl>
+                                          </p:spTgt>
+                                        </p:tgtEl>
+                                        <p:attrNameLst>
+                                          <p:attrName>style.visibility</p:attrName>
+                                        </p:attrNameLst>
+                                      </p:cBhvr>
+                                      <p:to>
+                                        <p:strVal val="visible"/>
+                                      </p:to>
+                                    </p:set>
+                                    <p:animEffect transition="in" filter="box(in)">
+                                      <p:cBhvr>
+                                        <p:cTn id="53" dur="500"/>
+                                        <p:tgtEl>
+                                          <p:spTgt spid="3">
+                                            <p:txEl>
+                                              <p:pRg st="13" end="13"/>
+                                            </p:txEl>
+                                          </p:spTgt>
+                                        </p:tgtEl>
+                                      </p:cBhvr>
+                                    </p:animEffect>
+                                  </p:childTnLst>
+                                </p:cTn>
+                              </p:par>
+                            </p:childTnLst>
+                          </p:cTn>
+                        </p:par>
+                      </p:childTnLst>
+                    </p:cTn>
+                  </p:par>
+                  <p:par>
+                    <p:cTn id="54" fill="hold">
+                      <p:stCondLst>
+                        <p:cond delay="indefinite"/>
+                      </p:stCondLst>
+                      <p:childTnLst>
+                        <p:par>
+                          <p:cTn id="55" fill="hold">
+                            <p:stCondLst>
+                              <p:cond delay="0"/>
+                            </p:stCondLst>
+                            <p:childTnLst>
+                              <p:par>
+                                <p:cTn id="56" presetID="4" presetClass="entr" presetSubtype="16" fill="hold" nodeType="clickEffect">
+                                  <p:stCondLst>
+                                    <p:cond delay="0"/>
+                                  </p:stCondLst>
+                                  <p:childTnLst>
+                                    <p:set>
+                                      <p:cBhvr>
+                                        <p:cTn id="57" dur="1" fill="hold">
+                                          <p:stCondLst>
+                                            <p:cond delay="0"/>
+                                          </p:stCondLst>
+                                        </p:cTn>
+                                        <p:tgtEl>
+                                          <p:spTgt spid="3">
+                                            <p:txEl>
                                               <p:pRg st="14" end="14"/>
+                                            </p:txEl>
+                                          </p:spTgt>
+                                        </p:tgtEl>
+                                        <p:attrNameLst>
+                                          <p:attrName>style.visibility</p:attrName>
+                                        </p:attrNameLst>
+                                      </p:cBhvr>
+                                      <p:to>
+                                        <p:strVal val="visible"/>
+                                      </p:to>
+                                    </p:set>
+                                    <p:animEffect transition="in" filter="box(in)">
+                                      <p:cBhvr>
+                                        <p:cTn id="58" dur="500"/>
+                                        <p:tgtEl>
+                                          <p:spTgt spid="3">
+                                            <p:txEl>
+                                              <p:pRg st="14" end="14"/>
+                                            </p:txEl>
+                                          </p:spTgt>
+                                        </p:tgtEl>
+                                      </p:cBhvr>
+                                    </p:animEffect>
+                                  </p:childTnLst>
+                                </p:cTn>
+                              </p:par>
+                            </p:childTnLst>
+                          </p:cTn>
+                        </p:par>
+                      </p:childTnLst>
+                    </p:cTn>
+                  </p:par>
+                  <p:par>
+                    <p:cTn id="59" fill="hold">
+                      <p:stCondLst>
+                        <p:cond delay="indefinite"/>
+                      </p:stCondLst>
+                      <p:childTnLst>
+                        <p:par>
+                          <p:cTn id="60" fill="hold">
+                            <p:stCondLst>
+                              <p:cond delay="0"/>
+                            </p:stCondLst>
+                            <p:childTnLst>
+                              <p:par>
+                                <p:cTn id="61" presetID="4" presetClass="entr" presetSubtype="16" fill="hold" nodeType="clickEffect">
+                                  <p:stCondLst>
+                                    <p:cond delay="0"/>
+                                  </p:stCondLst>
+                                  <p:childTnLst>
+                                    <p:set>
+                                      <p:cBhvr>
+                                        <p:cTn id="62" dur="1" fill="hold">
+                                          <p:stCondLst>
+                                            <p:cond delay="0"/>
+                                          </p:stCondLst>
+                                        </p:cTn>
+                                        <p:tgtEl>
+                                          <p:spTgt spid="3">
+                                            <p:txEl>
+                                              <p:pRg st="15" end="15"/>
+                                            </p:txEl>
+                                          </p:spTgt>
+                                        </p:tgtEl>
+                                        <p:attrNameLst>
+                                          <p:attrName>style.visibility</p:attrName>
+                                        </p:attrNameLst>
+                                      </p:cBhvr>
+                                      <p:to>
+                                        <p:strVal val="visible"/>
+                                      </p:to>
+                                    </p:set>
+                                    <p:animEffect transition="in" filter="box(in)">
+                                      <p:cBhvr>
+                                        <p:cTn id="63" dur="500"/>
+                                        <p:tgtEl>
+                                          <p:spTgt spid="3">
+                                            <p:txEl>
+                                              <p:pRg st="15" end="15"/>
+                                            </p:txEl>
+                                          </p:spTgt>
+                                        </p:tgtEl>
+                                      </p:cBhvr>
+                                    </p:animEffect>
+                                  </p:childTnLst>
+                                </p:cTn>
+                              </p:par>
+                              <p:par>
+                                <p:cTn id="64" presetID="4" presetClass="entr" presetSubtype="16" fill="hold" nodeType="withEffect">
+                                  <p:stCondLst>
+                                    <p:cond delay="0"/>
+                                  </p:stCondLst>
+                                  <p:childTnLst>
+                                    <p:set>
+                                      <p:cBhvr>
+                                        <p:cTn id="65" dur="1" fill="hold">
+                                          <p:stCondLst>
+                                            <p:cond delay="0"/>
+                                          </p:stCondLst>
+                                        </p:cTn>
+                                        <p:tgtEl>
+                                          <p:spTgt spid="3">
+                                            <p:txEl>
+                                              <p:pRg st="16" end="16"/>
+                                            </p:txEl>
+                                          </p:spTgt>
+                                        </p:tgtEl>
+                                        <p:attrNameLst>
+                                          <p:attrName>style.visibility</p:attrName>
+                                        </p:attrNameLst>
+                                      </p:cBhvr>
+                                      <p:to>
+                                        <p:strVal val="visible"/>
+                                      </p:to>
+                                    </p:set>
+                                    <p:animEffect transition="in" filter="box(in)">
+                                      <p:cBhvr>
+                                        <p:cTn id="66" dur="500"/>
+                                        <p:tgtEl>
+                                          <p:spTgt spid="3">
+                                            <p:txEl>
+                                              <p:pRg st="16" end="16"/>
+                                            </p:txEl>
+                                          </p:spTgt>
+                                        </p:tgtEl>
+                                      </p:cBhvr>
+                                    </p:animEffect>
+                                  </p:childTnLst>
+                                </p:cTn>
+                              </p:par>
+                              <p:par>
+                                <p:cTn id="67" presetID="4" presetClass="entr" presetSubtype="16" fill="hold" nodeType="withEffect">
+                                  <p:stCondLst>
+                                    <p:cond delay="0"/>
+                                  </p:stCondLst>
+                                  <p:childTnLst>
+                                    <p:set>
+                                      <p:cBhvr>
+                                        <p:cTn id="68" dur="1" fill="hold">
+                                          <p:stCondLst>
+                                            <p:cond delay="0"/>
+                                          </p:stCondLst>
+                                        </p:cTn>
+                                        <p:tgtEl>
+                                          <p:spTgt spid="3">
+                                            <p:txEl>
+                                              <p:pRg st="17" end="17"/>
+                                            </p:txEl>
+                                          </p:spTgt>
+                                        </p:tgtEl>
+                                        <p:attrNameLst>
+                                          <p:attrName>style.visibility</p:attrName>
+                                        </p:attrNameLst>
+                                      </p:cBhvr>
+                                      <p:to>
+                                        <p:strVal val="visible"/>
+                                      </p:to>
+                                    </p:set>
+                                    <p:animEffect transition="in" filter="box(in)">
+                                      <p:cBhvr>
+                                        <p:cTn id="69" dur="500"/>
+                                        <p:tgtEl>
+                                          <p:spTgt spid="3">
+                                            <p:txEl>
+                                              <p:pRg st="17" end="17"/>
+                                            </p:txEl>
+                                          </p:spTgt>
+                                        </p:tgtEl>
+                                      </p:cBhvr>
+                                    </p:animEffect>
+                                  </p:childTnLst>
+                                </p:cTn>
+                              </p:par>
+                            </p:childTnLst>
+                          </p:cTn>
+                        </p:par>
+                      </p:childTnLst>
+                    </p:cTn>
+                  </p:par>
+                  <p:par>
+                    <p:cTn id="70" fill="hold">
+                      <p:stCondLst>
+                        <p:cond delay="indefinite"/>
+                      </p:stCondLst>
+                      <p:childTnLst>
+                        <p:par>
+                          <p:cTn id="71" fill="hold">
+                            <p:stCondLst>
+                              <p:cond delay="0"/>
+                            </p:stCondLst>
+                            <p:childTnLst>
+                              <p:par>
+                                <p:cTn id="72" presetID="12" presetClass="entr" presetSubtype="4" fill="hold" nodeType="clickEffect">
+                                  <p:stCondLst>
+                                    <p:cond delay="0"/>
+                                  </p:stCondLst>
+                                  <p:childTnLst>
+                                    <p:set>
+                                      <p:cBhvr>
+                                        <p:cTn id="73" dur="1" fill="hold">
+                                          <p:stCondLst>
+                                            <p:cond delay="0"/>
+                                          </p:stCondLst>
+                                        </p:cTn>
+                                        <p:tgtEl>
+                                          <p:spTgt spid="3">
+                                            <p:txEl>
+                                              <p:pRg st="19" end="19"/>
+                                            </p:txEl>
+                                          </p:spTgt>
+                                        </p:tgtEl>
+                                        <p:attrNameLst>
+                                          <p:attrName>style.visibility</p:attrName>
+                                        </p:attrNameLst>
+                                      </p:cBhvr>
+                                      <p:to>
+                                        <p:strVal val="visible"/>
+                                      </p:to>
+                                    </p:set>
+                                    <p:animEffect transition="in" filter="slide(fromBottom)">
+                                      <p:cBhvr>
+                                        <p:cTn id="74" dur="500"/>
+                                        <p:tgtEl>
+                                          <p:spTgt spid="3">
+                                            <p:txEl>
+                                              <p:pRg st="19" end="19"/>
+                                            </p:txEl>
+                                          </p:spTgt>
+                                        </p:tgtEl>
+                                      </p:cBhvr>
+                                    </p:animEffect>
+                                  </p:childTnLst>
+                                </p:cTn>
+                              </p:par>
+                            </p:childTnLst>
+                          </p:cTn>
+                        </p:par>
+                      </p:childTnLst>
+                    </p:cTn>
+                  </p:par>
+                  <p:par>
+                    <p:cTn id="75" fill="hold">
+                      <p:stCondLst>
+                        <p:cond delay="indefinite"/>
+                      </p:stCondLst>
+                      <p:childTnLst>
+                        <p:par>
+                          <p:cTn id="76" fill="hold">
+                            <p:stCondLst>
+                              <p:cond delay="0"/>
+                            </p:stCondLst>
+                            <p:childTnLst>
+                              <p:par>
+                                <p:cTn id="77" presetID="16" presetClass="entr" presetSubtype="26" fill="hold" nodeType="clickEffect">
+                                  <p:stCondLst>
+                                    <p:cond delay="0"/>
+                                  </p:stCondLst>
+                                  <p:childTnLst>
+                                    <p:set>
+                                      <p:cBhvr>
+                                        <p:cTn id="78" dur="1" fill="hold">
+                                          <p:stCondLst>
+                                            <p:cond delay="0"/>
+                                          </p:stCondLst>
+                                        </p:cTn>
+                                        <p:tgtEl>
+                                          <p:spTgt spid="3">
+                                            <p:txEl>
+                                              <p:pRg st="21" end="21"/>
+                                            </p:txEl>
+                                          </p:spTgt>
+                                        </p:tgtEl>
+                                        <p:attrNameLst>
+                                          <p:attrName>style.visibility</p:attrName>
+                                        </p:attrNameLst>
+                                      </p:cBhvr>
+                                      <p:to>
+                                        <p:strVal val="visible"/>
+                                      </p:to>
+                                    </p:set>
+                                    <p:animEffect transition="in" filter="barn(inHorizontal)">
+                                      <p:cBhvr>
+                                        <p:cTn id="79" dur="500"/>
+                                        <p:tgtEl>
+                                          <p:spTgt spid="3">
+                                            <p:txEl>
+                                              <p:pRg st="21" end="21"/>
+                                            </p:txEl>
+                                          </p:spTgt>
+                                        </p:tgtEl>
+                                      </p:cBhvr>
+                                    </p:animEffect>
+                                  </p:childTnLst>
+                                </p:cTn>
+                              </p:par>
+                            </p:childTnLst>
+                          </p:cTn>
+                        </p:par>
+                      </p:childTnLst>
+                    </p:cTn>
+                  </p:par>
+                  <p:par>
+                    <p:cTn id="80" fill="hold">
+                      <p:stCondLst>
+                        <p:cond delay="indefinite"/>
+                      </p:stCondLst>
+                      <p:childTnLst>
+                        <p:par>
+                          <p:cTn id="81" fill="hold">
+                            <p:stCondLst>
+                              <p:cond delay="0"/>
+                            </p:stCondLst>
+                            <p:childTnLst>
+                              <p:par>
+                                <p:cTn id="82" presetID="2" presetClass="entr" presetSubtype="4" fill="hold" nodeType="clickEffect">
+                                  <p:stCondLst>
+                                    <p:cond delay="0"/>
+                                  </p:stCondLst>
+                                  <p:childTnLst>
+                                    <p:set>
+                                      <p:cBhvr>
+                                        <p:cTn id="83" dur="1" fill="hold">
+                                          <p:stCondLst>
+                                            <p:cond delay="0"/>
+                                          </p:stCondLst>
+                                        </p:cTn>
+                                        <p:tgtEl>
+                                          <p:spTgt spid="3">
+                                            <p:txEl>
+                                              <p:pRg st="23" end="23"/>
                                             </p:txEl>
                                           </p:spTgt>
                                         </p:tgtEl>
@@ -17995,11 +20388,11 @@
                                     </p:set>
                                     <p:anim calcmode="lin" valueType="num">
                                       <p:cBhvr additive="base">
-                                        <p:cTn id="51" dur="500" fill="hold"/>
+                                        <p:cTn id="84" dur="500" fill="hold"/>
                                         <p:tgtEl>
                                           <p:spTgt spid="3">
                                             <p:txEl>
-                                              <p:pRg st="14" end="14"/>
+                                              <p:pRg st="23" end="23"/>
                                             </p:txEl>
                                           </p:spTgt>
                                         </p:tgtEl>
@@ -18022,11 +20415,11 @@
                                     </p:anim>
                                     <p:anim calcmode="lin" valueType="num">
                                       <p:cBhvr additive="base">
-                                        <p:cTn id="52" dur="500" fill="hold"/>
+                                        <p:cTn id="85" dur="500" fill="hold"/>
                                         <p:tgtEl>
                                           <p:spTgt spid="3">
                                             <p:txEl>
-                                              <p:pRg st="14" end="14"/>
+                                              <p:pRg st="23" end="23"/>
                                             </p:txEl>
                                           </p:spTgt>
                                         </p:tgtEl>
@@ -18051,14 +20444,14 @@
                                 </p:cTn>
                               </p:par>
                               <p:par>
-                                <p:cTn id="53" presetID="2" presetClass="entr" presetSubtype="4" fill="hold" nodeType="withEffect">
+                                <p:cTn id="86" presetID="2" presetClass="entr" presetSubtype="4" fill="hold" nodeType="withEffect">
                                   <p:stCondLst>
                                     <p:cond delay="0"/>
                                   </p:stCondLst>
                                   <p:childTnLst>
                                     <p:set>
                                       <p:cBhvr>
-                                        <p:cTn id="54" dur="1" fill="hold">
+                                        <p:cTn id="87" dur="1" fill="hold">
                                           <p:stCondLst>
                                             <p:cond delay="0"/>
                                           </p:stCondLst>
@@ -18066,7 +20459,7 @@
                                         <p:tgtEl>
                                           <p:spTgt spid="3">
                                             <p:txEl>
-                                              <p:pRg st="15" end="15"/>
+                                              <p:pRg st="24" end="24"/>
                                             </p:txEl>
                                           </p:spTgt>
                                         </p:tgtEl>
@@ -18080,11 +20473,11 @@
                                     </p:set>
                                     <p:anim calcmode="lin" valueType="num">
                                       <p:cBhvr additive="base">
-                                        <p:cTn id="55" dur="500" fill="hold"/>
+                                        <p:cTn id="88" dur="500" fill="hold"/>
                                         <p:tgtEl>
                                           <p:spTgt spid="3">
                                             <p:txEl>
-                                              <p:pRg st="15" end="15"/>
+                                              <p:pRg st="24" end="24"/>
                                             </p:txEl>
                                           </p:spTgt>
                                         </p:tgtEl>
@@ -18107,11 +20500,11 @@
                                     </p:anim>
                                     <p:anim calcmode="lin" valueType="num">
                                       <p:cBhvr additive="base">
-                                        <p:cTn id="56" dur="500" fill="hold"/>
+                                        <p:cTn id="89" dur="500" fill="hold"/>
                                         <p:tgtEl>
                                           <p:spTgt spid="3">
                                             <p:txEl>
-                                              <p:pRg st="15" end="15"/>
+                                              <p:pRg st="24" end="24"/>
                                             </p:txEl>
                                           </p:spTgt>
                                         </p:tgtEl>
@@ -18136,14 +20529,14 @@
                                 </p:cTn>
                               </p:par>
                               <p:par>
-                                <p:cTn id="57" presetID="2" presetClass="entr" presetSubtype="4" fill="hold" nodeType="withEffect">
+                                <p:cTn id="90" presetID="2" presetClass="entr" presetSubtype="4" fill="hold" nodeType="withEffect">
                                   <p:stCondLst>
                                     <p:cond delay="0"/>
                                   </p:stCondLst>
                                   <p:childTnLst>
                                     <p:set>
                                       <p:cBhvr>
-                                        <p:cTn id="58" dur="1" fill="hold">
+                                        <p:cTn id="91" dur="1" fill="hold">
                                           <p:stCondLst>
                                             <p:cond delay="0"/>
                                           </p:stCondLst>
@@ -18151,7 +20544,7 @@
                                         <p:tgtEl>
                                           <p:spTgt spid="3">
                                             <p:txEl>
-                                              <p:pRg st="16" end="16"/>
+                                              <p:pRg st="25" end="25"/>
                                             </p:txEl>
                                           </p:spTgt>
                                         </p:tgtEl>
@@ -18165,11 +20558,11 @@
                                     </p:set>
                                     <p:anim calcmode="lin" valueType="num">
                                       <p:cBhvr additive="base">
-                                        <p:cTn id="59" dur="500" fill="hold"/>
+                                        <p:cTn id="92" dur="500" fill="hold"/>
                                         <p:tgtEl>
                                           <p:spTgt spid="3">
                                             <p:txEl>
-                                              <p:pRg st="16" end="16"/>
+                                              <p:pRg st="25" end="25"/>
                                             </p:txEl>
                                           </p:spTgt>
                                         </p:tgtEl>
@@ -18192,11 +20585,11 @@
                                     </p:anim>
                                     <p:anim calcmode="lin" valueType="num">
                                       <p:cBhvr additive="base">
-                                        <p:cTn id="60" dur="500" fill="hold"/>
+                                        <p:cTn id="93" dur="500" fill="hold"/>
                                         <p:tgtEl>
                                           <p:spTgt spid="3">
                                             <p:txEl>
-                                              <p:pRg st="16" end="16"/>
+                                              <p:pRg st="25" end="25"/>
                                             </p:txEl>
                                           </p:spTgt>
                                         </p:tgtEl>
@@ -18221,14 +20614,14 @@
                                 </p:cTn>
                               </p:par>
                               <p:par>
-                                <p:cTn id="61" presetID="2" presetClass="entr" presetSubtype="4" fill="hold" nodeType="withEffect">
+                                <p:cTn id="94" presetID="2" presetClass="entr" presetSubtype="4" fill="hold" nodeType="withEffect">
                                   <p:stCondLst>
                                     <p:cond delay="0"/>
                                   </p:stCondLst>
                                   <p:childTnLst>
                                     <p:set>
                                       <p:cBhvr>
-                                        <p:cTn id="62" dur="1" fill="hold">
+                                        <p:cTn id="95" dur="1" fill="hold">
                                           <p:stCondLst>
                                             <p:cond delay="0"/>
                                           </p:stCondLst>
@@ -18236,7 +20629,7 @@
                                         <p:tgtEl>
                                           <p:spTgt spid="3">
                                             <p:txEl>
-                                              <p:pRg st="17" end="17"/>
+                                              <p:pRg st="26" end="26"/>
                                             </p:txEl>
                                           </p:spTgt>
                                         </p:tgtEl>
@@ -18250,11 +20643,11 @@
                                     </p:set>
                                     <p:anim calcmode="lin" valueType="num">
                                       <p:cBhvr additive="base">
-                                        <p:cTn id="63" dur="500" fill="hold"/>
+                                        <p:cTn id="96" dur="500" fill="hold"/>
                                         <p:tgtEl>
                                           <p:spTgt spid="3">
                                             <p:txEl>
-                                              <p:pRg st="17" end="17"/>
+                                              <p:pRg st="26" end="26"/>
                                             </p:txEl>
                                           </p:spTgt>
                                         </p:tgtEl>
@@ -18277,11 +20670,11 @@
                                     </p:anim>
                                     <p:anim calcmode="lin" valueType="num">
                                       <p:cBhvr additive="base">
-                                        <p:cTn id="64" dur="500" fill="hold"/>
+                                        <p:cTn id="97" dur="500" fill="hold"/>
                                         <p:tgtEl>
                                           <p:spTgt spid="3">
                                             <p:txEl>
-                                              <p:pRg st="17" end="17"/>
+                                              <p:pRg st="26" end="26"/>
                                             </p:txEl>
                                           </p:spTgt>
                                         </p:tgtEl>
@@ -18306,14 +20699,14 @@
                                 </p:cTn>
                               </p:par>
                               <p:par>
-                                <p:cTn id="65" presetID="2" presetClass="entr" presetSubtype="4" fill="hold" nodeType="withEffect">
+                                <p:cTn id="98" presetID="2" presetClass="entr" presetSubtype="4" fill="hold" nodeType="withEffect">
                                   <p:stCondLst>
                                     <p:cond delay="0"/>
                                   </p:stCondLst>
                                   <p:childTnLst>
                                     <p:set>
                                       <p:cBhvr>
-                                        <p:cTn id="66" dur="1" fill="hold">
+                                        <p:cTn id="99" dur="1" fill="hold">
                                           <p:stCondLst>
                                             <p:cond delay="0"/>
                                           </p:stCondLst>
@@ -18321,7 +20714,7 @@
                                         <p:tgtEl>
                                           <p:spTgt spid="3">
                                             <p:txEl>
-                                              <p:pRg st="18" end="18"/>
+                                              <p:pRg st="27" end="27"/>
                                             </p:txEl>
                                           </p:spTgt>
                                         </p:tgtEl>
@@ -18335,11 +20728,11 @@
                                     </p:set>
                                     <p:anim calcmode="lin" valueType="num">
                                       <p:cBhvr additive="base">
-                                        <p:cTn id="67" dur="500" fill="hold"/>
+                                        <p:cTn id="100" dur="500" fill="hold"/>
                                         <p:tgtEl>
                                           <p:spTgt spid="3">
                                             <p:txEl>
-                                              <p:pRg st="18" end="18"/>
+                                              <p:pRg st="27" end="27"/>
                                             </p:txEl>
                                           </p:spTgt>
                                         </p:tgtEl>
@@ -18362,11 +20755,11 @@
                                     </p:anim>
                                     <p:anim calcmode="lin" valueType="num">
                                       <p:cBhvr additive="base">
-                                        <p:cTn id="68" dur="500" fill="hold"/>
+                                        <p:cTn id="101" dur="500" fill="hold"/>
                                         <p:tgtEl>
                                           <p:spTgt spid="3">
                                             <p:txEl>
-                                              <p:pRg st="18" end="18"/>
+                                              <p:pRg st="27" end="27"/>
                                             </p:txEl>
                                           </p:spTgt>
                                         </p:tgtEl>
@@ -18391,14 +20784,14 @@
                                 </p:cTn>
                               </p:par>
                               <p:par>
-                                <p:cTn id="69" presetID="2" presetClass="entr" presetSubtype="4" fill="hold" nodeType="withEffect">
+                                <p:cTn id="102" presetID="2" presetClass="entr" presetSubtype="4" fill="hold" nodeType="withEffect">
                                   <p:stCondLst>
                                     <p:cond delay="0"/>
                                   </p:stCondLst>
                                   <p:childTnLst>
                                     <p:set>
                                       <p:cBhvr>
-                                        <p:cTn id="70" dur="1" fill="hold">
+                                        <p:cTn id="103" dur="1" fill="hold">
                                           <p:stCondLst>
                                             <p:cond delay="0"/>
                                           </p:stCondLst>
@@ -18406,7 +20799,7 @@
                                         <p:tgtEl>
                                           <p:spTgt spid="3">
                                             <p:txEl>
-                                              <p:pRg st="19" end="19"/>
+                                              <p:pRg st="28" end="28"/>
                                             </p:txEl>
                                           </p:spTgt>
                                         </p:tgtEl>
@@ -18420,11 +20813,11 @@
                                     </p:set>
                                     <p:anim calcmode="lin" valueType="num">
                                       <p:cBhvr additive="base">
-                                        <p:cTn id="71" dur="500" fill="hold"/>
+                                        <p:cTn id="104" dur="500" fill="hold"/>
                                         <p:tgtEl>
                                           <p:spTgt spid="3">
                                             <p:txEl>
-                                              <p:pRg st="19" end="19"/>
+                                              <p:pRg st="28" end="28"/>
                                             </p:txEl>
                                           </p:spTgt>
                                         </p:tgtEl>
@@ -18447,11 +20840,11 @@
                                     </p:anim>
                                     <p:anim calcmode="lin" valueType="num">
                                       <p:cBhvr additive="base">
-                                        <p:cTn id="72" dur="500" fill="hold"/>
+                                        <p:cTn id="105" dur="500" fill="hold"/>
                                         <p:tgtEl>
                                           <p:spTgt spid="3">
                                             <p:txEl>
-                                              <p:pRg st="19" end="19"/>
+                                              <p:pRg st="28" end="28"/>
                                             </p:txEl>
                                           </p:spTgt>
                                         </p:tgtEl>
@@ -18482,26 +20875,26 @@
                     </p:cTn>
                   </p:par>
                   <p:par>
-                    <p:cTn id="73" fill="hold">
+                    <p:cTn id="106" fill="hold">
                       <p:stCondLst>
                         <p:cond delay="indefinite"/>
                       </p:stCondLst>
                       <p:childTnLst>
                         <p:par>
-                          <p:cTn id="74" fill="hold">
+                          <p:cTn id="107" fill="hold">
                             <p:stCondLst>
                               <p:cond delay="0"/>
                             </p:stCondLst>
                             <p:childTnLst>
                               <p:par>
-                                <p:cTn id="75" presetID="16" presetClass="entr" presetSubtype="26" fill="hold" nodeType="clickEffect">
+                                <p:cTn id="108" presetID="16" presetClass="entr" presetSubtype="26" fill="hold" nodeType="clickEffect">
                                   <p:stCondLst>
                                     <p:cond delay="0"/>
                                   </p:stCondLst>
                                   <p:childTnLst>
                                     <p:set>
                                       <p:cBhvr>
-                                        <p:cTn id="76" dur="1" fill="hold">
+                                        <p:cTn id="109" dur="1" fill="hold">
                                           <p:stCondLst>
                                             <p:cond delay="0"/>
                                           </p:stCondLst>
@@ -18509,7 +20902,7 @@
                                         <p:tgtEl>
                                           <p:spTgt spid="3">
                                             <p:txEl>
-                                              <p:pRg st="21" end="21"/>
+                                              <p:pRg st="30" end="30"/>
                                             </p:txEl>
                                           </p:spTgt>
                                         </p:tgtEl>
@@ -18523,11 +20916,11 @@
                                     </p:set>
                                     <p:animEffect transition="in" filter="barn(inHorizontal)">
                                       <p:cBhvr>
-                                        <p:cTn id="77" dur="500"/>
+                                        <p:cTn id="110" dur="500"/>
                                         <p:tgtEl>
                                           <p:spTgt spid="3">
                                             <p:txEl>
-                                              <p:pRg st="21" end="21"/>
+                                              <p:pRg st="30" end="30"/>
                                             </p:txEl>
                                           </p:spTgt>
                                         </p:tgtEl>
@@ -18543,26 +20936,26 @@
                     </p:cTn>
                   </p:par>
                   <p:par>
-                    <p:cTn id="78" fill="hold">
+                    <p:cTn id="111" fill="hold">
                       <p:stCondLst>
                         <p:cond delay="indefinite"/>
                       </p:stCondLst>
                       <p:childTnLst>
                         <p:par>
-                          <p:cTn id="79" fill="hold">
+                          <p:cTn id="112" fill="hold">
                             <p:stCondLst>
                               <p:cond delay="0"/>
                             </p:stCondLst>
                             <p:childTnLst>
                               <p:par>
-                                <p:cTn id="80" presetID="2" presetClass="entr" presetSubtype="4" fill="hold" nodeType="clickEffect">
+                                <p:cTn id="113" presetID="2" presetClass="entr" presetSubtype="4" fill="hold" nodeType="clickEffect">
                                   <p:stCondLst>
                                     <p:cond delay="0"/>
                                   </p:stCondLst>
                                   <p:childTnLst>
                                     <p:set>
                                       <p:cBhvr>
-                                        <p:cTn id="81" dur="1" fill="hold">
+                                        <p:cTn id="114" dur="1" fill="hold">
                                           <p:stCondLst>
                                             <p:cond delay="0"/>
                                           </p:stCondLst>
@@ -18570,7 +20963,7 @@
                                         <p:tgtEl>
                                           <p:spTgt spid="3">
                                             <p:txEl>
-                                              <p:pRg st="23" end="23"/>
+                                              <p:pRg st="32" end="32"/>
                                             </p:txEl>
                                           </p:spTgt>
                                         </p:tgtEl>
@@ -18584,11 +20977,11 @@
                                     </p:set>
                                     <p:anim calcmode="lin" valueType="num">
                                       <p:cBhvr additive="base">
-                                        <p:cTn id="82" dur="500" fill="hold"/>
+                                        <p:cTn id="115" dur="500" fill="hold"/>
                                         <p:tgtEl>
                                           <p:spTgt spid="3">
                                             <p:txEl>
-                                              <p:pRg st="23" end="23"/>
+                                              <p:pRg st="32" end="32"/>
                                             </p:txEl>
                                           </p:spTgt>
                                         </p:tgtEl>
@@ -18611,11 +21004,11 @@
                                     </p:anim>
                                     <p:anim calcmode="lin" valueType="num">
                                       <p:cBhvr additive="base">
-                                        <p:cTn id="83" dur="500" fill="hold"/>
+                                        <p:cTn id="116" dur="500" fill="hold"/>
                                         <p:tgtEl>
                                           <p:spTgt spid="3">
                                             <p:txEl>
-                                              <p:pRg st="23" end="23"/>
+                                              <p:pRg st="32" end="32"/>
                                             </p:txEl>
                                           </p:spTgt>
                                         </p:tgtEl>
@@ -18640,14 +21033,14 @@
                                 </p:cTn>
                               </p:par>
                               <p:par>
-                                <p:cTn id="84" presetID="2" presetClass="entr" presetSubtype="4" fill="hold" nodeType="withEffect">
+                                <p:cTn id="117" presetID="2" presetClass="entr" presetSubtype="4" fill="hold" nodeType="withEffect">
                                   <p:stCondLst>
                                     <p:cond delay="0"/>
                                   </p:stCondLst>
                                   <p:childTnLst>
                                     <p:set>
                                       <p:cBhvr>
-                                        <p:cTn id="85" dur="1" fill="hold">
+                                        <p:cTn id="118" dur="1" fill="hold">
                                           <p:stCondLst>
                                             <p:cond delay="0"/>
                                           </p:stCondLst>
@@ -18655,7 +21048,7 @@
                                         <p:tgtEl>
                                           <p:spTgt spid="3">
                                             <p:txEl>
-                                              <p:pRg st="24" end="24"/>
+                                              <p:pRg st="33" end="33"/>
                                             </p:txEl>
                                           </p:spTgt>
                                         </p:tgtEl>
@@ -18669,11 +21062,11 @@
                                     </p:set>
                                     <p:anim calcmode="lin" valueType="num">
                                       <p:cBhvr additive="base">
-                                        <p:cTn id="86" dur="500" fill="hold"/>
+                                        <p:cTn id="119" dur="500" fill="hold"/>
                                         <p:tgtEl>
                                           <p:spTgt spid="3">
                                             <p:txEl>
-                                              <p:pRg st="24" end="24"/>
+                                              <p:pRg st="33" end="33"/>
                                             </p:txEl>
                                           </p:spTgt>
                                         </p:tgtEl>
@@ -18696,11 +21089,11 @@
                                     </p:anim>
                                     <p:anim calcmode="lin" valueType="num">
                                       <p:cBhvr additive="base">
-                                        <p:cTn id="87" dur="500" fill="hold"/>
+                                        <p:cTn id="120" dur="500" fill="hold"/>
                                         <p:tgtEl>
                                           <p:spTgt spid="3">
                                             <p:txEl>
-                                              <p:pRg st="24" end="24"/>
+                                              <p:pRg st="33" end="33"/>
                                             </p:txEl>
                                           </p:spTgt>
                                         </p:tgtEl>
@@ -18725,14 +21118,14 @@
                                 </p:cTn>
                               </p:par>
                               <p:par>
-                                <p:cTn id="88" presetID="2" presetClass="entr" presetSubtype="4" fill="hold" nodeType="withEffect">
+                                <p:cTn id="121" presetID="2" presetClass="entr" presetSubtype="4" fill="hold" nodeType="withEffect">
                                   <p:stCondLst>
                                     <p:cond delay="0"/>
                                   </p:stCondLst>
                                   <p:childTnLst>
                                     <p:set>
                                       <p:cBhvr>
-                                        <p:cTn id="89" dur="1" fill="hold">
+                                        <p:cTn id="122" dur="1" fill="hold">
                                           <p:stCondLst>
                                             <p:cond delay="0"/>
                                           </p:stCondLst>
@@ -18740,7 +21133,7 @@
                                         <p:tgtEl>
                                           <p:spTgt spid="3">
                                             <p:txEl>
-                                              <p:pRg st="25" end="25"/>
+                                              <p:pRg st="34" end="34"/>
                                             </p:txEl>
                                           </p:spTgt>
                                         </p:tgtEl>
@@ -18754,11 +21147,11 @@
                                     </p:set>
                                     <p:anim calcmode="lin" valueType="num">
                                       <p:cBhvr additive="base">
-                                        <p:cTn id="90" dur="500" fill="hold"/>
+                                        <p:cTn id="123" dur="500" fill="hold"/>
                                         <p:tgtEl>
                                           <p:spTgt spid="3">
                                             <p:txEl>
-                                              <p:pRg st="25" end="25"/>
+                                              <p:pRg st="34" end="34"/>
                                             </p:txEl>
                                           </p:spTgt>
                                         </p:tgtEl>
@@ -18781,11 +21174,11 @@
                                     </p:anim>
                                     <p:anim calcmode="lin" valueType="num">
                                       <p:cBhvr additive="base">
-                                        <p:cTn id="91" dur="500" fill="hold"/>
+                                        <p:cTn id="124" dur="500" fill="hold"/>
                                         <p:tgtEl>
                                           <p:spTgt spid="3">
                                             <p:txEl>
-                                              <p:pRg st="25" end="25"/>
+                                              <p:pRg st="34" end="34"/>
                                             </p:txEl>
                                           </p:spTgt>
                                         </p:tgtEl>
@@ -18810,14 +21203,14 @@
                                 </p:cTn>
                               </p:par>
                               <p:par>
-                                <p:cTn id="92" presetID="2" presetClass="entr" presetSubtype="4" fill="hold" nodeType="withEffect">
+                                <p:cTn id="125" presetID="2" presetClass="entr" presetSubtype="4" fill="hold" nodeType="withEffect">
                                   <p:stCondLst>
                                     <p:cond delay="0"/>
                                   </p:stCondLst>
                                   <p:childTnLst>
                                     <p:set>
                                       <p:cBhvr>
-                                        <p:cTn id="93" dur="1" fill="hold">
+                                        <p:cTn id="126" dur="1" fill="hold">
                                           <p:stCondLst>
                                             <p:cond delay="0"/>
                                           </p:stCondLst>
@@ -18825,7 +21218,7 @@
                                         <p:tgtEl>
                                           <p:spTgt spid="3">
                                             <p:txEl>
-                                              <p:pRg st="26" end="26"/>
+                                              <p:pRg st="35" end="35"/>
                                             </p:txEl>
                                           </p:spTgt>
                                         </p:tgtEl>
@@ -18839,11 +21232,11 @@
                                     </p:set>
                                     <p:anim calcmode="lin" valueType="num">
                                       <p:cBhvr additive="base">
-                                        <p:cTn id="94" dur="500" fill="hold"/>
+                                        <p:cTn id="127" dur="500" fill="hold"/>
                                         <p:tgtEl>
                                           <p:spTgt spid="3">
                                             <p:txEl>
-                                              <p:pRg st="26" end="26"/>
+                                              <p:pRg st="35" end="35"/>
                                             </p:txEl>
                                           </p:spTgt>
                                         </p:tgtEl>
@@ -18866,11 +21259,11 @@
                                     </p:anim>
                                     <p:anim calcmode="lin" valueType="num">
                                       <p:cBhvr additive="base">
-                                        <p:cTn id="95" dur="500" fill="hold"/>
+                                        <p:cTn id="128" dur="500" fill="hold"/>
                                         <p:tgtEl>
                                           <p:spTgt spid="3">
                                             <p:txEl>
-                                              <p:pRg st="26" end="26"/>
+                                              <p:pRg st="35" end="35"/>
                                             </p:txEl>
                                           </p:spTgt>
                                         </p:tgtEl>
@@ -18895,14 +21288,14 @@
                                 </p:cTn>
                               </p:par>
                               <p:par>
-                                <p:cTn id="96" presetID="2" presetClass="entr" presetSubtype="4" fill="hold" nodeType="withEffect">
+                                <p:cTn id="129" presetID="2" presetClass="entr" presetSubtype="4" fill="hold" nodeType="withEffect">
                                   <p:stCondLst>
                                     <p:cond delay="0"/>
                                   </p:stCondLst>
                                   <p:childTnLst>
                                     <p:set>
                                       <p:cBhvr>
-                                        <p:cTn id="97" dur="1" fill="hold">
+                                        <p:cTn id="130" dur="1" fill="hold">
                                           <p:stCondLst>
                                             <p:cond delay="0"/>
                                           </p:stCondLst>
@@ -18910,7 +21303,7 @@
                                         <p:tgtEl>
                                           <p:spTgt spid="3">
                                             <p:txEl>
-                                              <p:pRg st="27" end="27"/>
+                                              <p:pRg st="36" end="36"/>
                                             </p:txEl>
                                           </p:spTgt>
                                         </p:tgtEl>
@@ -18924,11 +21317,11 @@
                                     </p:set>
                                     <p:anim calcmode="lin" valueType="num">
                                       <p:cBhvr additive="base">
-                                        <p:cTn id="98" dur="500" fill="hold"/>
+                                        <p:cTn id="131" dur="500" fill="hold"/>
                                         <p:tgtEl>
                                           <p:spTgt spid="3">
                                             <p:txEl>
-                                              <p:pRg st="27" end="27"/>
+                                              <p:pRg st="36" end="36"/>
                                             </p:txEl>
                                           </p:spTgt>
                                         </p:tgtEl>
@@ -18951,11 +21344,11 @@
                                     </p:anim>
                                     <p:anim calcmode="lin" valueType="num">
                                       <p:cBhvr additive="base">
-                                        <p:cTn id="99" dur="500" fill="hold"/>
+                                        <p:cTn id="132" dur="500" fill="hold"/>
                                         <p:tgtEl>
                                           <p:spTgt spid="3">
                                             <p:txEl>
-                                              <p:pRg st="27" end="27"/>
+                                              <p:pRg st="36" end="36"/>
                                             </p:txEl>
                                           </p:spTgt>
                                         </p:tgtEl>
@@ -18980,14 +21373,14 @@
                                 </p:cTn>
                               </p:par>
                               <p:par>
-                                <p:cTn id="100" presetID="2" presetClass="entr" presetSubtype="4" fill="hold" nodeType="withEffect">
+                                <p:cTn id="133" presetID="2" presetClass="entr" presetSubtype="4" fill="hold" nodeType="withEffect">
                                   <p:stCondLst>
                                     <p:cond delay="0"/>
                                   </p:stCondLst>
                                   <p:childTnLst>
                                     <p:set>
                                       <p:cBhvr>
-                                        <p:cTn id="101" dur="1" fill="hold">
+                                        <p:cTn id="134" dur="1" fill="hold">
                                           <p:stCondLst>
                                             <p:cond delay="0"/>
                                           </p:stCondLst>
@@ -18995,7 +21388,7 @@
                                         <p:tgtEl>
                                           <p:spTgt spid="3">
                                             <p:txEl>
-                                              <p:pRg st="28" end="28"/>
+                                              <p:pRg st="37" end="37"/>
                                             </p:txEl>
                                           </p:spTgt>
                                         </p:tgtEl>
@@ -19009,11 +21402,11 @@
                                     </p:set>
                                     <p:anim calcmode="lin" valueType="num">
                                       <p:cBhvr additive="base">
-                                        <p:cTn id="102" dur="500" fill="hold"/>
+                                        <p:cTn id="135" dur="500" fill="hold"/>
                                         <p:tgtEl>
                                           <p:spTgt spid="3">
                                             <p:txEl>
-                                              <p:pRg st="28" end="28"/>
+                                              <p:pRg st="37" end="37"/>
                                             </p:txEl>
                                           </p:spTgt>
                                         </p:tgtEl>
@@ -19036,11 +21429,11 @@
                                     </p:anim>
                                     <p:anim calcmode="lin" valueType="num">
                                       <p:cBhvr additive="base">
-                                        <p:cTn id="103" dur="500" fill="hold"/>
+                                        <p:cTn id="136" dur="500" fill="hold"/>
                                         <p:tgtEl>
                                           <p:spTgt spid="3">
                                             <p:txEl>
-                                              <p:pRg st="28" end="28"/>
+                                              <p:pRg st="37" end="37"/>
                                             </p:txEl>
                                           </p:spTgt>
                                         </p:tgtEl>
@@ -19071,26 +21464,26 @@
                     </p:cTn>
                   </p:par>
                   <p:par>
-                    <p:cTn id="104" fill="hold">
+                    <p:cTn id="137" fill="hold">
                       <p:stCondLst>
                         <p:cond delay="indefinite"/>
                       </p:stCondLst>
                       <p:childTnLst>
                         <p:par>
-                          <p:cTn id="105" fill="hold">
+                          <p:cTn id="138" fill="hold">
                             <p:stCondLst>
                               <p:cond delay="0"/>
                             </p:stCondLst>
                             <p:childTnLst>
                               <p:par>
-                                <p:cTn id="106" presetID="16" presetClass="entr" presetSubtype="26" fill="hold" nodeType="clickEffect">
+                                <p:cTn id="139" presetID="16" presetClass="entr" presetSubtype="26" fill="hold" nodeType="clickEffect">
                                   <p:stCondLst>
                                     <p:cond delay="0"/>
                                   </p:stCondLst>
                                   <p:childTnLst>
                                     <p:set>
                                       <p:cBhvr>
-                                        <p:cTn id="107" dur="1" fill="hold">
+                                        <p:cTn id="140" dur="1" fill="hold">
                                           <p:stCondLst>
                                             <p:cond delay="0"/>
                                           </p:stCondLst>
@@ -19098,7 +21491,7 @@
                                         <p:tgtEl>
                                           <p:spTgt spid="3">
                                             <p:txEl>
-                                              <p:pRg st="30" end="30"/>
+                                              <p:pRg st="39" end="39"/>
                                             </p:txEl>
                                           </p:spTgt>
                                         </p:tgtEl>
@@ -19112,11 +21505,11 @@
                                     </p:set>
                                     <p:animEffect transition="in" filter="barn(inHorizontal)">
                                       <p:cBhvr>
-                                        <p:cTn id="108" dur="500"/>
+                                        <p:cTn id="141" dur="500"/>
                                         <p:tgtEl>
                                           <p:spTgt spid="3">
                                             <p:txEl>
-                                              <p:pRg st="30" end="30"/>
+                                              <p:pRg st="39" end="39"/>
                                             </p:txEl>
                                           </p:spTgt>
                                         </p:tgtEl>
@@ -19132,26 +21525,26 @@
                     </p:cTn>
                   </p:par>
                   <p:par>
-                    <p:cTn id="109" fill="hold">
+                    <p:cTn id="142" fill="hold">
                       <p:stCondLst>
                         <p:cond delay="indefinite"/>
                       </p:stCondLst>
                       <p:childTnLst>
                         <p:par>
-                          <p:cTn id="110" fill="hold">
+                          <p:cTn id="143" fill="hold">
                             <p:stCondLst>
                               <p:cond delay="0"/>
                             </p:stCondLst>
                             <p:childTnLst>
                               <p:par>
-                                <p:cTn id="111" presetID="12" presetClass="entr" presetSubtype="4" fill="hold" nodeType="clickEffect">
+                                <p:cTn id="144" presetID="12" presetClass="entr" presetSubtype="4" fill="hold" nodeType="clickEffect">
                                   <p:stCondLst>
                                     <p:cond delay="0"/>
                                   </p:stCondLst>
                                   <p:childTnLst>
                                     <p:set>
                                       <p:cBhvr>
-                                        <p:cTn id="112" dur="1" fill="hold">
+                                        <p:cTn id="145" dur="1" fill="hold">
                                           <p:stCondLst>
                                             <p:cond delay="0"/>
                                           </p:stCondLst>
@@ -19159,7 +21552,7 @@
                                         <p:tgtEl>
                                           <p:spTgt spid="3">
                                             <p:txEl>
-                                              <p:pRg st="32" end="32"/>
+                                              <p:pRg st="41" end="41"/>
                                             </p:txEl>
                                           </p:spTgt>
                                         </p:tgtEl>
@@ -19173,11 +21566,11 @@
                                     </p:set>
                                     <p:animEffect transition="in" filter="slide(fromBottom)">
                                       <p:cBhvr>
-                                        <p:cTn id="113" dur="500"/>
+                                        <p:cTn id="146" dur="500"/>
                                         <p:tgtEl>
                                           <p:spTgt spid="3">
                                             <p:txEl>
-                                              <p:pRg st="32" end="32"/>
+                                              <p:pRg st="41" end="41"/>
                                             </p:txEl>
                                           </p:spTgt>
                                         </p:tgtEl>
@@ -19193,26 +21586,26 @@
                     </p:cTn>
                   </p:par>
                   <p:par>
-                    <p:cTn id="114" fill="hold">
+                    <p:cTn id="147" fill="hold">
                       <p:stCondLst>
                         <p:cond delay="indefinite"/>
                       </p:stCondLst>
                       <p:childTnLst>
                         <p:par>
-                          <p:cTn id="115" fill="hold">
+                          <p:cTn id="148" fill="hold">
                             <p:stCondLst>
                               <p:cond delay="0"/>
                             </p:stCondLst>
                             <p:childTnLst>
                               <p:par>
-                                <p:cTn id="116" presetID="2" presetClass="entr" presetSubtype="4" fill="hold" nodeType="clickEffect">
+                                <p:cTn id="149" presetID="2" presetClass="entr" presetSubtype="4" fill="hold" nodeType="clickEffect">
                                   <p:stCondLst>
                                     <p:cond delay="0"/>
                                   </p:stCondLst>
                                   <p:childTnLst>
                                     <p:set>
                                       <p:cBhvr>
-                                        <p:cTn id="117" dur="1" fill="hold">
+                                        <p:cTn id="150" dur="1" fill="hold">
                                           <p:stCondLst>
                                             <p:cond delay="0"/>
                                           </p:stCondLst>
@@ -19220,7 +21613,7 @@
                                         <p:tgtEl>
                                           <p:spTgt spid="3">
                                             <p:txEl>
-                                              <p:pRg st="34" end="34"/>
+                                              <p:pRg st="42" end="42"/>
                                             </p:txEl>
                                           </p:spTgt>
                                         </p:tgtEl>
@@ -19234,11 +21627,11 @@
                                     </p:set>
                                     <p:anim calcmode="lin" valueType="num">
                                       <p:cBhvr additive="base">
-                                        <p:cTn id="118" dur="500" fill="hold"/>
+                                        <p:cTn id="151" dur="500" fill="hold"/>
                                         <p:tgtEl>
                                           <p:spTgt spid="3">
                                             <p:txEl>
-                                              <p:pRg st="34" end="34"/>
+                                              <p:pRg st="42" end="42"/>
                                             </p:txEl>
                                           </p:spTgt>
                                         </p:tgtEl>
@@ -19261,11 +21654,11 @@
                                     </p:anim>
                                     <p:anim calcmode="lin" valueType="num">
                                       <p:cBhvr additive="base">
-                                        <p:cTn id="119" dur="500" fill="hold"/>
+                                        <p:cTn id="152" dur="500" fill="hold"/>
                                         <p:tgtEl>
                                           <p:spTgt spid="3">
                                             <p:txEl>
-                                              <p:pRg st="34" end="34"/>
+                                              <p:pRg st="42" end="42"/>
                                             </p:txEl>
                                           </p:spTgt>
                                         </p:tgtEl>
@@ -19415,7 +21808,7 @@
               </a14:hiddenLine>
             </a:ext>
             <a:ext uri="{FAA26D3D-D897-4be2-8F04-BA451C77F1D7}">
-              <ma14:placeholderFlag xmlns:ma14="http://schemas.microsoft.com/office/mac/drawingml/2011/main" xmlns="" val="1"/>
+              <ma14:placeholderFlag xmlns="" xmlns:ma14="http://schemas.microsoft.com/office/mac/drawingml/2011/main" val="1"/>
             </a:ext>
           </a:extLst>
         </p:spPr>
@@ -19937,7 +22330,7 @@
           <p:nvPr/>
         </p:nvPicPr>
         <p:blipFill>
-          <a:blip r:embed="rId2" cstate="print"/>
+          <a:blip r:embed="rId3" cstate="print"/>
           <a:srcRect/>
           <a:stretch>
             <a:fillRect/>
@@ -20546,7 +22939,7 @@
               </a14:hiddenLine>
             </a:ext>
             <a:ext uri="{FAA26D3D-D897-4be2-8F04-BA451C77F1D7}">
-              <ma14:placeholderFlag xmlns:ma14="http://schemas.microsoft.com/office/mac/drawingml/2011/main" xmlns="" val="1"/>
+              <ma14:placeholderFlag xmlns="" xmlns:ma14="http://schemas.microsoft.com/office/mac/drawingml/2011/main" val="1"/>
             </a:ext>
           </a:extLst>
         </p:spPr>
@@ -21080,7 +23473,7 @@
           <p:nvPr/>
         </p:nvPicPr>
         <p:blipFill>
-          <a:blip r:embed="rId2" cstate="print"/>
+          <a:blip r:embed="rId3" cstate="print"/>
           <a:srcRect/>
           <a:stretch>
             <a:fillRect/>
@@ -21670,7 +24063,7 @@
               </a14:hiddenLine>
             </a:ext>
             <a:ext uri="{FAA26D3D-D897-4be2-8F04-BA451C77F1D7}">
-              <ma14:placeholderFlag xmlns:ma14="http://schemas.microsoft.com/office/mac/drawingml/2011/main" xmlns="" val="1"/>
+              <ma14:placeholderFlag xmlns="" xmlns:ma14="http://schemas.microsoft.com/office/mac/drawingml/2011/main" val="1"/>
             </a:ext>
           </a:extLst>
         </p:spPr>
@@ -22268,7 +24661,7 @@
           <p:nvPr/>
         </p:nvPicPr>
         <p:blipFill>
-          <a:blip r:embed="rId2" cstate="print"/>
+          <a:blip r:embed="rId3" cstate="print"/>
           <a:srcRect/>
           <a:stretch>
             <a:fillRect/>
@@ -23102,7 +25495,7 @@
               </a14:hiddenLine>
             </a:ext>
             <a:ext uri="{FAA26D3D-D897-4be2-8F04-BA451C77F1D7}">
-              <ma14:placeholderFlag xmlns:ma14="http://schemas.microsoft.com/office/mac/drawingml/2011/main" xmlns="" val="1"/>
+              <ma14:placeholderFlag xmlns="" xmlns:ma14="http://schemas.microsoft.com/office/mac/drawingml/2011/main" val="1"/>
             </a:ext>
           </a:extLst>
         </p:spPr>
@@ -23966,7 +26359,7 @@
               </a14:hiddenLine>
             </a:ext>
             <a:ext uri="{FAA26D3D-D897-4be2-8F04-BA451C77F1D7}">
-              <ma14:placeholderFlag xmlns:ma14="http://schemas.microsoft.com/office/mac/drawingml/2011/main" xmlns="" val="1"/>
+              <ma14:placeholderFlag xmlns="" xmlns:ma14="http://schemas.microsoft.com/office/mac/drawingml/2011/main" val="1"/>
             </a:ext>
           </a:extLst>
         </p:spPr>
@@ -25487,7 +27880,7 @@
           <p:nvPr/>
         </p:nvPicPr>
         <p:blipFill>
-          <a:blip r:embed="rId2" cstate="print"/>
+          <a:blip r:embed="rId3" cstate="print"/>
           <a:srcRect/>
           <a:stretch>
             <a:fillRect/>
@@ -25756,16 +28149,16 @@
               <a:buChar char="q"/>
             </a:pPr>
             <a:r>
-              <a:rPr lang="fr-FR" sz="2600" b="1" smtClean="0">
+              <a:rPr lang="fr-FR" sz="2600" b="1" dirty="0" smtClean="0">
                 <a:solidFill>
                   <a:srgbClr val="00B050"/>
                 </a:solidFill>
                 <a:latin typeface="Calibri" pitchFamily="34" charset="0"/>
                 <a:ea typeface="ＭＳ Ｐゴシック" pitchFamily="-84" charset="-128"/>
               </a:rPr>
-              <a:t>Présentation du projet </a:t>
+              <a:t>Contexte du projet</a:t>
             </a:r>
-            <a:endParaRPr lang="fr-FR" sz="2600" smtClean="0">
+            <a:endParaRPr lang="fr-FR" sz="2600" dirty="0" smtClean="0">
               <a:ea typeface="ＭＳ Ｐゴシック" pitchFamily="-84" charset="-128"/>
             </a:endParaRPr>
           </a:p>
@@ -25774,7 +28167,7 @@
               <a:buFont typeface="Wingdings 2" pitchFamily="18" charset="2"/>
               <a:buNone/>
             </a:pPr>
-            <a:endParaRPr lang="fr-FR" b="1" smtClean="0">
+            <a:endParaRPr lang="fr-FR" b="1" dirty="0" smtClean="0">
               <a:solidFill>
                 <a:srgbClr val="00B050"/>
               </a:solidFill>
@@ -25787,7 +28180,7 @@
               <a:buFont typeface="Wingdings 2" pitchFamily="18" charset="2"/>
               <a:buNone/>
             </a:pPr>
-            <a:endParaRPr lang="fr-FR" b="1" smtClean="0">
+            <a:endParaRPr lang="fr-FR" b="1" dirty="0" smtClean="0">
               <a:solidFill>
                 <a:srgbClr val="00B050"/>
               </a:solidFill>
@@ -25800,7 +28193,7 @@
               <a:buFont typeface="Wingdings" pitchFamily="2" charset="2"/>
               <a:buChar char="q"/>
             </a:pPr>
-            <a:endParaRPr lang="fr-FR" b="1" smtClean="0">
+            <a:endParaRPr lang="fr-FR" b="1" dirty="0" smtClean="0">
               <a:solidFill>
                 <a:srgbClr val="00B050"/>
               </a:solidFill>
@@ -26116,25 +28509,70 @@
           <a:bodyPr/>
           <a:lstStyle/>
           <a:p>
-            <a:pPr marL="514350" indent="-514350" eaLnBrk="1" hangingPunct="1">
+            <a:pPr eaLnBrk="1" hangingPunct="1">
+              <a:lnSpc>
+                <a:spcPct val="90000"/>
+              </a:lnSpc>
               <a:buFont typeface="Wingdings" pitchFamily="2" charset="2"/>
               <a:buChar char="q"/>
             </a:pPr>
             <a:r>
-              <a:rPr lang="fr-FR" b="1" dirty="0" smtClean="0">
+              <a:rPr lang="fr-FR" b="1" dirty="0">
                 <a:solidFill>
                   <a:srgbClr val="00B050"/>
                 </a:solidFill>
                 <a:latin typeface="Calibri" pitchFamily="34" charset="0"/>
                 <a:ea typeface="ＭＳ Ｐゴシック" pitchFamily="-84" charset="-128"/>
               </a:rPr>
-              <a:t>Objectifs du projet</a:t>
+              <a:t> </a:t>
             </a:r>
-          </a:p>
-          <a:p>
-            <a:pPr marL="514350" indent="-514350" eaLnBrk="1" hangingPunct="1">
+            <a:r>
+              <a:rPr lang="fr-FR" b="1" dirty="0" smtClean="0">
+                <a:solidFill>
+                  <a:srgbClr val="FF6600"/>
+                </a:solidFill>
+                <a:latin typeface="Calibri" pitchFamily="34" charset="0"/>
+                <a:ea typeface="ＭＳ Ｐゴシック" pitchFamily="-84" charset="-128"/>
+              </a:rPr>
+              <a:t>Le système actuel</a:t>
+            </a:r>
+            <a:endParaRPr lang="fr-FR" b="1" dirty="0">
+              <a:solidFill>
+                <a:srgbClr val="FF6600"/>
+              </a:solidFill>
+              <a:latin typeface="Calibri" pitchFamily="34" charset="0"/>
+              <a:ea typeface="ＭＳ Ｐゴシック" pitchFamily="-84" charset="-128"/>
+            </a:endParaRPr>
+          </a:p>
+          <a:p>
+            <a:pPr lvl="1" eaLnBrk="1" hangingPunct="1">
+              <a:lnSpc>
+                <a:spcPct val="90000"/>
+              </a:lnSpc>
               <a:buFont typeface="Wingdings" pitchFamily="2" charset="2"/>
               <a:buChar char="q"/>
+            </a:pPr>
+            <a:r>
+              <a:rPr lang="fr-FR" sz="1800" b="1" dirty="0" smtClean="0">
+                <a:solidFill>
+                  <a:srgbClr val="00B050"/>
+                </a:solidFill>
+                <a:latin typeface="Calibri" pitchFamily="34" charset="0"/>
+                <a:ea typeface="ＭＳ Ｐゴシック" pitchFamily="-84" charset="-128"/>
+              </a:rPr>
+              <a:t>Descriptif du système</a:t>
+            </a:r>
+            <a:endParaRPr lang="fr-FR" sz="1800" b="1" dirty="0">
+              <a:solidFill>
+                <a:srgbClr val="00B050"/>
+              </a:solidFill>
+              <a:latin typeface="Calibri" pitchFamily="34" charset="0"/>
+              <a:ea typeface="ＭＳ Ｐゴシック" pitchFamily="-84" charset="-128"/>
+            </a:endParaRPr>
+          </a:p>
+          <a:p>
+            <a:pPr marL="0" indent="0" eaLnBrk="1" hangingPunct="1">
+              <a:buNone/>
             </a:pPr>
             <a:endParaRPr lang="fr-FR" sz="1800" b="1" dirty="0" smtClean="0">
               <a:solidFill>
@@ -26451,13 +28889,13 @@
                     </p:cTn>
                   </p:par>
                   <p:par>
-                    <p:cTn id="9" fill="hold" nodeType="clickPar">
+                    <p:cTn id="9" fill="hold">
                       <p:stCondLst>
                         <p:cond delay="indefinite"/>
                       </p:stCondLst>
                       <p:childTnLst>
                         <p:par>
-                          <p:cTn id="10" fill="hold" nodeType="withGroup">
+                          <p:cTn id="10" fill="hold">
                             <p:stCondLst>
                               <p:cond delay="0"/>
                             </p:stCondLst>
@@ -26505,33 +28943,15 @@
                                   </p:childTnLst>
                                 </p:cTn>
                               </p:par>
-                            </p:childTnLst>
-                          </p:cTn>
-                        </p:par>
-                      </p:childTnLst>
-                    </p:cTn>
-                  </p:par>
-                  <p:par>
-                    <p:cTn id="14" fill="hold" nodeType="clickPar">
-                      <p:stCondLst>
-                        <p:cond delay="indefinite"/>
-                      </p:stCondLst>
-                      <p:childTnLst>
-                        <p:par>
-                          <p:cTn id="15" fill="hold" nodeType="withGroup">
-                            <p:stCondLst>
-                              <p:cond delay="0"/>
-                            </p:stCondLst>
-                            <p:childTnLst>
                               <p:par>
-                                <p:cTn id="16" presetID="12" presetClass="entr" presetSubtype="4" fill="hold" grpId="0" nodeType="clickEffect">
+                                <p:cTn id="14" presetID="12" presetClass="entr" presetSubtype="4" fill="hold" grpId="0" nodeType="withEffect">
                                   <p:stCondLst>
                                     <p:cond delay="0"/>
                                   </p:stCondLst>
                                   <p:childTnLst>
                                     <p:set>
                                       <p:cBhvr>
-                                        <p:cTn id="17" dur="1" fill="hold">
+                                        <p:cTn id="15" dur="1" fill="hold">
                                           <p:stCondLst>
                                             <p:cond delay="0"/>
                                           </p:stCondLst>
@@ -26539,7 +28959,7 @@
                                         <p:tgtEl>
                                           <p:spTgt spid="5">
                                             <p:txEl>
-                                              <p:pRg st="2" end="2"/>
+                                              <p:pRg st="1" end="1"/>
                                             </p:txEl>
                                           </p:spTgt>
                                         </p:tgtEl>
@@ -26553,11 +28973,54 @@
                                     </p:set>
                                     <p:animEffect transition="in" filter="slide(fromBottom)">
                                       <p:cBhvr>
-                                        <p:cTn id="18" dur="500"/>
+                                        <p:cTn id="16" dur="500"/>
                                         <p:tgtEl>
                                           <p:spTgt spid="5">
                                             <p:txEl>
-                                              <p:pRg st="2" end="2"/>
+                                              <p:pRg st="1" end="1"/>
+                                            </p:txEl>
+                                          </p:spTgt>
+                                        </p:tgtEl>
+                                      </p:cBhvr>
+                                    </p:animEffect>
+                                  </p:childTnLst>
+                                </p:cTn>
+                              </p:par>
+                              <p:par>
+                                <p:cTn id="17" presetID="12" presetClass="entr" presetSubtype="4" fill="hold" grpId="0" nodeType="withEffect">
+                                  <p:stCondLst>
+                                    <p:cond delay="0"/>
+                                  </p:stCondLst>
+                                  <p:childTnLst>
+                                    <p:set>
+                                      <p:cBhvr>
+                                        <p:cTn id="18" dur="1" fill="hold">
+                                          <p:stCondLst>
+                                            <p:cond delay="0"/>
+                                          </p:stCondLst>
+                                        </p:cTn>
+                                        <p:tgtEl>
+                                          <p:spTgt spid="5">
+                                            <p:txEl>
+                                              <p:pRg st="3" end="3"/>
+                                            </p:txEl>
+                                          </p:spTgt>
+                                        </p:tgtEl>
+                                        <p:attrNameLst>
+                                          <p:attrName>style.visibility</p:attrName>
+                                        </p:attrNameLst>
+                                      </p:cBhvr>
+                                      <p:to>
+                                        <p:strVal val="visible"/>
+                                      </p:to>
+                                    </p:set>
+                                    <p:animEffect transition="in" filter="slide(fromBottom)">
+                                      <p:cBhvr>
+                                        <p:cTn id="19" dur="500"/>
+                                        <p:tgtEl>
+                                          <p:spTgt spid="5">
+                                            <p:txEl>
+                                              <p:pRg st="3" end="3"/>
                                             </p:txEl>
                                           </p:spTgt>
                                         </p:tgtEl>
@@ -26573,26 +29036,26 @@
                     </p:cTn>
                   </p:par>
                   <p:par>
-                    <p:cTn id="19" fill="hold" nodeType="clickPar">
+                    <p:cTn id="20" fill="hold" nodeType="clickPar">
                       <p:stCondLst>
                         <p:cond delay="indefinite"/>
                       </p:stCondLst>
                       <p:childTnLst>
                         <p:par>
-                          <p:cTn id="20" fill="hold" nodeType="withGroup">
+                          <p:cTn id="21" fill="hold" nodeType="withGroup">
                             <p:stCondLst>
                               <p:cond delay="0"/>
                             </p:stCondLst>
                             <p:childTnLst>
                               <p:par>
-                                <p:cTn id="21" presetID="12" presetClass="entr" presetSubtype="4" fill="hold" grpId="0" nodeType="clickEffect">
+                                <p:cTn id="22" presetID="12" presetClass="entr" presetSubtype="4" fill="hold" grpId="0" nodeType="clickEffect">
                                   <p:stCondLst>
                                     <p:cond delay="0"/>
                                   </p:stCondLst>
                                   <p:childTnLst>
                                     <p:set>
                                       <p:cBhvr>
-                                        <p:cTn id="22" dur="1" fill="hold">
+                                        <p:cTn id="23" dur="1" fill="hold">
                                           <p:stCondLst>
                                             <p:cond delay="0"/>
                                           </p:stCondLst>
@@ -26600,7 +29063,7 @@
                                         <p:tgtEl>
                                           <p:spTgt spid="5">
                                             <p:txEl>
-                                              <p:pRg st="4" end="4"/>
+                                              <p:pRg st="5" end="5"/>
                                             </p:txEl>
                                           </p:spTgt>
                                         </p:tgtEl>
@@ -26614,11 +29077,11 @@
                                     </p:set>
                                     <p:animEffect transition="in" filter="slide(fromBottom)">
                                       <p:cBhvr>
-                                        <p:cTn id="23" dur="500"/>
+                                        <p:cTn id="24" dur="500"/>
                                         <p:tgtEl>
                                           <p:spTgt spid="5">
                                             <p:txEl>
-                                              <p:pRg st="4" end="4"/>
+                                              <p:pRg st="5" end="5"/>
                                             </p:txEl>
                                           </p:spTgt>
                                         </p:tgtEl>
@@ -26634,26 +29097,26 @@
                     </p:cTn>
                   </p:par>
                   <p:par>
-                    <p:cTn id="24" fill="hold" nodeType="clickPar">
+                    <p:cTn id="25" fill="hold" nodeType="clickPar">
                       <p:stCondLst>
                         <p:cond delay="indefinite"/>
                       </p:stCondLst>
                       <p:childTnLst>
                         <p:par>
-                          <p:cTn id="25" fill="hold" nodeType="withGroup">
+                          <p:cTn id="26" fill="hold" nodeType="withGroup">
                             <p:stCondLst>
                               <p:cond delay="0"/>
                             </p:stCondLst>
                             <p:childTnLst>
                               <p:par>
-                                <p:cTn id="26" presetID="12" presetClass="entr" presetSubtype="4" fill="hold" grpId="0" nodeType="clickEffect">
+                                <p:cTn id="27" presetID="12" presetClass="entr" presetSubtype="4" fill="hold" grpId="0" nodeType="clickEffect">
                                   <p:stCondLst>
                                     <p:cond delay="0"/>
                                   </p:stCondLst>
                                   <p:childTnLst>
                                     <p:set>
                                       <p:cBhvr>
-                                        <p:cTn id="27" dur="1" fill="hold">
+                                        <p:cTn id="28" dur="1" fill="hold">
                                           <p:stCondLst>
                                             <p:cond delay="0"/>
                                           </p:stCondLst>
@@ -26661,7 +29124,7 @@
                                         <p:tgtEl>
                                           <p:spTgt spid="5">
                                             <p:txEl>
-                                              <p:pRg st="6" end="6"/>
+                                              <p:pRg st="7" end="7"/>
                                             </p:txEl>
                                           </p:spTgt>
                                         </p:tgtEl>
@@ -26675,11 +29138,11 @@
                                     </p:set>
                                     <p:animEffect transition="in" filter="slide(fromBottom)">
                                       <p:cBhvr>
-                                        <p:cTn id="28" dur="500"/>
+                                        <p:cTn id="29" dur="500"/>
                                         <p:tgtEl>
                                           <p:spTgt spid="5">
                                             <p:txEl>
-                                              <p:pRg st="6" end="6"/>
+                                              <p:pRg st="7" end="7"/>
                                             </p:txEl>
                                           </p:spTgt>
                                         </p:tgtEl>
@@ -26695,26 +29158,26 @@
                     </p:cTn>
                   </p:par>
                   <p:par>
-                    <p:cTn id="29" fill="hold" nodeType="clickPar">
+                    <p:cTn id="30" fill="hold" nodeType="clickPar">
                       <p:stCondLst>
                         <p:cond delay="indefinite"/>
                       </p:stCondLst>
                       <p:childTnLst>
                         <p:par>
-                          <p:cTn id="30" fill="hold" nodeType="withGroup">
+                          <p:cTn id="31" fill="hold" nodeType="withGroup">
                             <p:stCondLst>
                               <p:cond delay="0"/>
                             </p:stCondLst>
                             <p:childTnLst>
                               <p:par>
-                                <p:cTn id="31" presetID="12" presetClass="entr" presetSubtype="4" fill="hold" grpId="0" nodeType="clickEffect">
+                                <p:cTn id="32" presetID="12" presetClass="entr" presetSubtype="4" fill="hold" grpId="0" nodeType="clickEffect">
                                   <p:stCondLst>
                                     <p:cond delay="0"/>
                                   </p:stCondLst>
                                   <p:childTnLst>
                                     <p:set>
                                       <p:cBhvr>
-                                        <p:cTn id="32" dur="1" fill="hold">
+                                        <p:cTn id="33" dur="1" fill="hold">
                                           <p:stCondLst>
                                             <p:cond delay="0"/>
                                           </p:stCondLst>
@@ -26722,7 +29185,7 @@
                                         <p:tgtEl>
                                           <p:spTgt spid="5">
                                             <p:txEl>
-                                              <p:pRg st="8" end="8"/>
+                                              <p:pRg st="9" end="9"/>
                                             </p:txEl>
                                           </p:spTgt>
                                         </p:tgtEl>
@@ -26736,11 +29199,11 @@
                                     </p:set>
                                     <p:animEffect transition="in" filter="slide(fromBottom)">
                                       <p:cBhvr>
-                                        <p:cTn id="33" dur="500"/>
+                                        <p:cTn id="34" dur="500"/>
                                         <p:tgtEl>
                                           <p:spTgt spid="5">
                                             <p:txEl>
-                                              <p:pRg st="8" end="8"/>
+                                              <p:pRg st="9" end="9"/>
                                             </p:txEl>
                                           </p:spTgt>
                                         </p:tgtEl>
@@ -26847,33 +29310,53 @@
           <a:bodyPr/>
           <a:lstStyle/>
           <a:p>
-            <a:pPr marL="514350" indent="-514350" eaLnBrk="1" hangingPunct="1">
+            <a:pPr eaLnBrk="1" hangingPunct="1">
+              <a:lnSpc>
+                <a:spcPct val="90000"/>
+              </a:lnSpc>
               <a:buFont typeface="Wingdings" pitchFamily="2" charset="2"/>
               <a:buChar char="q"/>
             </a:pPr>
             <a:r>
-              <a:rPr lang="fr-FR" b="1" dirty="0" smtClean="0">
+              <a:rPr lang="fr-FR" b="1" dirty="0">
                 <a:solidFill>
                   <a:srgbClr val="00B050"/>
                 </a:solidFill>
                 <a:latin typeface="Calibri" pitchFamily="34" charset="0"/>
                 <a:ea typeface="ＭＳ Ｐゴシック" pitchFamily="-84" charset="-128"/>
               </a:rPr>
-              <a:t>Description du système</a:t>
+              <a:t> </a:t>
             </a:r>
-            <a:endParaRPr lang="fr-FR" b="1" dirty="0" smtClean="0">
-              <a:solidFill>
-                <a:srgbClr val="00B050"/>
-              </a:solidFill>
-              <a:latin typeface="Calibri" pitchFamily="34" charset="0"/>
-              <a:ea typeface="ＭＳ Ｐゴシック" pitchFamily="-84" charset="-128"/>
-            </a:endParaRPr>
-          </a:p>
-          <a:p>
-            <a:pPr marL="0" indent="0" eaLnBrk="1" hangingPunct="1">
-              <a:buNone/>
-            </a:pPr>
-            <a:endParaRPr lang="fr-FR" sz="1800" b="1">
+            <a:r>
+              <a:rPr lang="fr-FR" b="1" dirty="0">
+                <a:solidFill>
+                  <a:srgbClr val="FF6600"/>
+                </a:solidFill>
+                <a:latin typeface="Calibri" pitchFamily="34" charset="0"/>
+                <a:ea typeface="ＭＳ Ｐゴシック" pitchFamily="-84" charset="-128"/>
+              </a:rPr>
+              <a:t>Le système actuel</a:t>
+            </a:r>
+          </a:p>
+          <a:p>
+            <a:pPr lvl="1" eaLnBrk="1" hangingPunct="1">
+              <a:lnSpc>
+                <a:spcPct val="90000"/>
+              </a:lnSpc>
+              <a:buFont typeface="Wingdings" pitchFamily="2" charset="2"/>
+              <a:buChar char="q"/>
+            </a:pPr>
+            <a:r>
+              <a:rPr lang="fr-FR" sz="1800" b="1" dirty="0" smtClean="0">
+                <a:solidFill>
+                  <a:srgbClr val="00B050"/>
+                </a:solidFill>
+                <a:latin typeface="Calibri" pitchFamily="34" charset="0"/>
+                <a:ea typeface="ＭＳ Ｐゴシック" pitchFamily="-84" charset="-128"/>
+              </a:rPr>
+              <a:t>Fonctionnement du système</a:t>
+            </a:r>
+            <a:endParaRPr lang="fr-FR" sz="1800" b="1" dirty="0">
               <a:solidFill>
                 <a:srgbClr val="004A99"/>
               </a:solidFill>
@@ -26908,6 +29391,12 @@
               </a:rPr>
               <a:t>41 entrées TOR + 2 entrées analogiques</a:t>
             </a:r>
+          </a:p>
+          <a:p>
+            <a:pPr marL="514350" indent="-514350" eaLnBrk="1" hangingPunct="1">
+              <a:buFontTx/>
+              <a:buChar char="-"/>
+            </a:pPr>
             <a:endParaRPr lang="fr-FR" sz="2200" b="1" dirty="0" smtClean="0">
               <a:solidFill>
                 <a:srgbClr val="004A99"/>
@@ -26934,19 +29423,6 @@
               <a:buFontTx/>
               <a:buChar char="-"/>
             </a:pPr>
-            <a:endParaRPr lang="fr-FR" sz="2200" b="1" dirty="0" smtClean="0">
-              <a:solidFill>
-                <a:srgbClr val="004A99"/>
-              </a:solidFill>
-              <a:latin typeface="Calibri" pitchFamily="34" charset="0"/>
-              <a:ea typeface="ＭＳ Ｐゴシック" pitchFamily="-84" charset="-128"/>
-            </a:endParaRPr>
-          </a:p>
-          <a:p>
-            <a:pPr marL="514350" indent="-514350" eaLnBrk="1" hangingPunct="1">
-              <a:buFontTx/>
-              <a:buChar char="-"/>
-            </a:pPr>
             <a:r>
               <a:rPr lang="fr-FR" sz="2200" b="1" dirty="0" smtClean="0">
                 <a:solidFill>
@@ -26957,13 +29433,6 @@
               </a:rPr>
               <a:t>19 sorties matérielles TOR</a:t>
             </a:r>
-            <a:endParaRPr lang="fr-FR" sz="2200" b="1" dirty="0" smtClean="0">
-              <a:solidFill>
-                <a:srgbClr val="004A99"/>
-              </a:solidFill>
-              <a:latin typeface="Calibri" pitchFamily="34" charset="0"/>
-              <a:ea typeface="ＭＳ Ｐゴシック" pitchFamily="-84" charset="-128"/>
-            </a:endParaRPr>
           </a:p>
           <a:p>
             <a:pPr marL="514350" indent="-514350" eaLnBrk="1" hangingPunct="1">
@@ -27206,13 +29675,13 @@
                     </p:cTn>
                   </p:par>
                   <p:par>
-                    <p:cTn id="9" fill="hold" nodeType="clickPar">
+                    <p:cTn id="9" fill="hold">
                       <p:stCondLst>
                         <p:cond delay="indefinite"/>
                       </p:stCondLst>
                       <p:childTnLst>
                         <p:par>
-                          <p:cTn id="10" fill="hold" nodeType="withGroup">
+                          <p:cTn id="10" fill="hold">
                             <p:stCondLst>
                               <p:cond delay="0"/>
                             </p:stCondLst>
@@ -27260,33 +29729,15 @@
                                   </p:childTnLst>
                                 </p:cTn>
                               </p:par>
-                            </p:childTnLst>
-                          </p:cTn>
-                        </p:par>
-                      </p:childTnLst>
-                    </p:cTn>
-                  </p:par>
-                  <p:par>
-                    <p:cTn id="14" fill="hold">
-                      <p:stCondLst>
-                        <p:cond delay="indefinite"/>
-                      </p:stCondLst>
-                      <p:childTnLst>
-                        <p:par>
-                          <p:cTn id="15" fill="hold">
-                            <p:stCondLst>
-                              <p:cond delay="0"/>
-                            </p:stCondLst>
-                            <p:childTnLst>
                               <p:par>
-                                <p:cTn id="16" presetID="12" presetClass="entr" presetSubtype="4" fill="hold" grpId="0" nodeType="clickEffect">
+                                <p:cTn id="14" presetID="12" presetClass="entr" presetSubtype="4" fill="hold" grpId="0" nodeType="withEffect">
                                   <p:stCondLst>
                                     <p:cond delay="0"/>
                                   </p:stCondLst>
                                   <p:childTnLst>
                                     <p:set>
                                       <p:cBhvr>
-                                        <p:cTn id="17" dur="1" fill="hold">
+                                        <p:cTn id="15" dur="1" fill="hold">
                                           <p:stCondLst>
                                             <p:cond delay="0"/>
                                           </p:stCondLst>
@@ -27294,7 +29745,7 @@
                                         <p:tgtEl>
                                           <p:spTgt spid="5">
                                             <p:txEl>
-                                              <p:pRg st="3" end="3"/>
+                                              <p:pRg st="1" end="1"/>
                                             </p:txEl>
                                           </p:spTgt>
                                         </p:tgtEl>
@@ -27308,11 +29759,11 @@
                                     </p:set>
                                     <p:animEffect transition="in" filter="slide(fromBottom)">
                                       <p:cBhvr>
-                                        <p:cTn id="18" dur="500"/>
+                                        <p:cTn id="16" dur="500"/>
                                         <p:tgtEl>
                                           <p:spTgt spid="5">
                                             <p:txEl>
-                                              <p:pRg st="3" end="3"/>
+                                              <p:pRg st="1" end="1"/>
                                             </p:txEl>
                                           </p:spTgt>
                                         </p:tgtEl>
@@ -27328,26 +29779,26 @@
                     </p:cTn>
                   </p:par>
                   <p:par>
-                    <p:cTn id="19" fill="hold">
+                    <p:cTn id="17" fill="hold">
                       <p:stCondLst>
                         <p:cond delay="indefinite"/>
                       </p:stCondLst>
                       <p:childTnLst>
                         <p:par>
-                          <p:cTn id="20" fill="hold">
+                          <p:cTn id="18" fill="hold">
                             <p:stCondLst>
                               <p:cond delay="0"/>
                             </p:stCondLst>
                             <p:childTnLst>
                               <p:par>
-                                <p:cTn id="21" presetID="12" presetClass="entr" presetSubtype="4" fill="hold" grpId="0" nodeType="clickEffect">
+                                <p:cTn id="19" presetID="12" presetClass="entr" presetSubtype="4" fill="hold" grpId="0" nodeType="clickEffect">
                                   <p:stCondLst>
                                     <p:cond delay="0"/>
                                   </p:stCondLst>
                                   <p:childTnLst>
                                     <p:set>
                                       <p:cBhvr>
-                                        <p:cTn id="22" dur="1" fill="hold">
+                                        <p:cTn id="20" dur="1" fill="hold">
                                           <p:stCondLst>
                                             <p:cond delay="0"/>
                                           </p:stCondLst>
@@ -27355,7 +29806,7 @@
                                         <p:tgtEl>
                                           <p:spTgt spid="5">
                                             <p:txEl>
-                                              <p:pRg st="6" end="6"/>
+                                              <p:pRg st="3" end="3"/>
                                             </p:txEl>
                                           </p:spTgt>
                                         </p:tgtEl>
@@ -27369,7 +29820,68 @@
                                     </p:set>
                                     <p:animEffect transition="in" filter="slide(fromBottom)">
                                       <p:cBhvr>
-                                        <p:cTn id="23" dur="500"/>
+                                        <p:cTn id="21" dur="500"/>
+                                        <p:tgtEl>
+                                          <p:spTgt spid="5">
+                                            <p:txEl>
+                                              <p:pRg st="3" end="3"/>
+                                            </p:txEl>
+                                          </p:spTgt>
+                                        </p:tgtEl>
+                                      </p:cBhvr>
+                                    </p:animEffect>
+                                  </p:childTnLst>
+                                </p:cTn>
+                              </p:par>
+                            </p:childTnLst>
+                          </p:cTn>
+                        </p:par>
+                      </p:childTnLst>
+                    </p:cTn>
+                  </p:par>
+                  <p:par>
+                    <p:cTn id="22" fill="hold">
+                      <p:stCondLst>
+                        <p:cond delay="indefinite"/>
+                      </p:stCondLst>
+                      <p:childTnLst>
+                        <p:par>
+                          <p:cTn id="23" fill="hold">
+                            <p:stCondLst>
+                              <p:cond delay="0"/>
+                            </p:stCondLst>
+                            <p:childTnLst>
+                              <p:par>
+                                <p:cTn id="24" presetID="12" presetClass="entr" presetSubtype="4" fill="hold" grpId="0" nodeType="clickEffect">
+                                  <p:stCondLst>
+                                    <p:cond delay="0"/>
+                                  </p:stCondLst>
+                                  <p:childTnLst>
+                                    <p:set>
+                                      <p:cBhvr>
+                                        <p:cTn id="25" dur="1" fill="hold">
+                                          <p:stCondLst>
+                                            <p:cond delay="0"/>
+                                          </p:stCondLst>
+                                        </p:cTn>
+                                        <p:tgtEl>
+                                          <p:spTgt spid="5">
+                                            <p:txEl>
+                                              <p:pRg st="6" end="6"/>
+                                            </p:txEl>
+                                          </p:spTgt>
+                                        </p:tgtEl>
+                                        <p:attrNameLst>
+                                          <p:attrName>style.visibility</p:attrName>
+                                        </p:attrNameLst>
+                                      </p:cBhvr>
+                                      <p:to>
+                                        <p:strVal val="visible"/>
+                                      </p:to>
+                                    </p:set>
+                                    <p:animEffect transition="in" filter="slide(fromBottom)">
+                                      <p:cBhvr>
+                                        <p:cTn id="26" dur="500"/>
                                         <p:tgtEl>
                                           <p:spTgt spid="5">
                                             <p:txEl>
@@ -27490,27 +30002,76 @@
           <a:bodyPr/>
           <a:lstStyle/>
           <a:p>
-            <a:pPr marL="514350" indent="-514350" eaLnBrk="1" hangingPunct="1">
+            <a:pPr eaLnBrk="1" hangingPunct="1">
+              <a:lnSpc>
+                <a:spcPct val="90000"/>
+              </a:lnSpc>
               <a:buFont typeface="Wingdings" pitchFamily="2" charset="2"/>
               <a:buChar char="q"/>
             </a:pPr>
             <a:r>
-              <a:rPr lang="fr-FR" b="1" smtClean="0">
+              <a:rPr lang="fr-FR" b="1" dirty="0">
                 <a:solidFill>
                   <a:srgbClr val="00B050"/>
                 </a:solidFill>
                 <a:latin typeface="Calibri" pitchFamily="34" charset="0"/>
                 <a:ea typeface="ＭＳ Ｐゴシック" pitchFamily="-84" charset="-128"/>
               </a:rPr>
-              <a:t>Fonctionnement du système</a:t>
+              <a:t> </a:t>
             </a:r>
+            <a:r>
+              <a:rPr lang="fr-FR" b="1" dirty="0">
+                <a:solidFill>
+                  <a:srgbClr val="FF6600"/>
+                </a:solidFill>
+                <a:latin typeface="Calibri" pitchFamily="34" charset="0"/>
+                <a:ea typeface="ＭＳ Ｐゴシック" pitchFamily="-84" charset="-128"/>
+              </a:rPr>
+              <a:t>Le système actuel</a:t>
+            </a:r>
+          </a:p>
+          <a:p>
+            <a:pPr lvl="1" eaLnBrk="1" hangingPunct="1">
+              <a:lnSpc>
+                <a:spcPct val="90000"/>
+              </a:lnSpc>
+              <a:buFont typeface="Wingdings" pitchFamily="2" charset="2"/>
+              <a:buChar char="q"/>
+            </a:pPr>
+            <a:r>
+              <a:rPr lang="fr-FR" sz="1800" b="1" dirty="0" smtClean="0">
+                <a:solidFill>
+                  <a:srgbClr val="00B050"/>
+                </a:solidFill>
+                <a:latin typeface="Calibri" pitchFamily="34" charset="0"/>
+                <a:ea typeface="ＭＳ Ｐゴシック" pitchFamily="-84" charset="-128"/>
+              </a:rPr>
+              <a:t>Architecture matérielle </a:t>
+            </a:r>
+            <a:r>
+              <a:rPr lang="fr-FR" sz="1800" b="1" smtClean="0">
+                <a:solidFill>
+                  <a:srgbClr val="00B050"/>
+                </a:solidFill>
+                <a:latin typeface="Calibri" pitchFamily="34" charset="0"/>
+                <a:ea typeface="ＭＳ Ｐゴシック" pitchFamily="-84" charset="-128"/>
+              </a:rPr>
+              <a:t>du système</a:t>
+            </a:r>
+            <a:endParaRPr lang="fr-FR" sz="1800" b="1">
+              <a:solidFill>
+                <a:srgbClr val="004A99"/>
+              </a:solidFill>
+              <a:latin typeface="Calibri" pitchFamily="34" charset="0"/>
+              <a:ea typeface="ＭＳ Ｐゴシック" pitchFamily="-84" charset="-128"/>
+            </a:endParaRPr>
           </a:p>
           <a:p>
             <a:pPr marL="514350" indent="-514350" eaLnBrk="1" hangingPunct="1">
               <a:buFont typeface="Wingdings 2" pitchFamily="18" charset="2"/>
               <a:buNone/>
             </a:pPr>
-            <a:endParaRPr lang="fr-FR" b="1" smtClean="0">
+            <a:endParaRPr lang="fr-FR" b="1" dirty="0" smtClean="0">
               <a:solidFill>
                 <a:srgbClr val="00B050"/>
               </a:solidFill>
@@ -27523,7 +30084,7 @@
               <a:buFont typeface="Wingdings 2" pitchFamily="18" charset="2"/>
               <a:buNone/>
             </a:pPr>
-            <a:endParaRPr lang="fr-FR" smtClean="0">
+            <a:endParaRPr lang="fr-FR" dirty="0" smtClean="0">
               <a:ea typeface="ＭＳ Ｐゴシック" pitchFamily="-84" charset="-128"/>
             </a:endParaRPr>
           </a:p>
@@ -27532,7 +30093,7 @@
               <a:buFont typeface="Wingdings 2" pitchFamily="18" charset="2"/>
               <a:buNone/>
             </a:pPr>
-            <a:endParaRPr lang="fr-FR" smtClean="0">
+            <a:endParaRPr lang="fr-FR" dirty="0" smtClean="0">
               <a:ea typeface="ＭＳ Ｐゴシック" pitchFamily="-84" charset="-128"/>
             </a:endParaRPr>
           </a:p>
@@ -27555,7 +30116,7 @@
         </p:blipFill>
         <p:spPr bwMode="auto">
           <a:xfrm>
-            <a:off x="468313" y="1989138"/>
+            <a:off x="453455" y="2420888"/>
             <a:ext cx="6983412" cy="4032250"/>
           </a:xfrm>
           <a:prstGeom prst="rect">
@@ -27678,19 +30239,19 @@
                     </p:cTn>
                   </p:par>
                   <p:par>
-                    <p:cTn id="9" fill="hold" nodeType="clickPar">
+                    <p:cTn id="9" fill="hold">
                       <p:stCondLst>
                         <p:cond delay="indefinite"/>
                       </p:stCondLst>
                       <p:childTnLst>
                         <p:par>
-                          <p:cTn id="10" fill="hold" nodeType="withGroup">
+                          <p:cTn id="10" fill="hold">
                             <p:stCondLst>
                               <p:cond delay="0"/>
                             </p:stCondLst>
                             <p:childTnLst>
                               <p:par>
-                                <p:cTn id="11" presetID="12" presetClass="entr" presetSubtype="4" fill="hold" nodeType="clickEffect">
+                                <p:cTn id="11" presetID="21" presetClass="entr" presetSubtype="4" fill="hold" nodeType="clickEffect">
                                   <p:stCondLst>
                                     <p:cond delay="0"/>
                                   </p:stCondLst>
@@ -27703,67 +30264,6 @@
                                           </p:stCondLst>
                                         </p:cTn>
                                         <p:tgtEl>
-                                          <p:spTgt spid="3">
-                                            <p:txEl>
-                                              <p:pRg st="0" end="0"/>
-                                            </p:txEl>
-                                          </p:spTgt>
-                                        </p:tgtEl>
-                                        <p:attrNameLst>
-                                          <p:attrName>style.visibility</p:attrName>
-                                        </p:attrNameLst>
-                                      </p:cBhvr>
-                                      <p:to>
-                                        <p:strVal val="visible"/>
-                                      </p:to>
-                                    </p:set>
-                                    <p:animEffect transition="in" filter="slide(fromBottom)">
-                                      <p:cBhvr>
-                                        <p:cTn id="13" dur="500"/>
-                                        <p:tgtEl>
-                                          <p:spTgt spid="3">
-                                            <p:txEl>
-                                              <p:pRg st="0" end="0"/>
-                                            </p:txEl>
-                                          </p:spTgt>
-                                        </p:tgtEl>
-                                      </p:cBhvr>
-                                    </p:animEffect>
-                                  </p:childTnLst>
-                                </p:cTn>
-                              </p:par>
-                            </p:childTnLst>
-                          </p:cTn>
-                        </p:par>
-                      </p:childTnLst>
-                    </p:cTn>
-                  </p:par>
-                  <p:par>
-                    <p:cTn id="14" fill="hold">
-                      <p:stCondLst>
-                        <p:cond delay="indefinite"/>
-                      </p:stCondLst>
-                      <p:childTnLst>
-                        <p:par>
-                          <p:cTn id="15" fill="hold">
-                            <p:stCondLst>
-                              <p:cond delay="0"/>
-                            </p:stCondLst>
-                            <p:childTnLst>
-                              <p:par>
-                                <p:cTn id="16" presetID="21" presetClass="entr" presetSubtype="4" fill="hold" nodeType="clickEffect">
-                                  <p:stCondLst>
-                                    <p:cond delay="0"/>
-                                  </p:stCondLst>
-                                  <p:childTnLst>
-                                    <p:set>
-                                      <p:cBhvr>
-                                        <p:cTn id="17" dur="1" fill="hold">
-                                          <p:stCondLst>
-                                            <p:cond delay="0"/>
-                                          </p:stCondLst>
-                                        </p:cTn>
-                                        <p:tgtEl>
                                           <p:spTgt spid="23555"/>
                                         </p:tgtEl>
                                         <p:attrNameLst>
@@ -27776,7 +30276,7 @@
                                     </p:set>
                                     <p:animEffect transition="in" filter="wheel(4)">
                                       <p:cBhvr>
-                                        <p:cTn id="18" dur="2000"/>
+                                        <p:cTn id="13" dur="2000"/>
                                         <p:tgtEl>
                                           <p:spTgt spid="23555"/>
                                         </p:tgtEl>
@@ -27887,22 +30387,29 @@
               <a:buChar char="q"/>
             </a:pPr>
             <a:r>
-              <a:rPr lang="fr-FR" b="1" smtClean="0">
+              <a:rPr lang="fr-FR" b="1" dirty="0" smtClean="0">
                 <a:solidFill>
                   <a:srgbClr val="00B050"/>
                 </a:solidFill>
                 <a:latin typeface="Calibri" pitchFamily="34" charset="0"/>
                 <a:ea typeface="ＭＳ Ｐゴシック" pitchFamily="-84" charset="-128"/>
               </a:rPr>
-              <a:t>Démarches de développement </a:t>
+              <a:t>Analyse du besoin</a:t>
             </a:r>
+            <a:endParaRPr lang="fr-FR" b="1" dirty="0" smtClean="0">
+              <a:solidFill>
+                <a:srgbClr val="00B050"/>
+              </a:solidFill>
+              <a:latin typeface="Calibri" pitchFamily="34" charset="0"/>
+              <a:ea typeface="ＭＳ Ｐゴシック" pitchFamily="-84" charset="-128"/>
+            </a:endParaRPr>
           </a:p>
           <a:p>
             <a:pPr marL="514350" indent="-514350" eaLnBrk="1" hangingPunct="1">
               <a:buFont typeface="Wingdings" pitchFamily="2" charset="2"/>
               <a:buChar char="q"/>
             </a:pPr>
-            <a:endParaRPr lang="fr-FR" sz="1800" b="1" smtClean="0">
+            <a:endParaRPr lang="fr-FR" sz="1800" b="1" dirty="0" smtClean="0">
               <a:solidFill>
                 <a:srgbClr val="004A99"/>
               </a:solidFill>
@@ -27916,7 +30423,7 @@
               <a:buChar char="-"/>
             </a:pPr>
             <a:r>
-              <a:rPr lang="fr-FR" sz="2200" b="1" smtClean="0">
+              <a:rPr lang="fr-FR" sz="2200" b="1" dirty="0" smtClean="0">
                 <a:solidFill>
                   <a:srgbClr val="004A99"/>
                 </a:solidFill>
@@ -27931,7 +30438,7 @@
               <a:buFontTx/>
               <a:buChar char="-"/>
             </a:pPr>
-            <a:endParaRPr lang="fr-FR" sz="2200" b="1" smtClean="0">
+            <a:endParaRPr lang="fr-FR" sz="2200" b="1" dirty="0" smtClean="0">
               <a:solidFill>
                 <a:srgbClr val="004A99"/>
               </a:solidFill>
@@ -27945,7 +30452,7 @@
               <a:buChar char="-"/>
             </a:pPr>
             <a:r>
-              <a:rPr lang="fr-FR" sz="2200" b="1" smtClean="0">
+              <a:rPr lang="fr-FR" sz="2200" b="1" dirty="0" smtClean="0">
                 <a:solidFill>
                   <a:srgbClr val="004A99"/>
                 </a:solidFill>
@@ -27955,7 +30462,7 @@
               <a:t>Etudiant 1 : Gestion de l</a:t>
             </a:r>
             <a:r>
-              <a:rPr lang="fr-FR" altLang="fr-FR" sz="2200" b="1" smtClean="0">
+              <a:rPr lang="fr-FR" altLang="fr-FR" sz="2200" b="1" dirty="0" smtClean="0">
                 <a:solidFill>
                   <a:srgbClr val="004A99"/>
                 </a:solidFill>
@@ -27965,7 +30472,7 @@
               <a:t>’</a:t>
             </a:r>
             <a:r>
-              <a:rPr lang="fr-FR" sz="2200" b="1" smtClean="0">
+              <a:rPr lang="fr-FR" sz="2200" b="1" dirty="0" smtClean="0">
                 <a:solidFill>
                   <a:srgbClr val="004A99"/>
                 </a:solidFill>
@@ -27980,7 +30487,7 @@
               <a:buFont typeface="Wingdings 2" pitchFamily="18" charset="2"/>
               <a:buNone/>
             </a:pPr>
-            <a:endParaRPr lang="fr-FR" sz="2200" b="1" smtClean="0">
+            <a:endParaRPr lang="fr-FR" sz="2200" b="1" dirty="0" smtClean="0">
               <a:solidFill>
                 <a:srgbClr val="004A99"/>
               </a:solidFill>
@@ -27994,7 +30501,7 @@
               <a:buChar char="-"/>
             </a:pPr>
             <a:r>
-              <a:rPr lang="fr-FR" sz="2200" b="1" smtClean="0">
+              <a:rPr lang="fr-FR" sz="2200" b="1" dirty="0" smtClean="0">
                 <a:solidFill>
                   <a:srgbClr val="004A99"/>
                 </a:solidFill>
@@ -28009,7 +30516,7 @@
               <a:buFontTx/>
               <a:buChar char="-"/>
             </a:pPr>
-            <a:endParaRPr lang="fr-FR" sz="2200" b="1" smtClean="0">
+            <a:endParaRPr lang="fr-FR" sz="2200" b="1" dirty="0" smtClean="0">
               <a:solidFill>
                 <a:srgbClr val="004A99"/>
               </a:solidFill>
@@ -28023,7 +30530,7 @@
               <a:buChar char="-"/>
             </a:pPr>
             <a:r>
-              <a:rPr lang="fr-FR" sz="2200" b="1" smtClean="0">
+              <a:rPr lang="fr-FR" sz="2200" b="1" dirty="0" smtClean="0">
                 <a:solidFill>
                   <a:srgbClr val="004A99"/>
                 </a:solidFill>
@@ -28038,7 +30545,7 @@
               <a:buFontTx/>
               <a:buChar char="-"/>
             </a:pPr>
-            <a:endParaRPr lang="fr-FR" sz="2200" b="1" smtClean="0">
+            <a:endParaRPr lang="fr-FR" sz="2200" b="1" dirty="0" smtClean="0">
               <a:solidFill>
                 <a:srgbClr val="004A99"/>
               </a:solidFill>
@@ -28052,7 +30559,7 @@
               <a:buChar char="-"/>
             </a:pPr>
             <a:r>
-              <a:rPr lang="fr-FR" sz="2200" b="1" smtClean="0">
+              <a:rPr lang="fr-FR" sz="2200" b="1" dirty="0" smtClean="0">
                 <a:solidFill>
                   <a:srgbClr val="004A99"/>
                 </a:solidFill>
@@ -28067,7 +30574,7 @@
               <a:buFont typeface="Wingdings 2" pitchFamily="18" charset="2"/>
               <a:buNone/>
             </a:pPr>
-            <a:endParaRPr lang="fr-FR" sz="1800" b="1" smtClean="0">
+            <a:endParaRPr lang="fr-FR" sz="1800" b="1" dirty="0" smtClean="0">
               <a:solidFill>
                 <a:srgbClr val="004A99"/>
               </a:solidFill>
@@ -28080,7 +30587,7 @@
               <a:buFont typeface="Wingdings 2" pitchFamily="18" charset="2"/>
               <a:buNone/>
             </a:pPr>
-            <a:endParaRPr lang="fr-FR" sz="1800" b="1" smtClean="0">
+            <a:endParaRPr lang="fr-FR" sz="1800" b="1" dirty="0" smtClean="0">
               <a:solidFill>
                 <a:srgbClr val="004A99"/>
               </a:solidFill>
@@ -28093,7 +30600,7 @@
               <a:buFontTx/>
               <a:buChar char="-"/>
             </a:pPr>
-            <a:endParaRPr lang="fr-FR" sz="1800" b="1" smtClean="0">
+            <a:endParaRPr lang="fr-FR" sz="1800" b="1" dirty="0" smtClean="0">
               <a:solidFill>
                 <a:srgbClr val="004A99"/>
               </a:solidFill>
@@ -28106,7 +30613,7 @@
               <a:buFontTx/>
               <a:buChar char="-"/>
             </a:pPr>
-            <a:endParaRPr lang="fr-FR" sz="1800" b="1" smtClean="0">
+            <a:endParaRPr lang="fr-FR" sz="1800" b="1" dirty="0" smtClean="0">
               <a:solidFill>
                 <a:srgbClr val="004A99"/>
               </a:solidFill>
@@ -28119,7 +30626,7 @@
               <a:buFontTx/>
               <a:buChar char="-"/>
             </a:pPr>
-            <a:endParaRPr lang="fr-FR" sz="1800" b="1" smtClean="0">
+            <a:endParaRPr lang="fr-FR" sz="1800" b="1" dirty="0" smtClean="0">
               <a:solidFill>
                 <a:srgbClr val="004A99"/>
               </a:solidFill>
@@ -28132,7 +30639,7 @@
               <a:buFont typeface="Wingdings 2" pitchFamily="18" charset="2"/>
               <a:buNone/>
             </a:pPr>
-            <a:endParaRPr lang="fr-FR" smtClean="0">
+            <a:endParaRPr lang="fr-FR" dirty="0" smtClean="0">
               <a:ea typeface="ＭＳ Ｐゴシック" pitchFamily="-84" charset="-128"/>
             </a:endParaRPr>
           </a:p>
@@ -28717,16 +31224,13 @@
               <a:buFont typeface="Wingdings" pitchFamily="2" charset="2"/>
               <a:buChar char="q"/>
             </a:pPr>
-            <a:r>
-              <a:rPr lang="fr-FR" b="1" dirty="0" smtClean="0">
-                <a:solidFill>
-                  <a:srgbClr val="00B050"/>
-                </a:solidFill>
-                <a:latin typeface="Calibri" pitchFamily="34" charset="0"/>
-                <a:ea typeface="ＭＳ Ｐゴシック" pitchFamily="-84" charset="-128"/>
-              </a:rPr>
-              <a:t>Contraintes</a:t>
-            </a:r>
+            <a:endParaRPr lang="fr-FR" b="1" dirty="0" smtClean="0">
+              <a:solidFill>
+                <a:srgbClr val="00B050"/>
+              </a:solidFill>
+              <a:latin typeface="Calibri" pitchFamily="34" charset="0"/>
+              <a:ea typeface="ＭＳ Ｐゴシック" pitchFamily="-84" charset="-128"/>
+            </a:endParaRPr>
           </a:p>
           <a:p>
             <a:pPr marL="514350" indent="-514350" eaLnBrk="1" hangingPunct="1">
@@ -28943,7 +31447,7 @@
           <p:nvPr/>
         </p:nvPicPr>
         <p:blipFill>
-          <a:blip r:embed="rId2">
+          <a:blip r:embed="rId3">
             <a:extLst>
               <a:ext uri="{28A0092B-C50C-407E-A947-70E740481C1C}">
                 <a14:useLocalDpi xmlns:a14="http://schemas.microsoft.com/office/drawing/2010/main" val="0"/>
@@ -29108,7 +31612,7 @@
                                         <p:tgtEl>
                                           <p:spTgt spid="3">
                                             <p:txEl>
-                                              <p:pRg st="0" end="0"/>
+                                              <p:pRg st="2" end="2"/>
                                             </p:txEl>
                                           </p:spTgt>
                                         </p:tgtEl>
@@ -29126,7 +31630,7 @@
                                         <p:tgtEl>
                                           <p:spTgt spid="3">
                                             <p:txEl>
-                                              <p:pRg st="0" end="0"/>
+                                              <p:pRg st="2" end="2"/>
                                             </p:txEl>
                                           </p:spTgt>
                                         </p:tgtEl>
@@ -29169,7 +31673,7 @@
                                         <p:tgtEl>
                                           <p:spTgt spid="3">
                                             <p:txEl>
-                                              <p:pRg st="2" end="2"/>
+                                              <p:pRg st="4" end="4"/>
                                             </p:txEl>
                                           </p:spTgt>
                                         </p:tgtEl>
@@ -29187,7 +31691,7 @@
                                         <p:tgtEl>
                                           <p:spTgt spid="3">
                                             <p:txEl>
-                                              <p:pRg st="2" end="2"/>
+                                              <p:pRg st="4" end="4"/>
                                             </p:txEl>
                                           </p:spTgt>
                                         </p:tgtEl>
@@ -29203,19 +31707,19 @@
                     </p:cTn>
                   </p:par>
                   <p:par>
-                    <p:cTn id="19" fill="hold" nodeType="clickPar">
+                    <p:cTn id="19" fill="hold">
                       <p:stCondLst>
                         <p:cond delay="indefinite"/>
                       </p:stCondLst>
                       <p:childTnLst>
                         <p:par>
-                          <p:cTn id="20" fill="hold" nodeType="withGroup">
+                          <p:cTn id="20" fill="hold">
                             <p:stCondLst>
                               <p:cond delay="0"/>
                             </p:stCondLst>
                             <p:childTnLst>
                               <p:par>
-                                <p:cTn id="21" presetID="12" presetClass="entr" presetSubtype="4" fill="hold" nodeType="clickEffect">
+                                <p:cTn id="21" presetID="21" presetClass="entr" presetSubtype="1" fill="hold" nodeType="clickEffect">
                                   <p:stCondLst>
                                     <p:cond delay="0"/>
                                   </p:stCondLst>
@@ -29228,11 +31732,7 @@
                                           </p:stCondLst>
                                         </p:cTn>
                                         <p:tgtEl>
-                                          <p:spTgt spid="3">
-                                            <p:txEl>
-                                              <p:pRg st="4" end="4"/>
-                                            </p:txEl>
-                                          </p:spTgt>
+                                          <p:spTgt spid="4"/>
                                         </p:tgtEl>
                                         <p:attrNameLst>
                                           <p:attrName>style.visibility</p:attrName>
@@ -29242,15 +31742,11 @@
                                         <p:strVal val="visible"/>
                                       </p:to>
                                     </p:set>
-                                    <p:animEffect transition="in" filter="slide(fromBottom)">
+                                    <p:animEffect transition="in" filter="wheel(1)">
                                       <p:cBhvr>
-                                        <p:cTn id="23" dur="500"/>
-                                        <p:tgtEl>
-                                          <p:spTgt spid="3">
-                                            <p:txEl>
-                                              <p:pRg st="4" end="4"/>
-                                            </p:txEl>
-                                          </p:spTgt>
+                                        <p:cTn id="23" dur="2000"/>
+                                        <p:tgtEl>
+                                          <p:spTgt spid="4"/>
                                         </p:tgtEl>
                                       </p:cBhvr>
                                     </p:animEffect>
@@ -29276,7 +31772,7 @@
                             </p:stCondLst>
                             <p:childTnLst>
                               <p:par>
-                                <p:cTn id="26" presetID="21" presetClass="entr" presetSubtype="1" fill="hold" nodeType="clickEffect">
+                                <p:cTn id="26" presetID="12" presetClass="entr" presetSubtype="4" fill="hold" nodeType="clickEffect">
                                   <p:stCondLst>
                                     <p:cond delay="0"/>
                                   </p:stCondLst>
@@ -29289,7 +31785,11 @@
                                           </p:stCondLst>
                                         </p:cTn>
                                         <p:tgtEl>
-                                          <p:spTgt spid="4"/>
+                                          <p:spTgt spid="3">
+                                            <p:txEl>
+                                              <p:pRg st="7" end="7"/>
+                                            </p:txEl>
+                                          </p:spTgt>
                                         </p:tgtEl>
                                         <p:attrNameLst>
                                           <p:attrName>style.visibility</p:attrName>
@@ -29299,11 +31799,15 @@
                                         <p:strVal val="visible"/>
                                       </p:to>
                                     </p:set>
-                                    <p:animEffect transition="in" filter="wheel(1)">
+                                    <p:animEffect transition="in" filter="slide(fromBottom)">
                                       <p:cBhvr>
-                                        <p:cTn id="28" dur="2000"/>
-                                        <p:tgtEl>
-                                          <p:spTgt spid="4"/>
+                                        <p:cTn id="28" dur="500"/>
+                                        <p:tgtEl>
+                                          <p:spTgt spid="3">
+                                            <p:txEl>
+                                              <p:pRg st="7" end="7"/>
+                                            </p:txEl>
+                                          </p:spTgt>
                                         </p:tgtEl>
                                       </p:cBhvr>
                                     </p:animEffect>
@@ -29344,7 +31848,7 @@
                                         <p:tgtEl>
                                           <p:spTgt spid="3">
                                             <p:txEl>
-                                              <p:pRg st="7" end="7"/>
+                                              <p:pRg st="9" end="9"/>
                                             </p:txEl>
                                           </p:spTgt>
                                         </p:tgtEl>
@@ -29362,7 +31866,7 @@
                                         <p:tgtEl>
                                           <p:spTgt spid="3">
                                             <p:txEl>
-                                              <p:pRg st="7" end="7"/>
+                                              <p:pRg st="9" end="9"/>
                                             </p:txEl>
                                           </p:spTgt>
                                         </p:tgtEl>
@@ -29405,7 +31909,7 @@
                                         <p:tgtEl>
                                           <p:spTgt spid="3">
                                             <p:txEl>
-                                              <p:pRg st="9" end="9"/>
+                                              <p:pRg st="11" end="11"/>
                                             </p:txEl>
                                           </p:spTgt>
                                         </p:tgtEl>
@@ -29420,67 +31924,6 @@
                                     <p:animEffect transition="in" filter="slide(fromBottom)">
                                       <p:cBhvr>
                                         <p:cTn id="38" dur="500"/>
-                                        <p:tgtEl>
-                                          <p:spTgt spid="3">
-                                            <p:txEl>
-                                              <p:pRg st="9" end="9"/>
-                                            </p:txEl>
-                                          </p:spTgt>
-                                        </p:tgtEl>
-                                      </p:cBhvr>
-                                    </p:animEffect>
-                                  </p:childTnLst>
-                                </p:cTn>
-                              </p:par>
-                            </p:childTnLst>
-                          </p:cTn>
-                        </p:par>
-                      </p:childTnLst>
-                    </p:cTn>
-                  </p:par>
-                  <p:par>
-                    <p:cTn id="39" fill="hold">
-                      <p:stCondLst>
-                        <p:cond delay="indefinite"/>
-                      </p:stCondLst>
-                      <p:childTnLst>
-                        <p:par>
-                          <p:cTn id="40" fill="hold">
-                            <p:stCondLst>
-                              <p:cond delay="0"/>
-                            </p:stCondLst>
-                            <p:childTnLst>
-                              <p:par>
-                                <p:cTn id="41" presetID="12" presetClass="entr" presetSubtype="4" fill="hold" nodeType="clickEffect">
-                                  <p:stCondLst>
-                                    <p:cond delay="0"/>
-                                  </p:stCondLst>
-                                  <p:childTnLst>
-                                    <p:set>
-                                      <p:cBhvr>
-                                        <p:cTn id="42" dur="1" fill="hold">
-                                          <p:stCondLst>
-                                            <p:cond delay="0"/>
-                                          </p:stCondLst>
-                                        </p:cTn>
-                                        <p:tgtEl>
-                                          <p:spTgt spid="3">
-                                            <p:txEl>
-                                              <p:pRg st="11" end="11"/>
-                                            </p:txEl>
-                                          </p:spTgt>
-                                        </p:tgtEl>
-                                        <p:attrNameLst>
-                                          <p:attrName>style.visibility</p:attrName>
-                                        </p:attrNameLst>
-                                      </p:cBhvr>
-                                      <p:to>
-                                        <p:strVal val="visible"/>
-                                      </p:to>
-                                    </p:set>
-                                    <p:animEffect transition="in" filter="slide(fromBottom)">
-                                      <p:cBhvr>
-                                        <p:cTn id="43" dur="500"/>
                                         <p:tgtEl>
                                           <p:spTgt spid="3">
                                             <p:txEl>
@@ -29672,7 +32115,7 @@
           <p:nvPr/>
         </p:nvPicPr>
         <p:blipFill>
-          <a:blip r:embed="rId2" cstate="print"/>
+          <a:blip r:embed="rId3" cstate="print"/>
           <a:srcRect/>
           <a:stretch>
             <a:fillRect/>
@@ -29704,7 +32147,7 @@
           <p:nvPr/>
         </p:nvPicPr>
         <p:blipFill>
-          <a:blip r:embed="rId3" cstate="print"/>
+          <a:blip r:embed="rId4" cstate="print"/>
           <a:srcRect/>
           <a:stretch>
             <a:fillRect/>
@@ -29736,7 +32179,7 @@
           <p:nvPr/>
         </p:nvPicPr>
         <p:blipFill>
-          <a:blip r:embed="rId4" cstate="print"/>
+          <a:blip r:embed="rId5" cstate="print"/>
           <a:srcRect/>
           <a:stretch>
             <a:fillRect/>
@@ -29768,7 +32211,7 @@
           <p:nvPr/>
         </p:nvPicPr>
         <p:blipFill>
-          <a:blip r:embed="rId5" cstate="print"/>
+          <a:blip r:embed="rId6" cstate="print"/>
           <a:srcRect/>
           <a:stretch>
             <a:fillRect/>

--- a/REVUES/REVUE ANALYSE/RevueAnalysePPT.pptx
+++ b/REVUES/REVUE ANALYSE/RevueAnalysePPT.pptx
@@ -409,7 +409,7 @@
     </p:spTree>
     <p:extLst>
       <p:ext uri="{BB962C8B-B14F-4D97-AF65-F5344CB8AC3E}">
-        <p14:creationId xmlns:p14="http://schemas.microsoft.com/office/powerpoint/2010/main" val="3529233460"/>
+        <p14:creationId xmlns:p14="http://schemas.microsoft.com/office/powerpoint/2010/main" xmlns="" val="3529233460"/>
       </p:ext>
     </p:extLst>
   </p:cSld>
@@ -756,7 +756,7 @@
     </p:spTree>
     <p:extLst>
       <p:ext uri="{BB962C8B-B14F-4D97-AF65-F5344CB8AC3E}">
-        <p14:creationId xmlns:p14="http://schemas.microsoft.com/office/powerpoint/2010/main" val="2452365414"/>
+        <p14:creationId xmlns:p14="http://schemas.microsoft.com/office/powerpoint/2010/main" xmlns="" val="2452365414"/>
       </p:ext>
     </p:extLst>
   </p:cSld>
@@ -1051,7 +1051,7 @@
     </p:spTree>
     <p:extLst>
       <p:ext uri="{BB962C8B-B14F-4D97-AF65-F5344CB8AC3E}">
-        <p14:creationId xmlns:p14="http://schemas.microsoft.com/office/powerpoint/2010/main" val="2352562692"/>
+        <p14:creationId xmlns:p14="http://schemas.microsoft.com/office/powerpoint/2010/main" xmlns="" val="2352562692"/>
       </p:ext>
     </p:extLst>
   </p:cSld>
@@ -1136,7 +1136,7 @@
     </p:spTree>
     <p:extLst>
       <p:ext uri="{BB962C8B-B14F-4D97-AF65-F5344CB8AC3E}">
-        <p14:creationId xmlns:p14="http://schemas.microsoft.com/office/powerpoint/2010/main" val="2352562692"/>
+        <p14:creationId xmlns:p14="http://schemas.microsoft.com/office/powerpoint/2010/main" xmlns="" val="2352562692"/>
       </p:ext>
     </p:extLst>
   </p:cSld>
@@ -1221,7 +1221,7 @@
     </p:spTree>
     <p:extLst>
       <p:ext uri="{BB962C8B-B14F-4D97-AF65-F5344CB8AC3E}">
-        <p14:creationId xmlns:p14="http://schemas.microsoft.com/office/powerpoint/2010/main" val="576243714"/>
+        <p14:creationId xmlns:p14="http://schemas.microsoft.com/office/powerpoint/2010/main" xmlns="" val="576243714"/>
       </p:ext>
     </p:extLst>
   </p:cSld>
@@ -1306,7 +1306,7 @@
     </p:spTree>
     <p:extLst>
       <p:ext uri="{BB962C8B-B14F-4D97-AF65-F5344CB8AC3E}">
-        <p14:creationId xmlns:p14="http://schemas.microsoft.com/office/powerpoint/2010/main" val="3033833872"/>
+        <p14:creationId xmlns:p14="http://schemas.microsoft.com/office/powerpoint/2010/main" xmlns="" val="3033833872"/>
       </p:ext>
     </p:extLst>
   </p:cSld>
@@ -1391,7 +1391,7 @@
     </p:spTree>
     <p:extLst>
       <p:ext uri="{BB962C8B-B14F-4D97-AF65-F5344CB8AC3E}">
-        <p14:creationId xmlns:p14="http://schemas.microsoft.com/office/powerpoint/2010/main" val="1158730547"/>
+        <p14:creationId xmlns:p14="http://schemas.microsoft.com/office/powerpoint/2010/main" xmlns="" val="1158730547"/>
       </p:ext>
     </p:extLst>
   </p:cSld>
@@ -1476,7 +1476,7 @@
     </p:spTree>
     <p:extLst>
       <p:ext uri="{BB962C8B-B14F-4D97-AF65-F5344CB8AC3E}">
-        <p14:creationId xmlns:p14="http://schemas.microsoft.com/office/powerpoint/2010/main" val="734069342"/>
+        <p14:creationId xmlns:p14="http://schemas.microsoft.com/office/powerpoint/2010/main" xmlns="" val="734069342"/>
       </p:ext>
     </p:extLst>
   </p:cSld>
@@ -1561,7 +1561,7 @@
     </p:spTree>
     <p:extLst>
       <p:ext uri="{BB962C8B-B14F-4D97-AF65-F5344CB8AC3E}">
-        <p14:creationId xmlns:p14="http://schemas.microsoft.com/office/powerpoint/2010/main" val="1271786306"/>
+        <p14:creationId xmlns:p14="http://schemas.microsoft.com/office/powerpoint/2010/main" xmlns="" val="1271786306"/>
       </p:ext>
     </p:extLst>
   </p:cSld>
@@ -1646,7 +1646,7 @@
     </p:spTree>
     <p:extLst>
       <p:ext uri="{BB962C8B-B14F-4D97-AF65-F5344CB8AC3E}">
-        <p14:creationId xmlns:p14="http://schemas.microsoft.com/office/powerpoint/2010/main" val="4197931035"/>
+        <p14:creationId xmlns:p14="http://schemas.microsoft.com/office/powerpoint/2010/main" xmlns="" val="4197931035"/>
       </p:ext>
     </p:extLst>
   </p:cSld>
@@ -1731,7 +1731,7 @@
     </p:spTree>
     <p:extLst>
       <p:ext uri="{BB962C8B-B14F-4D97-AF65-F5344CB8AC3E}">
-        <p14:creationId xmlns:p14="http://schemas.microsoft.com/office/powerpoint/2010/main" val="2125538633"/>
+        <p14:creationId xmlns:p14="http://schemas.microsoft.com/office/powerpoint/2010/main" xmlns="" val="2125538633"/>
       </p:ext>
     </p:extLst>
   </p:cSld>
@@ -1816,7 +1816,7 @@
     </p:spTree>
     <p:extLst>
       <p:ext uri="{BB962C8B-B14F-4D97-AF65-F5344CB8AC3E}">
-        <p14:creationId xmlns:p14="http://schemas.microsoft.com/office/powerpoint/2010/main" val="3263236550"/>
+        <p14:creationId xmlns:p14="http://schemas.microsoft.com/office/powerpoint/2010/main" xmlns="" val="3263236550"/>
       </p:ext>
     </p:extLst>
   </p:cSld>
@@ -1991,7 +1991,7 @@
     </p:spTree>
     <p:extLst>
       <p:ext uri="{BB962C8B-B14F-4D97-AF65-F5344CB8AC3E}">
-        <p14:creationId xmlns:p14="http://schemas.microsoft.com/office/powerpoint/2010/main" val="3923358207"/>
+        <p14:creationId xmlns:p14="http://schemas.microsoft.com/office/powerpoint/2010/main" xmlns="" val="3923358207"/>
       </p:ext>
     </p:extLst>
   </p:cSld>
@@ -2076,7 +2076,7 @@
     </p:spTree>
     <p:extLst>
       <p:ext uri="{BB962C8B-B14F-4D97-AF65-F5344CB8AC3E}">
-        <p14:creationId xmlns:p14="http://schemas.microsoft.com/office/powerpoint/2010/main" val="3913166965"/>
+        <p14:creationId xmlns:p14="http://schemas.microsoft.com/office/powerpoint/2010/main" xmlns="" val="3913166965"/>
       </p:ext>
     </p:extLst>
   </p:cSld>
@@ -2161,7 +2161,7 @@
     </p:spTree>
     <p:extLst>
       <p:ext uri="{BB962C8B-B14F-4D97-AF65-F5344CB8AC3E}">
-        <p14:creationId xmlns:p14="http://schemas.microsoft.com/office/powerpoint/2010/main" val="40986106"/>
+        <p14:creationId xmlns:p14="http://schemas.microsoft.com/office/powerpoint/2010/main" xmlns="" val="40986106"/>
       </p:ext>
     </p:extLst>
   </p:cSld>
@@ -2246,7 +2246,7 @@
     </p:spTree>
     <p:extLst>
       <p:ext uri="{BB962C8B-B14F-4D97-AF65-F5344CB8AC3E}">
-        <p14:creationId xmlns:p14="http://schemas.microsoft.com/office/powerpoint/2010/main" val="4175040620"/>
+        <p14:creationId xmlns:p14="http://schemas.microsoft.com/office/powerpoint/2010/main" xmlns="" val="4175040620"/>
       </p:ext>
     </p:extLst>
   </p:cSld>
@@ -2331,7 +2331,7 @@
     </p:spTree>
     <p:extLst>
       <p:ext uri="{BB962C8B-B14F-4D97-AF65-F5344CB8AC3E}">
-        <p14:creationId xmlns:p14="http://schemas.microsoft.com/office/powerpoint/2010/main" val="158272300"/>
+        <p14:creationId xmlns:p14="http://schemas.microsoft.com/office/powerpoint/2010/main" xmlns="" val="158272300"/>
       </p:ext>
     </p:extLst>
   </p:cSld>
@@ -2416,7 +2416,7 @@
     </p:spTree>
     <p:extLst>
       <p:ext uri="{BB962C8B-B14F-4D97-AF65-F5344CB8AC3E}">
-        <p14:creationId xmlns:p14="http://schemas.microsoft.com/office/powerpoint/2010/main" val="672701900"/>
+        <p14:creationId xmlns:p14="http://schemas.microsoft.com/office/powerpoint/2010/main" xmlns="" val="672701900"/>
       </p:ext>
     </p:extLst>
   </p:cSld>
@@ -2501,7 +2501,7 @@
     </p:spTree>
     <p:extLst>
       <p:ext uri="{BB962C8B-B14F-4D97-AF65-F5344CB8AC3E}">
-        <p14:creationId xmlns:p14="http://schemas.microsoft.com/office/powerpoint/2010/main" val="2564217693"/>
+        <p14:creationId xmlns:p14="http://schemas.microsoft.com/office/powerpoint/2010/main" xmlns="" val="2564217693"/>
       </p:ext>
     </p:extLst>
   </p:cSld>
@@ -2586,7 +2586,7 @@
     </p:spTree>
     <p:extLst>
       <p:ext uri="{BB962C8B-B14F-4D97-AF65-F5344CB8AC3E}">
-        <p14:creationId xmlns:p14="http://schemas.microsoft.com/office/powerpoint/2010/main" val="3960360460"/>
+        <p14:creationId xmlns:p14="http://schemas.microsoft.com/office/powerpoint/2010/main" xmlns="" val="3960360460"/>
       </p:ext>
     </p:extLst>
   </p:cSld>
@@ -2671,7 +2671,7 @@
     </p:spTree>
     <p:extLst>
       <p:ext uri="{BB962C8B-B14F-4D97-AF65-F5344CB8AC3E}">
-        <p14:creationId xmlns:p14="http://schemas.microsoft.com/office/powerpoint/2010/main" val="2530492112"/>
+        <p14:creationId xmlns:p14="http://schemas.microsoft.com/office/powerpoint/2010/main" xmlns="" val="2530492112"/>
       </p:ext>
     </p:extLst>
   </p:cSld>
@@ -3116,7 +3116,7 @@
     </p:spTree>
     <p:extLst>
       <p:ext uri="{BB962C8B-B14F-4D97-AF65-F5344CB8AC3E}">
-        <p14:creationId xmlns:p14="http://schemas.microsoft.com/office/powerpoint/2010/main" val="4025064412"/>
+        <p14:creationId xmlns:p14="http://schemas.microsoft.com/office/powerpoint/2010/main" xmlns="" val="4025064412"/>
       </p:ext>
     </p:extLst>
   </p:cSld>
@@ -3201,7 +3201,7 @@
     </p:spTree>
     <p:extLst>
       <p:ext uri="{BB962C8B-B14F-4D97-AF65-F5344CB8AC3E}">
-        <p14:creationId xmlns:p14="http://schemas.microsoft.com/office/powerpoint/2010/main" val="3316128829"/>
+        <p14:creationId xmlns:p14="http://schemas.microsoft.com/office/powerpoint/2010/main" xmlns="" val="3316128829"/>
       </p:ext>
     </p:extLst>
   </p:cSld>
@@ -3286,7 +3286,7 @@
     </p:spTree>
     <p:extLst>
       <p:ext uri="{BB962C8B-B14F-4D97-AF65-F5344CB8AC3E}">
-        <p14:creationId xmlns:p14="http://schemas.microsoft.com/office/powerpoint/2010/main" val="3316128829"/>
+        <p14:creationId xmlns:p14="http://schemas.microsoft.com/office/powerpoint/2010/main" xmlns="" val="3316128829"/>
       </p:ext>
     </p:extLst>
   </p:cSld>
@@ -3478,7 +3478,7 @@
             <a:fld id="{FFA7CAA4-E192-42FB-A5C2-29EE6B338226}" type="datetimeFigureOut">
               <a:rPr lang="en-US"/>
               <a:pPr/>
-              <a:t>2/7/2013</a:t>
+              <a:t>2/8/2013</a:t>
             </a:fld>
             <a:endParaRPr lang="en-US"/>
           </a:p>
@@ -3667,7 +3667,7 @@
             <a:fld id="{4A061154-22B2-4010-9DA2-5655ABCEF8F8}" type="datetimeFigureOut">
               <a:rPr lang="en-US"/>
               <a:pPr/>
-              <a:t>2/7/2013</a:t>
+              <a:t>2/8/2013</a:t>
             </a:fld>
             <a:endParaRPr lang="en-US"/>
           </a:p>
@@ -3862,7 +3862,7 @@
             <a:fld id="{BE2AE80A-E551-4396-8318-DC031FB32674}" type="datetimeFigureOut">
               <a:rPr lang="en-US"/>
               <a:pPr/>
-              <a:t>2/7/2013</a:t>
+              <a:t>2/8/2013</a:t>
             </a:fld>
             <a:endParaRPr lang="en-US"/>
           </a:p>
@@ -4047,7 +4047,7 @@
             <a:fld id="{3BF66540-3958-43A9-8018-4B512397F595}" type="datetimeFigureOut">
               <a:rPr lang="en-US"/>
               <a:pPr/>
-              <a:t>2/7/2013</a:t>
+              <a:t>2/8/2013</a:t>
             </a:fld>
             <a:endParaRPr lang="en-US"/>
           </a:p>
@@ -4313,7 +4313,7 @@
             <a:fld id="{6D3EE326-B164-4A4F-9829-97243102166A}" type="datetimeFigureOut">
               <a:rPr lang="en-US"/>
               <a:pPr/>
-              <a:t>2/7/2013</a:t>
+              <a:t>2/8/2013</a:t>
             </a:fld>
             <a:endParaRPr lang="en-US"/>
           </a:p>
@@ -4601,7 +4601,7 @@
             <a:fld id="{175A9C87-D47A-4418-AB09-19695570CFDD}" type="datetimeFigureOut">
               <a:rPr lang="en-US"/>
               <a:pPr/>
-              <a:t>2/7/2013</a:t>
+              <a:t>2/8/2013</a:t>
             </a:fld>
             <a:endParaRPr lang="en-US"/>
           </a:p>
@@ -4999,7 +4999,7 @@
             <a:fld id="{F83D2B49-170F-466A-9FEC-6BD4CF3066F4}" type="datetimeFigureOut">
               <a:rPr lang="en-US"/>
               <a:pPr/>
-              <a:t>2/7/2013</a:t>
+              <a:t>2/8/2013</a:t>
             </a:fld>
             <a:endParaRPr lang="en-US"/>
           </a:p>
@@ -5169,7 +5169,7 @@
             <a:fld id="{D582C179-A61B-4FA7-B28B-08EC0CA48063}" type="datetimeFigureOut">
               <a:rPr lang="en-US"/>
               <a:pPr/>
-              <a:t>2/7/2013</a:t>
+              <a:t>2/8/2013</a:t>
             </a:fld>
             <a:endParaRPr lang="en-US"/>
           </a:p>
@@ -5279,7 +5279,7 @@
             <a:fld id="{861AE197-3547-4946-B9D6-B5B1982B8D5E}" type="datetimeFigureOut">
               <a:rPr lang="en-US"/>
               <a:pPr/>
-              <a:t>2/7/2013</a:t>
+              <a:t>2/8/2013</a:t>
             </a:fld>
             <a:endParaRPr lang="en-US"/>
           </a:p>
@@ -5560,7 +5560,7 @@
             <a:fld id="{63B32C57-7746-419C-AE2D-4912AD7467C0}" type="datetimeFigureOut">
               <a:rPr lang="en-US"/>
               <a:pPr/>
-              <a:t>2/7/2013</a:t>
+              <a:t>2/8/2013</a:t>
             </a:fld>
             <a:endParaRPr lang="en-US"/>
           </a:p>
@@ -6216,7 +6216,7 @@
             <a:fld id="{9A2FB173-2AE9-438D-A2F2-F3D57ABDED44}" type="datetimeFigureOut">
               <a:rPr lang="en-US"/>
               <a:pPr/>
-              <a:t>2/7/2013</a:t>
+              <a:t>2/8/2013</a:t>
             </a:fld>
             <a:endParaRPr lang="en-US"/>
           </a:p>
@@ -6724,7 +6724,7 @@
             <a:fld id="{D5031E26-2A0E-4854-95F7-5A492F6CE347}" type="datetimeFigureOut">
               <a:rPr lang="en-US"/>
               <a:pPr/>
-              <a:t>2/7/2013</a:t>
+              <a:t>2/8/2013</a:t>
             </a:fld>
             <a:endParaRPr lang="en-US"/>
           </a:p>
@@ -8198,7 +8198,7 @@
     </p:spTree>
     <p:extLst>
       <p:ext uri="{BB962C8B-B14F-4D97-AF65-F5344CB8AC3E}">
-        <p14:creationId xmlns:p14="http://schemas.microsoft.com/office/powerpoint/2010/main" val="2438908171"/>
+        <p14:creationId xmlns:p14="http://schemas.microsoft.com/office/powerpoint/2010/main" xmlns="" val="2438908171"/>
       </p:ext>
     </p:extLst>
   </p:cSld>
@@ -10012,6 +10012,47 @@
           </a:p>
           <a:p>
             <a:pPr algn="r" eaLnBrk="1" hangingPunct="1">
+              <a:buNone/>
+            </a:pPr>
+            <a:r>
+              <a:rPr lang="fr-FR" sz="2000" b="1" dirty="0" smtClean="0">
+                <a:solidFill>
+                  <a:srgbClr val="004A99"/>
+                </a:solidFill>
+                <a:latin typeface="Calibri" pitchFamily="34" charset="0"/>
+                <a:ea typeface="ＭＳ Ｐゴシック" pitchFamily="-84" charset="-128"/>
+              </a:rPr>
+              <a:t>Objets métiers</a:t>
+            </a:r>
+          </a:p>
+          <a:p>
+            <a:pPr algn="r" eaLnBrk="1" hangingPunct="1">
+              <a:buFont typeface="Wingdings 2" pitchFamily="18" charset="2"/>
+              <a:buNone/>
+            </a:pPr>
+            <a:r>
+              <a:rPr lang="fr-FR" sz="2000" b="1" dirty="0" smtClean="0">
+                <a:solidFill>
+                  <a:srgbClr val="004A99"/>
+                </a:solidFill>
+                <a:latin typeface="Calibri" pitchFamily="34" charset="0"/>
+                <a:ea typeface="ＭＳ Ｐゴシック" pitchFamily="-84" charset="-128"/>
+              </a:rPr>
+              <a:t>Objets </a:t>
+            </a:r>
+            <a:r>
+              <a:rPr lang="fr-FR" sz="2000" b="1" dirty="0" smtClean="0">
+                <a:solidFill>
+                  <a:srgbClr val="004A99"/>
+                </a:solidFill>
+                <a:latin typeface="Calibri" pitchFamily="34" charset="0"/>
+                <a:ea typeface="ＭＳ Ｐゴシック" pitchFamily="-84" charset="-128"/>
+              </a:rPr>
+              <a:t>miroirs</a:t>
+            </a:r>
+          </a:p>
+          <a:p>
+            <a:pPr algn="r" eaLnBrk="1" hangingPunct="1">
               <a:buFont typeface="Wingdings 2" pitchFamily="18" charset="2"/>
               <a:buNone/>
             </a:pPr>
@@ -10023,23 +10064,7 @@
                 <a:latin typeface="Calibri" pitchFamily="34" charset="0"/>
                 <a:ea typeface="ＭＳ Ｐゴシック" pitchFamily="-84" charset="-128"/>
               </a:rPr>
-              <a:t>Objets miroirs</a:t>
-            </a:r>
-          </a:p>
-          <a:p>
-            <a:pPr algn="r" eaLnBrk="1" hangingPunct="1">
-              <a:buFont typeface="Wingdings 2" pitchFamily="18" charset="2"/>
-              <a:buNone/>
-            </a:pPr>
-            <a:r>
-              <a:rPr lang="fr-FR" sz="2400" b="1" dirty="0" smtClean="0">
-                <a:solidFill>
-                  <a:srgbClr val="004A99"/>
-                </a:solidFill>
-                <a:latin typeface="Calibri" pitchFamily="34" charset="0"/>
-                <a:ea typeface="ＭＳ Ｐゴシック" pitchFamily="-84" charset="-128"/>
-              </a:rPr>
-              <a:t>     		 Objets métiers</a:t>
+              <a:t>     		</a:t>
             </a:r>
           </a:p>
           <a:p>
@@ -10349,7 +10374,7 @@
                             </p:stCondLst>
                             <p:childTnLst>
                               <p:par>
-                                <p:cTn id="21" presetID="22" presetClass="entr" presetSubtype="4" fill="hold" nodeType="clickEffect">
+                                <p:cTn id="21" presetID="8" presetClass="entr" presetSubtype="16" fill="hold" nodeType="clickEffect">
                                   <p:stCondLst>
                                     <p:cond delay="0"/>
                                   </p:stCondLst>
@@ -10376,9 +10401,9 @@
                                         <p:strVal val="visible"/>
                                       </p:to>
                                     </p:set>
-                                    <p:animEffect transition="in" filter="wipe(down)">
-                                      <p:cBhvr>
-                                        <p:cTn id="23" dur="500"/>
+                                    <p:animEffect transition="in" filter="diamond(in)">
+                                      <p:cBhvr>
+                                        <p:cTn id="23" dur="2000"/>
                                         <p:tgtEl>
                                           <p:spTgt spid="48130">
                                             <p:txEl>
@@ -10444,6 +10469,67 @@
                                           <p:spTgt spid="48130">
                                             <p:txEl>
                                               <p:pRg st="3" end="3"/>
+                                            </p:txEl>
+                                          </p:spTgt>
+                                        </p:tgtEl>
+                                      </p:cBhvr>
+                                    </p:animEffect>
+                                  </p:childTnLst>
+                                </p:cTn>
+                              </p:par>
+                            </p:childTnLst>
+                          </p:cTn>
+                        </p:par>
+                      </p:childTnLst>
+                    </p:cTn>
+                  </p:par>
+                  <p:par>
+                    <p:cTn id="29" fill="hold">
+                      <p:stCondLst>
+                        <p:cond delay="indefinite"/>
+                      </p:stCondLst>
+                      <p:childTnLst>
+                        <p:par>
+                          <p:cTn id="30" fill="hold">
+                            <p:stCondLst>
+                              <p:cond delay="0"/>
+                            </p:stCondLst>
+                            <p:childTnLst>
+                              <p:par>
+                                <p:cTn id="31" presetID="22" presetClass="entr" presetSubtype="4" fill="hold" nodeType="clickEffect">
+                                  <p:stCondLst>
+                                    <p:cond delay="0"/>
+                                  </p:stCondLst>
+                                  <p:childTnLst>
+                                    <p:set>
+                                      <p:cBhvr>
+                                        <p:cTn id="32" dur="1" fill="hold">
+                                          <p:stCondLst>
+                                            <p:cond delay="0"/>
+                                          </p:stCondLst>
+                                        </p:cTn>
+                                        <p:tgtEl>
+                                          <p:spTgt spid="48130">
+                                            <p:txEl>
+                                              <p:pRg st="4" end="4"/>
+                                            </p:txEl>
+                                          </p:spTgt>
+                                        </p:tgtEl>
+                                        <p:attrNameLst>
+                                          <p:attrName>style.visibility</p:attrName>
+                                        </p:attrNameLst>
+                                      </p:cBhvr>
+                                      <p:to>
+                                        <p:strVal val="visible"/>
+                                      </p:to>
+                                    </p:set>
+                                    <p:animEffect transition="in" filter="wipe(down)">
+                                      <p:cBhvr>
+                                        <p:cTn id="33" dur="500"/>
+                                        <p:tgtEl>
+                                          <p:spTgt spid="48130">
+                                            <p:txEl>
+                                              <p:pRg st="4" end="4"/>
                                             </p:txEl>
                                           </p:spTgt>
                                         </p:tgtEl>
@@ -10625,7 +10711,7 @@
               <a:buNone/>
             </a:pPr>
             <a:r>
-              <a:rPr lang="fr-FR" sz="2400" b="1" dirty="0" smtClean="0">
+              <a:rPr lang="fr-FR" sz="2000" b="1" dirty="0" smtClean="0">
                 <a:solidFill>
                   <a:srgbClr val="004A99"/>
                 </a:solidFill>
@@ -10641,24 +10727,14 @@
               <a:buNone/>
             </a:pPr>
             <a:r>
-              <a:rPr lang="fr-FR" sz="2800" b="1" dirty="0" smtClean="0">
+              <a:rPr lang="fr-FR" sz="2000" b="1" dirty="0" smtClean="0">
                 <a:solidFill>
                   <a:srgbClr val="004A99"/>
                 </a:solidFill>
                 <a:latin typeface="Calibri" pitchFamily="34" charset="0"/>
                 <a:ea typeface="ＭＳ Ｐゴシック" pitchFamily="-84" charset="-128"/>
               </a:rPr>
-              <a:t>    </a:t>
-            </a:r>
-            <a:r>
-              <a:rPr lang="fr-FR" sz="2400" b="1" dirty="0" smtClean="0">
-                <a:solidFill>
-                  <a:srgbClr val="004A99"/>
-                </a:solidFill>
-                <a:latin typeface="Calibri" pitchFamily="34" charset="0"/>
-                <a:ea typeface="ＭＳ Ｐゴシック" pitchFamily="-84" charset="-128"/>
-              </a:rPr>
-              <a:t>Enregistrement</a:t>
+              <a:t>    Enregistrement</a:t>
             </a:r>
             <a:endParaRPr lang="fr-FR" sz="2000" b="1" dirty="0" smtClean="0">
               <a:solidFill>
@@ -11389,7 +11465,17 @@
                 <a:latin typeface="Calibri" pitchFamily="34" charset="0"/>
                 <a:ea typeface="ＭＳ Ｐゴシック" pitchFamily="-84" charset="-128"/>
               </a:rPr>
-              <a:t>		 		     Récupération paramètres</a:t>
+              <a:t>		 		</a:t>
+            </a:r>
+            <a:r>
+              <a:rPr lang="fr-FR" sz="2000" b="1" dirty="0" smtClean="0">
+                <a:solidFill>
+                  <a:srgbClr val="004A99"/>
+                </a:solidFill>
+                <a:latin typeface="Calibri" pitchFamily="34" charset="0"/>
+                <a:ea typeface="ＭＳ Ｐゴシック" pitchFamily="-84" charset="-128"/>
+              </a:rPr>
+              <a:t>     Récupération paramètres</a:t>
             </a:r>
           </a:p>
           <a:p>
@@ -11398,7 +11484,7 @@
               <a:buNone/>
             </a:pPr>
             <a:r>
-              <a:rPr lang="fr-FR" sz="2400" b="1" dirty="0" smtClean="0">
+              <a:rPr lang="fr-FR" sz="2000" b="1" dirty="0" smtClean="0">
                 <a:solidFill>
                   <a:srgbClr val="004A99"/>
                 </a:solidFill>
@@ -11414,24 +11500,14 @@
               <a:buNone/>
             </a:pPr>
             <a:r>
-              <a:rPr lang="fr-FR" sz="2800" b="1" dirty="0" smtClean="0">
+              <a:rPr lang="fr-FR" sz="2000" b="1" dirty="0" smtClean="0">
                 <a:solidFill>
                   <a:srgbClr val="004A99"/>
                 </a:solidFill>
                 <a:latin typeface="Calibri" pitchFamily="34" charset="0"/>
                 <a:ea typeface="ＭＳ Ｐゴシック" pitchFamily="-84" charset="-128"/>
               </a:rPr>
-              <a:t>     		 </a:t>
-            </a:r>
-            <a:r>
-              <a:rPr lang="fr-FR" sz="2400" b="1" dirty="0" smtClean="0">
-                <a:solidFill>
-                  <a:srgbClr val="004A99"/>
-                </a:solidFill>
-                <a:latin typeface="Calibri" pitchFamily="34" charset="0"/>
-                <a:ea typeface="ＭＳ Ｐゴシック" pitchFamily="-84" charset="-128"/>
-              </a:rPr>
-              <a:t>Lancement de la séance</a:t>
+              <a:t>     		 Lancement de la séance</a:t>
             </a:r>
             <a:endParaRPr lang="fr-FR" sz="2000" b="1" dirty="0" smtClean="0">
               <a:solidFill>
@@ -12168,14 +12244,14 @@
           </a:ln>
           <a:extLst>
             <a:ext uri="{909E8E84-426E-40DD-AFC4-6F175D3DCCD1}">
-              <a14:hiddenFill xmlns:a14="http://schemas.microsoft.com/office/drawing/2010/main">
+              <a14:hiddenFill xmlns:a14="http://schemas.microsoft.com/office/drawing/2010/main" xmlns="">
                 <a:solidFill>
                   <a:srgbClr val="FFFFFF"/>
                 </a:solidFill>
               </a14:hiddenFill>
             </a:ext>
             <a:ext uri="{91240B29-F687-4F45-9708-019B960494DF}">
-              <a14:hiddenLine xmlns:a14="http://schemas.microsoft.com/office/drawing/2010/main" w="9525">
+              <a14:hiddenLine xmlns:a14="http://schemas.microsoft.com/office/drawing/2010/main" xmlns="" w="9525">
                 <a:solidFill>
                   <a:srgbClr val="000000"/>
                 </a:solidFill>
@@ -12264,7 +12340,7 @@
               <a:buNone/>
             </a:pPr>
             <a:r>
-              <a:rPr lang="fr-FR" sz="2400" b="1" dirty="0">
+              <a:rPr lang="fr-FR" sz="2000" b="1" dirty="0">
                 <a:latin typeface="Calibri" pitchFamily="34" charset="0"/>
               </a:rPr>
               <a:t>Préparation séance</a:t>
@@ -12283,16 +12359,10 @@
               <a:buNone/>
             </a:pPr>
             <a:r>
-              <a:rPr lang="fr-FR" sz="2800" b="1" dirty="0">
+              <a:rPr lang="fr-FR" sz="2000" b="1" dirty="0">
                 <a:latin typeface="Calibri" pitchFamily="34" charset="0"/>
               </a:rPr>
-              <a:t>     		 </a:t>
-            </a:r>
-            <a:r>
-              <a:rPr lang="fr-FR" sz="2400" b="1" dirty="0">
-                <a:latin typeface="Calibri" pitchFamily="34" charset="0"/>
-              </a:rPr>
-              <a:t>Tâches en parallèles</a:t>
+              <a:t>     		 Tâches en parallèles</a:t>
             </a:r>
           </a:p>
           <a:p>
@@ -12308,7 +12378,7 @@
               <a:buNone/>
             </a:pPr>
             <a:r>
-              <a:rPr lang="fr-FR" sz="2400" b="1" dirty="0">
+              <a:rPr lang="fr-FR" sz="2000" b="1" dirty="0">
                 <a:latin typeface="Calibri" pitchFamily="34" charset="0"/>
               </a:rPr>
               <a:t>Finalisation de la séance</a:t>
@@ -13141,14 +13211,14 @@
           </a:ln>
           <a:extLst>
             <a:ext uri="{909E8E84-426E-40DD-AFC4-6F175D3DCCD1}">
-              <a14:hiddenFill xmlns:a14="http://schemas.microsoft.com/office/drawing/2010/main">
+              <a14:hiddenFill xmlns:a14="http://schemas.microsoft.com/office/drawing/2010/main" xmlns="">
                 <a:solidFill>
                   <a:srgbClr val="FFFFFF"/>
                 </a:solidFill>
               </a14:hiddenFill>
             </a:ext>
             <a:ext uri="{91240B29-F687-4F45-9708-019B960494DF}">
-              <a14:hiddenLine xmlns:a14="http://schemas.microsoft.com/office/drawing/2010/main" w="9525">
+              <a14:hiddenLine xmlns:a14="http://schemas.microsoft.com/office/drawing/2010/main" xmlns="" w="9525">
                 <a:solidFill>
                   <a:srgbClr val="000000"/>
                 </a:solidFill>
@@ -13237,7 +13307,7 @@
               <a:buNone/>
             </a:pPr>
             <a:r>
-              <a:rPr lang="fr-FR" sz="2400" b="1" dirty="0">
+              <a:rPr lang="fr-FR" sz="2000" b="1" dirty="0">
                 <a:latin typeface="Calibri" pitchFamily="34" charset="0"/>
               </a:rPr>
               <a:t>Plusieurs états</a:t>
@@ -13256,7 +13326,7 @@
               <a:buNone/>
             </a:pPr>
             <a:r>
-              <a:rPr lang="fr-FR" sz="2400" b="1" dirty="0">
+              <a:rPr lang="fr-FR" sz="2000" b="1" dirty="0">
                 <a:latin typeface="Calibri" pitchFamily="34" charset="0"/>
               </a:rPr>
               <a:t>PECHE</a:t>
@@ -13275,7 +13345,7 @@
               <a:buNone/>
             </a:pPr>
             <a:r>
-              <a:rPr lang="fr-FR" sz="2400" b="1" dirty="0">
+              <a:rPr lang="fr-FR" sz="2000" b="1" dirty="0">
                 <a:latin typeface="Calibri" pitchFamily="34" charset="0"/>
               </a:rPr>
               <a:t>MONTEE</a:t>
@@ -13294,18 +13364,18 @@
               <a:buNone/>
             </a:pPr>
             <a:r>
-              <a:rPr lang="fr-FR" sz="2400" b="1" dirty="0">
+              <a:rPr lang="fr-FR" sz="2000" b="1" dirty="0">
                 <a:latin typeface="Calibri" pitchFamily="34" charset="0"/>
               </a:rPr>
               <a:t>VIDANGE</a:t>
             </a:r>
             <a:br>
-              <a:rPr lang="fr-FR" sz="2400" b="1" dirty="0">
+              <a:rPr lang="fr-FR" sz="2000" b="1" dirty="0">
                 <a:latin typeface="Calibri" pitchFamily="34" charset="0"/>
               </a:rPr>
             </a:br>
             <a:r>
-              <a:rPr lang="fr-FR" sz="2400" b="1" dirty="0">
+              <a:rPr lang="fr-FR" sz="2000" b="1" dirty="0">
                 <a:latin typeface="Calibri" pitchFamily="34" charset="0"/>
               </a:rPr>
               <a:t>DESCENTE</a:t>
@@ -13324,7 +13394,7 @@
               <a:buNone/>
             </a:pPr>
             <a:r>
-              <a:rPr lang="fr-FR" sz="2400" b="1" dirty="0">
+              <a:rPr lang="fr-FR" sz="2000" b="1" dirty="0">
                 <a:latin typeface="Calibri" pitchFamily="34" charset="0"/>
               </a:rPr>
               <a:t>Machine à états</a:t>
@@ -13343,7 +13413,7 @@
               <a:buNone/>
             </a:pPr>
             <a:r>
-              <a:rPr lang="fr-FR" sz="2400" b="1" dirty="0">
+              <a:rPr lang="fr-FR" sz="2000" b="1" dirty="0">
                 <a:latin typeface="Calibri" pitchFamily="34" charset="0"/>
               </a:rPr>
               <a:t>Non séquentiel</a:t>
@@ -14477,14 +14547,14 @@
           </a:ln>
           <a:extLst>
             <a:ext uri="{909E8E84-426E-40DD-AFC4-6F175D3DCCD1}">
-              <a14:hiddenFill xmlns:a14="http://schemas.microsoft.com/office/drawing/2010/main">
+              <a14:hiddenFill xmlns:a14="http://schemas.microsoft.com/office/drawing/2010/main" xmlns="">
                 <a:solidFill>
                   <a:srgbClr val="FFFFFF"/>
                 </a:solidFill>
               </a14:hiddenFill>
             </a:ext>
             <a:ext uri="{91240B29-F687-4F45-9708-019B960494DF}">
-              <a14:hiddenLine xmlns:a14="http://schemas.microsoft.com/office/drawing/2010/main" w="9525">
+              <a14:hiddenLine xmlns:a14="http://schemas.microsoft.com/office/drawing/2010/main" xmlns="" w="9525">
                 <a:solidFill>
                   <a:srgbClr val="000000"/>
                 </a:solidFill>
@@ -14799,7 +14869,17 @@
                 <a:latin typeface="Calibri" charset="0"/>
                 <a:cs typeface="Calibri" charset="0"/>
               </a:rPr>
-              <a:t>		Vérifications des paramètres</a:t>
+              <a:t>		</a:t>
+            </a:r>
+            <a:r>
+              <a:rPr lang="fr-FR" sz="2000" b="1" dirty="0" smtClean="0">
+                <a:solidFill>
+                  <a:srgbClr val="004A99"/>
+                </a:solidFill>
+                <a:latin typeface="Calibri" charset="0"/>
+                <a:cs typeface="Calibri" charset="0"/>
+              </a:rPr>
+              <a:t>Vérifications des paramètres</a:t>
             </a:r>
           </a:p>
           <a:p>
@@ -14812,7 +14892,7 @@
               <a:defRPr/>
             </a:pPr>
             <a:r>
-              <a:rPr lang="fr-FR" sz="2200" b="1" dirty="0" smtClean="0">
+              <a:rPr lang="fr-FR" sz="2000" b="1" dirty="0" smtClean="0">
                 <a:solidFill>
                   <a:srgbClr val="004A99"/>
                 </a:solidFill>
@@ -14832,7 +14912,7 @@
               <a:defRPr/>
             </a:pPr>
             <a:r>
-              <a:rPr lang="fr-FR" sz="2200" b="1" dirty="0">
+              <a:rPr lang="fr-FR" sz="2000" b="1" dirty="0">
                 <a:solidFill>
                   <a:srgbClr val="004A99"/>
                 </a:solidFill>
@@ -14842,7 +14922,7 @@
               <a:t>	</a:t>
             </a:r>
             <a:r>
-              <a:rPr lang="fr-FR" sz="2200" b="1" dirty="0" smtClean="0">
+              <a:rPr lang="fr-FR" sz="2000" b="1" dirty="0" smtClean="0">
                 <a:solidFill>
                   <a:srgbClr val="004A99"/>
                 </a:solidFill>
@@ -14861,7 +14941,7 @@
               <a:defRPr/>
             </a:pPr>
             <a:r>
-              <a:rPr lang="fr-FR" sz="2200" b="1" dirty="0" smtClean="0">
+              <a:rPr lang="fr-FR" sz="2000" b="1" dirty="0" smtClean="0">
                 <a:solidFill>
                   <a:srgbClr val="004A99"/>
                 </a:solidFill>
@@ -15805,14 +15885,14 @@
           </a:ln>
           <a:extLst>
             <a:ext uri="{909E8E84-426E-40DD-AFC4-6F175D3DCCD1}">
-              <a14:hiddenFill xmlns:a14="http://schemas.microsoft.com/office/drawing/2010/main">
+              <a14:hiddenFill xmlns:a14="http://schemas.microsoft.com/office/drawing/2010/main" xmlns="">
                 <a:solidFill>
                   <a:srgbClr val="FFFFFF"/>
                 </a:solidFill>
               </a14:hiddenFill>
             </a:ext>
             <a:ext uri="{91240B29-F687-4F45-9708-019B960494DF}">
-              <a14:hiddenLine xmlns:a14="http://schemas.microsoft.com/office/drawing/2010/main" w="9525">
+              <a14:hiddenLine xmlns:a14="http://schemas.microsoft.com/office/drawing/2010/main" xmlns="" w="9525">
                 <a:solidFill>
                   <a:srgbClr val="000000"/>
                 </a:solidFill>
@@ -15920,19 +16000,19 @@
               <a:buNone/>
             </a:pPr>
             <a:r>
-              <a:rPr lang="fr-FR" sz="2200" b="1" dirty="0">
+              <a:rPr lang="fr-FR" sz="2000" b="1" dirty="0">
                 <a:latin typeface="Calibri" pitchFamily="34" charset="0"/>
               </a:rPr>
               <a:t>Vérification d</a:t>
             </a:r>
             <a:r>
-              <a:rPr lang="fr-FR" altLang="fr-FR" sz="2200" b="1" dirty="0">
+              <a:rPr lang="fr-FR" altLang="fr-FR" sz="2000" b="1" dirty="0">
                 <a:latin typeface="Calibri" pitchFamily="34" charset="0"/>
               </a:rPr>
               <a:t>’</a:t>
             </a:r>
             <a:r>
-              <a:rPr lang="fr-FR" sz="2200" b="1" dirty="0">
+              <a:rPr lang="fr-FR" sz="2000" b="1" dirty="0">
                 <a:latin typeface="Calibri" pitchFamily="34" charset="0"/>
               </a:rPr>
               <a:t>un capteur</a:t>
@@ -15951,19 +16031,19 @@
               <a:buNone/>
             </a:pPr>
             <a:r>
-              <a:rPr lang="fr-FR" sz="2200" b="1" dirty="0">
+              <a:rPr lang="fr-FR" sz="2000" b="1" dirty="0">
                 <a:latin typeface="Calibri" pitchFamily="34" charset="0"/>
               </a:rPr>
               <a:t>Lancement de l</a:t>
             </a:r>
             <a:r>
-              <a:rPr lang="fr-FR" altLang="fr-FR" sz="2200" b="1" dirty="0">
+              <a:rPr lang="fr-FR" altLang="fr-FR" sz="2000" b="1" dirty="0">
                 <a:latin typeface="Calibri" pitchFamily="34" charset="0"/>
               </a:rPr>
               <a:t>’</a:t>
             </a:r>
             <a:r>
-              <a:rPr lang="fr-FR" sz="2200" b="1" dirty="0">
+              <a:rPr lang="fr-FR" sz="2000" b="1" dirty="0">
                 <a:latin typeface="Calibri" pitchFamily="34" charset="0"/>
               </a:rPr>
               <a:t>appareil</a:t>
@@ -16800,14 +16880,14 @@
           </a:ln>
           <a:extLst>
             <a:ext uri="{909E8E84-426E-40DD-AFC4-6F175D3DCCD1}">
-              <a14:hiddenFill xmlns:a14="http://schemas.microsoft.com/office/drawing/2010/main">
+              <a14:hiddenFill xmlns:a14="http://schemas.microsoft.com/office/drawing/2010/main" xmlns="">
                 <a:solidFill>
                   <a:srgbClr val="FFFFFF"/>
                 </a:solidFill>
               </a14:hiddenFill>
             </a:ext>
             <a:ext uri="{91240B29-F687-4F45-9708-019B960494DF}">
-              <a14:hiddenLine xmlns:a14="http://schemas.microsoft.com/office/drawing/2010/main" w="9525">
+              <a14:hiddenLine xmlns:a14="http://schemas.microsoft.com/office/drawing/2010/main" xmlns="" w="9525">
                 <a:solidFill>
                   <a:srgbClr val="000000"/>
                 </a:solidFill>
@@ -17117,7 +17197,7 @@
               <a:t>	</a:t>
             </a:r>
             <a:r>
-              <a:rPr lang="fr-FR" sz="2200" b="1" dirty="0" smtClean="0">
+              <a:rPr lang="fr-FR" sz="2000" b="1" dirty="0" smtClean="0">
                 <a:solidFill>
                   <a:srgbClr val="004A99"/>
                 </a:solidFill>
@@ -17137,7 +17217,7 @@
               <a:defRPr/>
             </a:pPr>
             <a:r>
-              <a:rPr lang="fr-FR" sz="2200" b="1" dirty="0">
+              <a:rPr lang="fr-FR" sz="2000" b="1" dirty="0">
                 <a:solidFill>
                   <a:srgbClr val="004A99"/>
                 </a:solidFill>
@@ -17147,15 +17227,32 @@
               <a:t>	</a:t>
             </a:r>
             <a:r>
-              <a:rPr lang="fr-FR" sz="2200" b="1" dirty="0" smtClean="0">
+              <a:rPr lang="fr-FR" sz="2000" b="1" dirty="0" smtClean="0">
                 <a:solidFill>
                   <a:srgbClr val="004A99"/>
                 </a:solidFill>
                 <a:latin typeface="Calibri" charset="0"/>
                 <a:cs typeface="Calibri" charset="0"/>
               </a:rPr>
-              <a:t>								Accès aux sections</a:t>
+              <a:t>								Accès aux </a:t>
             </a:r>
+            <a:r>
+              <a:rPr lang="fr-FR" sz="2000" b="1" dirty="0" smtClean="0">
+                <a:solidFill>
+                  <a:srgbClr val="004A99"/>
+                </a:solidFill>
+                <a:latin typeface="Calibri" charset="0"/>
+                <a:cs typeface="Calibri" charset="0"/>
+              </a:rPr>
+              <a:t>onglets</a:t>
+            </a:r>
+            <a:endParaRPr lang="fr-FR" sz="2000" b="1" dirty="0" smtClean="0">
+              <a:solidFill>
+                <a:srgbClr val="004A99"/>
+              </a:solidFill>
+              <a:latin typeface="Calibri" charset="0"/>
+              <a:cs typeface="Calibri" charset="0"/>
+            </a:endParaRPr>
           </a:p>
           <a:p>
             <a:pPr lvl="8" defTabSz="457200">
@@ -20887,14 +20984,14 @@
           </a:ln>
           <a:extLst>
             <a:ext uri="{909E8E84-426E-40DD-AFC4-6F175D3DCCD1}">
-              <a14:hiddenFill xmlns:a14="http://schemas.microsoft.com/office/drawing/2010/main">
+              <a14:hiddenFill xmlns:a14="http://schemas.microsoft.com/office/drawing/2010/main" xmlns="">
                 <a:solidFill>
                   <a:srgbClr val="FFFFFF"/>
                 </a:solidFill>
               </a14:hiddenFill>
             </a:ext>
             <a:ext uri="{91240B29-F687-4F45-9708-019B960494DF}">
-              <a14:hiddenLine xmlns:a14="http://schemas.microsoft.com/office/drawing/2010/main" w="9525">
+              <a14:hiddenLine xmlns:a14="http://schemas.microsoft.com/office/drawing/2010/main" xmlns="" w="9525">
                 <a:solidFill>
                   <a:srgbClr val="000000"/>
                 </a:solidFill>
@@ -21172,7 +21269,17 @@
                 <a:latin typeface="Calibri" charset="0"/>
                 <a:cs typeface="Calibri" charset="0"/>
               </a:rPr>
-              <a:t>						Contrôle manuel</a:t>
+              <a:t>						</a:t>
+            </a:r>
+            <a:r>
+              <a:rPr lang="fr-FR" sz="2000" b="1" dirty="0" smtClean="0">
+                <a:solidFill>
+                  <a:srgbClr val="004A99"/>
+                </a:solidFill>
+                <a:latin typeface="Calibri" charset="0"/>
+                <a:cs typeface="Calibri" charset="0"/>
+              </a:rPr>
+              <a:t>Contrôle manuel</a:t>
             </a:r>
           </a:p>
           <a:p>
@@ -21185,7 +21292,7 @@
               <a:defRPr/>
             </a:pPr>
             <a:r>
-              <a:rPr lang="fr-FR" sz="2200" b="1" dirty="0">
+              <a:rPr lang="fr-FR" sz="2000" b="1" dirty="0">
                 <a:solidFill>
                   <a:srgbClr val="004A99"/>
                 </a:solidFill>
@@ -21195,14 +21302,34 @@
               <a:t>	</a:t>
             </a:r>
             <a:r>
-              <a:rPr lang="fr-FR" sz="2200" b="1" dirty="0" smtClean="0">
+              <a:rPr lang="fr-FR" sz="2000" b="1" dirty="0" smtClean="0">
                 <a:solidFill>
                   <a:srgbClr val="004A99"/>
                 </a:solidFill>
                 <a:latin typeface="Calibri" charset="0"/>
                 <a:cs typeface="Calibri" charset="0"/>
               </a:rPr>
-              <a:t>						Différents appareillages							Différents tests.</a:t>
+              <a:t>						Différents appareillages							</a:t>
+            </a:r>
+            <a:r>
+              <a:rPr lang="fr-FR" sz="2000" b="1" dirty="0" smtClean="0">
+                <a:solidFill>
+                  <a:srgbClr val="004A99"/>
+                </a:solidFill>
+                <a:latin typeface="Calibri" charset="0"/>
+                <a:cs typeface="Calibri" charset="0"/>
+              </a:rPr>
+              <a:t>	Différents </a:t>
+            </a:r>
+            <a:r>
+              <a:rPr lang="fr-FR" sz="2000" b="1" dirty="0" smtClean="0">
+                <a:solidFill>
+                  <a:srgbClr val="004A99"/>
+                </a:solidFill>
+                <a:latin typeface="Calibri" charset="0"/>
+                <a:cs typeface="Calibri" charset="0"/>
+              </a:rPr>
+              <a:t>tests.</a:t>
             </a:r>
             <a:r>
               <a:rPr lang="fr-FR" sz="2200" b="1" dirty="0">
@@ -21989,14 +22116,14 @@
           </a:ln>
           <a:extLst>
             <a:ext uri="{909E8E84-426E-40DD-AFC4-6F175D3DCCD1}">
-              <a14:hiddenFill xmlns:a14="http://schemas.microsoft.com/office/drawing/2010/main">
+              <a14:hiddenFill xmlns:a14="http://schemas.microsoft.com/office/drawing/2010/main" xmlns="">
                 <a:solidFill>
                   <a:srgbClr val="FFFFFF"/>
                 </a:solidFill>
               </a14:hiddenFill>
             </a:ext>
             <a:ext uri="{91240B29-F687-4F45-9708-019B960494DF}">
-              <a14:hiddenLine xmlns:a14="http://schemas.microsoft.com/office/drawing/2010/main" w="9525">
+              <a14:hiddenLine xmlns:a14="http://schemas.microsoft.com/office/drawing/2010/main" xmlns="" w="9525">
                 <a:solidFill>
                   <a:srgbClr val="000000"/>
                 </a:solidFill>
@@ -22267,7 +22394,7 @@
               <a:t>							</a:t>
             </a:r>
             <a:r>
-              <a:rPr lang="fr-FR" sz="2200" b="1" dirty="0" smtClean="0">
+              <a:rPr lang="fr-FR" sz="2000" b="1" dirty="0" smtClean="0">
                 <a:solidFill>
                   <a:srgbClr val="004A99"/>
                 </a:solidFill>
@@ -22276,7 +22403,7 @@
               </a:rPr>
               <a:t>Plusieurs paramètres</a:t>
             </a:r>
-            <a:endParaRPr lang="fr-FR" sz="2200" b="1" dirty="0">
+            <a:endParaRPr lang="fr-FR" sz="2000" b="1" dirty="0">
               <a:solidFill>
                 <a:srgbClr val="004A99"/>
               </a:solidFill>
@@ -22294,7 +22421,7 @@
               <a:defRPr/>
             </a:pPr>
             <a:r>
-              <a:rPr lang="fr-FR" sz="2200" b="1" dirty="0">
+              <a:rPr lang="fr-FR" sz="2000" b="1" dirty="0">
                 <a:solidFill>
                   <a:srgbClr val="004A99"/>
                 </a:solidFill>
@@ -22304,7 +22431,7 @@
               <a:t>							</a:t>
             </a:r>
             <a:r>
-              <a:rPr lang="fr-FR" sz="2200" b="1" dirty="0" smtClean="0">
+              <a:rPr lang="fr-FR" sz="2000" b="1" dirty="0" smtClean="0">
                 <a:solidFill>
                   <a:srgbClr val="004A99"/>
                 </a:solidFill>
@@ -22324,7 +22451,7 @@
               <a:defRPr/>
             </a:pPr>
             <a:r>
-              <a:rPr lang="fr-FR" sz="2200" b="1" dirty="0">
+              <a:rPr lang="fr-FR" sz="2000" b="1" dirty="0">
                 <a:solidFill>
                   <a:srgbClr val="004A99"/>
                 </a:solidFill>
@@ -22334,7 +22461,7 @@
               <a:t>	</a:t>
             </a:r>
             <a:r>
-              <a:rPr lang="fr-FR" sz="2200" b="1" dirty="0" smtClean="0">
+              <a:rPr lang="fr-FR" sz="2000" b="1" dirty="0" smtClean="0">
                 <a:solidFill>
                   <a:srgbClr val="004A99"/>
                 </a:solidFill>
@@ -22354,7 +22481,7 @@
               <a:defRPr/>
             </a:pPr>
             <a:r>
-              <a:rPr lang="fr-FR" sz="2200" b="1" dirty="0">
+              <a:rPr lang="fr-FR" sz="2000" b="1" dirty="0">
                 <a:solidFill>
                   <a:srgbClr val="004A99"/>
                 </a:solidFill>
@@ -22364,7 +22491,7 @@
               <a:t>	</a:t>
             </a:r>
             <a:r>
-              <a:rPr lang="fr-FR" sz="2200" b="1" dirty="0" smtClean="0">
+              <a:rPr lang="fr-FR" sz="2000" b="1" dirty="0" smtClean="0">
                 <a:solidFill>
                   <a:srgbClr val="004A99"/>
                 </a:solidFill>
@@ -22384,7 +22511,7 @@
               <a:defRPr/>
             </a:pPr>
             <a:r>
-              <a:rPr lang="fr-FR" sz="2200" b="1" dirty="0">
+              <a:rPr lang="fr-FR" sz="2000" b="1" dirty="0">
                 <a:solidFill>
                   <a:srgbClr val="004A99"/>
                 </a:solidFill>
@@ -22394,7 +22521,7 @@
               <a:t>	</a:t>
             </a:r>
             <a:r>
-              <a:rPr lang="fr-FR" sz="2200" b="1" dirty="0" smtClean="0">
+              <a:rPr lang="fr-FR" sz="2000" b="1" dirty="0" smtClean="0">
                 <a:solidFill>
                   <a:srgbClr val="004A99"/>
                 </a:solidFill>
@@ -22403,7 +22530,7 @@
               </a:rPr>
               <a:t>						ARRETER</a:t>
             </a:r>
-            <a:endParaRPr lang="fr-FR" sz="2200" b="1" dirty="0">
+            <a:endParaRPr lang="fr-FR" sz="2000" b="1" dirty="0">
               <a:solidFill>
                 <a:srgbClr val="004A99"/>
               </a:solidFill>
@@ -22579,14 +22706,20 @@
       </p:sp>
       <p:pic>
         <p:nvPicPr>
-          <p:cNvPr id="36867" name="Image 1" descr="mode_automatique.png"/>
+          <p:cNvPr id="1027" name="Picture 3"/>
           <p:cNvPicPr>
-            <a:picLocks noChangeAspect="1"/>
+            <a:picLocks noChangeAspect="1" noChangeArrowheads="1"/>
           </p:cNvPicPr>
           <p:nvPr/>
         </p:nvPicPr>
         <p:blipFill>
-          <a:blip r:embed="rId3" cstate="print"/>
+          <a:blip r:embed="rId3" cstate="print">
+            <a:extLst>
+              <a:ext uri="{28A0092B-C50C-407E-A947-70E740481C1C}">
+                <a14:useLocalDpi xmlns:a14="http://schemas.microsoft.com/office/drawing/2010/main" xmlns="" val="0"/>
+              </a:ext>
+            </a:extLst>
+          </a:blip>
           <a:srcRect/>
           <a:stretch>
             <a:fillRect/>
@@ -22595,18 +22728,44 @@
         <p:spPr bwMode="auto">
           <a:xfrm>
             <a:off x="395288" y="1989138"/>
-            <a:ext cx="5113337" cy="4176712"/>
+            <a:ext cx="5040808" cy="4295775"/>
           </a:xfrm>
           <a:prstGeom prst="rect">
             <a:avLst/>
           </a:prstGeom>
           <a:noFill/>
-          <a:ln w="9525">
+          <a:ln>
             <a:noFill/>
-            <a:miter lim="800000"/>
-            <a:headEnd/>
-            <a:tailEnd/>
           </a:ln>
+          <a:effectLst/>
+          <a:extLst>
+            <a:ext uri="{909E8E84-426E-40DD-AFC4-6F175D3DCCD1}">
+              <a14:hiddenFill xmlns:a14="http://schemas.microsoft.com/office/drawing/2010/main" xmlns="">
+                <a:solidFill>
+                  <a:schemeClr val="accent1"/>
+                </a:solidFill>
+              </a14:hiddenFill>
+            </a:ext>
+            <a:ext uri="{91240B29-F687-4F45-9708-019B960494DF}">
+              <a14:hiddenLine xmlns:a14="http://schemas.microsoft.com/office/drawing/2010/main" xmlns="" w="9525">
+                <a:solidFill>
+                  <a:schemeClr val="tx1"/>
+                </a:solidFill>
+                <a:miter lim="800000"/>
+                <a:headEnd/>
+                <a:tailEnd/>
+              </a14:hiddenLine>
+            </a:ext>
+            <a:ext uri="{AF507438-7753-43E0-B8FC-AC1667EBCBE1}">
+              <a14:hiddenEffects xmlns:a14="http://schemas.microsoft.com/office/drawing/2010/main" xmlns="">
+                <a:effectLst>
+                  <a:outerShdw dist="35921" dir="2700000" algn="ctr" rotWithShape="0">
+                    <a:schemeClr val="bg2"/>
+                  </a:outerShdw>
+                </a:effectLst>
+              </a14:hiddenEffects>
+            </a:ext>
+          </a:extLst>
         </p:spPr>
       </p:pic>
     </p:spTree>
@@ -22893,7 +23052,7 @@
                             </p:stCondLst>
                             <p:childTnLst>
                               <p:par>
-                                <p:cTn id="22" presetID="21" presetClass="entr" presetSubtype="4" fill="hold" nodeType="clickEffect">
+                                <p:cTn id="22" presetID="22" presetClass="entr" presetSubtype="4" fill="hold" nodeType="clickEffect">
                                   <p:stCondLst>
                                     <p:cond delay="0"/>
                                   </p:stCondLst>
@@ -22906,7 +23065,11 @@
                                           </p:stCondLst>
                                         </p:cTn>
                                         <p:tgtEl>
-                                          <p:spTgt spid="36867"/>
+                                          <p:spTgt spid="5">
+                                            <p:txEl>
+                                              <p:pRg st="2" end="2"/>
+                                            </p:txEl>
+                                          </p:spTgt>
                                         </p:tgtEl>
                                         <p:attrNameLst>
                                           <p:attrName>style.visibility</p:attrName>
@@ -22916,11 +23079,15 @@
                                         <p:strVal val="visible"/>
                                       </p:to>
                                     </p:set>
-                                    <p:animEffect transition="in" filter="wheel(4)">
-                                      <p:cBhvr>
-                                        <p:cTn id="24" dur="2000"/>
-                                        <p:tgtEl>
-                                          <p:spTgt spid="36867"/>
+                                    <p:animEffect transition="in" filter="wipe(down)">
+                                      <p:cBhvr>
+                                        <p:cTn id="24" dur="500"/>
+                                        <p:tgtEl>
+                                          <p:spTgt spid="5">
+                                            <p:txEl>
+                                              <p:pRg st="2" end="2"/>
+                                            </p:txEl>
+                                          </p:spTgt>
                                         </p:tgtEl>
                                       </p:cBhvr>
                                     </p:animEffect>
@@ -22961,7 +23128,7 @@
                                         <p:tgtEl>
                                           <p:spTgt spid="5">
                                             <p:txEl>
-                                              <p:pRg st="2" end="2"/>
+                                              <p:pRg st="3" end="3"/>
                                             </p:txEl>
                                           </p:spTgt>
                                         </p:tgtEl>
@@ -22979,7 +23146,7 @@
                                         <p:tgtEl>
                                           <p:spTgt spid="5">
                                             <p:txEl>
-                                              <p:pRg st="2" end="2"/>
+                                              <p:pRg st="3" end="3"/>
                                             </p:txEl>
                                           </p:spTgt>
                                         </p:tgtEl>
@@ -23022,7 +23189,7 @@
                                         <p:tgtEl>
                                           <p:spTgt spid="5">
                                             <p:txEl>
-                                              <p:pRg st="3" end="3"/>
+                                              <p:pRg st="4" end="4"/>
                                             </p:txEl>
                                           </p:spTgt>
                                         </p:tgtEl>
@@ -23040,7 +23207,7 @@
                                         <p:tgtEl>
                                           <p:spTgt spid="5">
                                             <p:txEl>
-                                              <p:pRg st="3" end="3"/>
+                                              <p:pRg st="4" end="4"/>
                                             </p:txEl>
                                           </p:spTgt>
                                         </p:tgtEl>
@@ -23083,7 +23250,7 @@
                                         <p:tgtEl>
                                           <p:spTgt spid="5">
                                             <p:txEl>
-                                              <p:pRg st="4" end="4"/>
+                                              <p:pRg st="5" end="5"/>
                                             </p:txEl>
                                           </p:spTgt>
                                         </p:tgtEl>
@@ -23101,7 +23268,7 @@
                                         <p:tgtEl>
                                           <p:spTgt spid="5">
                                             <p:txEl>
-                                              <p:pRg st="4" end="4"/>
+                                              <p:pRg st="5" end="5"/>
                                             </p:txEl>
                                           </p:spTgt>
                                         </p:tgtEl>
@@ -23144,7 +23311,7 @@
                                         <p:tgtEl>
                                           <p:spTgt spid="5">
                                             <p:txEl>
-                                              <p:pRg st="5" end="5"/>
+                                              <p:pRg st="6" end="6"/>
                                             </p:txEl>
                                           </p:spTgt>
                                         </p:tgtEl>
@@ -23159,67 +23326,6 @@
                                     <p:animEffect transition="in" filter="wipe(down)">
                                       <p:cBhvr>
                                         <p:cTn id="44" dur="500"/>
-                                        <p:tgtEl>
-                                          <p:spTgt spid="5">
-                                            <p:txEl>
-                                              <p:pRg st="5" end="5"/>
-                                            </p:txEl>
-                                          </p:spTgt>
-                                        </p:tgtEl>
-                                      </p:cBhvr>
-                                    </p:animEffect>
-                                  </p:childTnLst>
-                                </p:cTn>
-                              </p:par>
-                            </p:childTnLst>
-                          </p:cTn>
-                        </p:par>
-                      </p:childTnLst>
-                    </p:cTn>
-                  </p:par>
-                  <p:par>
-                    <p:cTn id="45" fill="hold">
-                      <p:stCondLst>
-                        <p:cond delay="indefinite"/>
-                      </p:stCondLst>
-                      <p:childTnLst>
-                        <p:par>
-                          <p:cTn id="46" fill="hold">
-                            <p:stCondLst>
-                              <p:cond delay="0"/>
-                            </p:stCondLst>
-                            <p:childTnLst>
-                              <p:par>
-                                <p:cTn id="47" presetID="22" presetClass="entr" presetSubtype="4" fill="hold" nodeType="clickEffect">
-                                  <p:stCondLst>
-                                    <p:cond delay="0"/>
-                                  </p:stCondLst>
-                                  <p:childTnLst>
-                                    <p:set>
-                                      <p:cBhvr>
-                                        <p:cTn id="48" dur="1" fill="hold">
-                                          <p:stCondLst>
-                                            <p:cond delay="0"/>
-                                          </p:stCondLst>
-                                        </p:cTn>
-                                        <p:tgtEl>
-                                          <p:spTgt spid="5">
-                                            <p:txEl>
-                                              <p:pRg st="6" end="6"/>
-                                            </p:txEl>
-                                          </p:spTgt>
-                                        </p:tgtEl>
-                                        <p:attrNameLst>
-                                          <p:attrName>style.visibility</p:attrName>
-                                        </p:attrNameLst>
-                                      </p:cBhvr>
-                                      <p:to>
-                                        <p:strVal val="visible"/>
-                                      </p:to>
-                                    </p:set>
-                                    <p:animEffect transition="in" filter="wipe(down)">
-                                      <p:cBhvr>
-                                        <p:cTn id="49" dur="500"/>
                                         <p:tgtEl>
                                           <p:spTgt spid="5">
                                             <p:txEl>
@@ -23342,14 +23448,14 @@
           </a:ln>
           <a:extLst>
             <a:ext uri="{909E8E84-426E-40DD-AFC4-6F175D3DCCD1}">
-              <a14:hiddenFill xmlns:a14="http://schemas.microsoft.com/office/drawing/2010/main">
+              <a14:hiddenFill xmlns:a14="http://schemas.microsoft.com/office/drawing/2010/main" xmlns="">
                 <a:solidFill>
                   <a:srgbClr val="FFFFFF"/>
                 </a:solidFill>
               </a14:hiddenFill>
             </a:ext>
             <a:ext uri="{91240B29-F687-4F45-9708-019B960494DF}">
-              <a14:hiddenLine xmlns:a14="http://schemas.microsoft.com/office/drawing/2010/main" w="9525">
+              <a14:hiddenLine xmlns:a14="http://schemas.microsoft.com/office/drawing/2010/main" xmlns="" w="9525">
                 <a:solidFill>
                   <a:srgbClr val="000000"/>
                 </a:solidFill>
@@ -23656,7 +23762,7 @@
               <a:t>	</a:t>
             </a:r>
             <a:r>
-              <a:rPr lang="fr-FR" sz="2200" b="1" dirty="0" smtClean="0">
+              <a:rPr lang="fr-FR" sz="2000" b="1" dirty="0" smtClean="0">
                 <a:solidFill>
                   <a:srgbClr val="004A99"/>
                 </a:solidFill>
@@ -23665,7 +23771,7 @@
               </a:rPr>
               <a:t>Statuts</a:t>
             </a:r>
-            <a:endParaRPr lang="fr-FR" sz="2200" b="1" dirty="0">
+            <a:endParaRPr lang="fr-FR" sz="2000" b="1" dirty="0">
               <a:solidFill>
                 <a:srgbClr val="004A99"/>
               </a:solidFill>
@@ -23683,7 +23789,7 @@
               <a:defRPr/>
             </a:pPr>
             <a:r>
-              <a:rPr lang="fr-FR" sz="2200" b="1" dirty="0">
+              <a:rPr lang="fr-FR" sz="2000" b="1" dirty="0">
                 <a:solidFill>
                   <a:srgbClr val="004A99"/>
                 </a:solidFill>
@@ -23693,7 +23799,7 @@
               <a:t>						</a:t>
             </a:r>
             <a:r>
-              <a:rPr lang="fr-FR" sz="2200" b="1" dirty="0" smtClean="0">
+              <a:rPr lang="fr-FR" sz="2000" b="1" dirty="0" smtClean="0">
                 <a:solidFill>
                   <a:srgbClr val="004A99"/>
                 </a:solidFill>
@@ -23713,7 +23819,7 @@
               <a:defRPr/>
             </a:pPr>
             <a:r>
-              <a:rPr lang="fr-FR" sz="2200" b="1" dirty="0">
+              <a:rPr lang="fr-FR" sz="2000" b="1" dirty="0">
                 <a:solidFill>
                   <a:srgbClr val="004A99"/>
                 </a:solidFill>
@@ -23723,7 +23829,7 @@
               <a:t>	</a:t>
             </a:r>
             <a:r>
-              <a:rPr lang="fr-FR" sz="2200" b="1" dirty="0" smtClean="0">
+              <a:rPr lang="fr-FR" sz="2000" b="1" dirty="0" smtClean="0">
                 <a:solidFill>
                   <a:srgbClr val="004A99"/>
                 </a:solidFill>
@@ -23732,7 +23838,7 @@
               </a:rPr>
               <a:t>						Capteurs</a:t>
             </a:r>
-            <a:endParaRPr lang="fr-FR" sz="2200" b="1" dirty="0">
+            <a:endParaRPr lang="fr-FR" sz="2000" b="1" dirty="0">
               <a:solidFill>
                 <a:srgbClr val="004A99"/>
               </a:solidFill>
@@ -23874,14 +23980,20 @@
       </p:sp>
       <p:pic>
         <p:nvPicPr>
-          <p:cNvPr id="37891" name="Image 2" descr="statuts.png"/>
+          <p:cNvPr id="2050" name="Picture 2"/>
           <p:cNvPicPr>
-            <a:picLocks noChangeAspect="1"/>
+            <a:picLocks noChangeAspect="1" noChangeArrowheads="1"/>
           </p:cNvPicPr>
           <p:nvPr/>
         </p:nvPicPr>
         <p:blipFill>
-          <a:blip r:embed="rId3" cstate="print"/>
+          <a:blip r:embed="rId3" cstate="print">
+            <a:extLst>
+              <a:ext uri="{28A0092B-C50C-407E-A947-70E740481C1C}">
+                <a14:useLocalDpi xmlns:a14="http://schemas.microsoft.com/office/drawing/2010/main" xmlns="" val="0"/>
+              </a:ext>
+            </a:extLst>
+          </a:blip>
           <a:srcRect/>
           <a:stretch>
             <a:fillRect/>
@@ -23889,19 +24001,45 @@
         </p:blipFill>
         <p:spPr bwMode="auto">
           <a:xfrm>
-            <a:off x="539552" y="2132856"/>
-            <a:ext cx="4464050" cy="4060825"/>
+            <a:off x="491729" y="2085553"/>
+            <a:ext cx="4724400" cy="4295775"/>
           </a:xfrm>
           <a:prstGeom prst="rect">
             <a:avLst/>
           </a:prstGeom>
           <a:noFill/>
-          <a:ln w="9525">
+          <a:ln>
             <a:noFill/>
-            <a:miter lim="800000"/>
-            <a:headEnd/>
-            <a:tailEnd/>
           </a:ln>
+          <a:effectLst/>
+          <a:extLst>
+            <a:ext uri="{909E8E84-426E-40DD-AFC4-6F175D3DCCD1}">
+              <a14:hiddenFill xmlns:a14="http://schemas.microsoft.com/office/drawing/2010/main" xmlns="">
+                <a:solidFill>
+                  <a:schemeClr val="accent1"/>
+                </a:solidFill>
+              </a14:hiddenFill>
+            </a:ext>
+            <a:ext uri="{91240B29-F687-4F45-9708-019B960494DF}">
+              <a14:hiddenLine xmlns:a14="http://schemas.microsoft.com/office/drawing/2010/main" xmlns="" w="9525">
+                <a:solidFill>
+                  <a:schemeClr val="tx1"/>
+                </a:solidFill>
+                <a:miter lim="800000"/>
+                <a:headEnd/>
+                <a:tailEnd/>
+              </a14:hiddenLine>
+            </a:ext>
+            <a:ext uri="{AF507438-7753-43E0-B8FC-AC1667EBCBE1}">
+              <a14:hiddenEffects xmlns:a14="http://schemas.microsoft.com/office/drawing/2010/main" xmlns="">
+                <a:effectLst>
+                  <a:outerShdw dist="35921" dir="2700000" algn="ctr" rotWithShape="0">
+                    <a:schemeClr val="bg2"/>
+                  </a:outerShdw>
+                </a:effectLst>
+              </a14:hiddenEffects>
+            </a:ext>
+          </a:extLst>
         </p:spPr>
       </p:pic>
     </p:spTree>
@@ -24146,7 +24284,7 @@
                             </p:stCondLst>
                             <p:childTnLst>
                               <p:par>
-                                <p:cTn id="21" presetID="21" presetClass="entr" presetSubtype="4" fill="hold" nodeType="clickEffect">
+                                <p:cTn id="21" presetID="22" presetClass="entr" presetSubtype="4" fill="hold" nodeType="clickEffect">
                                   <p:stCondLst>
                                     <p:cond delay="0"/>
                                   </p:stCondLst>
@@ -24159,7 +24297,11 @@
                                           </p:stCondLst>
                                         </p:cTn>
                                         <p:tgtEl>
-                                          <p:spTgt spid="37891"/>
+                                          <p:spTgt spid="5">
+                                            <p:txEl>
+                                              <p:pRg st="3" end="3"/>
+                                            </p:txEl>
+                                          </p:spTgt>
                                         </p:tgtEl>
                                         <p:attrNameLst>
                                           <p:attrName>style.visibility</p:attrName>
@@ -24169,11 +24311,15 @@
                                         <p:strVal val="visible"/>
                                       </p:to>
                                     </p:set>
-                                    <p:animEffect transition="in" filter="wheel(4)">
-                                      <p:cBhvr>
-                                        <p:cTn id="23" dur="2000"/>
-                                        <p:tgtEl>
-                                          <p:spTgt spid="37891"/>
+                                    <p:animEffect transition="in" filter="wipe(down)">
+                                      <p:cBhvr>
+                                        <p:cTn id="23" dur="500"/>
+                                        <p:tgtEl>
+                                          <p:spTgt spid="5">
+                                            <p:txEl>
+                                              <p:pRg st="3" end="3"/>
+                                            </p:txEl>
+                                          </p:spTgt>
                                         </p:tgtEl>
                                       </p:cBhvr>
                                     </p:animEffect>
@@ -24214,7 +24360,7 @@
                                         <p:tgtEl>
                                           <p:spTgt spid="5">
                                             <p:txEl>
-                                              <p:pRg st="3" end="3"/>
+                                              <p:pRg st="4" end="4"/>
                                             </p:txEl>
                                           </p:spTgt>
                                         </p:tgtEl>
@@ -24232,7 +24378,7 @@
                                         <p:tgtEl>
                                           <p:spTgt spid="5">
                                             <p:txEl>
-                                              <p:pRg st="3" end="3"/>
+                                              <p:pRg st="4" end="4"/>
                                             </p:txEl>
                                           </p:spTgt>
                                         </p:tgtEl>
@@ -24275,7 +24421,7 @@
                                         <p:tgtEl>
                                           <p:spTgt spid="5">
                                             <p:txEl>
-                                              <p:pRg st="4" end="4"/>
+                                              <p:pRg st="5" end="5"/>
                                             </p:txEl>
                                           </p:spTgt>
                                         </p:tgtEl>
@@ -24290,67 +24436,6 @@
                                     <p:animEffect transition="in" filter="wipe(down)">
                                       <p:cBhvr>
                                         <p:cTn id="33" dur="500"/>
-                                        <p:tgtEl>
-                                          <p:spTgt spid="5">
-                                            <p:txEl>
-                                              <p:pRg st="4" end="4"/>
-                                            </p:txEl>
-                                          </p:spTgt>
-                                        </p:tgtEl>
-                                      </p:cBhvr>
-                                    </p:animEffect>
-                                  </p:childTnLst>
-                                </p:cTn>
-                              </p:par>
-                            </p:childTnLst>
-                          </p:cTn>
-                        </p:par>
-                      </p:childTnLst>
-                    </p:cTn>
-                  </p:par>
-                  <p:par>
-                    <p:cTn id="34" fill="hold">
-                      <p:stCondLst>
-                        <p:cond delay="indefinite"/>
-                      </p:stCondLst>
-                      <p:childTnLst>
-                        <p:par>
-                          <p:cTn id="35" fill="hold">
-                            <p:stCondLst>
-                              <p:cond delay="0"/>
-                            </p:stCondLst>
-                            <p:childTnLst>
-                              <p:par>
-                                <p:cTn id="36" presetID="22" presetClass="entr" presetSubtype="4" fill="hold" nodeType="clickEffect">
-                                  <p:stCondLst>
-                                    <p:cond delay="0"/>
-                                  </p:stCondLst>
-                                  <p:childTnLst>
-                                    <p:set>
-                                      <p:cBhvr>
-                                        <p:cTn id="37" dur="1" fill="hold">
-                                          <p:stCondLst>
-                                            <p:cond delay="0"/>
-                                          </p:stCondLst>
-                                        </p:cTn>
-                                        <p:tgtEl>
-                                          <p:spTgt spid="5">
-                                            <p:txEl>
-                                              <p:pRg st="5" end="5"/>
-                                            </p:txEl>
-                                          </p:spTgt>
-                                        </p:tgtEl>
-                                        <p:attrNameLst>
-                                          <p:attrName>style.visibility</p:attrName>
-                                        </p:attrNameLst>
-                                      </p:cBhvr>
-                                      <p:to>
-                                        <p:strVal val="visible"/>
-                                      </p:to>
-                                    </p:set>
-                                    <p:animEffect transition="in" filter="wipe(down)">
-                                      <p:cBhvr>
-                                        <p:cTn id="38" dur="500"/>
                                         <p:tgtEl>
                                           <p:spTgt spid="5">
                                             <p:txEl>
@@ -24473,14 +24558,14 @@
           </a:ln>
           <a:extLst>
             <a:ext uri="{909E8E84-426E-40DD-AFC4-6F175D3DCCD1}">
-              <a14:hiddenFill xmlns:a14="http://schemas.microsoft.com/office/drawing/2010/main">
+              <a14:hiddenFill xmlns:a14="http://schemas.microsoft.com/office/drawing/2010/main" xmlns="">
                 <a:solidFill>
                   <a:srgbClr val="FFFFFF"/>
                 </a:solidFill>
               </a14:hiddenFill>
             </a:ext>
             <a:ext uri="{91240B29-F687-4F45-9708-019B960494DF}">
-              <a14:hiddenLine xmlns:a14="http://schemas.microsoft.com/office/drawing/2010/main" w="9525">
+              <a14:hiddenLine xmlns:a14="http://schemas.microsoft.com/office/drawing/2010/main" xmlns="" w="9525">
                 <a:solidFill>
                   <a:srgbClr val="000000"/>
                 </a:solidFill>
@@ -24785,9 +24870,19 @@
                 <a:latin typeface="Calibri" charset="0"/>
                 <a:cs typeface="Calibri" charset="0"/>
               </a:rPr>
-              <a:t>systèmes					Etat visuel</a:t>
+              <a:t>systèmes					</a:t>
             </a:r>
-            <a:endParaRPr lang="fr-FR" sz="2200" b="1" dirty="0">
+            <a:r>
+              <a:rPr lang="fr-FR" sz="2000" b="1" dirty="0" smtClean="0">
+                <a:solidFill>
+                  <a:srgbClr val="004A99"/>
+                </a:solidFill>
+                <a:latin typeface="Calibri" charset="0"/>
+                <a:cs typeface="Calibri" charset="0"/>
+              </a:rPr>
+              <a:t>Etat visuel</a:t>
+            </a:r>
+            <a:endParaRPr lang="fr-FR" sz="2000" b="1" dirty="0">
               <a:solidFill>
                 <a:srgbClr val="004A99"/>
               </a:solidFill>
@@ -24805,7 +24900,7 @@
               <a:defRPr/>
             </a:pPr>
             <a:r>
-              <a:rPr lang="fr-FR" sz="2200" b="1" dirty="0">
+              <a:rPr lang="fr-FR" sz="2000" b="1" dirty="0">
                 <a:solidFill>
                   <a:srgbClr val="004A99"/>
                 </a:solidFill>
@@ -24815,7 +24910,7 @@
               <a:t>							</a:t>
             </a:r>
             <a:r>
-              <a:rPr lang="fr-FR" sz="2200" b="1" dirty="0" smtClean="0">
+              <a:rPr lang="fr-FR" sz="2000" b="1" dirty="0" smtClean="0">
                 <a:solidFill>
                   <a:srgbClr val="004A99"/>
                 </a:solidFill>
@@ -24824,7 +24919,7 @@
               </a:rPr>
               <a:t>	Optionnel</a:t>
             </a:r>
-            <a:endParaRPr lang="fr-FR" sz="2200" b="1" dirty="0">
+            <a:endParaRPr lang="fr-FR" sz="2000" b="1" dirty="0">
               <a:solidFill>
                 <a:srgbClr val="004A99"/>
               </a:solidFill>
@@ -25597,14 +25692,14 @@
           </a:ln>
           <a:extLst>
             <a:ext uri="{909E8E84-426E-40DD-AFC4-6F175D3DCCD1}">
-              <a14:hiddenFill xmlns:a14="http://schemas.microsoft.com/office/drawing/2010/main">
+              <a14:hiddenFill xmlns:a14="http://schemas.microsoft.com/office/drawing/2010/main" xmlns="">
                 <a:solidFill>
                   <a:srgbClr val="FFFFFF"/>
                 </a:solidFill>
               </a14:hiddenFill>
             </a:ext>
             <a:ext uri="{91240B29-F687-4F45-9708-019B960494DF}">
-              <a14:hiddenLine xmlns:a14="http://schemas.microsoft.com/office/drawing/2010/main" w="9525">
+              <a14:hiddenLine xmlns:a14="http://schemas.microsoft.com/office/drawing/2010/main" xmlns="" w="9525">
                 <a:solidFill>
                   <a:srgbClr val="000000"/>
                 </a:solidFill>
@@ -25871,7 +25966,17 @@
                 <a:latin typeface="Calibri" charset="0"/>
                 <a:cs typeface="Calibri" charset="0"/>
               </a:rPr>
-              <a:t>								Statut</a:t>
+              <a:t>								</a:t>
+            </a:r>
+            <a:r>
+              <a:rPr lang="fr-FR" sz="2000" b="1" dirty="0" smtClean="0">
+                <a:solidFill>
+                  <a:srgbClr val="004A99"/>
+                </a:solidFill>
+                <a:latin typeface="Calibri" charset="0"/>
+                <a:cs typeface="Calibri" charset="0"/>
+              </a:rPr>
+              <a:t>Statut</a:t>
             </a:r>
           </a:p>
           <a:p>
@@ -25884,7 +25989,7 @@
               <a:defRPr/>
             </a:pPr>
             <a:r>
-              <a:rPr lang="fr-FR" sz="2200" b="1" dirty="0">
+              <a:rPr lang="fr-FR" sz="2000" b="1" dirty="0">
                 <a:solidFill>
                   <a:srgbClr val="004A99"/>
                 </a:solidFill>
@@ -25894,7 +25999,7 @@
               <a:t>	</a:t>
             </a:r>
             <a:r>
-              <a:rPr lang="fr-FR" sz="2200" b="1" dirty="0" smtClean="0">
+              <a:rPr lang="fr-FR" sz="2000" b="1" dirty="0" smtClean="0">
                 <a:solidFill>
                   <a:srgbClr val="004A99"/>
                 </a:solidFill>
@@ -25903,7 +26008,7 @@
               </a:rPr>
               <a:t>						Evènement </a:t>
             </a:r>
-            <a:endParaRPr lang="fr-FR" sz="2200" b="1" dirty="0">
+            <a:endParaRPr lang="fr-FR" sz="2000" b="1" dirty="0">
               <a:solidFill>
                 <a:srgbClr val="004A99"/>
               </a:solidFill>
@@ -25921,7 +26026,7 @@
               <a:defRPr/>
             </a:pPr>
             <a:r>
-              <a:rPr lang="fr-FR" sz="2200" b="1" dirty="0">
+              <a:rPr lang="fr-FR" sz="2000" b="1" dirty="0">
                 <a:solidFill>
                   <a:srgbClr val="004A99"/>
                 </a:solidFill>
@@ -25931,7 +26036,7 @@
               <a:t>							</a:t>
             </a:r>
             <a:r>
-              <a:rPr lang="fr-FR" sz="2200" b="1" dirty="0" smtClean="0">
+              <a:rPr lang="fr-FR" sz="2000" b="1" dirty="0" smtClean="0">
                 <a:solidFill>
                   <a:srgbClr val="004A99"/>
                 </a:solidFill>
@@ -25951,7 +26056,7 @@
               <a:defRPr/>
             </a:pPr>
             <a:r>
-              <a:rPr lang="fr-FR" sz="2200" b="1" dirty="0" smtClean="0">
+              <a:rPr lang="fr-FR" sz="2000" b="1" dirty="0" smtClean="0">
                 <a:solidFill>
                   <a:srgbClr val="004A99"/>
                 </a:solidFill>
@@ -25971,7 +26076,7 @@
               <a:defRPr/>
             </a:pPr>
             <a:r>
-              <a:rPr lang="fr-FR" sz="2200" b="1" dirty="0">
+              <a:rPr lang="fr-FR" sz="2000" b="1" dirty="0">
                 <a:solidFill>
                   <a:srgbClr val="004A99"/>
                 </a:solidFill>
@@ -25981,7 +26086,7 @@
               <a:t>	</a:t>
             </a:r>
             <a:r>
-              <a:rPr lang="fr-FR" sz="2200" b="1" dirty="0" smtClean="0">
+              <a:rPr lang="fr-FR" sz="2000" b="1" dirty="0" smtClean="0">
                 <a:solidFill>
                   <a:srgbClr val="004A99"/>
                 </a:solidFill>
@@ -26000,36 +26105,16 @@
               <a:defRPr/>
             </a:pPr>
             <a:r>
-              <a:rPr lang="fr-FR" sz="2200" b="1" dirty="0" smtClean="0">
+              <a:rPr lang="fr-FR" sz="2000" b="1" dirty="0" smtClean="0">
                 <a:solidFill>
                   <a:srgbClr val="004A99"/>
                 </a:solidFill>
                 <a:latin typeface="Calibri" charset="0"/>
                 <a:cs typeface="Calibri" charset="0"/>
               </a:rPr>
-              <a:t>							</a:t>
+              <a:t>							 Protocole Syslog (UNIX)</a:t>
             </a:r>
-            <a:r>
-              <a:rPr lang="fr-FR" sz="1800" b="1" dirty="0" smtClean="0">
-                <a:solidFill>
-                  <a:srgbClr val="004A99"/>
-                </a:solidFill>
-                <a:latin typeface="Calibri" charset="0"/>
-                <a:cs typeface="Calibri" charset="0"/>
-              </a:rPr>
-              <a:t> </a:t>
-            </a:r>
-            <a:r>
-              <a:rPr lang="fr-FR" sz="2200" b="1" dirty="0" smtClean="0">
-                <a:solidFill>
-                  <a:srgbClr val="004A99"/>
-                </a:solidFill>
-                <a:latin typeface="Calibri" charset="0"/>
-                <a:cs typeface="Calibri" charset="0"/>
-              </a:rPr>
-              <a:t>Protocole Syslog (UNIX)</a:t>
-            </a:r>
-            <a:endParaRPr lang="fr-FR" sz="2200" b="1" dirty="0" smtClean="0">
+            <a:endParaRPr lang="fr-FR" sz="2000" b="1" dirty="0" smtClean="0">
               <a:solidFill>
                 <a:srgbClr val="00B050"/>
               </a:solidFill>
@@ -27029,14 +27114,14 @@
           </a:ln>
           <a:extLst>
             <a:ext uri="{909E8E84-426E-40DD-AFC4-6F175D3DCCD1}">
-              <a14:hiddenFill xmlns:a14="http://schemas.microsoft.com/office/drawing/2010/main">
+              <a14:hiddenFill xmlns:a14="http://schemas.microsoft.com/office/drawing/2010/main" xmlns="">
                 <a:solidFill>
                   <a:srgbClr val="FFFFFF"/>
                 </a:solidFill>
               </a14:hiddenFill>
             </a:ext>
             <a:ext uri="{91240B29-F687-4F45-9708-019B960494DF}">
-              <a14:hiddenLine xmlns:a14="http://schemas.microsoft.com/office/drawing/2010/main" w="9525">
+              <a14:hiddenLine xmlns:a14="http://schemas.microsoft.com/office/drawing/2010/main" xmlns="" w="9525">
                 <a:solidFill>
                   <a:srgbClr val="000000"/>
                 </a:solidFill>
@@ -27893,14 +27978,14 @@
           </a:ln>
           <a:extLst>
             <a:ext uri="{909E8E84-426E-40DD-AFC4-6F175D3DCCD1}">
-              <a14:hiddenFill xmlns:a14="http://schemas.microsoft.com/office/drawing/2010/main">
+              <a14:hiddenFill xmlns:a14="http://schemas.microsoft.com/office/drawing/2010/main" xmlns="">
                 <a:solidFill>
                   <a:srgbClr val="FFFFFF"/>
                 </a:solidFill>
               </a14:hiddenFill>
             </a:ext>
             <a:ext uri="{91240B29-F687-4F45-9708-019B960494DF}">
-              <a14:hiddenLine xmlns:a14="http://schemas.microsoft.com/office/drawing/2010/main" w="9525">
+              <a14:hiddenLine xmlns:a14="http://schemas.microsoft.com/office/drawing/2010/main" xmlns="" w="9525">
                 <a:solidFill>
                   <a:srgbClr val="000000"/>
                 </a:solidFill>
@@ -29664,7 +29749,7 @@
           <a:p>
             <a:pPr algn="ctr" eaLnBrk="1" hangingPunct="1"/>
             <a:r>
-              <a:rPr lang="fr-FR" b="1" smtClean="0">
+              <a:rPr lang="fr-FR" b="1" dirty="0" smtClean="0">
                 <a:solidFill>
                   <a:srgbClr val="0070C0"/>
                 </a:solidFill>
@@ -29672,7 +29757,7 @@
               </a:rPr>
               <a:t>PRÉSENTATION GENERALE</a:t>
             </a:r>
-            <a:endParaRPr lang="fr-FR" smtClean="0">
+            <a:endParaRPr lang="fr-FR" dirty="0" smtClean="0">
               <a:ea typeface="ＭＳ Ｐゴシック" pitchFamily="-84" charset="-128"/>
             </a:endParaRPr>
           </a:p>
@@ -29766,7 +29851,7 @@
           <a:blip r:embed="rId3" cstate="print">
             <a:extLst>
               <a:ext uri="{28A0092B-C50C-407E-A947-70E740481C1C}">
-                <a14:useLocalDpi xmlns:a14="http://schemas.microsoft.com/office/drawing/2010/main" val="0"/>
+                <a14:useLocalDpi xmlns:a14="http://schemas.microsoft.com/office/drawing/2010/main" xmlns="" val="0"/>
               </a:ext>
             </a:extLst>
           </a:blip>
@@ -29795,7 +29880,7 @@
           </a:effectLst>
           <a:extLst>
             <a:ext uri="{909E8E84-426E-40DD-AFC4-6F175D3DCCD1}">
-              <a14:hiddenFill xmlns:a14="http://schemas.microsoft.com/office/drawing/2010/main">
+              <a14:hiddenFill xmlns:a14="http://schemas.microsoft.com/office/drawing/2010/main" xmlns="">
                 <a:solidFill>
                   <a:srgbClr val="FFFFFF"/>
                 </a:solidFill>
@@ -29948,7 +30033,7 @@
                             </p:stCondLst>
                             <p:childTnLst>
                               <p:par>
-                                <p:cTn id="10" presetID="12" presetClass="entr" presetSubtype="4" fill="hold" nodeType="clickEffect">
+                                <p:cTn id="10" presetID="4" presetClass="entr" presetSubtype="16" fill="hold" nodeType="clickEffect">
                                   <p:stCondLst>
                                     <p:cond delay="0"/>
                                   </p:stCondLst>
@@ -29975,7 +30060,7 @@
                                         <p:strVal val="visible"/>
                                       </p:to>
                                     </p:set>
-                                    <p:animEffect transition="in" filter="slide(fromBottom)">
+                                    <p:animEffect transition="in" filter="box(in)">
                                       <p:cBhvr>
                                         <p:cTn id="12" dur="500"/>
                                         <p:tgtEl>
@@ -30581,7 +30666,7 @@
     </p:spTree>
     <p:extLst>
       <p:ext uri="{BB962C8B-B14F-4D97-AF65-F5344CB8AC3E}">
-        <p14:creationId xmlns:p14="http://schemas.microsoft.com/office/powerpoint/2010/main" val="2710636056"/>
+        <p14:creationId xmlns:p14="http://schemas.microsoft.com/office/powerpoint/2010/main" xmlns="" val="2710636056"/>
       </p:ext>
     </p:extLst>
   </p:cSld>
@@ -31218,7 +31303,7 @@
     </p:spTree>
     <p:extLst>
       <p:ext uri="{BB962C8B-B14F-4D97-AF65-F5344CB8AC3E}">
-        <p14:creationId xmlns:p14="http://schemas.microsoft.com/office/powerpoint/2010/main" val="348709795"/>
+        <p14:creationId xmlns:p14="http://schemas.microsoft.com/office/powerpoint/2010/main" xmlns="" val="348709795"/>
       </p:ext>
     </p:extLst>
   </p:cSld>
@@ -33247,7 +33332,7 @@
           <a:blip r:embed="rId3" cstate="print">
             <a:extLst>
               <a:ext uri="{28A0092B-C50C-407E-A947-70E740481C1C}">
-                <a14:useLocalDpi xmlns:a14="http://schemas.microsoft.com/office/drawing/2010/main" val="0"/>
+                <a14:useLocalDpi xmlns:a14="http://schemas.microsoft.com/office/drawing/2010/main" xmlns="" val="0"/>
               </a:ext>
             </a:extLst>
           </a:blip>
@@ -33277,7 +33362,7 @@
           <a:blip r:embed="rId4" cstate="print">
             <a:extLst>
               <a:ext uri="{28A0092B-C50C-407E-A947-70E740481C1C}">
-                <a14:useLocalDpi xmlns:a14="http://schemas.microsoft.com/office/drawing/2010/main" val="0"/>
+                <a14:useLocalDpi xmlns:a14="http://schemas.microsoft.com/office/drawing/2010/main" xmlns="" val="0"/>
               </a:ext>
             </a:extLst>
           </a:blip>
@@ -33307,7 +33392,7 @@
           <a:blip r:embed="rId5" cstate="print">
             <a:extLst>
               <a:ext uri="{28A0092B-C50C-407E-A947-70E740481C1C}">
-                <a14:useLocalDpi xmlns:a14="http://schemas.microsoft.com/office/drawing/2010/main" val="0"/>
+                <a14:useLocalDpi xmlns:a14="http://schemas.microsoft.com/office/drawing/2010/main" xmlns="" val="0"/>
               </a:ext>
             </a:extLst>
           </a:blip>
@@ -33337,7 +33422,7 @@
           <a:blip r:embed="rId5" cstate="print">
             <a:extLst>
               <a:ext uri="{28A0092B-C50C-407E-A947-70E740481C1C}">
-                <a14:useLocalDpi xmlns:a14="http://schemas.microsoft.com/office/drawing/2010/main" val="0"/>
+                <a14:useLocalDpi xmlns:a14="http://schemas.microsoft.com/office/drawing/2010/main" xmlns="" val="0"/>
               </a:ext>
             </a:extLst>
           </a:blip>
@@ -33480,6 +33565,78 @@
           </a:p>
         </p:txBody>
       </p:sp>
+      <p:sp>
+        <p:nvSpPr>
+          <p:cNvPr id="13" name="ZoneTexte 12"/>
+          <p:cNvSpPr txBox="1"/>
+          <p:nvPr/>
+        </p:nvSpPr>
+        <p:spPr>
+          <a:xfrm>
+            <a:off x="2627784" y="4725144"/>
+            <a:ext cx="1391728" cy="338554"/>
+          </a:xfrm>
+          <a:prstGeom prst="rect">
+            <a:avLst/>
+          </a:prstGeom>
+          <a:noFill/>
+        </p:spPr>
+        <p:txBody>
+          <a:bodyPr wrap="none" rtlCol="0">
+            <a:spAutoFit/>
+          </a:bodyPr>
+          <a:lstStyle/>
+          <a:p>
+            <a:r>
+              <a:rPr lang="fr-FR" sz="1600" b="1" dirty="0" smtClean="0">
+                <a:latin typeface="Arial" pitchFamily="34" charset="0"/>
+                <a:cs typeface="Arial" pitchFamily="34" charset="0"/>
+              </a:rPr>
+              <a:t>Liaison USB</a:t>
+            </a:r>
+            <a:endParaRPr lang="fr-FR" sz="1600" b="1" dirty="0">
+              <a:latin typeface="Arial" pitchFamily="34" charset="0"/>
+              <a:cs typeface="Arial" pitchFamily="34" charset="0"/>
+            </a:endParaRPr>
+          </a:p>
+        </p:txBody>
+      </p:sp>
+      <p:sp>
+        <p:nvSpPr>
+          <p:cNvPr id="14" name="ZoneTexte 13"/>
+          <p:cNvSpPr txBox="1"/>
+          <p:nvPr/>
+        </p:nvSpPr>
+        <p:spPr>
+          <a:xfrm>
+            <a:off x="5076056" y="4149080"/>
+            <a:ext cx="1247712" cy="338554"/>
+          </a:xfrm>
+          <a:prstGeom prst="rect">
+            <a:avLst/>
+          </a:prstGeom>
+          <a:noFill/>
+        </p:spPr>
+        <p:txBody>
+          <a:bodyPr wrap="square" rtlCol="0">
+            <a:spAutoFit/>
+          </a:bodyPr>
+          <a:lstStyle/>
+          <a:p>
+            <a:r>
+              <a:rPr lang="fr-FR" sz="1600" b="1" dirty="0" smtClean="0">
+                <a:latin typeface="Arial" pitchFamily="34" charset="0"/>
+                <a:cs typeface="Arial" pitchFamily="34" charset="0"/>
+              </a:rPr>
+              <a:t>Bus CAN</a:t>
+            </a:r>
+            <a:endParaRPr lang="fr-FR" sz="1600" b="1" dirty="0">
+              <a:latin typeface="Arial" pitchFamily="34" charset="0"/>
+              <a:cs typeface="Arial" pitchFamily="34" charset="0"/>
+            </a:endParaRPr>
+          </a:p>
+        </p:txBody>
+      </p:sp>
     </p:spTree>
   </p:cSld>
   <p:clrMapOvr>
@@ -33897,21 +34054,43 @@
                                   </p:childTnLst>
                                 </p:cTn>
                               </p:par>
+                            </p:childTnLst>
+                          </p:cTn>
+                        </p:par>
+                      </p:childTnLst>
+                    </p:cTn>
+                  </p:par>
+                  <p:par>
+                    <p:cTn id="32" fill="hold">
+                      <p:stCondLst>
+                        <p:cond delay="indefinite"/>
+                      </p:stCondLst>
+                      <p:childTnLst>
+                        <p:par>
+                          <p:cTn id="33" fill="hold">
+                            <p:stCondLst>
+                              <p:cond delay="0"/>
+                            </p:stCondLst>
+                            <p:childTnLst>
                               <p:par>
-                                <p:cTn id="32" presetID="53" presetClass="entr" presetSubtype="0" fill="hold" nodeType="withEffect">
+                                <p:cTn id="34" presetID="4" presetClass="entr" presetSubtype="16" fill="hold" grpId="0" nodeType="clickEffect">
                                   <p:stCondLst>
                                     <p:cond delay="0"/>
                                   </p:stCondLst>
                                   <p:childTnLst>
                                     <p:set>
                                       <p:cBhvr>
-                                        <p:cTn id="33" dur="1" fill="hold">
+                                        <p:cTn id="35" dur="1" fill="hold">
                                           <p:stCondLst>
                                             <p:cond delay="0"/>
                                           </p:stCondLst>
                                         </p:cTn>
                                         <p:tgtEl>
-                                          <p:spTgt spid="6"/>
+                                          <p:spTgt spid="13">
+                                            <p:txEl>
+                                              <p:pRg st="0" end="0"/>
+                                            </p:txEl>
+                                          </p:spTgt>
                                         </p:tgtEl>
                                         <p:attrNameLst>
                                           <p:attrName>style.visibility</p:attrName>
@@ -33921,57 +34100,15 @@
                                         <p:strVal val="visible"/>
                                       </p:to>
                                     </p:set>
-                                    <p:anim calcmode="lin" valueType="num">
-                                      <p:cBhvr>
-                                        <p:cTn id="34" dur="500" fill="hold"/>
-                                        <p:tgtEl>
-                                          <p:spTgt spid="6"/>
-                                        </p:tgtEl>
-                                        <p:attrNameLst>
-                                          <p:attrName>ppt_w</p:attrName>
-                                        </p:attrNameLst>
-                                      </p:cBhvr>
-                                      <p:tavLst>
-                                        <p:tav tm="0">
-                                          <p:val>
-                                            <p:fltVal val="0"/>
-                                          </p:val>
-                                        </p:tav>
-                                        <p:tav tm="100000">
-                                          <p:val>
-                                            <p:strVal val="#ppt_w"/>
-                                          </p:val>
-                                        </p:tav>
-                                      </p:tavLst>
-                                    </p:anim>
-                                    <p:anim calcmode="lin" valueType="num">
-                                      <p:cBhvr>
-                                        <p:cTn id="35" dur="500" fill="hold"/>
-                                        <p:tgtEl>
-                                          <p:spTgt spid="6"/>
-                                        </p:tgtEl>
-                                        <p:attrNameLst>
-                                          <p:attrName>ppt_h</p:attrName>
-                                        </p:attrNameLst>
-                                      </p:cBhvr>
-                                      <p:tavLst>
-                                        <p:tav tm="0">
-                                          <p:val>
-                                            <p:fltVal val="0"/>
-                                          </p:val>
-                                        </p:tav>
-                                        <p:tav tm="100000">
-                                          <p:val>
-                                            <p:strVal val="#ppt_h"/>
-                                          </p:val>
-                                        </p:tav>
-                                      </p:tavLst>
-                                    </p:anim>
-                                    <p:animEffect transition="in" filter="fade">
+                                    <p:animEffect transition="in" filter="box(in)">
                                       <p:cBhvr>
                                         <p:cTn id="36" dur="500"/>
                                         <p:tgtEl>
-                                          <p:spTgt spid="6"/>
+                                          <p:spTgt spid="13">
+                                            <p:txEl>
+                                              <p:pRg st="0" end="0"/>
+                                            </p:txEl>
+                                          </p:spTgt>
                                         </p:tgtEl>
                                       </p:cBhvr>
                                     </p:animEffect>
@@ -33997,14 +34134,137 @@
                             </p:stCondLst>
                             <p:childTnLst>
                               <p:par>
-                                <p:cTn id="39" presetID="24" presetClass="entr" presetSubtype="0" fill="hold" nodeType="clickEffect">
+                                <p:cTn id="39" presetID="4" presetClass="emph" presetSubtype="2" fill="hold" nodeType="clickEffect">
+                                  <p:stCondLst>
+                                    <p:cond delay="0"/>
+                                  </p:stCondLst>
+                                  <p:childTnLst>
+                                    <p:anim to="1.5" calcmode="lin" valueType="num">
+                                      <p:cBhvr override="childStyle">
+                                        <p:cTn id="40" dur="2000" fill="hold"/>
+                                        <p:tgtEl>
+                                          <p:spTgt spid="13">
+                                            <p:txEl>
+                                              <p:pRg st="0" end="0"/>
+                                            </p:txEl>
+                                          </p:spTgt>
+                                        </p:tgtEl>
+                                        <p:attrNameLst>
+                                          <p:attrName>style.fontSize</p:attrName>
+                                        </p:attrNameLst>
+                                      </p:cBhvr>
+                                    </p:anim>
+                                  </p:childTnLst>
+                                </p:cTn>
+                              </p:par>
+                              <p:par>
+                                <p:cTn id="41" presetID="53" presetClass="entr" presetSubtype="0" fill="hold" nodeType="withEffect">
                                   <p:stCondLst>
                                     <p:cond delay="0"/>
                                   </p:stCondLst>
                                   <p:childTnLst>
                                     <p:set>
                                       <p:cBhvr>
-                                        <p:cTn id="40" dur="1" fill="hold">
+                                        <p:cTn id="42" dur="1" fill="hold">
+                                          <p:stCondLst>
+                                            <p:cond delay="0"/>
+                                          </p:stCondLst>
+                                        </p:cTn>
+                                        <p:tgtEl>
+                                          <p:spTgt spid="6"/>
+                                        </p:tgtEl>
+                                        <p:attrNameLst>
+                                          <p:attrName>style.visibility</p:attrName>
+                                        </p:attrNameLst>
+                                      </p:cBhvr>
+                                      <p:to>
+                                        <p:strVal val="visible"/>
+                                      </p:to>
+                                    </p:set>
+                                    <p:anim calcmode="lin" valueType="num">
+                                      <p:cBhvr>
+                                        <p:cTn id="43" dur="500" fill="hold"/>
+                                        <p:tgtEl>
+                                          <p:spTgt spid="6"/>
+                                        </p:tgtEl>
+                                        <p:attrNameLst>
+                                          <p:attrName>ppt_w</p:attrName>
+                                        </p:attrNameLst>
+                                      </p:cBhvr>
+                                      <p:tavLst>
+                                        <p:tav tm="0">
+                                          <p:val>
+                                            <p:fltVal val="0"/>
+                                          </p:val>
+                                        </p:tav>
+                                        <p:tav tm="100000">
+                                          <p:val>
+                                            <p:strVal val="#ppt_w"/>
+                                          </p:val>
+                                        </p:tav>
+                                      </p:tavLst>
+                                    </p:anim>
+                                    <p:anim calcmode="lin" valueType="num">
+                                      <p:cBhvr>
+                                        <p:cTn id="44" dur="500" fill="hold"/>
+                                        <p:tgtEl>
+                                          <p:spTgt spid="6"/>
+                                        </p:tgtEl>
+                                        <p:attrNameLst>
+                                          <p:attrName>ppt_h</p:attrName>
+                                        </p:attrNameLst>
+                                      </p:cBhvr>
+                                      <p:tavLst>
+                                        <p:tav tm="0">
+                                          <p:val>
+                                            <p:fltVal val="0"/>
+                                          </p:val>
+                                        </p:tav>
+                                        <p:tav tm="100000">
+                                          <p:val>
+                                            <p:strVal val="#ppt_h"/>
+                                          </p:val>
+                                        </p:tav>
+                                      </p:tavLst>
+                                    </p:anim>
+                                    <p:animEffect transition="in" filter="fade">
+                                      <p:cBhvr>
+                                        <p:cTn id="45" dur="500"/>
+                                        <p:tgtEl>
+                                          <p:spTgt spid="6"/>
+                                        </p:tgtEl>
+                                      </p:cBhvr>
+                                    </p:animEffect>
+                                  </p:childTnLst>
+                                </p:cTn>
+                              </p:par>
+                            </p:childTnLst>
+                          </p:cTn>
+                        </p:par>
+                      </p:childTnLst>
+                    </p:cTn>
+                  </p:par>
+                  <p:par>
+                    <p:cTn id="46" fill="hold">
+                      <p:stCondLst>
+                        <p:cond delay="indefinite"/>
+                      </p:stCondLst>
+                      <p:childTnLst>
+                        <p:par>
+                          <p:cTn id="47" fill="hold">
+                            <p:stCondLst>
+                              <p:cond delay="0"/>
+                            </p:stCondLst>
+                            <p:childTnLst>
+                              <p:par>
+                                <p:cTn id="48" presetID="24" presetClass="entr" presetSubtype="0" fill="hold" nodeType="clickEffect">
+                                  <p:stCondLst>
+                                    <p:cond delay="0"/>
+                                  </p:stCondLst>
+                                  <p:childTnLst>
+                                    <p:set>
+                                      <p:cBhvr>
+                                        <p:cTn id="49" dur="1" fill="hold">
                                           <p:stCondLst>
                                             <p:cond delay="0"/>
                                           </p:stCondLst>
@@ -34022,7 +34282,7 @@
                                     </p:set>
                                     <p:anim to="" calcmode="lin" valueType="num">
                                       <p:cBhvr>
-                                        <p:cTn id="41" dur="1" fill="hold"/>
+                                        <p:cTn id="50" dur="1" fill="hold"/>
                                         <p:tgtEl>
                                           <p:spTgt spid="8"/>
                                         </p:tgtEl>
@@ -34035,14 +34295,14 @@
                                 </p:cTn>
                               </p:par>
                               <p:par>
-                                <p:cTn id="42" presetID="24" presetClass="entr" presetSubtype="0" fill="hold" grpId="0" nodeType="withEffect">
+                                <p:cTn id="51" presetID="24" presetClass="entr" presetSubtype="0" fill="hold" grpId="0" nodeType="withEffect">
                                   <p:stCondLst>
                                     <p:cond delay="0"/>
                                   </p:stCondLst>
                                   <p:childTnLst>
                                     <p:set>
                                       <p:cBhvr>
-                                        <p:cTn id="43" dur="1" fill="hold">
+                                        <p:cTn id="52" dur="1" fill="hold">
                                           <p:stCondLst>
                                             <p:cond delay="0"/>
                                           </p:stCondLst>
@@ -34060,12 +34320,115 @@
                                     </p:set>
                                     <p:anim to="" calcmode="lin" valueType="num">
                                       <p:cBhvr>
-                                        <p:cTn id="44" dur="1" fill="hold"/>
+                                        <p:cTn id="53" dur="1" fill="hold"/>
                                         <p:tgtEl>
                                           <p:spTgt spid="12"/>
                                         </p:tgtEl>
                                         <p:attrNameLst>
                                           <p:attrName/>
+                                        </p:attrNameLst>
+                                      </p:cBhvr>
+                                    </p:anim>
+                                  </p:childTnLst>
+                                </p:cTn>
+                              </p:par>
+                            </p:childTnLst>
+                          </p:cTn>
+                        </p:par>
+                      </p:childTnLst>
+                    </p:cTn>
+                  </p:par>
+                  <p:par>
+                    <p:cTn id="54" fill="hold">
+                      <p:stCondLst>
+                        <p:cond delay="indefinite"/>
+                      </p:stCondLst>
+                      <p:childTnLst>
+                        <p:par>
+                          <p:cTn id="55" fill="hold">
+                            <p:stCondLst>
+                              <p:cond delay="0"/>
+                            </p:stCondLst>
+                            <p:childTnLst>
+                              <p:par>
+                                <p:cTn id="56" presetID="4" presetClass="entr" presetSubtype="16" fill="hold" grpId="0" nodeType="clickEffect">
+                                  <p:stCondLst>
+                                    <p:cond delay="0"/>
+                                  </p:stCondLst>
+                                  <p:childTnLst>
+                                    <p:set>
+                                      <p:cBhvr>
+                                        <p:cTn id="57" dur="1" fill="hold">
+                                          <p:stCondLst>
+                                            <p:cond delay="0"/>
+                                          </p:stCondLst>
+                                        </p:cTn>
+                                        <p:tgtEl>
+                                          <p:spTgt spid="14">
+                                            <p:txEl>
+                                              <p:pRg st="0" end="0"/>
+                                            </p:txEl>
+                                          </p:spTgt>
+                                        </p:tgtEl>
+                                        <p:attrNameLst>
+                                          <p:attrName>style.visibility</p:attrName>
+                                        </p:attrNameLst>
+                                      </p:cBhvr>
+                                      <p:to>
+                                        <p:strVal val="visible"/>
+                                      </p:to>
+                                    </p:set>
+                                    <p:animEffect transition="in" filter="box(in)">
+                                      <p:cBhvr>
+                                        <p:cTn id="58" dur="500"/>
+                                        <p:tgtEl>
+                                          <p:spTgt spid="14">
+                                            <p:txEl>
+                                              <p:pRg st="0" end="0"/>
+                                            </p:txEl>
+                                          </p:spTgt>
+                                        </p:tgtEl>
+                                      </p:cBhvr>
+                                    </p:animEffect>
+                                  </p:childTnLst>
+                                </p:cTn>
+                              </p:par>
+                            </p:childTnLst>
+                          </p:cTn>
+                        </p:par>
+                      </p:childTnLst>
+                    </p:cTn>
+                  </p:par>
+                  <p:par>
+                    <p:cTn id="59" fill="hold">
+                      <p:stCondLst>
+                        <p:cond delay="indefinite"/>
+                      </p:stCondLst>
+                      <p:childTnLst>
+                        <p:par>
+                          <p:cTn id="60" fill="hold">
+                            <p:stCondLst>
+                              <p:cond delay="0"/>
+                            </p:stCondLst>
+                            <p:childTnLst>
+                              <p:par>
+                                <p:cTn id="61" presetID="4" presetClass="emph" presetSubtype="2" fill="hold" nodeType="clickEffect">
+                                  <p:stCondLst>
+                                    <p:cond delay="0"/>
+                                  </p:stCondLst>
+                                  <p:childTnLst>
+                                    <p:anim to="1.5" calcmode="lin" valueType="num">
+                                      <p:cBhvr override="childStyle">
+                                        <p:cTn id="62" dur="2000" fill="hold"/>
+                                        <p:tgtEl>
+                                          <p:spTgt spid="14">
+                                            <p:txEl>
+                                              <p:pRg st="0" end="0"/>
+                                            </p:txEl>
+                                          </p:spTgt>
+                                        </p:tgtEl>
+                                        <p:attrNameLst>
+                                          <p:attrName>style.fontSize</p:attrName>
                                         </p:attrNameLst>
                                       </p:cBhvr>
                                     </p:anim>
@@ -34073,14 +34436,14 @@
                                 </p:cTn>
                               </p:par>
                               <p:par>
-                                <p:cTn id="45" presetID="24" presetClass="entr" presetSubtype="0" fill="hold" grpId="0" nodeType="withEffect">
+                                <p:cTn id="63" presetID="24" presetClass="entr" presetSubtype="0" fill="hold" grpId="0" nodeType="withEffect">
                                   <p:stCondLst>
                                     <p:cond delay="0"/>
                                   </p:stCondLst>
                                   <p:childTnLst>
                                     <p:set>
                                       <p:cBhvr>
-                                        <p:cTn id="46" dur="1" fill="hold">
+                                        <p:cTn id="64" dur="1" fill="hold">
                                           <p:stCondLst>
                                             <p:cond delay="0"/>
                                           </p:stCondLst>
@@ -34098,7 +34461,7 @@
                                     </p:set>
                                     <p:anim to="" calcmode="lin" valueType="num">
                                       <p:cBhvr>
-                                        <p:cTn id="47" dur="1" fill="hold"/>
+                                        <p:cTn id="65" dur="1" fill="hold"/>
                                         <p:tgtEl>
                                           <p:spTgt spid="11"/>
                                         </p:tgtEl>
@@ -34111,14 +34474,14 @@
                                 </p:cTn>
                               </p:par>
                               <p:par>
-                                <p:cTn id="48" presetID="24" presetClass="entr" presetSubtype="0" fill="hold" nodeType="withEffect">
+                                <p:cTn id="66" presetID="24" presetClass="entr" presetSubtype="0" fill="hold" nodeType="withEffect">
                                   <p:stCondLst>
                                     <p:cond delay="0"/>
                                   </p:stCondLst>
                                   <p:childTnLst>
                                     <p:set>
                                       <p:cBhvr>
-                                        <p:cTn id="49" dur="1" fill="hold">
+                                        <p:cTn id="67" dur="1" fill="hold">
                                           <p:stCondLst>
                                             <p:cond delay="0"/>
                                           </p:stCondLst>
@@ -34136,7 +34499,7 @@
                                     </p:set>
                                     <p:anim to="" calcmode="lin" valueType="num">
                                       <p:cBhvr>
-                                        <p:cTn id="50" dur="1" fill="hold"/>
+                                        <p:cTn id="68" dur="1" fill="hold"/>
                                         <p:tgtEl>
                                           <p:spTgt spid="7"/>
                                         </p:tgtEl>
@@ -34180,6 +34543,8 @@
       <p:bldP spid="10" grpId="0" animBg="1"/>
       <p:bldP spid="11" grpId="0" animBg="1"/>
       <p:bldP spid="12" grpId="0" animBg="1"/>
+      <p:bldP spid="13" grpId="0" build="allAtOnce"/>
+      <p:bldP spid="14" grpId="0" build="allAtOnce"/>
     </p:bldLst>
   </p:timing>
 </p:sld>
@@ -34419,13 +34784,13 @@
   <p:clrMapOvr>
     <a:masterClrMapping/>
   </p:clrMapOvr>
-  <mc:AlternateContent xmlns:mc="http://schemas.openxmlformats.org/markup-compatibility/2006" xmlns:p14="http://schemas.microsoft.com/office/powerpoint/2010/main">
-    <mc:Choice Requires="p14">
+  <mc:AlternateContent xmlns:mc="http://schemas.openxmlformats.org/markup-compatibility/2006">
+    <mc:Choice xmlns:p14="http://schemas.microsoft.com/office/powerpoint/2010/main" xmlns="" Requires="p14">
       <p:transition spd="slow">
         <p14:flash/>
       </p:transition>
     </mc:Choice>
-    <mc:Fallback xmlns="">
+    <mc:Fallback>
       <p:transition spd="slow">
         <p:fade/>
       </p:transition>
@@ -35195,7 +35560,7 @@
           <a:blip r:embed="rId3" cstate="print">
             <a:extLst>
               <a:ext uri="{28A0092B-C50C-407E-A947-70E740481C1C}">
-                <a14:useLocalDpi xmlns:a14="http://schemas.microsoft.com/office/drawing/2010/main" val="0"/>
+                <a14:useLocalDpi xmlns:a14="http://schemas.microsoft.com/office/drawing/2010/main" xmlns="" val="0"/>
               </a:ext>
             </a:extLst>
           </a:blip>
@@ -35218,13 +35583,13 @@
   <p:clrMapOvr>
     <a:masterClrMapping/>
   </p:clrMapOvr>
-  <mc:AlternateContent xmlns:mc="http://schemas.openxmlformats.org/markup-compatibility/2006" xmlns:p14="http://schemas.microsoft.com/office/powerpoint/2010/main">
-    <mc:Choice Requires="p14">
+  <mc:AlternateContent xmlns:mc="http://schemas.openxmlformats.org/markup-compatibility/2006">
+    <mc:Choice xmlns:p14="http://schemas.microsoft.com/office/powerpoint/2010/main" xmlns="" Requires="p14">
       <p:transition spd="slow">
         <p14:flash/>
       </p:transition>
     </mc:Choice>
-    <mc:Fallback xmlns="">
+    <mc:Fallback>
       <p:transition spd="slow">
         <p:fade/>
       </p:transition>
